--- a/자바 프로젝트.pptx
+++ b/자바 프로젝트.pptx
@@ -1,6 +1,6 @@
 
 <file path=ppt/presentation.xml><?xml version="1.0" encoding="utf-8"?>
-<p:presentation xmlns:r="http://schemas.openxmlformats.org/officeDocument/2006/relationships" xmlns:c="http://schemas.openxmlformats.org/drawingml/2006/chart" xmlns:a="http://schemas.openxmlformats.org/drawingml/2006/main" xmlns:dgm="http://schemas.openxmlformats.org/drawingml/2006/diagram" xmlns:dsp="http://schemas.microsoft.com/office/drawing/2008/diagram" xmlns:p="http://schemas.openxmlformats.org/presentationml/2006/main">
+<p:presentation xmlns:a="http://schemas.openxmlformats.org/drawingml/2006/main" xmlns:r="http://schemas.openxmlformats.org/officeDocument/2006/relationships" xmlns:p="http://schemas.openxmlformats.org/presentationml/2006/main">
   <p:sldMasterIdLst>
     <p:sldMasterId id="2147483648" r:id="rId1"/>
   </p:sldMasterIdLst>
@@ -104,11 +104,27 @@
       </a:defRPr>
     </a:lvl9pPr>
   </p:defaultTextStyle>
+  <p:extLst>
+    <p:ext uri="{EFAFB233-063F-42B5-8137-9DF3F51BA10A}">
+      <p15:sldGuideLst xmlns:p15="http://schemas.microsoft.com/office/powerpoint/2012/main">
+        <p15:guide id="1" orient="horz" pos="2157">
+          <p15:clr>
+            <a:srgbClr val="A4A3A4"/>
+          </p15:clr>
+        </p15:guide>
+        <p15:guide id="2" pos="3839">
+          <p15:clr>
+            <a:srgbClr val="A4A3A4"/>
+          </p15:clr>
+        </p15:guide>
+      </p15:sldGuideLst>
+    </p:ext>
+  </p:extLst>
 </p:presentation>
 </file>
 
 <file path=ppt/slideLayouts/slideLayout1.xml><?xml version="1.0" encoding="utf-8"?>
-<p:sldLayout xmlns:r="http://schemas.openxmlformats.org/officeDocument/2006/relationships" xmlns:c="http://schemas.openxmlformats.org/drawingml/2006/chart" xmlns:a="http://schemas.openxmlformats.org/drawingml/2006/main" xmlns:dgm="http://schemas.openxmlformats.org/drawingml/2006/diagram" xmlns:dsp="http://schemas.microsoft.com/office/drawing/2008/diagram" xmlns:p="http://schemas.openxmlformats.org/presentationml/2006/main" showMasterPhAnim="1" type="title" preserve="1">
+<p:sldLayout xmlns:a="http://schemas.openxmlformats.org/drawingml/2006/main" xmlns:r="http://schemas.openxmlformats.org/officeDocument/2006/relationships" xmlns:p="http://schemas.openxmlformats.org/presentationml/2006/main" type="title" preserve="1">
   <p:cSld name="제목 슬라이드">
     <p:spTree>
       <p:nvGrpSpPr>
@@ -131,7 +147,7 @@
             <a:spLocks noGrp="1"/>
           </p:cNvSpPr>
           <p:nvPr>
-            <p:ph type="ctrTitle" idx="0"/>
+            <p:ph type="ctrTitle"/>
           </p:nvPr>
         </p:nvSpPr>
         <p:spPr>
@@ -145,10 +161,9 @@
           <a:lstStyle/>
           <a:p>
             <a:r>
-              <a:rPr lang="ko-KR" altLang="en-US" smtClean="0"/>
+              <a:rPr lang="ko-KR" altLang="en-US"/>
               <a:t>마스터 제목 스타일 편집</a:t>
             </a:r>
-            <a:endParaRPr lang="ko-KR" altLang="en-US"/>
           </a:p>
         </p:txBody>
       </p:sp>
@@ -264,10 +279,9 @@
           </a:lstStyle>
           <a:p>
             <a:r>
-              <a:rPr lang="ko-KR" altLang="en-US" smtClean="0"/>
+              <a:rPr lang="ko-KR" altLang="en-US"/>
               <a:t>마스터 부제목 스타일 편집</a:t>
             </a:r>
-            <a:endParaRPr lang="ko-KR" altLang="en-US"/>
           </a:p>
         </p:txBody>
       </p:sp>
@@ -289,7 +303,7 @@
             <a:fld id="{940A130E-E3B8-4EBE-931F-81B26B8448AA}" type="datetime1">
               <a:rPr lang="ko-KR" altLang="en-US" smtClean="0"/>
               <a:pPr/>
-              <a:t>2009-12-07</a:t>
+              <a:t>2024-09-28</a:t>
             </a:fld>
             <a:endParaRPr lang="ko-KR" altLang="en-US"/>
           </a:p>
@@ -347,7 +361,7 @@
 </file>
 
 <file path=ppt/slideLayouts/slideLayout10.xml><?xml version="1.0" encoding="utf-8"?>
-<p:sldLayout xmlns:r="http://schemas.openxmlformats.org/officeDocument/2006/relationships" xmlns:c="http://schemas.openxmlformats.org/drawingml/2006/chart" xmlns:a="http://schemas.openxmlformats.org/drawingml/2006/main" xmlns:dgm="http://schemas.openxmlformats.org/drawingml/2006/diagram" xmlns:dsp="http://schemas.microsoft.com/office/drawing/2008/diagram" xmlns:p="http://schemas.openxmlformats.org/presentationml/2006/main" showMasterPhAnim="1" type="objOnly" preserve="1">
+<p:sldLayout xmlns:a="http://schemas.openxmlformats.org/drawingml/2006/main" xmlns:r="http://schemas.openxmlformats.org/officeDocument/2006/relationships" xmlns:p="http://schemas.openxmlformats.org/presentationml/2006/main" type="objOnly" preserve="1">
   <p:cSld name="간지">
     <p:spTree>
       <p:nvGrpSpPr>
@@ -370,7 +384,7 @@
             <a:spLocks noGrp="1"/>
           </p:cNvSpPr>
           <p:nvPr>
-            <p:ph type="ctrTitle" idx="0"/>
+            <p:ph type="ctrTitle"/>
           </p:nvPr>
         </p:nvSpPr>
         <p:spPr>
@@ -390,10 +404,9 @@
           </a:lstStyle>
           <a:p>
             <a:r>
-              <a:rPr lang="ko-KR" altLang="en-US" smtClean="0"/>
+              <a:rPr lang="ko-KR" altLang="en-US"/>
               <a:t>마스터 제목 스타일 편집</a:t>
             </a:r>
-            <a:endParaRPr lang="ko-KR" altLang="en-US"/>
           </a:p>
         </p:txBody>
       </p:sp>
@@ -415,7 +428,7 @@
             <a:fld id="{CA348888-F454-4AD2-BA62-3AF29D9807C0}" type="datetime1">
               <a:rPr lang="ko-KR" altLang="en-US" smtClean="0"/>
               <a:pPr/>
-              <a:t>2009-12-07</a:t>
+              <a:t>2024-09-28</a:t>
             </a:fld>
             <a:endParaRPr lang="ko-KR" altLang="en-US"/>
           </a:p>
@@ -473,7 +486,7 @@
 </file>
 
 <file path=ppt/slideLayouts/slideLayout11.xml><?xml version="1.0" encoding="utf-8"?>
-<p:sldLayout xmlns:r="http://schemas.openxmlformats.org/officeDocument/2006/relationships" xmlns:c="http://schemas.openxmlformats.org/drawingml/2006/chart" xmlns:a="http://schemas.openxmlformats.org/drawingml/2006/main" xmlns:dgm="http://schemas.openxmlformats.org/drawingml/2006/diagram" xmlns:dsp="http://schemas.microsoft.com/office/drawing/2008/diagram" xmlns:p="http://schemas.openxmlformats.org/presentationml/2006/main" showMasterPhAnim="1" type="clipArtAndTx" preserve="1">
+<p:sldLayout xmlns:a="http://schemas.openxmlformats.org/drawingml/2006/main" xmlns:r="http://schemas.openxmlformats.org/officeDocument/2006/relationships" xmlns:p="http://schemas.openxmlformats.org/presentationml/2006/main" type="clipArtAndTx" preserve="1">
   <p:cSld name="목차">
     <p:spTree>
       <p:nvGrpSpPr>
@@ -496,7 +509,7 @@
             <a:spLocks noGrp="1"/>
           </p:cNvSpPr>
           <p:nvPr>
-            <p:ph type="title" idx="0"/>
+            <p:ph type="title"/>
           </p:nvPr>
         </p:nvSpPr>
         <p:spPr>
@@ -514,10 +527,9 @@
           </a:lstStyle>
           <a:p>
             <a:r>
-              <a:rPr lang="ko-KR" altLang="en-US" smtClean="0"/>
+              <a:rPr lang="ko-KR" altLang="en-US"/>
               <a:t>마스터 제목 스타일 편집</a:t>
             </a:r>
-            <a:endParaRPr lang="ko-KR" altLang="en-US"/>
           </a:p>
         </p:txBody>
       </p:sp>
@@ -552,42 +564,37 @@
           <a:p>
             <a:pPr lvl="0"/>
             <a:r>
-              <a:rPr lang="ko-KR" altLang="en-US" smtClean="0"/>
+              <a:rPr lang="ko-KR" altLang="en-US"/>
               <a:t>첫째 목차</a:t>
             </a:r>
-            <a:endParaRPr lang="ko-KR" altLang="en-US"/>
           </a:p>
           <a:p>
             <a:pPr lvl="0"/>
             <a:r>
-              <a:rPr lang="ko-KR" altLang="en-US" smtClean="0"/>
+              <a:rPr lang="ko-KR" altLang="en-US"/>
               <a:t>둘째 목차</a:t>
             </a:r>
-            <a:endParaRPr lang="ko-KR" altLang="en-US"/>
           </a:p>
           <a:p>
             <a:pPr lvl="0"/>
             <a:r>
-              <a:rPr lang="ko-KR" altLang="en-US" smtClean="0"/>
+              <a:rPr lang="ko-KR" altLang="en-US"/>
               <a:t>셋째 목차</a:t>
             </a:r>
-            <a:endParaRPr lang="ko-KR" altLang="en-US"/>
           </a:p>
           <a:p>
             <a:pPr lvl="0"/>
             <a:r>
-              <a:rPr lang="ko-KR" altLang="en-US" smtClean="0"/>
+              <a:rPr lang="ko-KR" altLang="en-US"/>
               <a:t>넷째 목차</a:t>
             </a:r>
-            <a:endParaRPr lang="ko-KR" altLang="en-US"/>
           </a:p>
           <a:p>
             <a:pPr lvl="0"/>
             <a:r>
-              <a:rPr lang="ko-KR" altLang="en-US" smtClean="0"/>
+              <a:rPr lang="ko-KR" altLang="en-US"/>
               <a:t>다섯째 목차</a:t>
             </a:r>
-            <a:endParaRPr lang="ko-KR" altLang="en-US"/>
           </a:p>
         </p:txBody>
       </p:sp>
@@ -609,7 +616,7 @@
             <a:fld id="{956FEC12-A4C9-4837-AF94-AD867782C04C}" type="datetime1">
               <a:rPr lang="ko-KR" altLang="en-US" smtClean="0"/>
               <a:pPr/>
-              <a:t>2009-12-07</a:t>
+              <a:t>2024-09-28</a:t>
             </a:fld>
             <a:endParaRPr lang="ko-KR" altLang="en-US"/>
           </a:p>
@@ -667,7 +674,7 @@
 </file>
 
 <file path=ppt/slideLayouts/slideLayout12.xml><?xml version="1.0" encoding="utf-8"?>
-<p:sldLayout xmlns:r="http://schemas.openxmlformats.org/officeDocument/2006/relationships" xmlns:c="http://schemas.openxmlformats.org/drawingml/2006/chart" xmlns:a="http://schemas.openxmlformats.org/drawingml/2006/main" xmlns:dgm="http://schemas.openxmlformats.org/drawingml/2006/diagram" xmlns:dsp="http://schemas.microsoft.com/office/drawing/2008/diagram" xmlns:p="http://schemas.openxmlformats.org/presentationml/2006/main" showMasterPhAnim="1" type="vertTitleAndTx" preserve="1">
+<p:sldLayout xmlns:a="http://schemas.openxmlformats.org/drawingml/2006/main" xmlns:r="http://schemas.openxmlformats.org/officeDocument/2006/relationships" xmlns:p="http://schemas.openxmlformats.org/presentationml/2006/main" type="vertTitleAndTx" preserve="1">
   <p:cSld name="세로 제목 및 본문">
     <p:spTree>
       <p:nvGrpSpPr>
@@ -690,7 +697,7 @@
             <a:spLocks noGrp="1"/>
           </p:cNvSpPr>
           <p:nvPr>
-            <p:ph type="title" orient="vert" idx="0"/>
+            <p:ph type="title" orient="vert"/>
           </p:nvPr>
         </p:nvSpPr>
         <p:spPr>
@@ -704,10 +711,9 @@
           <a:lstStyle/>
           <a:p>
             <a:r>
-              <a:rPr lang="ko-KR" altLang="en-US" smtClean="0"/>
+              <a:rPr lang="ko-KR" altLang="en-US"/>
               <a:t>마스터 제목 스타일 편집</a:t>
             </a:r>
-            <a:endParaRPr lang="ko-KR" altLang="en-US"/>
           </a:p>
         </p:txBody>
       </p:sp>
@@ -733,38 +739,37 @@
           <a:p>
             <a:pPr lvl="0"/>
             <a:r>
-              <a:rPr lang="ko-KR" altLang="en-US" smtClean="0"/>
+              <a:rPr lang="ko-KR" altLang="en-US"/>
               <a:t>마스터 텍스트 스타일을 편집합니다</a:t>
             </a:r>
           </a:p>
           <a:p>
             <a:pPr lvl="1"/>
             <a:r>
-              <a:rPr lang="ko-KR" altLang="en-US" smtClean="0"/>
+              <a:rPr lang="ko-KR" altLang="en-US"/>
               <a:t>둘째 수준</a:t>
             </a:r>
           </a:p>
           <a:p>
             <a:pPr lvl="2"/>
             <a:r>
-              <a:rPr lang="ko-KR" altLang="en-US" smtClean="0"/>
+              <a:rPr lang="ko-KR" altLang="en-US"/>
               <a:t>셋째 수준</a:t>
             </a:r>
           </a:p>
           <a:p>
             <a:pPr lvl="3"/>
             <a:r>
-              <a:rPr lang="ko-KR" altLang="en-US" smtClean="0"/>
+              <a:rPr lang="ko-KR" altLang="en-US"/>
               <a:t>넷째 수준</a:t>
             </a:r>
           </a:p>
           <a:p>
             <a:pPr lvl="4"/>
             <a:r>
-              <a:rPr lang="ko-KR" altLang="en-US" smtClean="0"/>
+              <a:rPr lang="ko-KR" altLang="en-US"/>
               <a:t>다섯째 수준</a:t>
             </a:r>
-            <a:endParaRPr lang="ko-KR" altLang="en-US"/>
           </a:p>
         </p:txBody>
       </p:sp>
@@ -786,7 +791,7 @@
             <a:fld id="{957F84A3-4F29-4053-ACFD-1BAF2D3F140C}" type="datetime1">
               <a:rPr lang="ko-KR" altLang="en-US" smtClean="0"/>
               <a:pPr/>
-              <a:t>2009-12-07</a:t>
+              <a:t>2024-09-28</a:t>
             </a:fld>
             <a:endParaRPr lang="ko-KR" altLang="en-US"/>
           </a:p>
@@ -844,7 +849,7 @@
 </file>
 
 <file path=ppt/slideLayouts/slideLayout2.xml><?xml version="1.0" encoding="utf-8"?>
-<p:sldLayout xmlns:r="http://schemas.openxmlformats.org/officeDocument/2006/relationships" xmlns:c="http://schemas.openxmlformats.org/drawingml/2006/chart" xmlns:a="http://schemas.openxmlformats.org/drawingml/2006/main" xmlns:dgm="http://schemas.openxmlformats.org/drawingml/2006/diagram" xmlns:dsp="http://schemas.microsoft.com/office/drawing/2008/diagram" xmlns:p="http://schemas.openxmlformats.org/presentationml/2006/main" showMasterPhAnim="1" type="obj" preserve="1">
+<p:sldLayout xmlns:a="http://schemas.openxmlformats.org/drawingml/2006/main" xmlns:r="http://schemas.openxmlformats.org/officeDocument/2006/relationships" xmlns:p="http://schemas.openxmlformats.org/presentationml/2006/main" type="obj" preserve="1">
   <p:cSld name="제목 및 내용">
     <p:spTree>
       <p:nvGrpSpPr>
@@ -867,7 +872,7 @@
             <a:spLocks noGrp="1"/>
           </p:cNvSpPr>
           <p:nvPr>
-            <p:ph type="title" idx="0"/>
+            <p:ph type="title"/>
           </p:nvPr>
         </p:nvSpPr>
         <p:spPr/>
@@ -876,10 +881,9 @@
           <a:lstStyle/>
           <a:p>
             <a:r>
-              <a:rPr lang="ko-KR" altLang="en-US" smtClean="0"/>
+              <a:rPr lang="ko-KR" altLang="en-US"/>
               <a:t>마스터 제목 스타일 편집</a:t>
             </a:r>
-            <a:endParaRPr lang="ko-KR" altLang="en-US"/>
           </a:p>
         </p:txBody>
       </p:sp>
@@ -900,38 +904,37 @@
           <a:p>
             <a:pPr lvl="0"/>
             <a:r>
-              <a:rPr lang="ko-KR" altLang="en-US" smtClean="0"/>
+              <a:rPr lang="ko-KR" altLang="en-US"/>
               <a:t>마스터 텍스트 스타일을 편집합니다</a:t>
             </a:r>
           </a:p>
           <a:p>
             <a:pPr lvl="1"/>
             <a:r>
-              <a:rPr lang="ko-KR" altLang="en-US" smtClean="0"/>
+              <a:rPr lang="ko-KR" altLang="en-US"/>
               <a:t>둘째 수준</a:t>
             </a:r>
           </a:p>
           <a:p>
             <a:pPr lvl="2"/>
             <a:r>
-              <a:rPr lang="ko-KR" altLang="en-US" smtClean="0"/>
+              <a:rPr lang="ko-KR" altLang="en-US"/>
               <a:t>셋째 수준</a:t>
             </a:r>
           </a:p>
           <a:p>
             <a:pPr lvl="3"/>
             <a:r>
-              <a:rPr lang="ko-KR" altLang="en-US" smtClean="0"/>
+              <a:rPr lang="ko-KR" altLang="en-US"/>
               <a:t>넷째 수준</a:t>
             </a:r>
           </a:p>
           <a:p>
             <a:pPr lvl="4"/>
             <a:r>
-              <a:rPr lang="ko-KR" altLang="en-US" smtClean="0"/>
+              <a:rPr lang="ko-KR" altLang="en-US"/>
               <a:t>다섯째 수준</a:t>
             </a:r>
-            <a:endParaRPr lang="ko-KR" altLang="en-US"/>
           </a:p>
         </p:txBody>
       </p:sp>
@@ -953,7 +956,7 @@
             <a:fld id="{4953836A-82A3-4C8B-9D31-CD724F3673ED}" type="datetime1">
               <a:rPr lang="ko-KR" altLang="en-US" smtClean="0"/>
               <a:pPr/>
-              <a:t>2009-12-07</a:t>
+              <a:t>2024-09-28</a:t>
             </a:fld>
             <a:endParaRPr lang="ko-KR" altLang="en-US"/>
           </a:p>
@@ -1011,7 +1014,7 @@
 </file>
 
 <file path=ppt/slideLayouts/slideLayout3.xml><?xml version="1.0" encoding="utf-8"?>
-<p:sldLayout xmlns:r="http://schemas.openxmlformats.org/officeDocument/2006/relationships" xmlns:c="http://schemas.openxmlformats.org/drawingml/2006/chart" xmlns:a="http://schemas.openxmlformats.org/drawingml/2006/main" xmlns:dgm="http://schemas.openxmlformats.org/drawingml/2006/diagram" xmlns:dsp="http://schemas.microsoft.com/office/drawing/2008/diagram" xmlns:p="http://schemas.openxmlformats.org/presentationml/2006/main" showMasterPhAnim="1" type="blank" preserve="1">
+<p:sldLayout xmlns:a="http://schemas.openxmlformats.org/drawingml/2006/main" xmlns:r="http://schemas.openxmlformats.org/officeDocument/2006/relationships" xmlns:p="http://schemas.openxmlformats.org/presentationml/2006/main" type="blank" preserve="1">
   <p:cSld name="빈 화면">
     <p:spTree>
       <p:nvGrpSpPr>
@@ -1045,7 +1048,7 @@
             <a:fld id="{AD2EBAF6-36D0-4DD8-B695-D4C1B37E35D6}" type="datetime1">
               <a:rPr lang="ko-KR" altLang="en-US" smtClean="0"/>
               <a:pPr/>
-              <a:t>2009-12-07</a:t>
+              <a:t>2024-09-28</a:t>
             </a:fld>
             <a:endParaRPr lang="ko-KR" altLang="en-US"/>
           </a:p>
@@ -1103,7 +1106,7 @@
 </file>
 
 <file path=ppt/slideLayouts/slideLayout4.xml><?xml version="1.0" encoding="utf-8"?>
-<p:sldLayout xmlns:r="http://schemas.openxmlformats.org/officeDocument/2006/relationships" xmlns:c="http://schemas.openxmlformats.org/drawingml/2006/chart" xmlns:a="http://schemas.openxmlformats.org/drawingml/2006/main" xmlns:dgm="http://schemas.openxmlformats.org/drawingml/2006/diagram" xmlns:dsp="http://schemas.microsoft.com/office/drawing/2008/diagram" xmlns:p="http://schemas.openxmlformats.org/presentationml/2006/main" showMasterPhAnim="1" type="secHead" preserve="1">
+<p:sldLayout xmlns:a="http://schemas.openxmlformats.org/drawingml/2006/main" xmlns:r="http://schemas.openxmlformats.org/officeDocument/2006/relationships" xmlns:p="http://schemas.openxmlformats.org/presentationml/2006/main" type="secHead" preserve="1">
   <p:cSld name="구역 머리글">
     <p:spTree>
       <p:nvGrpSpPr>
@@ -1126,7 +1129,7 @@
             <a:spLocks noGrp="1"/>
           </p:cNvSpPr>
           <p:nvPr>
-            <p:ph type="title" idx="0"/>
+            <p:ph type="title"/>
           </p:nvPr>
         </p:nvSpPr>
         <p:spPr>
@@ -1144,10 +1147,9 @@
           </a:lstStyle>
           <a:p>
             <a:r>
-              <a:rPr lang="ko-KR" altLang="en-US" smtClean="0"/>
+              <a:rPr lang="ko-KR" altLang="en-US"/>
               <a:t>마스터 제목 스타일 편집</a:t>
             </a:r>
-            <a:endParaRPr lang="ko-KR" altLang="en-US"/>
           </a:p>
         </p:txBody>
       </p:sp>
@@ -1264,7 +1266,7 @@
           <a:p>
             <a:pPr lvl="0"/>
             <a:r>
-              <a:rPr lang="ko-KR" altLang="en-US" smtClean="0"/>
+              <a:rPr lang="ko-KR" altLang="en-US"/>
               <a:t>마스터 텍스트 스타일을 편집합니다</a:t>
             </a:r>
           </a:p>
@@ -1288,7 +1290,7 @@
             <a:fld id="{60728D28-603B-4EFC-80F8-17E5E9107035}" type="datetime1">
               <a:rPr lang="ko-KR" altLang="en-US" smtClean="0"/>
               <a:pPr/>
-              <a:t>2009-12-07</a:t>
+              <a:t>2024-09-28</a:t>
             </a:fld>
             <a:endParaRPr lang="ko-KR" altLang="en-US"/>
           </a:p>
@@ -1346,7 +1348,7 @@
 </file>
 
 <file path=ppt/slideLayouts/slideLayout5.xml><?xml version="1.0" encoding="utf-8"?>
-<p:sldLayout xmlns:r="http://schemas.openxmlformats.org/officeDocument/2006/relationships" xmlns:c="http://schemas.openxmlformats.org/drawingml/2006/chart" xmlns:a="http://schemas.openxmlformats.org/drawingml/2006/main" xmlns:dgm="http://schemas.openxmlformats.org/drawingml/2006/diagram" xmlns:dsp="http://schemas.microsoft.com/office/drawing/2008/diagram" xmlns:p="http://schemas.openxmlformats.org/presentationml/2006/main" showMasterPhAnim="1" type="twoObj" preserve="1">
+<p:sldLayout xmlns:a="http://schemas.openxmlformats.org/drawingml/2006/main" xmlns:r="http://schemas.openxmlformats.org/officeDocument/2006/relationships" xmlns:p="http://schemas.openxmlformats.org/presentationml/2006/main" type="twoObj" preserve="1">
   <p:cSld name="내용 2개">
     <p:spTree>
       <p:nvGrpSpPr>
@@ -1369,7 +1371,7 @@
             <a:spLocks noGrp="1"/>
           </p:cNvSpPr>
           <p:nvPr>
-            <p:ph type="title" idx="0"/>
+            <p:ph type="title"/>
           </p:nvPr>
         </p:nvSpPr>
         <p:spPr/>
@@ -1378,10 +1380,9 @@
           <a:lstStyle/>
           <a:p>
             <a:r>
-              <a:rPr lang="ko-KR" altLang="en-US" smtClean="0"/>
+              <a:rPr lang="ko-KR" altLang="en-US"/>
               <a:t>마스터 제목 스타일 편집</a:t>
             </a:r>
-            <a:endParaRPr lang="ko-KR" altLang="en-US"/>
           </a:p>
         </p:txBody>
       </p:sp>
@@ -1435,38 +1436,37 @@
           <a:p>
             <a:pPr lvl="0"/>
             <a:r>
-              <a:rPr lang="ko-KR" altLang="en-US" smtClean="0"/>
+              <a:rPr lang="ko-KR" altLang="en-US"/>
               <a:t>마스터 텍스트 스타일을 편집합니다</a:t>
             </a:r>
           </a:p>
           <a:p>
             <a:pPr lvl="1"/>
             <a:r>
-              <a:rPr lang="ko-KR" altLang="en-US" smtClean="0"/>
+              <a:rPr lang="ko-KR" altLang="en-US"/>
               <a:t>둘째 수준</a:t>
             </a:r>
           </a:p>
           <a:p>
             <a:pPr lvl="2"/>
             <a:r>
-              <a:rPr lang="ko-KR" altLang="en-US" smtClean="0"/>
+              <a:rPr lang="ko-KR" altLang="en-US"/>
               <a:t>셋째 수준</a:t>
             </a:r>
           </a:p>
           <a:p>
             <a:pPr lvl="3"/>
             <a:r>
-              <a:rPr lang="ko-KR" altLang="en-US" smtClean="0"/>
+              <a:rPr lang="ko-KR" altLang="en-US"/>
               <a:t>넷째 수준</a:t>
             </a:r>
           </a:p>
           <a:p>
             <a:pPr lvl="4"/>
             <a:r>
-              <a:rPr lang="ko-KR" altLang="en-US" smtClean="0"/>
+              <a:rPr lang="ko-KR" altLang="en-US"/>
               <a:t>다섯째 수준</a:t>
             </a:r>
-            <a:endParaRPr lang="ko-KR" altLang="en-US"/>
           </a:p>
         </p:txBody>
       </p:sp>
@@ -1520,38 +1520,37 @@
           <a:p>
             <a:pPr lvl="0"/>
             <a:r>
-              <a:rPr lang="ko-KR" altLang="en-US" smtClean="0"/>
+              <a:rPr lang="ko-KR" altLang="en-US"/>
               <a:t>마스터 텍스트 스타일을 편집합니다</a:t>
             </a:r>
           </a:p>
           <a:p>
             <a:pPr lvl="1"/>
             <a:r>
-              <a:rPr lang="ko-KR" altLang="en-US" smtClean="0"/>
+              <a:rPr lang="ko-KR" altLang="en-US"/>
               <a:t>둘째 수준</a:t>
             </a:r>
           </a:p>
           <a:p>
             <a:pPr lvl="2"/>
             <a:r>
-              <a:rPr lang="ko-KR" altLang="en-US" smtClean="0"/>
+              <a:rPr lang="ko-KR" altLang="en-US"/>
               <a:t>셋째 수준</a:t>
             </a:r>
           </a:p>
           <a:p>
             <a:pPr lvl="3"/>
             <a:r>
-              <a:rPr lang="ko-KR" altLang="en-US" smtClean="0"/>
+              <a:rPr lang="ko-KR" altLang="en-US"/>
               <a:t>넷째 수준</a:t>
             </a:r>
           </a:p>
           <a:p>
             <a:pPr lvl="4"/>
             <a:r>
-              <a:rPr lang="ko-KR" altLang="en-US" smtClean="0"/>
+              <a:rPr lang="ko-KR" altLang="en-US"/>
               <a:t>다섯째 수준</a:t>
             </a:r>
-            <a:endParaRPr lang="ko-KR" altLang="en-US"/>
           </a:p>
         </p:txBody>
       </p:sp>
@@ -1573,7 +1572,7 @@
             <a:fld id="{A27A1F4E-0809-4239-8034-C38E431DAF92}" type="datetime1">
               <a:rPr lang="ko-KR" altLang="en-US" smtClean="0"/>
               <a:pPr/>
-              <a:t>2009-12-07</a:t>
+              <a:t>2024-09-28</a:t>
             </a:fld>
             <a:endParaRPr lang="ko-KR" altLang="en-US"/>
           </a:p>
@@ -1631,7 +1630,7 @@
 </file>
 
 <file path=ppt/slideLayouts/slideLayout6.xml><?xml version="1.0" encoding="utf-8"?>
-<p:sldLayout xmlns:r="http://schemas.openxmlformats.org/officeDocument/2006/relationships" xmlns:c="http://schemas.openxmlformats.org/drawingml/2006/chart" xmlns:a="http://schemas.openxmlformats.org/drawingml/2006/main" xmlns:dgm="http://schemas.openxmlformats.org/drawingml/2006/diagram" xmlns:dsp="http://schemas.microsoft.com/office/drawing/2008/diagram" xmlns:p="http://schemas.openxmlformats.org/presentationml/2006/main" showMasterPhAnim="1" type="titleOnly" preserve="1">
+<p:sldLayout xmlns:a="http://schemas.openxmlformats.org/drawingml/2006/main" xmlns:r="http://schemas.openxmlformats.org/officeDocument/2006/relationships" xmlns:p="http://schemas.openxmlformats.org/presentationml/2006/main" type="titleOnly" preserve="1">
   <p:cSld name="제목만">
     <p:spTree>
       <p:nvGrpSpPr>
@@ -1654,7 +1653,7 @@
             <a:spLocks noGrp="1"/>
           </p:cNvSpPr>
           <p:nvPr>
-            <p:ph type="title" idx="0"/>
+            <p:ph type="title"/>
           </p:nvPr>
         </p:nvSpPr>
         <p:spPr/>
@@ -1663,10 +1662,9 @@
           <a:lstStyle/>
           <a:p>
             <a:r>
-              <a:rPr lang="ko-KR" altLang="en-US" smtClean="0"/>
+              <a:rPr lang="ko-KR" altLang="en-US"/>
               <a:t>마스터 제목 스타일 편집</a:t>
             </a:r>
-            <a:endParaRPr lang="ko-KR" altLang="en-US"/>
           </a:p>
         </p:txBody>
       </p:sp>
@@ -1688,7 +1686,7 @@
             <a:fld id="{5E0DA496-7307-4E8B-88DE-CB97B48BAB6F}" type="datetime1">
               <a:rPr lang="ko-KR" altLang="en-US" smtClean="0"/>
               <a:pPr/>
-              <a:t>2009-12-07</a:t>
+              <a:t>2024-09-28</a:t>
             </a:fld>
             <a:endParaRPr lang="ko-KR" altLang="en-US"/>
           </a:p>
@@ -1746,7 +1744,7 @@
 </file>
 
 <file path=ppt/slideLayouts/slideLayout7.xml><?xml version="1.0" encoding="utf-8"?>
-<p:sldLayout xmlns:r="http://schemas.openxmlformats.org/officeDocument/2006/relationships" xmlns:c="http://schemas.openxmlformats.org/drawingml/2006/chart" xmlns:a="http://schemas.openxmlformats.org/drawingml/2006/main" xmlns:dgm="http://schemas.openxmlformats.org/drawingml/2006/diagram" xmlns:dsp="http://schemas.microsoft.com/office/drawing/2008/diagram" xmlns:p="http://schemas.openxmlformats.org/presentationml/2006/main" showMasterPhAnim="1" type="tbl" preserve="1">
+<p:sldLayout xmlns:a="http://schemas.openxmlformats.org/drawingml/2006/main" xmlns:r="http://schemas.openxmlformats.org/officeDocument/2006/relationships" xmlns:p="http://schemas.openxmlformats.org/presentationml/2006/main" type="tbl" preserve="1">
   <p:cSld name="표">
     <p:spTree>
       <p:nvGrpSpPr>
@@ -1769,7 +1767,7 @@
             <a:spLocks noGrp="1"/>
           </p:cNvSpPr>
           <p:nvPr>
-            <p:ph type="title" idx="0"/>
+            <p:ph type="title"/>
           </p:nvPr>
         </p:nvSpPr>
         <p:spPr/>
@@ -1778,10 +1776,9 @@
           <a:lstStyle/>
           <a:p>
             <a:r>
-              <a:rPr lang="ko-KR" altLang="en-US" smtClean="0"/>
+              <a:rPr lang="ko-KR" altLang="en-US"/>
               <a:t>마스터 제목 스타일 편집</a:t>
             </a:r>
-            <a:endParaRPr lang="ko-KR" altLang="en-US"/>
           </a:p>
         </p:txBody>
       </p:sp>
@@ -1812,10 +1809,9 @@
           </a:lstStyle>
           <a:p>
             <a:r>
-              <a:rPr lang="ko-KR" altLang="en-US" smtClean="0"/>
+              <a:rPr lang="ko-KR" altLang="en-US"/>
               <a:t>표를 추가하려면 아이콘을 클릭하십시오</a:t>
             </a:r>
-            <a:endParaRPr lang="ko-KR" altLang="en-US"/>
           </a:p>
         </p:txBody>
       </p:sp>
@@ -1837,7 +1833,7 @@
             <a:fld id="{58721E90-850C-410B-8B89-8394F580CFDA}" type="datetime1">
               <a:rPr lang="ko-KR" altLang="en-US" smtClean="0"/>
               <a:pPr/>
-              <a:t>2009-12-07</a:t>
+              <a:t>2024-09-28</a:t>
             </a:fld>
             <a:endParaRPr lang="ko-KR" altLang="en-US"/>
           </a:p>
@@ -1895,7 +1891,7 @@
 </file>
 
 <file path=ppt/slideLayouts/slideLayout8.xml><?xml version="1.0" encoding="utf-8"?>
-<p:sldLayout xmlns:r="http://schemas.openxmlformats.org/officeDocument/2006/relationships" xmlns:c="http://schemas.openxmlformats.org/drawingml/2006/chart" xmlns:a="http://schemas.openxmlformats.org/drawingml/2006/main" xmlns:dgm="http://schemas.openxmlformats.org/drawingml/2006/diagram" xmlns:dsp="http://schemas.microsoft.com/office/drawing/2008/diagram" xmlns:p="http://schemas.openxmlformats.org/presentationml/2006/main" showMasterPhAnim="1" type="fourObj" preserve="1">
+<p:sldLayout xmlns:a="http://schemas.openxmlformats.org/drawingml/2006/main" xmlns:r="http://schemas.openxmlformats.org/officeDocument/2006/relationships" xmlns:p="http://schemas.openxmlformats.org/presentationml/2006/main" type="fourObj" preserve="1">
   <p:cSld name="내용 4개">
     <p:spTree>
       <p:nvGrpSpPr>
@@ -1918,7 +1914,7 @@
             <a:spLocks noGrp="1"/>
           </p:cNvSpPr>
           <p:nvPr>
-            <p:ph type="title" idx="0"/>
+            <p:ph type="title"/>
           </p:nvPr>
         </p:nvSpPr>
         <p:spPr/>
@@ -1927,10 +1923,9 @@
           <a:lstStyle/>
           <a:p>
             <a:r>
-              <a:rPr lang="ko-KR" altLang="en-US" smtClean="0"/>
+              <a:rPr lang="ko-KR" altLang="en-US"/>
               <a:t>마스터 제목 스타일 편집</a:t>
             </a:r>
-            <a:endParaRPr lang="ko-KR" altLang="en-US"/>
           </a:p>
         </p:txBody>
       </p:sp>
@@ -1984,38 +1979,37 @@
           <a:p>
             <a:pPr lvl="0"/>
             <a:r>
-              <a:rPr lang="ko-KR" altLang="en-US" smtClean="0"/>
+              <a:rPr lang="ko-KR" altLang="en-US"/>
               <a:t>마스터 텍스트 스타일을 편집합니다</a:t>
             </a:r>
           </a:p>
           <a:p>
             <a:pPr lvl="1"/>
             <a:r>
-              <a:rPr lang="ko-KR" altLang="en-US" smtClean="0"/>
+              <a:rPr lang="ko-KR" altLang="en-US"/>
               <a:t>둘째 수준</a:t>
             </a:r>
           </a:p>
           <a:p>
             <a:pPr lvl="2"/>
             <a:r>
-              <a:rPr lang="ko-KR" altLang="en-US" smtClean="0"/>
+              <a:rPr lang="ko-KR" altLang="en-US"/>
               <a:t>셋째 수준</a:t>
             </a:r>
           </a:p>
           <a:p>
             <a:pPr lvl="3"/>
             <a:r>
-              <a:rPr lang="ko-KR" altLang="en-US" smtClean="0"/>
+              <a:rPr lang="ko-KR" altLang="en-US"/>
               <a:t>넷째 수준</a:t>
             </a:r>
           </a:p>
           <a:p>
             <a:pPr lvl="4"/>
             <a:r>
-              <a:rPr lang="ko-KR" altLang="en-US" smtClean="0"/>
+              <a:rPr lang="ko-KR" altLang="en-US"/>
               <a:t>다섯째 수준</a:t>
             </a:r>
-            <a:endParaRPr lang="ko-KR" altLang="en-US"/>
           </a:p>
         </p:txBody>
       </p:sp>
@@ -2069,38 +2063,37 @@
           <a:p>
             <a:pPr lvl="0"/>
             <a:r>
-              <a:rPr lang="ko-KR" altLang="en-US" smtClean="0"/>
+              <a:rPr lang="ko-KR" altLang="en-US"/>
               <a:t>마스터 텍스트 스타일을 편집합니다</a:t>
             </a:r>
           </a:p>
           <a:p>
             <a:pPr lvl="1"/>
             <a:r>
-              <a:rPr lang="ko-KR" altLang="en-US" smtClean="0"/>
+              <a:rPr lang="ko-KR" altLang="en-US"/>
               <a:t>둘째 수준</a:t>
             </a:r>
           </a:p>
           <a:p>
             <a:pPr lvl="2"/>
             <a:r>
-              <a:rPr lang="ko-KR" altLang="en-US" smtClean="0"/>
+              <a:rPr lang="ko-KR" altLang="en-US"/>
               <a:t>셋째 수준</a:t>
             </a:r>
           </a:p>
           <a:p>
             <a:pPr lvl="3"/>
             <a:r>
-              <a:rPr lang="ko-KR" altLang="en-US" smtClean="0"/>
+              <a:rPr lang="ko-KR" altLang="en-US"/>
               <a:t>넷째 수준</a:t>
             </a:r>
           </a:p>
           <a:p>
             <a:pPr lvl="4"/>
             <a:r>
-              <a:rPr lang="ko-KR" altLang="en-US" smtClean="0"/>
+              <a:rPr lang="ko-KR" altLang="en-US"/>
               <a:t>다섯째 수준</a:t>
             </a:r>
-            <a:endParaRPr lang="ko-KR" altLang="en-US"/>
           </a:p>
         </p:txBody>
       </p:sp>
@@ -2154,38 +2147,37 @@
           <a:p>
             <a:pPr lvl="0"/>
             <a:r>
-              <a:rPr lang="ko-KR" altLang="en-US" smtClean="0"/>
+              <a:rPr lang="ko-KR" altLang="en-US"/>
               <a:t>마스터 텍스트 스타일을 편집합니다</a:t>
             </a:r>
           </a:p>
           <a:p>
             <a:pPr lvl="1"/>
             <a:r>
-              <a:rPr lang="ko-KR" altLang="en-US" smtClean="0"/>
+              <a:rPr lang="ko-KR" altLang="en-US"/>
               <a:t>둘째 수준</a:t>
             </a:r>
           </a:p>
           <a:p>
             <a:pPr lvl="2"/>
             <a:r>
-              <a:rPr lang="ko-KR" altLang="en-US" smtClean="0"/>
+              <a:rPr lang="ko-KR" altLang="en-US"/>
               <a:t>셋째 수준</a:t>
             </a:r>
           </a:p>
           <a:p>
             <a:pPr lvl="3"/>
             <a:r>
-              <a:rPr lang="ko-KR" altLang="en-US" smtClean="0"/>
+              <a:rPr lang="ko-KR" altLang="en-US"/>
               <a:t>넷째 수준</a:t>
             </a:r>
           </a:p>
           <a:p>
             <a:pPr lvl="4"/>
             <a:r>
-              <a:rPr lang="ko-KR" altLang="en-US" smtClean="0"/>
+              <a:rPr lang="ko-KR" altLang="en-US"/>
               <a:t>다섯째 수준</a:t>
             </a:r>
-            <a:endParaRPr lang="ko-KR" altLang="en-US"/>
           </a:p>
         </p:txBody>
       </p:sp>
@@ -2239,38 +2231,37 @@
           <a:p>
             <a:pPr lvl="0"/>
             <a:r>
-              <a:rPr lang="ko-KR" altLang="en-US" smtClean="0"/>
+              <a:rPr lang="ko-KR" altLang="en-US"/>
               <a:t>마스터 텍스트 스타일을 편집합니다</a:t>
             </a:r>
           </a:p>
           <a:p>
             <a:pPr lvl="1"/>
             <a:r>
-              <a:rPr lang="ko-KR" altLang="en-US" smtClean="0"/>
+              <a:rPr lang="ko-KR" altLang="en-US"/>
               <a:t>둘째 수준</a:t>
             </a:r>
           </a:p>
           <a:p>
             <a:pPr lvl="2"/>
             <a:r>
-              <a:rPr lang="ko-KR" altLang="en-US" smtClean="0"/>
+              <a:rPr lang="ko-KR" altLang="en-US"/>
               <a:t>셋째 수준</a:t>
             </a:r>
           </a:p>
           <a:p>
             <a:pPr lvl="3"/>
             <a:r>
-              <a:rPr lang="ko-KR" altLang="en-US" smtClean="0"/>
+              <a:rPr lang="ko-KR" altLang="en-US"/>
               <a:t>넷째 수준</a:t>
             </a:r>
           </a:p>
           <a:p>
             <a:pPr lvl="4"/>
             <a:r>
-              <a:rPr lang="ko-KR" altLang="en-US" smtClean="0"/>
+              <a:rPr lang="ko-KR" altLang="en-US"/>
               <a:t>다섯째 수준</a:t>
             </a:r>
-            <a:endParaRPr lang="ko-KR" altLang="en-US"/>
           </a:p>
         </p:txBody>
       </p:sp>
@@ -2292,7 +2283,7 @@
             <a:fld id="{5ACE7E28-9336-4363-8674-B91477D8F243}" type="datetime1">
               <a:rPr lang="ko-KR" altLang="en-US" smtClean="0"/>
               <a:pPr/>
-              <a:t>2009-12-07</a:t>
+              <a:t>2024-09-28</a:t>
             </a:fld>
             <a:endParaRPr lang="ko-KR" altLang="en-US"/>
           </a:p>
@@ -2350,7 +2341,7 @@
 </file>
 
 <file path=ppt/slideLayouts/slideLayout9.xml><?xml version="1.0" encoding="utf-8"?>
-<p:sldLayout xmlns:r="http://schemas.openxmlformats.org/officeDocument/2006/relationships" xmlns:c="http://schemas.openxmlformats.org/drawingml/2006/chart" xmlns:a="http://schemas.openxmlformats.org/drawingml/2006/main" xmlns:dgm="http://schemas.openxmlformats.org/drawingml/2006/diagram" xmlns:dsp="http://schemas.microsoft.com/office/drawing/2008/diagram" xmlns:p="http://schemas.openxmlformats.org/presentationml/2006/main" showMasterPhAnim="1" type="picTx" preserve="1">
+<p:sldLayout xmlns:a="http://schemas.openxmlformats.org/drawingml/2006/main" xmlns:r="http://schemas.openxmlformats.org/officeDocument/2006/relationships" xmlns:p="http://schemas.openxmlformats.org/presentationml/2006/main" type="picTx" preserve="1">
   <p:cSld name="그림 및 설명">
     <p:spTree>
       <p:nvGrpSpPr>
@@ -2373,7 +2364,7 @@
             <a:spLocks noGrp="1"/>
           </p:cNvSpPr>
           <p:nvPr>
-            <p:ph type="title" idx="0"/>
+            <p:ph type="title"/>
           </p:nvPr>
         </p:nvSpPr>
         <p:spPr>
@@ -2391,10 +2382,9 @@
           </a:lstStyle>
           <a:p>
             <a:r>
-              <a:rPr lang="ko-KR" altLang="en-US" smtClean="0"/>
+              <a:rPr lang="ko-KR" altLang="en-US"/>
               <a:t>마스터 제목 스타일 편집</a:t>
             </a:r>
-            <a:endParaRPr lang="ko-KR" altLang="en-US"/>
           </a:p>
         </p:txBody>
       </p:sp>
@@ -2456,10 +2446,9 @@
           </a:lstStyle>
           <a:p>
             <a:r>
-              <a:rPr lang="ko-KR" altLang="en-US" smtClean="0"/>
+              <a:rPr lang="ko-KR" altLang="en-US"/>
               <a:t>그림을 추가하려면 아이콘을 클릭하십시오</a:t>
             </a:r>
-            <a:endParaRPr lang="ko-KR" altLang="en-US"/>
           </a:p>
         </p:txBody>
       </p:sp>
@@ -2521,10 +2510,9 @@
           </a:lstStyle>
           <a:p>
             <a:r>
-              <a:rPr lang="ko-KR" altLang="en-US" smtClean="0"/>
+              <a:rPr lang="ko-KR" altLang="en-US"/>
               <a:t>마스터 텍스트 스타일을 편집합니다</a:t>
             </a:r>
-            <a:endParaRPr lang="ko-KR" altLang="en-US"/>
           </a:p>
         </p:txBody>
       </p:sp>
@@ -2546,7 +2534,7 @@
             <a:fld id="{5ACE7E28-9336-4363-8674-B91477D8F243}" type="datetime1">
               <a:rPr lang="ko-KR" altLang="en-US" smtClean="0"/>
               <a:pPr/>
-              <a:t>2009-12-07</a:t>
+              <a:t>2024-09-28</a:t>
             </a:fld>
             <a:endParaRPr lang="ko-KR" altLang="en-US"/>
           </a:p>
@@ -2604,7 +2592,7 @@
 </file>
 
 <file path=ppt/slideMasters/slideMaster1.xml><?xml version="1.0" encoding="utf-8"?>
-<p:sldMaster xmlns:r="http://schemas.openxmlformats.org/officeDocument/2006/relationships" xmlns:c="http://schemas.openxmlformats.org/drawingml/2006/chart" xmlns:a="http://schemas.openxmlformats.org/drawingml/2006/main" xmlns:dgm="http://schemas.openxmlformats.org/drawingml/2006/diagram" xmlns:dsp="http://schemas.microsoft.com/office/drawing/2008/diagram" xmlns:p="http://schemas.openxmlformats.org/presentationml/2006/main">
+<p:sldMaster xmlns:a="http://schemas.openxmlformats.org/drawingml/2006/main" xmlns:r="http://schemas.openxmlformats.org/officeDocument/2006/relationships" xmlns:p="http://schemas.openxmlformats.org/presentationml/2006/main">
   <p:cSld>
     <p:bg>
       <p:bgRef idx="1001">
@@ -2632,7 +2620,7 @@
             <a:spLocks noGrp="1"/>
           </p:cNvSpPr>
           <p:nvPr>
-            <p:ph type="title" idx="0"/>
+            <p:ph type="title"/>
           </p:nvPr>
         </p:nvSpPr>
         <p:spPr>
@@ -2651,10 +2639,9 @@
           <a:lstStyle/>
           <a:p>
             <a:r>
-              <a:rPr lang="ko-KR" altLang="en-US" smtClean="0"/>
+              <a:rPr lang="ko-KR" altLang="en-US"/>
               <a:t>마스터 제목 스타일 편집</a:t>
             </a:r>
-            <a:endParaRPr lang="ko-KR" altLang="en-US"/>
           </a:p>
         </p:txBody>
       </p:sp>
@@ -2685,35 +2672,35 @@
           <a:p>
             <a:pPr lvl="0"/>
             <a:r>
-              <a:rPr lang="ko-KR" altLang="en-US" dirty="0" smtClean="0"/>
+              <a:rPr lang="ko-KR" altLang="en-US" dirty="0"/>
               <a:t>마스터 텍스트 스타일을 편집합니다</a:t>
             </a:r>
           </a:p>
           <a:p>
             <a:pPr lvl="1"/>
             <a:r>
-              <a:rPr lang="ko-KR" altLang="en-US" dirty="0" smtClean="0"/>
+              <a:rPr lang="ko-KR" altLang="en-US" dirty="0"/>
               <a:t>둘째 수준</a:t>
             </a:r>
           </a:p>
           <a:p>
             <a:pPr lvl="2"/>
             <a:r>
-              <a:rPr lang="ko-KR" altLang="en-US" dirty="0" smtClean="0"/>
+              <a:rPr lang="ko-KR" altLang="en-US" dirty="0"/>
               <a:t>셋째 수준</a:t>
             </a:r>
           </a:p>
           <a:p>
             <a:pPr lvl="3"/>
             <a:r>
-              <a:rPr lang="ko-KR" altLang="en-US" dirty="0" smtClean="0"/>
+              <a:rPr lang="ko-KR" altLang="en-US" dirty="0"/>
               <a:t>넷째 수준</a:t>
             </a:r>
           </a:p>
           <a:p>
             <a:pPr lvl="4"/>
             <a:r>
-              <a:rPr lang="ko-KR" altLang="en-US" dirty="0" smtClean="0"/>
+              <a:rPr lang="ko-KR" altLang="en-US" dirty="0"/>
               <a:t>다섯째 수준</a:t>
             </a:r>
             <a:endParaRPr lang="ko-KR" altLang="en-US"/>
@@ -2756,7 +2743,7 @@
             <a:fld id="{D422D86A-5F52-4165-8473-F1B836277586}" type="datetime1">
               <a:rPr lang="ko-KR" altLang="en-US" smtClean="0"/>
               <a:pPr/>
-              <a:t>2009-12-07</a:t>
+              <a:t>2024-09-28</a:t>
             </a:fld>
             <a:endParaRPr lang="ko-KR" altLang="en-US"/>
           </a:p>
@@ -3169,7 +3156,7 @@
 </file>
 
 <file path=ppt/slides/slide1.xml><?xml version="1.0" encoding="utf-8"?>
-<p:sld xmlns:r="http://schemas.openxmlformats.org/officeDocument/2006/relationships" xmlns:c="http://schemas.openxmlformats.org/drawingml/2006/chart" xmlns:a="http://schemas.openxmlformats.org/drawingml/2006/main" xmlns:dgm="http://schemas.openxmlformats.org/drawingml/2006/diagram" xmlns:dsp="http://schemas.microsoft.com/office/drawing/2008/diagram" xmlns:p="http://schemas.openxmlformats.org/presentationml/2006/main">
+<p:sld xmlns:a="http://schemas.openxmlformats.org/drawingml/2006/main" xmlns:r="http://schemas.openxmlformats.org/officeDocument/2006/relationships" xmlns:p="http://schemas.openxmlformats.org/presentationml/2006/main">
   <p:cSld>
     <p:spTree>
       <p:nvGrpSpPr>
@@ -3192,13 +3179,13 @@
             <a:spLocks noGrp="1"/>
           </p:cNvSpPr>
           <p:nvPr>
-            <p:ph type="ctrTitle" idx="0"/>
+            <p:ph type="ctrTitle"/>
           </p:nvPr>
         </p:nvSpPr>
         <p:spPr>
           <a:xfrm>
-            <a:off x="5806240" y="163345"/>
-            <a:ext cx="579520" cy="408154"/>
+            <a:off x="4749282" y="163344"/>
+            <a:ext cx="2514784" cy="723897"/>
           </a:xfrm>
           <a:ln>
             <a:solidFill>
@@ -3207,14 +3194,16 @@
           </a:ln>
         </p:spPr>
         <p:txBody>
-          <a:bodyPr/>
+          <a:bodyPr>
+            <a:normAutofit fontScale="90000"/>
+          </a:bodyPr>
           <a:lstStyle/>
           <a:p>
             <a:pPr lvl="0">
               <a:defRPr/>
             </a:pPr>
             <a:r>
-              <a:rPr lang="en-US" altLang="ko-KR" sz="1300" b="0">
+              <a:rPr lang="en-US" altLang="ko-KR" sz="1300" b="0" dirty="0" err="1">
                 <a:ln w="9525"/>
                 <a:solidFill>
                   <a:schemeClr val="dk1"/>
@@ -3223,7 +3212,124 @@
               </a:rPr>
               <a:t>rpg</a:t>
             </a:r>
-            <a:endParaRPr lang="en-US" altLang="ko-KR" sz="1300" b="0">
+            <a:br>
+              <a:rPr lang="en-US" altLang="ko-KR" sz="1300" b="0" dirty="0">
+                <a:ln w="9525"/>
+                <a:solidFill>
+                  <a:schemeClr val="dk1"/>
+                </a:solidFill>
+                <a:latin typeface="맑은 고딕"/>
+              </a:rPr>
+            </a:br>
+            <a:r>
+              <a:rPr lang="ko-KR" altLang="en-US" sz="1300" b="0" dirty="0">
+                <a:ln w="9525"/>
+                <a:solidFill>
+                  <a:schemeClr val="dk1"/>
+                </a:solidFill>
+                <a:latin typeface="맑은 고딕"/>
+              </a:rPr>
+              <a:t>변수 </a:t>
+            </a:r>
+            <a:r>
+              <a:rPr lang="en-US" altLang="ko-KR" sz="1300" b="0" dirty="0">
+                <a:ln w="9525"/>
+                <a:solidFill>
+                  <a:schemeClr val="dk1"/>
+                </a:solidFill>
+                <a:latin typeface="맑은 고딕"/>
+              </a:rPr>
+              <a:t>: </a:t>
+            </a:r>
+            <a:r>
+              <a:rPr lang="en-US" altLang="ko-KR" sz="1300" dirty="0">
+                <a:ln w="9525"/>
+                <a:solidFill>
+                  <a:schemeClr val="dk1"/>
+                </a:solidFill>
+                <a:latin typeface="맑은 고딕"/>
+              </a:rPr>
+              <a:t>name, hp, </a:t>
+            </a:r>
+            <a:r>
+              <a:rPr lang="en-US" altLang="ko-KR" sz="1300" dirty="0" err="1">
+                <a:ln w="9525"/>
+                <a:solidFill>
+                  <a:schemeClr val="dk1"/>
+                </a:solidFill>
+                <a:latin typeface="맑은 고딕"/>
+              </a:rPr>
+              <a:t>mp</a:t>
+            </a:r>
+            <a:r>
+              <a:rPr lang="en-US" altLang="ko-KR" sz="1300" dirty="0">
+                <a:ln w="9525"/>
+                <a:solidFill>
+                  <a:schemeClr val="dk1"/>
+                </a:solidFill>
+                <a:latin typeface="맑은 고딕"/>
+              </a:rPr>
+              <a:t>, </a:t>
+            </a:r>
+            <a:r>
+              <a:rPr lang="en-US" altLang="ko-KR" sz="1300" dirty="0" err="1">
+                <a:ln w="9525"/>
+                <a:solidFill>
+                  <a:schemeClr val="dk1"/>
+                </a:solidFill>
+                <a:latin typeface="맑은 고딕"/>
+              </a:rPr>
+              <a:t>atk</a:t>
+            </a:r>
+            <a:br>
+              <a:rPr lang="en-US" altLang="ko-KR" sz="1300" dirty="0">
+                <a:ln w="9525"/>
+                <a:solidFill>
+                  <a:schemeClr val="dk1"/>
+                </a:solidFill>
+                <a:latin typeface="맑은 고딕"/>
+              </a:rPr>
+            </a:br>
+            <a:r>
+              <a:rPr lang="ko-KR" altLang="en-US" sz="1300" dirty="0">
+                <a:ln w="9525"/>
+                <a:solidFill>
+                  <a:schemeClr val="dk1"/>
+                </a:solidFill>
+                <a:latin typeface="맑은 고딕"/>
+              </a:rPr>
+              <a:t>메서드 </a:t>
+            </a:r>
+            <a:r>
+              <a:rPr lang="en-US" altLang="ko-KR" sz="1300" dirty="0">
+                <a:ln w="9525"/>
+                <a:solidFill>
+                  <a:schemeClr val="dk1"/>
+                </a:solidFill>
+                <a:latin typeface="맑은 고딕"/>
+              </a:rPr>
+              <a:t>: </a:t>
+            </a:r>
+            <a:r>
+              <a:rPr lang="ko-KR" altLang="en-US" sz="1300" dirty="0">
+                <a:ln w="9525"/>
+                <a:solidFill>
+                  <a:schemeClr val="dk1"/>
+                </a:solidFill>
+                <a:latin typeface="맑은 고딕"/>
+              </a:rPr>
+              <a:t>게임소개</a:t>
+            </a:r>
+            <a:br>
+              <a:rPr lang="en-US" altLang="ko-KR" sz="1300" dirty="0">
+                <a:ln w="9525"/>
+                <a:solidFill>
+                  <a:schemeClr val="dk1"/>
+                </a:solidFill>
+                <a:latin typeface="맑은 고딕"/>
+              </a:rPr>
+            </a:br>
+            <a:endParaRPr lang="en-US" altLang="ko-KR" sz="1300" b="0" dirty="0">
               <a:ln w="9525"/>
               <a:solidFill>
                 <a:schemeClr val="dk1"/>
@@ -3243,8 +3349,8 @@
         </p:nvSpPr>
         <p:spPr>
           <a:xfrm>
-            <a:off x="3817519" y="997534"/>
-            <a:ext cx="579520" cy="408154"/>
+            <a:off x="2627691" y="1135850"/>
+            <a:ext cx="1159039" cy="1364893"/>
           </a:xfrm>
           <a:prstGeom prst="rect">
             <a:avLst/>
@@ -3259,8 +3365,9 @@
         </p:spPr>
         <p:txBody>
           <a:bodyPr vert="horz" lIns="91440" tIns="45720" rIns="91440" bIns="45720" anchor="ctr">
-            <a:normAutofit fontScale="85000" lnSpcReduction="20000"/>
+            <a:normAutofit/>
           </a:bodyPr>
+          <a:lstStyle/>
           <a:p>
             <a:pPr marL="0" lvl="0" indent="0" algn="ctr" defTabSz="914400" rtl="0" eaLnBrk="1" latinLnBrk="1" hangingPunct="1">
               <a:lnSpc>
@@ -3276,7 +3383,7 @@
               <a:defRPr/>
             </a:pPr>
             <a:r>
-              <a:rPr xmlns:mc="http://schemas.openxmlformats.org/markup-compatibility/2006" xmlns:hp="http://schemas.haansoft.com/office/presentation/8.0" kumimoji="0" lang="ko-KR" altLang="en-US" sz="1500" b="0" i="0" u="none" strike="noStrike" kern="1200" cap="none" spc="0" normalizeH="0" baseline="0" mc:Ignorable="hp" hp:hslEmbossed="0">
+              <a:rPr kumimoji="0" lang="ko-KR" altLang="en-US" sz="1200" b="0" i="0" u="none" strike="noStrike" kern="1200" cap="none" spc="0" normalizeH="0" baseline="0" dirty="0">
                 <a:solidFill>
                   <a:srgbClr val="000000"/>
                 </a:solidFill>
@@ -3286,7 +3393,7 @@
               </a:rPr>
               <a:t>모험가</a:t>
             </a:r>
-            <a:endParaRPr xmlns:mc="http://schemas.openxmlformats.org/markup-compatibility/2006" xmlns:hp="http://schemas.haansoft.com/office/presentation/8.0" kumimoji="0" lang="ko-KR" altLang="en-US" sz="1500" b="0" i="0" u="none" strike="noStrike" kern="1200" cap="none" spc="0" normalizeH="0" baseline="0" mc:Ignorable="hp" hp:hslEmbossed="0">
+            <a:endParaRPr kumimoji="0" lang="en-US" altLang="ko-KR" sz="1200" b="0" i="0" u="none" strike="noStrike" kern="1200" cap="none" spc="0" normalizeH="0" baseline="0" dirty="0">
               <a:solidFill>
                 <a:srgbClr val="000000"/>
               </a:solidFill>
@@ -3295,6 +3402,173 @@
               <a:cs typeface="Calibri"/>
             </a:endParaRPr>
           </a:p>
+          <a:p>
+            <a:pPr marL="0" lvl="0" indent="0" algn="ctr" defTabSz="914400" rtl="0" eaLnBrk="1" latinLnBrk="1" hangingPunct="1">
+              <a:lnSpc>
+                <a:spcPct val="100000"/>
+              </a:lnSpc>
+              <a:spcBef>
+                <a:spcPct val="0"/>
+              </a:spcBef>
+              <a:spcAft>
+                <a:spcPts val="0"/>
+              </a:spcAft>
+              <a:buNone/>
+              <a:defRPr/>
+            </a:pPr>
+            <a:r>
+              <a:rPr lang="ko-KR" altLang="en-US" sz="1200" dirty="0">
+                <a:solidFill>
+                  <a:srgbClr val="000000"/>
+                </a:solidFill>
+                <a:latin typeface="Calibri"/>
+                <a:ea typeface="맑은 고딕"/>
+                <a:cs typeface="Calibri"/>
+              </a:rPr>
+              <a:t>변수 </a:t>
+            </a:r>
+            <a:r>
+              <a:rPr lang="en-US" altLang="ko-KR" sz="1200" dirty="0">
+                <a:solidFill>
+                  <a:srgbClr val="000000"/>
+                </a:solidFill>
+                <a:latin typeface="Calibri"/>
+                <a:ea typeface="맑은 고딕"/>
+                <a:cs typeface="Calibri"/>
+              </a:rPr>
+              <a:t>:  money,</a:t>
+            </a:r>
+            <a:r>
+              <a:rPr lang="ko-KR" altLang="en-US" sz="1200" dirty="0">
+                <a:solidFill>
+                  <a:srgbClr val="000000"/>
+                </a:solidFill>
+                <a:latin typeface="Calibri"/>
+                <a:ea typeface="맑은 고딕"/>
+                <a:cs typeface="Calibri"/>
+              </a:rPr>
+              <a:t> </a:t>
+            </a:r>
+            <a:r>
+              <a:rPr lang="en-US" altLang="ko-KR" sz="1200" dirty="0" err="1">
+                <a:solidFill>
+                  <a:srgbClr val="000000"/>
+                </a:solidFill>
+                <a:latin typeface="Calibri"/>
+                <a:ea typeface="맑은 고딕"/>
+                <a:cs typeface="Calibri"/>
+              </a:rPr>
+              <a:t>exp,level,job</a:t>
+            </a:r>
+            <a:endParaRPr lang="en-US" altLang="ko-KR" sz="1200" dirty="0">
+              <a:solidFill>
+                <a:srgbClr val="000000"/>
+              </a:solidFill>
+              <a:latin typeface="Calibri"/>
+              <a:ea typeface="맑은 고딕"/>
+              <a:cs typeface="Calibri"/>
+            </a:endParaRPr>
+          </a:p>
+          <a:p>
+            <a:pPr marL="0" lvl="0" indent="0" algn="ctr" defTabSz="914400" rtl="0" eaLnBrk="1" latinLnBrk="1" hangingPunct="1">
+              <a:lnSpc>
+                <a:spcPct val="100000"/>
+              </a:lnSpc>
+              <a:spcBef>
+                <a:spcPct val="0"/>
+              </a:spcBef>
+              <a:spcAft>
+                <a:spcPts val="0"/>
+              </a:spcAft>
+              <a:buNone/>
+              <a:defRPr/>
+            </a:pPr>
+            <a:r>
+              <a:rPr kumimoji="0" lang="ko-KR" altLang="en-US" sz="1200" b="0" i="0" u="none" strike="noStrike" kern="1200" cap="none" spc="0" normalizeH="0" baseline="0" dirty="0">
+                <a:solidFill>
+                  <a:srgbClr val="000000"/>
+                </a:solidFill>
+                <a:latin typeface="Calibri"/>
+                <a:ea typeface="맑은 고딕"/>
+                <a:cs typeface="Calibri"/>
+              </a:rPr>
+              <a:t>메서드 </a:t>
+            </a:r>
+            <a:r>
+              <a:rPr kumimoji="0" lang="en-US" altLang="ko-KR" sz="1200" b="0" i="0" u="none" strike="noStrike" kern="1200" cap="none" spc="0" normalizeH="0" baseline="0" dirty="0">
+                <a:solidFill>
+                  <a:srgbClr val="000000"/>
+                </a:solidFill>
+                <a:latin typeface="Calibri"/>
+                <a:ea typeface="맑은 고딕"/>
+                <a:cs typeface="Calibri"/>
+              </a:rPr>
+              <a:t>: </a:t>
+            </a:r>
+            <a:r>
+              <a:rPr kumimoji="0" lang="en-US" altLang="ko-KR" sz="1200" b="0" i="0" u="none" strike="noStrike" kern="1200" cap="none" spc="0" normalizeH="0" baseline="0" dirty="0" err="1">
+                <a:solidFill>
+                  <a:srgbClr val="000000"/>
+                </a:solidFill>
+                <a:latin typeface="Calibri"/>
+                <a:ea typeface="맑은 고딕"/>
+                <a:cs typeface="Calibri"/>
+              </a:rPr>
+              <a:t>ExpUp</a:t>
+            </a:r>
+            <a:r>
+              <a:rPr kumimoji="0" lang="en-US" altLang="ko-KR" sz="1200" b="0" i="0" u="none" strike="noStrike" kern="1200" cap="none" spc="0" normalizeH="0" baseline="0" dirty="0">
+                <a:solidFill>
+                  <a:srgbClr val="000000"/>
+                </a:solidFill>
+                <a:latin typeface="Calibri"/>
+                <a:ea typeface="맑은 고딕"/>
+                <a:cs typeface="Calibri"/>
+              </a:rPr>
+              <a:t>, </a:t>
+            </a:r>
+            <a:r>
+              <a:rPr kumimoji="0" lang="en-US" altLang="ko-KR" sz="1200" b="0" i="0" u="none" strike="noStrike" kern="1200" cap="none" spc="0" normalizeH="0" baseline="0" dirty="0" err="1">
+                <a:solidFill>
+                  <a:srgbClr val="000000"/>
+                </a:solidFill>
+                <a:latin typeface="Calibri"/>
+                <a:ea typeface="맑은 고딕"/>
+                <a:cs typeface="Calibri"/>
+              </a:rPr>
+              <a:t>MoneyUp</a:t>
+            </a:r>
+            <a:r>
+              <a:rPr kumimoji="0" lang="en-US" altLang="ko-KR" sz="1200" b="0" i="0" u="none" strike="noStrike" kern="1200" cap="none" spc="0" normalizeH="0" baseline="0" dirty="0">
+                <a:solidFill>
+                  <a:srgbClr val="000000"/>
+                </a:solidFill>
+                <a:latin typeface="Calibri"/>
+                <a:ea typeface="맑은 고딕"/>
+                <a:cs typeface="Calibri"/>
+              </a:rPr>
+              <a:t>, </a:t>
+            </a:r>
+            <a:r>
+              <a:rPr lang="en-US" altLang="ko-KR" sz="1200" dirty="0" err="1">
+                <a:solidFill>
+                  <a:srgbClr val="000000"/>
+                </a:solidFill>
+                <a:latin typeface="Calibri"/>
+                <a:ea typeface="맑은 고딕"/>
+                <a:cs typeface="Calibri"/>
+              </a:rPr>
+              <a:t>BuyItems</a:t>
+            </a:r>
+            <a:endParaRPr kumimoji="0" lang="en-US" altLang="ko-KR" sz="1200" b="0" i="0" u="none" strike="noStrike" kern="1200" cap="none" spc="0" normalizeH="0" baseline="0" dirty="0">
+              <a:solidFill>
+                <a:srgbClr val="000000"/>
+              </a:solidFill>
+              <a:latin typeface="Calibri"/>
+              <a:ea typeface="맑은 고딕"/>
+              <a:cs typeface="Calibri"/>
+            </a:endParaRPr>
+          </a:p>
         </p:txBody>
       </p:sp>
       <p:sp>
@@ -3307,8 +3581,8 @@
         </p:nvSpPr>
         <p:spPr>
           <a:xfrm>
-            <a:off x="7608971" y="997534"/>
-            <a:ext cx="469230" cy="408154"/>
+            <a:off x="7548837" y="1497268"/>
+            <a:ext cx="1171135" cy="629244"/>
           </a:xfrm>
           <a:prstGeom prst="rect">
             <a:avLst/>
@@ -3325,6 +3599,7 @@
           <a:bodyPr vert="horz" lIns="91440" tIns="45720" rIns="91440" bIns="45720" anchor="ctr">
             <a:normAutofit/>
           </a:bodyPr>
+          <a:lstStyle/>
           <a:p>
             <a:pPr marL="0" lvl="0" indent="0" algn="ctr" defTabSz="914400" rtl="0" eaLnBrk="1" latinLnBrk="1" hangingPunct="1">
               <a:lnSpc>
@@ -3340,7 +3615,7 @@
               <a:defRPr/>
             </a:pPr>
             <a:r>
-              <a:rPr xmlns:mc="http://schemas.openxmlformats.org/markup-compatibility/2006" xmlns:hp="http://schemas.haansoft.com/office/presentation/8.0" kumimoji="0" lang="en-US" altLang="ko-KR" sz="1300" b="0" i="0" u="none" strike="noStrike" kern="1200" cap="none" spc="0" normalizeH="0" baseline="0" mc:Ignorable="hp" hp:hslEmbossed="0">
+              <a:rPr kumimoji="0" lang="en-US" altLang="ko-KR" sz="1300" b="0" i="0" u="none" strike="noStrike" kern="1200" cap="none" spc="0" normalizeH="0" baseline="0">
                 <a:solidFill>
                   <a:srgbClr val="000000"/>
                 </a:solidFill>
@@ -3350,14 +3625,6 @@
               </a:rPr>
               <a:t>npc</a:t>
             </a:r>
-            <a:endParaRPr xmlns:mc="http://schemas.openxmlformats.org/markup-compatibility/2006" xmlns:hp="http://schemas.haansoft.com/office/presentation/8.0" kumimoji="0" lang="en-US" altLang="ko-KR" sz="1300" b="0" i="0" u="none" strike="noStrike" kern="1200" cap="none" spc="0" normalizeH="0" baseline="0" mc:Ignorable="hp" hp:hslEmbossed="0">
-              <a:solidFill>
-                <a:srgbClr val="000000"/>
-              </a:solidFill>
-              <a:latin typeface="맑은 고딕"/>
-              <a:ea typeface="맑은 고딕"/>
-              <a:cs typeface="Calibri"/>
-            </a:endParaRPr>
           </a:p>
         </p:txBody>
       </p:sp>
@@ -3371,8 +3638,8 @@
         </p:nvSpPr>
         <p:spPr>
           <a:xfrm>
-            <a:off x="5806240" y="3429000"/>
-            <a:ext cx="579520" cy="408154"/>
+            <a:off x="5289162" y="1467462"/>
+            <a:ext cx="1119674" cy="978297"/>
           </a:xfrm>
           <a:prstGeom prst="rect">
             <a:avLst/>
@@ -3387,8 +3654,9 @@
         </p:spPr>
         <p:txBody>
           <a:bodyPr vert="horz" lIns="91440" tIns="45720" rIns="91440" bIns="45720" anchor="ctr">
-            <a:normAutofit fontScale="85000" lnSpcReduction="20000"/>
+            <a:normAutofit/>
           </a:bodyPr>
+          <a:lstStyle/>
           <a:p>
             <a:pPr marL="0" lvl="0" indent="0" algn="ctr" defTabSz="914400" rtl="0" eaLnBrk="1" latinLnBrk="1" hangingPunct="1">
               <a:lnSpc>
@@ -3404,7 +3672,7 @@
               <a:defRPr/>
             </a:pPr>
             <a:r>
-              <a:rPr xmlns:mc="http://schemas.openxmlformats.org/markup-compatibility/2006" xmlns:hp="http://schemas.haansoft.com/office/presentation/8.0" kumimoji="0" lang="ko-KR" altLang="en-US" sz="1500" b="0" i="0" u="none" strike="noStrike" kern="1200" cap="none" spc="0" normalizeH="0" baseline="0" mc:Ignorable="hp" hp:hslEmbossed="0">
+              <a:rPr kumimoji="0" lang="ko-KR" altLang="en-US" sz="1500" b="0" i="0" u="none" strike="noStrike" kern="1200" cap="none" spc="0" normalizeH="0" baseline="0" dirty="0">
                 <a:solidFill>
                   <a:srgbClr val="000000"/>
                 </a:solidFill>
@@ -3414,7 +3682,7 @@
               </a:rPr>
               <a:t>몬스터</a:t>
             </a:r>
-            <a:endParaRPr xmlns:mc="http://schemas.openxmlformats.org/markup-compatibility/2006" xmlns:hp="http://schemas.haansoft.com/office/presentation/8.0" kumimoji="0" lang="en-US" altLang="ko-KR" sz="1500" b="0" i="0" u="none" strike="noStrike" kern="1200" cap="none" spc="0" normalizeH="0" baseline="0" mc:Ignorable="hp" hp:hslEmbossed="0">
+            <a:endParaRPr kumimoji="0" lang="en-US" altLang="ko-KR" sz="1500" b="0" i="0" u="none" strike="noStrike" kern="1200" cap="none" spc="0" normalizeH="0" baseline="0" dirty="0">
               <a:solidFill>
                 <a:srgbClr val="000000"/>
               </a:solidFill>
@@ -3423,21 +3691,78 @@
               <a:cs typeface="Calibri"/>
             </a:endParaRPr>
           </a:p>
+          <a:p>
+            <a:pPr marL="0" lvl="0" indent="0" algn="ctr" defTabSz="914400" rtl="0" eaLnBrk="1" latinLnBrk="1" hangingPunct="1">
+              <a:lnSpc>
+                <a:spcPct val="100000"/>
+              </a:lnSpc>
+              <a:spcBef>
+                <a:spcPct val="0"/>
+              </a:spcBef>
+              <a:spcAft>
+                <a:spcPts val="0"/>
+              </a:spcAft>
+              <a:buNone/>
+              <a:defRPr/>
+            </a:pPr>
+            <a:r>
+              <a:rPr kumimoji="0" lang="ko-KR" altLang="en-US" sz="1500" b="0" i="0" u="none" strike="noStrike" kern="1200" cap="none" spc="0" normalizeH="0" baseline="0" dirty="0">
+                <a:solidFill>
+                  <a:srgbClr val="000000"/>
+                </a:solidFill>
+                <a:latin typeface="Calibri"/>
+                <a:ea typeface="맑은 고딕"/>
+                <a:cs typeface="Calibri"/>
+              </a:rPr>
+              <a:t>변수 </a:t>
+            </a:r>
+            <a:r>
+              <a:rPr kumimoji="0" lang="en-US" altLang="ko-KR" sz="1500" b="0" i="0" u="none" strike="noStrike" kern="1200" cap="none" spc="0" normalizeH="0" baseline="0" dirty="0">
+                <a:solidFill>
+                  <a:srgbClr val="000000"/>
+                </a:solidFill>
+                <a:latin typeface="Calibri"/>
+                <a:ea typeface="맑은 고딕"/>
+                <a:cs typeface="Calibri"/>
+              </a:rPr>
+              <a:t>: </a:t>
+            </a:r>
+            <a:r>
+              <a:rPr kumimoji="0" lang="ko-KR" altLang="en-US" sz="1500" b="0" i="0" u="none" strike="noStrike" kern="1200" cap="none" spc="0" normalizeH="0" baseline="0" dirty="0">
+                <a:solidFill>
+                  <a:srgbClr val="000000"/>
+                </a:solidFill>
+                <a:latin typeface="Calibri"/>
+                <a:ea typeface="맑은 고딕"/>
+                <a:cs typeface="Calibri"/>
+              </a:rPr>
+              <a:t>종족</a:t>
+            </a:r>
+            <a:endParaRPr kumimoji="0" lang="en-US" altLang="ko-KR" sz="1500" b="0" i="0" u="none" strike="noStrike" kern="1200" cap="none" spc="0" normalizeH="0" baseline="0" dirty="0">
+              <a:solidFill>
+                <a:srgbClr val="000000"/>
+              </a:solidFill>
+              <a:latin typeface="Calibri"/>
+              <a:ea typeface="맑은 고딕"/>
+              <a:cs typeface="Calibri"/>
+            </a:endParaRPr>
+          </a:p>
         </p:txBody>
       </p:sp>
       <p:cxnSp>
         <p:nvCxnSpPr>
           <p:cNvPr id="17" name="선 16"/>
           <p:cNvCxnSpPr>
+            <a:cxnSpLocks/>
             <a:stCxn id="2" idx="2"/>
             <a:endCxn id="10" idx="0"/>
           </p:cNvCxnSpPr>
           <p:nvPr/>
         </p:nvCxnSpPr>
         <p:spPr>
-          <a:xfrm rot="10800000" flipV="1">
-            <a:off x="4107279" y="571499"/>
-            <a:ext cx="1988720" cy="426035"/>
+          <a:xfrm flipH="1">
+            <a:off x="3207211" y="887241"/>
+            <a:ext cx="2799463" cy="248609"/>
           </a:xfrm>
           <a:prstGeom prst="line">
             <a:avLst/>
@@ -3462,15 +3787,16 @@
         <p:nvCxnSpPr>
           <p:cNvPr id="18" name="선 17"/>
           <p:cNvCxnSpPr>
+            <a:cxnSpLocks/>
             <a:stCxn id="2" idx="2"/>
             <a:endCxn id="13" idx="0"/>
           </p:cNvCxnSpPr>
           <p:nvPr/>
         </p:nvCxnSpPr>
         <p:spPr>
-          <a:xfrm rot="16200000" flipH="1">
-            <a:off x="4667249" y="2000249"/>
-            <a:ext cx="2857501" cy="0"/>
+          <a:xfrm flipH="1">
+            <a:off x="5848999" y="887241"/>
+            <a:ext cx="157675" cy="580221"/>
           </a:xfrm>
           <a:prstGeom prst="line">
             <a:avLst/>
@@ -3495,6 +3821,7 @@
         <p:nvCxnSpPr>
           <p:cNvPr id="19" name="선 18"/>
           <p:cNvCxnSpPr>
+            <a:cxnSpLocks/>
             <a:stCxn id="2" idx="2"/>
             <a:endCxn id="12" idx="0"/>
           </p:cNvCxnSpPr>
@@ -3502,8 +3829,8 @@
         </p:nvCxnSpPr>
         <p:spPr>
           <a:xfrm>
-            <a:off x="6096000" y="571499"/>
-            <a:ext cx="1747586" cy="426035"/>
+            <a:off x="6006674" y="887241"/>
+            <a:ext cx="2127731" cy="610027"/>
           </a:xfrm>
           <a:prstGeom prst="line">
             <a:avLst/>
@@ -3534,8 +3861,8 @@
         </p:nvSpPr>
         <p:spPr>
           <a:xfrm>
-            <a:off x="1966158" y="1801643"/>
-            <a:ext cx="579520" cy="408154"/>
+            <a:off x="568750" y="2645778"/>
+            <a:ext cx="1495551" cy="593796"/>
           </a:xfrm>
           <a:prstGeom prst="rect">
             <a:avLst/>
@@ -3550,8 +3877,9 @@
         </p:spPr>
         <p:txBody>
           <a:bodyPr vert="horz" lIns="91440" tIns="45720" rIns="91440" bIns="45720" anchor="ctr">
-            <a:normAutofit lnSpcReduction="10000"/>
+            <a:normAutofit/>
           </a:bodyPr>
+          <a:lstStyle/>
           <a:p>
             <a:pPr marL="0" lvl="0" indent="0" algn="ctr" defTabSz="914400" rtl="0" eaLnBrk="1" latinLnBrk="1" hangingPunct="1">
               <a:lnSpc>
@@ -3567,7 +3895,7 @@
               <a:defRPr/>
             </a:pPr>
             <a:r>
-              <a:rPr xmlns:mc="http://schemas.openxmlformats.org/markup-compatibility/2006" xmlns:hp="http://schemas.haansoft.com/office/presentation/8.0" kumimoji="0" lang="ko-KR" altLang="en-US" sz="1500" b="0" i="0" u="none" strike="noStrike" kern="1200" cap="none" spc="0" normalizeH="0" baseline="0" mc:Ignorable="hp" hp:hslEmbossed="0">
+              <a:rPr kumimoji="0" lang="ko-KR" altLang="en-US" sz="1200" b="0" i="0" u="none" strike="noStrike" kern="1200" cap="none" spc="0" normalizeH="0" baseline="0" dirty="0">
                 <a:solidFill>
                   <a:srgbClr val="000000"/>
                 </a:solidFill>
@@ -3577,7 +3905,7 @@
               </a:rPr>
               <a:t>전사</a:t>
             </a:r>
-            <a:endParaRPr xmlns:mc="http://schemas.openxmlformats.org/markup-compatibility/2006" xmlns:hp="http://schemas.haansoft.com/office/presentation/8.0" kumimoji="0" lang="ko-KR" altLang="en-US" sz="1500" b="0" i="0" u="none" strike="noStrike" kern="1200" cap="none" spc="0" normalizeH="0" baseline="0" mc:Ignorable="hp" hp:hslEmbossed="0">
+            <a:endParaRPr kumimoji="0" lang="en-US" altLang="ko-KR" sz="1200" b="0" i="0" u="none" strike="noStrike" kern="1200" cap="none" spc="0" normalizeH="0" baseline="0" dirty="0">
               <a:solidFill>
                 <a:srgbClr val="000000"/>
               </a:solidFill>
@@ -3586,6 +3914,62 @@
               <a:cs typeface="Calibri"/>
             </a:endParaRPr>
           </a:p>
+          <a:p>
+            <a:pPr marL="0" lvl="0" indent="0" algn="ctr" defTabSz="914400" rtl="0" eaLnBrk="1" latinLnBrk="1" hangingPunct="1">
+              <a:lnSpc>
+                <a:spcPct val="100000"/>
+              </a:lnSpc>
+              <a:spcBef>
+                <a:spcPct val="0"/>
+              </a:spcBef>
+              <a:spcAft>
+                <a:spcPts val="0"/>
+              </a:spcAft>
+              <a:buNone/>
+              <a:defRPr/>
+            </a:pPr>
+            <a:r>
+              <a:rPr kumimoji="0" lang="ko-KR" altLang="en-US" sz="1200" b="0" i="0" u="none" strike="noStrike" kern="1200" cap="none" spc="0" normalizeH="0" baseline="0" dirty="0">
+                <a:solidFill>
+                  <a:srgbClr val="000000"/>
+                </a:solidFill>
+                <a:latin typeface="Calibri"/>
+                <a:ea typeface="맑은 고딕"/>
+                <a:cs typeface="Calibri"/>
+              </a:rPr>
+              <a:t>메서드 </a:t>
+            </a:r>
+            <a:r>
+              <a:rPr kumimoji="0" lang="en-US" altLang="ko-KR" sz="1200" b="0" i="0" u="none" strike="noStrike" kern="1200" cap="none" spc="0" normalizeH="0" baseline="0" dirty="0">
+                <a:solidFill>
+                  <a:srgbClr val="000000"/>
+                </a:solidFill>
+                <a:latin typeface="Calibri"/>
+                <a:ea typeface="맑은 고딕"/>
+                <a:cs typeface="Calibri"/>
+              </a:rPr>
+              <a:t>: </a:t>
+            </a:r>
+            <a:r>
+              <a:rPr kumimoji="0" lang="en-US" altLang="ko-KR" sz="1200" b="0" i="0" u="none" strike="noStrike" kern="1200" cap="none" spc="0" normalizeH="0" baseline="0" dirty="0" err="1">
+                <a:solidFill>
+                  <a:srgbClr val="000000"/>
+                </a:solidFill>
+                <a:latin typeface="Calibri"/>
+                <a:ea typeface="맑은 고딕"/>
+                <a:cs typeface="Calibri"/>
+              </a:rPr>
+              <a:t>SkillWa</a:t>
+            </a:r>
+            <a:endParaRPr kumimoji="0" lang="ko-KR" altLang="en-US" sz="1200" b="0" i="0" u="none" strike="noStrike" kern="1200" cap="none" spc="0" normalizeH="0" baseline="0" dirty="0">
+              <a:solidFill>
+                <a:srgbClr val="000000"/>
+              </a:solidFill>
+              <a:latin typeface="Calibri"/>
+              <a:ea typeface="맑은 고딕"/>
+              <a:cs typeface="Calibri"/>
+            </a:endParaRPr>
+          </a:p>
         </p:txBody>
       </p:sp>
       <p:sp>
@@ -3598,8 +3982,8 @@
         </p:nvSpPr>
         <p:spPr>
           <a:xfrm>
-            <a:off x="2823159" y="1801643"/>
-            <a:ext cx="579520" cy="408154"/>
+            <a:off x="2314180" y="2675584"/>
+            <a:ext cx="888180" cy="533923"/>
           </a:xfrm>
           <a:prstGeom prst="rect">
             <a:avLst/>
@@ -3614,8 +3998,9 @@
         </p:spPr>
         <p:txBody>
           <a:bodyPr vert="horz" lIns="91440" tIns="45720" rIns="91440" bIns="45720" anchor="ctr">
-            <a:normAutofit lnSpcReduction="10000"/>
+            <a:normAutofit fontScale="77500" lnSpcReduction="20000"/>
           </a:bodyPr>
+          <a:lstStyle/>
           <a:p>
             <a:pPr marL="0" lvl="0" indent="0" algn="ctr" defTabSz="914400" rtl="0" eaLnBrk="1" latinLnBrk="1" hangingPunct="1">
               <a:lnSpc>
@@ -3631,7 +4016,7 @@
               <a:defRPr/>
             </a:pPr>
             <a:r>
-              <a:rPr xmlns:mc="http://schemas.openxmlformats.org/markup-compatibility/2006" xmlns:hp="http://schemas.haansoft.com/office/presentation/8.0" kumimoji="0" lang="ko-KR" altLang="en-US" sz="1500" b="0" i="0" u="none" strike="noStrike" kern="1200" cap="none" spc="0" normalizeH="0" baseline="0" mc:Ignorable="hp" hp:hslEmbossed="0">
+              <a:rPr kumimoji="0" lang="ko-KR" altLang="en-US" sz="1200" b="0" i="0" u="none" strike="noStrike" kern="1200" cap="none" spc="0" normalizeH="0" baseline="0" dirty="0">
                 <a:solidFill>
                   <a:srgbClr val="000000"/>
                 </a:solidFill>
@@ -3641,7 +4026,7 @@
               </a:rPr>
               <a:t>궁수</a:t>
             </a:r>
-            <a:endParaRPr xmlns:mc="http://schemas.openxmlformats.org/markup-compatibility/2006" xmlns:hp="http://schemas.haansoft.com/office/presentation/8.0" kumimoji="0" lang="ko-KR" altLang="en-US" sz="1500" b="0" i="0" u="none" strike="noStrike" kern="1200" cap="none" spc="0" normalizeH="0" baseline="0" mc:Ignorable="hp" hp:hslEmbossed="0">
+            <a:endParaRPr kumimoji="0" lang="en-US" altLang="ko-KR" sz="1200" b="0" i="0" u="none" strike="noStrike" kern="1200" cap="none" spc="0" normalizeH="0" baseline="0" dirty="0">
               <a:solidFill>
                 <a:srgbClr val="000000"/>
               </a:solidFill>
@@ -3650,6 +4035,77 @@
               <a:cs typeface="Calibri"/>
             </a:endParaRPr>
           </a:p>
+          <a:p>
+            <a:pPr marL="0" lvl="0" indent="0" algn="ctr" defTabSz="914400" rtl="0" eaLnBrk="1" latinLnBrk="1" hangingPunct="1">
+              <a:lnSpc>
+                <a:spcPct val="100000"/>
+              </a:lnSpc>
+              <a:spcBef>
+                <a:spcPct val="0"/>
+              </a:spcBef>
+              <a:spcAft>
+                <a:spcPts val="0"/>
+              </a:spcAft>
+              <a:buNone/>
+              <a:defRPr/>
+            </a:pPr>
+            <a:r>
+              <a:rPr kumimoji="0" lang="ko-KR" altLang="en-US" sz="1200" b="0" i="0" u="none" strike="noStrike" kern="1200" cap="none" spc="0" normalizeH="0" baseline="0" dirty="0">
+                <a:solidFill>
+                  <a:srgbClr val="000000"/>
+                </a:solidFill>
+                <a:latin typeface="Calibri"/>
+                <a:ea typeface="맑은 고딕"/>
+                <a:cs typeface="Calibri"/>
+              </a:rPr>
+              <a:t>메서드</a:t>
+            </a:r>
+            <a:r>
+              <a:rPr kumimoji="0" lang="en-US" altLang="ko-KR" sz="1500" b="0" i="0" u="none" strike="noStrike" kern="1200" cap="none" spc="0" normalizeH="0" baseline="0" dirty="0">
+                <a:solidFill>
+                  <a:srgbClr val="000000"/>
+                </a:solidFill>
+                <a:latin typeface="Calibri"/>
+                <a:ea typeface="맑은 고딕"/>
+                <a:cs typeface="Calibri"/>
+              </a:rPr>
+              <a:t>:</a:t>
+            </a:r>
+          </a:p>
+          <a:p>
+            <a:pPr marL="0" lvl="0" indent="0" algn="ctr" defTabSz="914400" rtl="0" eaLnBrk="1" latinLnBrk="1" hangingPunct="1">
+              <a:lnSpc>
+                <a:spcPct val="100000"/>
+              </a:lnSpc>
+              <a:spcBef>
+                <a:spcPct val="0"/>
+              </a:spcBef>
+              <a:spcAft>
+                <a:spcPts val="0"/>
+              </a:spcAft>
+              <a:buNone/>
+              <a:defRPr/>
+            </a:pPr>
+            <a:r>
+              <a:rPr kumimoji="0" lang="en-US" altLang="ko-KR" sz="1500" b="0" i="0" u="none" strike="noStrike" kern="1200" cap="none" spc="0" normalizeH="0" baseline="0" dirty="0" err="1">
+                <a:solidFill>
+                  <a:srgbClr val="000000"/>
+                </a:solidFill>
+                <a:latin typeface="Calibri"/>
+                <a:ea typeface="맑은 고딕"/>
+                <a:cs typeface="Calibri"/>
+              </a:rPr>
+              <a:t>SkillAr</a:t>
+            </a:r>
+            <a:endParaRPr kumimoji="0" lang="ko-KR" altLang="en-US" sz="1500" b="0" i="0" u="none" strike="noStrike" kern="1200" cap="none" spc="0" normalizeH="0" baseline="0" dirty="0">
+              <a:solidFill>
+                <a:srgbClr val="000000"/>
+              </a:solidFill>
+              <a:latin typeface="Calibri"/>
+              <a:ea typeface="맑은 고딕"/>
+              <a:cs typeface="Calibri"/>
+            </a:endParaRPr>
+          </a:p>
         </p:txBody>
       </p:sp>
       <p:sp>
@@ -3662,8 +4118,8 @@
         </p:nvSpPr>
         <p:spPr>
           <a:xfrm>
-            <a:off x="3817520" y="1801643"/>
-            <a:ext cx="579520" cy="408154"/>
+            <a:off x="3454173" y="2645778"/>
+            <a:ext cx="1256826" cy="593796"/>
           </a:xfrm>
           <a:prstGeom prst="rect">
             <a:avLst/>
@@ -3678,8 +4134,9 @@
         </p:spPr>
         <p:txBody>
           <a:bodyPr vert="horz" lIns="91440" tIns="45720" rIns="91440" bIns="45720" anchor="ctr">
-            <a:normAutofit fontScale="85000" lnSpcReduction="20000"/>
+            <a:normAutofit lnSpcReduction="10000"/>
           </a:bodyPr>
+          <a:lstStyle/>
           <a:p>
             <a:pPr marL="0" lvl="0" indent="0" algn="ctr" defTabSz="914400" rtl="0" eaLnBrk="1" latinLnBrk="1" hangingPunct="1">
               <a:lnSpc>
@@ -3695,7 +4152,7 @@
               <a:defRPr/>
             </a:pPr>
             <a:r>
-              <a:rPr xmlns:mc="http://schemas.openxmlformats.org/markup-compatibility/2006" xmlns:hp="http://schemas.haansoft.com/office/presentation/8.0" kumimoji="0" lang="ko-KR" altLang="en-US" sz="1500" b="0" i="0" u="none" strike="noStrike" kern="1200" cap="none" spc="0" normalizeH="0" baseline="0" mc:Ignorable="hp" hp:hslEmbossed="0">
+              <a:rPr kumimoji="0" lang="ko-KR" altLang="en-US" sz="1200" b="0" i="0" u="none" strike="noStrike" kern="1200" cap="none" spc="0" normalizeH="0" baseline="0" dirty="0">
                 <a:solidFill>
                   <a:srgbClr val="000000"/>
                 </a:solidFill>
@@ -3705,7 +4162,7 @@
               </a:rPr>
               <a:t>마법사</a:t>
             </a:r>
-            <a:endParaRPr xmlns:mc="http://schemas.openxmlformats.org/markup-compatibility/2006" xmlns:hp="http://schemas.haansoft.com/office/presentation/8.0" kumimoji="0" lang="ko-KR" altLang="en-US" sz="1500" b="0" i="0" u="none" strike="noStrike" kern="1200" cap="none" spc="0" normalizeH="0" baseline="0" mc:Ignorable="hp" hp:hslEmbossed="0">
+            <a:endParaRPr kumimoji="0" lang="en-US" altLang="ko-KR" sz="1200" b="0" i="0" u="none" strike="noStrike" kern="1200" cap="none" spc="0" normalizeH="0" baseline="0" dirty="0">
               <a:solidFill>
                 <a:srgbClr val="000000"/>
               </a:solidFill>
@@ -3714,6 +4171,77 @@
               <a:cs typeface="Calibri"/>
             </a:endParaRPr>
           </a:p>
+          <a:p>
+            <a:pPr marL="0" lvl="0" indent="0" algn="ctr" defTabSz="914400" rtl="0" eaLnBrk="1" latinLnBrk="1" hangingPunct="1">
+              <a:lnSpc>
+                <a:spcPct val="100000"/>
+              </a:lnSpc>
+              <a:spcBef>
+                <a:spcPct val="0"/>
+              </a:spcBef>
+              <a:spcAft>
+                <a:spcPts val="0"/>
+              </a:spcAft>
+              <a:buNone/>
+              <a:defRPr/>
+            </a:pPr>
+            <a:r>
+              <a:rPr lang="ko-KR" altLang="en-US" sz="1200" dirty="0">
+                <a:solidFill>
+                  <a:srgbClr val="000000"/>
+                </a:solidFill>
+                <a:latin typeface="Calibri"/>
+                <a:ea typeface="맑은 고딕"/>
+                <a:cs typeface="Calibri"/>
+              </a:rPr>
+              <a:t>메서드 </a:t>
+            </a:r>
+            <a:r>
+              <a:rPr lang="en-US" altLang="ko-KR" sz="1200" dirty="0">
+                <a:solidFill>
+                  <a:srgbClr val="000000"/>
+                </a:solidFill>
+                <a:latin typeface="Calibri"/>
+                <a:ea typeface="맑은 고딕"/>
+                <a:cs typeface="Calibri"/>
+              </a:rPr>
+              <a:t>:</a:t>
+            </a:r>
+          </a:p>
+          <a:p>
+            <a:pPr marL="0" lvl="0" indent="0" algn="ctr" defTabSz="914400" rtl="0" eaLnBrk="1" latinLnBrk="1" hangingPunct="1">
+              <a:lnSpc>
+                <a:spcPct val="100000"/>
+              </a:lnSpc>
+              <a:spcBef>
+                <a:spcPct val="0"/>
+              </a:spcBef>
+              <a:spcAft>
+                <a:spcPts val="0"/>
+              </a:spcAft>
+              <a:buNone/>
+              <a:defRPr/>
+            </a:pPr>
+            <a:r>
+              <a:rPr lang="en-US" altLang="ko-KR" sz="1200" dirty="0" err="1">
+                <a:solidFill>
+                  <a:srgbClr val="000000"/>
+                </a:solidFill>
+                <a:latin typeface="Calibri"/>
+                <a:ea typeface="맑은 고딕"/>
+                <a:cs typeface="Calibri"/>
+              </a:rPr>
+              <a:t>SkillMa</a:t>
+            </a:r>
+            <a:endParaRPr kumimoji="0" lang="ko-KR" altLang="en-US" sz="1200" b="0" i="0" u="none" strike="noStrike" kern="1200" cap="none" spc="0" normalizeH="0" baseline="0" dirty="0">
+              <a:solidFill>
+                <a:srgbClr val="000000"/>
+              </a:solidFill>
+              <a:latin typeface="Calibri"/>
+              <a:ea typeface="맑은 고딕"/>
+              <a:cs typeface="Calibri"/>
+            </a:endParaRPr>
+          </a:p>
         </p:txBody>
       </p:sp>
       <p:sp>
@@ -3726,7 +4254,7 @@
         </p:nvSpPr>
         <p:spPr>
           <a:xfrm>
-            <a:off x="7374356" y="1801644"/>
+            <a:off x="7200832" y="3238898"/>
             <a:ext cx="469230" cy="408154"/>
           </a:xfrm>
           <a:prstGeom prst="rect">
@@ -3742,8 +4270,9 @@
         </p:spPr>
         <p:txBody>
           <a:bodyPr vert="horz" lIns="91440" tIns="45720" rIns="91440" bIns="45720" anchor="ctr">
-            <a:normAutofit fontScale="85000" lnSpcReduction="20000"/>
+            <a:normAutofit fontScale="85000" lnSpcReduction="10000"/>
           </a:bodyPr>
+          <a:lstStyle/>
           <a:p>
             <a:pPr marL="0" lvl="0" indent="0" algn="ctr" defTabSz="914400" rtl="0" eaLnBrk="1" latinLnBrk="1" hangingPunct="1">
               <a:lnSpc>
@@ -3759,7 +4288,7 @@
               <a:defRPr/>
             </a:pPr>
             <a:r>
-              <a:rPr xmlns:mc="http://schemas.openxmlformats.org/markup-compatibility/2006" xmlns:hp="http://schemas.haansoft.com/office/presentation/8.0" kumimoji="0" lang="ko-KR" altLang="en-US" sz="1300" b="0" i="0" u="none" strike="noStrike" kern="1200" cap="none" spc="0" normalizeH="0" baseline="0" mc:Ignorable="hp" hp:hslEmbossed="0">
+              <a:rPr kumimoji="0" lang="ko-KR" altLang="en-US" sz="1300" b="0" i="0" u="none" strike="noStrike" kern="1200" cap="none" spc="0" normalizeH="0" baseline="0" dirty="0">
                 <a:solidFill>
                   <a:srgbClr val="000000"/>
                 </a:solidFill>
@@ -3769,14 +4298,6 @@
               </a:rPr>
               <a:t>전투지원</a:t>
             </a:r>
-            <a:endParaRPr xmlns:mc="http://schemas.openxmlformats.org/markup-compatibility/2006" xmlns:hp="http://schemas.haansoft.com/office/presentation/8.0" kumimoji="0" lang="ko-KR" altLang="en-US" sz="1300" b="0" i="0" u="none" strike="noStrike" kern="1200" cap="none" spc="0" normalizeH="0" baseline="0" mc:Ignorable="hp" hp:hslEmbossed="0">
-              <a:solidFill>
-                <a:srgbClr val="000000"/>
-              </a:solidFill>
-              <a:latin typeface="맑은 고딕"/>
-              <a:ea typeface="맑은 고딕"/>
-              <a:cs typeface="Calibri"/>
-            </a:endParaRPr>
           </a:p>
         </p:txBody>
       </p:sp>
@@ -3790,8 +4311,8 @@
         </p:nvSpPr>
         <p:spPr>
           <a:xfrm>
-            <a:off x="8198520" y="1801644"/>
-            <a:ext cx="469230" cy="408154"/>
+            <a:off x="8261718" y="2500743"/>
+            <a:ext cx="1172012" cy="928257"/>
           </a:xfrm>
           <a:prstGeom prst="rect">
             <a:avLst/>
@@ -3806,8 +4327,9 @@
         </p:spPr>
         <p:txBody>
           <a:bodyPr vert="horz" lIns="91440" tIns="45720" rIns="91440" bIns="45720" anchor="ctr">
-            <a:normAutofit fontScale="85000" lnSpcReduction="20000"/>
+            <a:normAutofit/>
           </a:bodyPr>
+          <a:lstStyle/>
           <a:p>
             <a:pPr marL="0" lvl="0" indent="0" algn="ctr" defTabSz="914400" rtl="0" eaLnBrk="1" latinLnBrk="1" hangingPunct="1">
               <a:lnSpc>
@@ -3823,7 +4345,7 @@
               <a:defRPr/>
             </a:pPr>
             <a:r>
-              <a:rPr xmlns:mc="http://schemas.openxmlformats.org/markup-compatibility/2006" xmlns:hp="http://schemas.haansoft.com/office/presentation/8.0" kumimoji="0" lang="ko-KR" altLang="en-US" sz="1300" b="0" i="0" u="none" strike="noStrike" kern="1200" cap="none" spc="0" normalizeH="0" baseline="0" mc:Ignorable="hp" hp:hslEmbossed="0">
+              <a:rPr kumimoji="0" lang="ko-KR" altLang="en-US" sz="1300" b="0" i="0" u="none" strike="noStrike" kern="1200" cap="none" spc="0" normalizeH="0" baseline="0" dirty="0">
                 <a:solidFill>
                   <a:srgbClr val="000000"/>
                 </a:solidFill>
@@ -3833,7 +4355,7 @@
               </a:rPr>
               <a:t>무기판매</a:t>
             </a:r>
-            <a:endParaRPr xmlns:mc="http://schemas.openxmlformats.org/markup-compatibility/2006" xmlns:hp="http://schemas.haansoft.com/office/presentation/8.0" kumimoji="0" lang="ko-KR" altLang="en-US" sz="1300" b="0" i="0" u="none" strike="noStrike" kern="1200" cap="none" spc="0" normalizeH="0" baseline="0" mc:Ignorable="hp" hp:hslEmbossed="0">
+            <a:endParaRPr kumimoji="0" lang="en-US" altLang="ko-KR" sz="1300" b="0" i="0" u="none" strike="noStrike" kern="1200" cap="none" spc="0" normalizeH="0" baseline="0" dirty="0">
               <a:solidFill>
                 <a:srgbClr val="000000"/>
               </a:solidFill>
@@ -3842,6 +4364,107 @@
               <a:cs typeface="Calibri"/>
             </a:endParaRPr>
           </a:p>
+          <a:p>
+            <a:pPr marL="0" lvl="0" indent="0" algn="ctr" defTabSz="914400" rtl="0" eaLnBrk="1" latinLnBrk="1" hangingPunct="1">
+              <a:lnSpc>
+                <a:spcPct val="100000"/>
+              </a:lnSpc>
+              <a:spcBef>
+                <a:spcPct val="0"/>
+              </a:spcBef>
+              <a:spcAft>
+                <a:spcPts val="0"/>
+              </a:spcAft>
+              <a:buNone/>
+              <a:defRPr/>
+            </a:pPr>
+            <a:r>
+              <a:rPr lang="ko-KR" altLang="en-US" sz="1300" dirty="0">
+                <a:solidFill>
+                  <a:srgbClr val="000000"/>
+                </a:solidFill>
+                <a:latin typeface="맑은 고딕"/>
+                <a:ea typeface="맑은 고딕"/>
+                <a:cs typeface="Calibri"/>
+              </a:rPr>
+              <a:t>변수 </a:t>
+            </a:r>
+            <a:r>
+              <a:rPr lang="en-US" altLang="ko-KR" sz="1300" dirty="0">
+                <a:solidFill>
+                  <a:srgbClr val="000000"/>
+                </a:solidFill>
+                <a:latin typeface="맑은 고딕"/>
+                <a:ea typeface="맑은 고딕"/>
+                <a:cs typeface="Calibri"/>
+              </a:rPr>
+              <a:t>: Items</a:t>
+            </a:r>
+            <a:endParaRPr kumimoji="0" lang="en-US" altLang="ko-KR" sz="1300" b="0" i="0" u="none" strike="noStrike" kern="1200" cap="none" spc="0" normalizeH="0" baseline="0" dirty="0">
+              <a:solidFill>
+                <a:srgbClr val="000000"/>
+              </a:solidFill>
+              <a:latin typeface="맑은 고딕"/>
+              <a:ea typeface="맑은 고딕"/>
+              <a:cs typeface="Calibri"/>
+            </a:endParaRPr>
+          </a:p>
+          <a:p>
+            <a:pPr marL="0" lvl="0" indent="0" algn="ctr" defTabSz="914400" rtl="0" eaLnBrk="1" latinLnBrk="1" hangingPunct="1">
+              <a:lnSpc>
+                <a:spcPct val="100000"/>
+              </a:lnSpc>
+              <a:spcBef>
+                <a:spcPct val="0"/>
+              </a:spcBef>
+              <a:spcAft>
+                <a:spcPts val="0"/>
+              </a:spcAft>
+              <a:buNone/>
+              <a:defRPr/>
+            </a:pPr>
+            <a:r>
+              <a:rPr kumimoji="0" lang="ko-KR" altLang="en-US" sz="1300" b="0" i="0" u="none" strike="noStrike" kern="1200" cap="none" spc="0" normalizeH="0" baseline="0" dirty="0">
+                <a:solidFill>
+                  <a:srgbClr val="000000"/>
+                </a:solidFill>
+                <a:latin typeface="맑은 고딕"/>
+                <a:ea typeface="맑은 고딕"/>
+                <a:cs typeface="Calibri"/>
+              </a:rPr>
+              <a:t>메서드 </a:t>
+            </a:r>
+            <a:r>
+              <a:rPr kumimoji="0" lang="en-US" altLang="ko-KR" sz="1300" b="0" i="0" u="none" strike="noStrike" kern="1200" cap="none" spc="0" normalizeH="0" baseline="0" dirty="0">
+                <a:solidFill>
+                  <a:srgbClr val="000000"/>
+                </a:solidFill>
+                <a:latin typeface="맑은 고딕"/>
+                <a:ea typeface="맑은 고딕"/>
+                <a:cs typeface="Calibri"/>
+              </a:rPr>
+              <a:t>:</a:t>
+            </a:r>
+            <a:r>
+              <a:rPr kumimoji="0" lang="en-US" altLang="ko-KR" sz="1300" b="0" i="0" u="none" strike="noStrike" kern="1200" cap="none" spc="0" normalizeH="0" baseline="0" dirty="0" err="1">
+                <a:solidFill>
+                  <a:srgbClr val="000000"/>
+                </a:solidFill>
+                <a:latin typeface="맑은 고딕"/>
+                <a:ea typeface="맑은 고딕"/>
+                <a:cs typeface="Calibri"/>
+              </a:rPr>
+              <a:t>SellItems</a:t>
+            </a:r>
+            <a:endParaRPr kumimoji="0" lang="ko-KR" altLang="en-US" sz="1300" b="0" i="0" u="none" strike="noStrike" kern="1200" cap="none" spc="0" normalizeH="0" baseline="0" dirty="0">
+              <a:solidFill>
+                <a:srgbClr val="000000"/>
+              </a:solidFill>
+              <a:latin typeface="맑은 고딕"/>
+              <a:ea typeface="맑은 고딕"/>
+              <a:cs typeface="Calibri"/>
+            </a:endParaRPr>
+          </a:p>
         </p:txBody>
       </p:sp>
       <p:sp>
@@ -3854,8 +4477,8 @@
         </p:nvSpPr>
         <p:spPr>
           <a:xfrm>
-            <a:off x="9331492" y="1801644"/>
-            <a:ext cx="469230" cy="408154"/>
+            <a:off x="10536485" y="2801352"/>
+            <a:ext cx="1362261" cy="965533"/>
           </a:xfrm>
           <a:prstGeom prst="rect">
             <a:avLst/>
@@ -3870,8 +4493,9 @@
         </p:spPr>
         <p:txBody>
           <a:bodyPr vert="horz" lIns="91440" tIns="45720" rIns="91440" bIns="45720" anchor="ctr">
-            <a:normAutofit fontScale="85000" lnSpcReduction="20000"/>
+            <a:normAutofit/>
           </a:bodyPr>
+          <a:lstStyle/>
           <a:p>
             <a:pPr marL="0" lvl="0" indent="0" algn="ctr" defTabSz="914400" rtl="0" eaLnBrk="1" latinLnBrk="1" hangingPunct="1">
               <a:lnSpc>
@@ -3887,7 +4511,7 @@
               <a:defRPr/>
             </a:pPr>
             <a:r>
-              <a:rPr xmlns:mc="http://schemas.openxmlformats.org/markup-compatibility/2006" xmlns:hp="http://schemas.haansoft.com/office/presentation/8.0" kumimoji="0" lang="ko-KR" altLang="en-US" sz="1300" b="0" i="0" u="none" strike="noStrike" kern="1200" cap="none" spc="0" normalizeH="0" baseline="0" mc:Ignorable="hp" hp:hslEmbossed="0">
+              <a:rPr kumimoji="0" lang="ko-KR" altLang="en-US" sz="1300" b="0" i="0" u="none" strike="noStrike" kern="1200" cap="none" spc="0" normalizeH="0" baseline="0" dirty="0">
                 <a:solidFill>
                   <a:srgbClr val="000000"/>
                 </a:solidFill>
@@ -3897,7 +4521,7 @@
               </a:rPr>
               <a:t>길잡이</a:t>
             </a:r>
-            <a:endParaRPr xmlns:mc="http://schemas.openxmlformats.org/markup-compatibility/2006" xmlns:hp="http://schemas.haansoft.com/office/presentation/8.0" kumimoji="0" lang="ko-KR" altLang="en-US" sz="1300" b="0" i="0" u="none" strike="noStrike" kern="1200" cap="none" spc="0" normalizeH="0" baseline="0" mc:Ignorable="hp" hp:hslEmbossed="0">
+            <a:endParaRPr kumimoji="0" lang="en-US" altLang="ko-KR" sz="1300" b="0" i="0" u="none" strike="noStrike" kern="1200" cap="none" spc="0" normalizeH="0" baseline="0" dirty="0">
               <a:solidFill>
                 <a:srgbClr val="000000"/>
               </a:solidFill>
@@ -3906,21 +4530,93 @@
               <a:cs typeface="Calibri"/>
             </a:endParaRPr>
           </a:p>
+          <a:p>
+            <a:pPr marL="0" lvl="0" indent="0" algn="ctr" defTabSz="914400" rtl="0" eaLnBrk="1" latinLnBrk="1" hangingPunct="1">
+              <a:lnSpc>
+                <a:spcPct val="100000"/>
+              </a:lnSpc>
+              <a:spcBef>
+                <a:spcPct val="0"/>
+              </a:spcBef>
+              <a:spcAft>
+                <a:spcPts val="0"/>
+              </a:spcAft>
+              <a:buNone/>
+              <a:defRPr/>
+            </a:pPr>
+            <a:r>
+              <a:rPr kumimoji="0" lang="ko-KR" altLang="en-US" sz="1300" b="0" i="0" u="none" strike="noStrike" kern="1200" cap="none" spc="0" normalizeH="0" baseline="0" dirty="0">
+                <a:solidFill>
+                  <a:srgbClr val="000000"/>
+                </a:solidFill>
+                <a:latin typeface="맑은 고딕"/>
+                <a:ea typeface="맑은 고딕"/>
+                <a:cs typeface="Calibri"/>
+              </a:rPr>
+              <a:t>메서드 </a:t>
+            </a:r>
+            <a:r>
+              <a:rPr kumimoji="0" lang="en-US" altLang="ko-KR" sz="1300" b="0" i="0" u="none" strike="noStrike" kern="1200" cap="none" spc="0" normalizeH="0" baseline="0" dirty="0">
+                <a:solidFill>
+                  <a:srgbClr val="000000"/>
+                </a:solidFill>
+                <a:latin typeface="맑은 고딕"/>
+                <a:ea typeface="맑은 고딕"/>
+                <a:cs typeface="Calibri"/>
+              </a:rPr>
+              <a:t>:</a:t>
+            </a:r>
+          </a:p>
+          <a:p>
+            <a:pPr marL="0" lvl="0" indent="0" algn="ctr" defTabSz="914400" rtl="0" eaLnBrk="1" latinLnBrk="1" hangingPunct="1">
+              <a:lnSpc>
+                <a:spcPct val="100000"/>
+              </a:lnSpc>
+              <a:spcBef>
+                <a:spcPct val="0"/>
+              </a:spcBef>
+              <a:spcAft>
+                <a:spcPts val="0"/>
+              </a:spcAft>
+              <a:buNone/>
+              <a:defRPr/>
+            </a:pPr>
+            <a:r>
+              <a:rPr kumimoji="0" lang="en-US" altLang="ko-KR" sz="1300" b="0" i="0" u="none" strike="noStrike" kern="1200" cap="none" spc="0" normalizeH="0" baseline="0" dirty="0">
+                <a:solidFill>
+                  <a:srgbClr val="000000"/>
+                </a:solidFill>
+                <a:latin typeface="맑은 고딕"/>
+                <a:ea typeface="맑은 고딕"/>
+                <a:cs typeface="Calibri"/>
+              </a:rPr>
+              <a:t>Buff</a:t>
+            </a:r>
+            <a:endParaRPr kumimoji="0" lang="ko-KR" altLang="en-US" sz="1300" b="0" i="0" u="none" strike="noStrike" kern="1200" cap="none" spc="0" normalizeH="0" baseline="0" dirty="0">
+              <a:solidFill>
+                <a:srgbClr val="000000"/>
+              </a:solidFill>
+              <a:latin typeface="맑은 고딕"/>
+              <a:ea typeface="맑은 고딕"/>
+              <a:cs typeface="Calibri"/>
+            </a:endParaRPr>
+          </a:p>
         </p:txBody>
       </p:sp>
       <p:cxnSp>
         <p:nvCxnSpPr>
           <p:cNvPr id="31" name="선 30"/>
           <p:cNvCxnSpPr>
+            <a:cxnSpLocks/>
             <a:stCxn id="10" idx="2"/>
             <a:endCxn id="21" idx="0"/>
           </p:cNvCxnSpPr>
           <p:nvPr/>
         </p:nvCxnSpPr>
         <p:spPr>
-          <a:xfrm rot="10800000" flipV="1">
-            <a:off x="2255918" y="1405688"/>
-            <a:ext cx="1851361" cy="395955"/>
+          <a:xfrm flipH="1">
+            <a:off x="1316526" y="2500743"/>
+            <a:ext cx="1890685" cy="145035"/>
           </a:xfrm>
           <a:prstGeom prst="line">
             <a:avLst/>
@@ -3945,15 +4641,16 @@
         <p:nvCxnSpPr>
           <p:cNvPr id="32" name="선 31"/>
           <p:cNvCxnSpPr>
+            <a:cxnSpLocks/>
             <a:stCxn id="10" idx="2"/>
             <a:endCxn id="22" idx="0"/>
           </p:cNvCxnSpPr>
           <p:nvPr/>
         </p:nvCxnSpPr>
         <p:spPr>
-          <a:xfrm rot="10800000" flipV="1">
-            <a:off x="3112919" y="1405688"/>
-            <a:ext cx="994360" cy="395955"/>
+          <a:xfrm flipH="1">
+            <a:off x="2758270" y="2500743"/>
+            <a:ext cx="448941" cy="174841"/>
           </a:xfrm>
           <a:prstGeom prst="line">
             <a:avLst/>
@@ -3978,15 +4675,16 @@
         <p:nvCxnSpPr>
           <p:cNvPr id="33" name="선 32"/>
           <p:cNvCxnSpPr>
+            <a:cxnSpLocks/>
             <a:stCxn id="10" idx="2"/>
             <a:endCxn id="23" idx="0"/>
           </p:cNvCxnSpPr>
           <p:nvPr/>
         </p:nvCxnSpPr>
         <p:spPr>
-          <a:xfrm rot="16200000" flipH="1">
-            <a:off x="3909302" y="1603665"/>
-            <a:ext cx="395955" cy="0"/>
+          <a:xfrm>
+            <a:off x="3207211" y="2500743"/>
+            <a:ext cx="875375" cy="145035"/>
           </a:xfrm>
           <a:prstGeom prst="line">
             <a:avLst/>
@@ -4011,15 +4709,16 @@
         <p:nvCxnSpPr>
           <p:cNvPr id="37" name="선 36"/>
           <p:cNvCxnSpPr>
+            <a:cxnSpLocks/>
             <a:stCxn id="12" idx="2"/>
             <a:endCxn id="28" idx="0"/>
           </p:cNvCxnSpPr>
           <p:nvPr/>
         </p:nvCxnSpPr>
         <p:spPr>
-          <a:xfrm rot="5400000">
-            <a:off x="7528300" y="1486358"/>
-            <a:ext cx="395956" cy="234615"/>
+          <a:xfrm flipH="1">
+            <a:off x="7435447" y="2126512"/>
+            <a:ext cx="698958" cy="1112386"/>
           </a:xfrm>
           <a:prstGeom prst="line">
             <a:avLst/>
@@ -4044,6 +4743,7 @@
         <p:nvCxnSpPr>
           <p:cNvPr id="39" name="선 38"/>
           <p:cNvCxnSpPr>
+            <a:cxnSpLocks/>
             <a:stCxn id="12" idx="2"/>
             <a:endCxn id="29" idx="0"/>
           </p:cNvCxnSpPr>
@@ -4051,8 +4751,8 @@
         </p:nvCxnSpPr>
         <p:spPr>
           <a:xfrm>
-            <a:off x="7843586" y="1405688"/>
-            <a:ext cx="589549" cy="395956"/>
+            <a:off x="8134405" y="2126512"/>
+            <a:ext cx="713319" cy="374231"/>
           </a:xfrm>
           <a:prstGeom prst="line">
             <a:avLst/>
@@ -4077,6 +4777,7 @@
         <p:nvCxnSpPr>
           <p:cNvPr id="40" name="선 39"/>
           <p:cNvCxnSpPr>
+            <a:cxnSpLocks/>
             <a:stCxn id="12" idx="2"/>
             <a:endCxn id="30" idx="0"/>
           </p:cNvCxnSpPr>
@@ -4084,8 +4785,8 @@
         </p:nvCxnSpPr>
         <p:spPr>
           <a:xfrm>
-            <a:off x="7843586" y="1405688"/>
-            <a:ext cx="1722521" cy="395956"/>
+            <a:off x="8134405" y="2126512"/>
+            <a:ext cx="3083211" cy="674840"/>
           </a:xfrm>
           <a:prstGeom prst="line">
             <a:avLst/>
@@ -4116,8 +4817,8 @@
         </p:nvSpPr>
         <p:spPr>
           <a:xfrm>
-            <a:off x="479257" y="2514597"/>
-            <a:ext cx="579520" cy="408154"/>
+            <a:off x="247134" y="3766886"/>
+            <a:ext cx="815718" cy="982616"/>
           </a:xfrm>
           <a:prstGeom prst="rect">
             <a:avLst/>
@@ -4134,6 +4835,7 @@
           <a:bodyPr vert="horz" lIns="91440" tIns="45720" rIns="91440" bIns="45720" anchor="ctr">
             <a:normAutofit lnSpcReduction="10000"/>
           </a:bodyPr>
+          <a:lstStyle/>
           <a:p>
             <a:pPr marL="0" lvl="0" indent="0" algn="ctr" defTabSz="914400" rtl="0" eaLnBrk="1" latinLnBrk="1" hangingPunct="1">
               <a:lnSpc>
@@ -4149,7 +4851,7 @@
               <a:defRPr/>
             </a:pPr>
             <a:r>
-              <a:rPr xmlns:mc="http://schemas.openxmlformats.org/markup-compatibility/2006" xmlns:hp="http://schemas.haansoft.com/office/presentation/8.0" kumimoji="0" lang="ko-KR" altLang="en-US" sz="1500" b="0" i="0" u="none" strike="noStrike" kern="1200" cap="none" spc="0" normalizeH="0" baseline="0" mc:Ignorable="hp" hp:hslEmbossed="0">
+              <a:rPr kumimoji="0" lang="ko-KR" altLang="en-US" sz="1500" b="0" i="0" u="none" strike="noStrike" kern="1200" cap="none" spc="0" normalizeH="0" baseline="0" dirty="0">
                 <a:solidFill>
                   <a:srgbClr val="000000"/>
                 </a:solidFill>
@@ -4159,7 +4861,7 @@
               </a:rPr>
               <a:t>대검</a:t>
             </a:r>
-            <a:endParaRPr xmlns:mc="http://schemas.openxmlformats.org/markup-compatibility/2006" xmlns:hp="http://schemas.haansoft.com/office/presentation/8.0" kumimoji="0" lang="ko-KR" altLang="en-US" sz="1500" b="0" i="0" u="none" strike="noStrike" kern="1200" cap="none" spc="0" normalizeH="0" baseline="0" mc:Ignorable="hp" hp:hslEmbossed="0">
+            <a:endParaRPr kumimoji="0" lang="en-US" altLang="ko-KR" sz="1500" b="0" i="0" u="none" strike="noStrike" kern="1200" cap="none" spc="0" normalizeH="0" baseline="0" dirty="0">
               <a:solidFill>
                 <a:srgbClr val="000000"/>
               </a:solidFill>
@@ -4168,6 +4870,62 @@
               <a:cs typeface="Calibri"/>
             </a:endParaRPr>
           </a:p>
+          <a:p>
+            <a:pPr marL="0" lvl="0" indent="0" algn="ctr" defTabSz="914400" rtl="0" eaLnBrk="1" latinLnBrk="1" hangingPunct="1">
+              <a:lnSpc>
+                <a:spcPct val="100000"/>
+              </a:lnSpc>
+              <a:spcBef>
+                <a:spcPct val="0"/>
+              </a:spcBef>
+              <a:spcAft>
+                <a:spcPts val="0"/>
+              </a:spcAft>
+              <a:buNone/>
+              <a:defRPr/>
+            </a:pPr>
+            <a:r>
+              <a:rPr lang="ko-KR" altLang="en-US" sz="1500" dirty="0">
+                <a:solidFill>
+                  <a:srgbClr val="000000"/>
+                </a:solidFill>
+                <a:latin typeface="Calibri"/>
+                <a:ea typeface="맑은 고딕"/>
+                <a:cs typeface="Calibri"/>
+              </a:rPr>
+              <a:t>메서드 </a:t>
+            </a:r>
+            <a:r>
+              <a:rPr lang="en-US" altLang="ko-KR" sz="1500" dirty="0">
+                <a:solidFill>
+                  <a:srgbClr val="000000"/>
+                </a:solidFill>
+                <a:latin typeface="Calibri"/>
+                <a:ea typeface="맑은 고딕"/>
+                <a:cs typeface="Calibri"/>
+              </a:rPr>
+              <a:t>:</a:t>
+            </a:r>
+            <a:r>
+              <a:rPr lang="en-US" altLang="ko-KR" sz="1500" dirty="0" err="1">
+                <a:solidFill>
+                  <a:srgbClr val="000000"/>
+                </a:solidFill>
+                <a:latin typeface="Calibri"/>
+                <a:ea typeface="맑은 고딕"/>
+                <a:cs typeface="Calibri"/>
+              </a:rPr>
+              <a:t>PowerSlash</a:t>
+            </a:r>
+            <a:endParaRPr kumimoji="0" lang="ko-KR" altLang="en-US" sz="1500" b="0" i="0" u="none" strike="noStrike" kern="1200" cap="none" spc="0" normalizeH="0" baseline="0" dirty="0">
+              <a:solidFill>
+                <a:srgbClr val="000000"/>
+              </a:solidFill>
+              <a:latin typeface="Calibri"/>
+              <a:ea typeface="맑은 고딕"/>
+              <a:cs typeface="Calibri"/>
+            </a:endParaRPr>
+          </a:p>
         </p:txBody>
       </p:sp>
       <p:sp>
@@ -4180,8 +4938,8 @@
         </p:nvSpPr>
         <p:spPr>
           <a:xfrm>
-            <a:off x="1229224" y="2514597"/>
-            <a:ext cx="579520" cy="408154"/>
+            <a:off x="1249135" y="3766885"/>
+            <a:ext cx="579520" cy="1040469"/>
           </a:xfrm>
           <a:prstGeom prst="rect">
             <a:avLst/>
@@ -4196,8 +4954,9 @@
         </p:spPr>
         <p:txBody>
           <a:bodyPr vert="horz" lIns="91440" tIns="45720" rIns="91440" bIns="45720" anchor="ctr">
-            <a:normAutofit lnSpcReduction="10000"/>
+            <a:normAutofit fontScale="92500" lnSpcReduction="20000"/>
           </a:bodyPr>
+          <a:lstStyle/>
           <a:p>
             <a:pPr marL="0" lvl="0" indent="0" algn="ctr" defTabSz="914400" rtl="0" eaLnBrk="1" latinLnBrk="1" hangingPunct="1">
               <a:lnSpc>
@@ -4213,7 +4972,7 @@
               <a:defRPr/>
             </a:pPr>
             <a:r>
-              <a:rPr xmlns:mc="http://schemas.openxmlformats.org/markup-compatibility/2006" xmlns:hp="http://schemas.haansoft.com/office/presentation/8.0" kumimoji="0" lang="ko-KR" altLang="en-US" sz="1500" b="0" i="0" u="none" strike="noStrike" kern="1200" cap="none" spc="0" normalizeH="0" baseline="0" mc:Ignorable="hp" hp:hslEmbossed="0">
+              <a:rPr kumimoji="0" lang="ko-KR" altLang="en-US" sz="1500" b="0" i="0" u="none" strike="noStrike" kern="1200" cap="none" spc="0" normalizeH="0" baseline="0" dirty="0" err="1">
                 <a:solidFill>
                   <a:srgbClr val="000000"/>
                 </a:solidFill>
@@ -4223,7 +4982,7 @@
               </a:rPr>
               <a:t>소검</a:t>
             </a:r>
-            <a:endParaRPr xmlns:mc="http://schemas.openxmlformats.org/markup-compatibility/2006" xmlns:hp="http://schemas.haansoft.com/office/presentation/8.0" kumimoji="0" lang="ko-KR" altLang="en-US" sz="1500" b="0" i="0" u="none" strike="noStrike" kern="1200" cap="none" spc="0" normalizeH="0" baseline="0" mc:Ignorable="hp" hp:hslEmbossed="0">
+            <a:endParaRPr kumimoji="0" lang="en-US" altLang="ko-KR" sz="1500" b="0" i="0" u="none" strike="noStrike" kern="1200" cap="none" spc="0" normalizeH="0" baseline="0" dirty="0">
               <a:solidFill>
                 <a:srgbClr val="000000"/>
               </a:solidFill>
@@ -4232,6 +4991,51 @@
               <a:cs typeface="Calibri"/>
             </a:endParaRPr>
           </a:p>
+          <a:p>
+            <a:pPr marL="0" lvl="0" indent="0" algn="ctr" defTabSz="914400" rtl="0" eaLnBrk="1" latinLnBrk="1" hangingPunct="1">
+              <a:lnSpc>
+                <a:spcPct val="100000"/>
+              </a:lnSpc>
+              <a:spcBef>
+                <a:spcPct val="0"/>
+              </a:spcBef>
+              <a:spcAft>
+                <a:spcPts val="0"/>
+              </a:spcAft>
+              <a:buNone/>
+              <a:defRPr/>
+            </a:pPr>
+            <a:r>
+              <a:rPr kumimoji="0" lang="ko-KR" altLang="en-US" sz="1500" b="0" i="0" u="none" strike="noStrike" kern="1200" cap="none" spc="0" normalizeH="0" baseline="0" dirty="0">
+                <a:solidFill>
+                  <a:srgbClr val="000000"/>
+                </a:solidFill>
+                <a:latin typeface="Calibri"/>
+                <a:ea typeface="맑은 고딕"/>
+                <a:cs typeface="Calibri"/>
+              </a:rPr>
+              <a:t>메서드 </a:t>
+            </a:r>
+            <a:r>
+              <a:rPr kumimoji="0" lang="en-US" altLang="ko-KR" sz="1500" b="0" i="0" u="none" strike="noStrike" kern="1200" cap="none" spc="0" normalizeH="0" baseline="0" dirty="0">
+                <a:solidFill>
+                  <a:srgbClr val="000000"/>
+                </a:solidFill>
+                <a:latin typeface="Calibri"/>
+                <a:ea typeface="맑은 고딕"/>
+                <a:cs typeface="Calibri"/>
+              </a:rPr>
+              <a:t>: Wave</a:t>
+            </a:r>
+            <a:endParaRPr kumimoji="0" lang="ko-KR" altLang="en-US" sz="1500" b="0" i="0" u="none" strike="noStrike" kern="1200" cap="none" spc="0" normalizeH="0" baseline="0" dirty="0">
+              <a:solidFill>
+                <a:srgbClr val="000000"/>
+              </a:solidFill>
+              <a:latin typeface="Calibri"/>
+              <a:ea typeface="맑은 고딕"/>
+              <a:cs typeface="Calibri"/>
+            </a:endParaRPr>
+          </a:p>
         </p:txBody>
       </p:sp>
       <p:sp>
@@ -4244,8 +5048,8 @@
         </p:nvSpPr>
         <p:spPr>
           <a:xfrm>
-            <a:off x="1966158" y="2514597"/>
-            <a:ext cx="579520" cy="408154"/>
+            <a:off x="1945865" y="3766885"/>
+            <a:ext cx="579520" cy="1061740"/>
           </a:xfrm>
           <a:prstGeom prst="rect">
             <a:avLst/>
@@ -4260,8 +5064,9 @@
         </p:spPr>
         <p:txBody>
           <a:bodyPr vert="horz" lIns="91440" tIns="45720" rIns="91440" bIns="45720" anchor="ctr">
-            <a:normAutofit lnSpcReduction="10000"/>
+            <a:normAutofit fontScale="92500" lnSpcReduction="10000"/>
           </a:bodyPr>
+          <a:lstStyle/>
           <a:p>
             <a:pPr marL="0" lvl="0" indent="0" algn="ctr" defTabSz="914400" rtl="0" eaLnBrk="1" latinLnBrk="1" hangingPunct="1">
               <a:lnSpc>
@@ -4277,7 +5082,7 @@
               <a:defRPr/>
             </a:pPr>
             <a:r>
-              <a:rPr xmlns:mc="http://schemas.openxmlformats.org/markup-compatibility/2006" xmlns:hp="http://schemas.haansoft.com/office/presentation/8.0" kumimoji="0" lang="ko-KR" altLang="en-US" sz="1500" b="0" i="0" u="none" strike="noStrike" kern="1200" cap="none" spc="0" normalizeH="0" baseline="0" mc:Ignorable="hp" hp:hslEmbossed="0">
+              <a:rPr kumimoji="0" lang="ko-KR" altLang="en-US" sz="1500" b="0" i="0" u="none" strike="noStrike" kern="1200" cap="none" spc="0" normalizeH="0" baseline="0" dirty="0">
                 <a:solidFill>
                   <a:srgbClr val="000000"/>
                 </a:solidFill>
@@ -4287,7 +5092,7 @@
               </a:rPr>
               <a:t>둔기</a:t>
             </a:r>
-            <a:endParaRPr xmlns:mc="http://schemas.openxmlformats.org/markup-compatibility/2006" xmlns:hp="http://schemas.haansoft.com/office/presentation/8.0" kumimoji="0" lang="ko-KR" altLang="en-US" sz="1500" b="0" i="0" u="none" strike="noStrike" kern="1200" cap="none" spc="0" normalizeH="0" baseline="0" mc:Ignorable="hp" hp:hslEmbossed="0">
+            <a:endParaRPr kumimoji="0" lang="en-US" altLang="ko-KR" sz="1500" b="0" i="0" u="none" strike="noStrike" kern="1200" cap="none" spc="0" normalizeH="0" baseline="0" dirty="0">
               <a:solidFill>
                 <a:srgbClr val="000000"/>
               </a:solidFill>
@@ -4296,21 +5101,93 @@
               <a:cs typeface="Calibri"/>
             </a:endParaRPr>
           </a:p>
+          <a:p>
+            <a:pPr marL="0" lvl="0" indent="0" algn="ctr" defTabSz="914400" rtl="0" eaLnBrk="1" latinLnBrk="1" hangingPunct="1">
+              <a:lnSpc>
+                <a:spcPct val="100000"/>
+              </a:lnSpc>
+              <a:spcBef>
+                <a:spcPct val="0"/>
+              </a:spcBef>
+              <a:spcAft>
+                <a:spcPts val="0"/>
+              </a:spcAft>
+              <a:buNone/>
+              <a:defRPr/>
+            </a:pPr>
+            <a:r>
+              <a:rPr kumimoji="0" lang="ko-KR" altLang="en-US" sz="1500" b="0" i="0" u="none" strike="noStrike" kern="1200" cap="none" spc="0" normalizeH="0" baseline="0" dirty="0">
+                <a:solidFill>
+                  <a:srgbClr val="000000"/>
+                </a:solidFill>
+                <a:latin typeface="Calibri"/>
+                <a:ea typeface="맑은 고딕"/>
+                <a:cs typeface="Calibri"/>
+              </a:rPr>
+              <a:t>메서드 </a:t>
+            </a:r>
+            <a:r>
+              <a:rPr kumimoji="0" lang="en-US" altLang="ko-KR" sz="1500" b="0" i="0" u="none" strike="noStrike" kern="1200" cap="none" spc="0" normalizeH="0" baseline="0" dirty="0">
+                <a:solidFill>
+                  <a:srgbClr val="000000"/>
+                </a:solidFill>
+                <a:latin typeface="Calibri"/>
+                <a:ea typeface="맑은 고딕"/>
+                <a:cs typeface="Calibri"/>
+              </a:rPr>
+              <a:t>:</a:t>
+            </a:r>
+          </a:p>
+          <a:p>
+            <a:pPr marL="0" lvl="0" indent="0" algn="ctr" defTabSz="914400" rtl="0" eaLnBrk="1" latinLnBrk="1" hangingPunct="1">
+              <a:lnSpc>
+                <a:spcPct val="100000"/>
+              </a:lnSpc>
+              <a:spcBef>
+                <a:spcPct val="0"/>
+              </a:spcBef>
+              <a:spcAft>
+                <a:spcPts val="0"/>
+              </a:spcAft>
+              <a:buNone/>
+              <a:defRPr/>
+            </a:pPr>
+            <a:r>
+              <a:rPr kumimoji="0" lang="en-US" altLang="ko-KR" sz="1500" b="0" i="0" u="none" strike="noStrike" kern="1200" cap="none" spc="0" normalizeH="0" baseline="0" dirty="0" err="1">
+                <a:solidFill>
+                  <a:srgbClr val="000000"/>
+                </a:solidFill>
+                <a:latin typeface="Calibri"/>
+                <a:ea typeface="맑은 고딕"/>
+                <a:cs typeface="Calibri"/>
+              </a:rPr>
+              <a:t>HeadHit</a:t>
+            </a:r>
+            <a:endParaRPr kumimoji="0" lang="ko-KR" altLang="en-US" sz="1500" b="0" i="0" u="none" strike="noStrike" kern="1200" cap="none" spc="0" normalizeH="0" baseline="0" dirty="0">
+              <a:solidFill>
+                <a:srgbClr val="000000"/>
+              </a:solidFill>
+              <a:latin typeface="Calibri"/>
+              <a:ea typeface="맑은 고딕"/>
+              <a:cs typeface="Calibri"/>
+            </a:endParaRPr>
+          </a:p>
         </p:txBody>
       </p:sp>
       <p:cxnSp>
         <p:nvCxnSpPr>
           <p:cNvPr id="44" name="선 43"/>
           <p:cNvCxnSpPr>
+            <a:cxnSpLocks/>
             <a:stCxn id="21" idx="2"/>
             <a:endCxn id="41" idx="0"/>
           </p:cNvCxnSpPr>
           <p:nvPr/>
         </p:nvCxnSpPr>
         <p:spPr>
-          <a:xfrm rot="10800000" flipV="1">
-            <a:off x="769017" y="2209798"/>
-            <a:ext cx="1486900" cy="304799"/>
+          <a:xfrm flipH="1">
+            <a:off x="654993" y="3239574"/>
+            <a:ext cx="661533" cy="527312"/>
           </a:xfrm>
           <a:prstGeom prst="line">
             <a:avLst/>
@@ -4335,15 +5212,16 @@
         <p:nvCxnSpPr>
           <p:cNvPr id="45" name="선 44"/>
           <p:cNvCxnSpPr>
+            <a:cxnSpLocks/>
             <a:stCxn id="21" idx="2"/>
             <a:endCxn id="42" idx="0"/>
           </p:cNvCxnSpPr>
           <p:nvPr/>
         </p:nvCxnSpPr>
         <p:spPr>
-          <a:xfrm rot="10800000" flipV="1">
-            <a:off x="1518985" y="2209798"/>
-            <a:ext cx="736933" cy="304799"/>
+          <a:xfrm>
+            <a:off x="1316526" y="3239574"/>
+            <a:ext cx="222369" cy="527311"/>
           </a:xfrm>
           <a:prstGeom prst="line">
             <a:avLst/>
@@ -4368,15 +5246,16 @@
         <p:nvCxnSpPr>
           <p:cNvPr id="46" name="선 45"/>
           <p:cNvCxnSpPr>
+            <a:cxnSpLocks/>
             <a:stCxn id="21" idx="2"/>
             <a:endCxn id="43" idx="0"/>
           </p:cNvCxnSpPr>
           <p:nvPr/>
         </p:nvCxnSpPr>
         <p:spPr>
-          <a:xfrm rot="16200000" flipH="1">
-            <a:off x="2103518" y="2362198"/>
-            <a:ext cx="304799" cy="0"/>
+          <a:xfrm>
+            <a:off x="1316526" y="3239574"/>
+            <a:ext cx="919099" cy="527311"/>
           </a:xfrm>
           <a:prstGeom prst="line">
             <a:avLst/>
@@ -4407,8 +5286,8 @@
         </p:nvSpPr>
         <p:spPr>
           <a:xfrm>
-            <a:off x="3238000" y="2514598"/>
-            <a:ext cx="579520" cy="408154"/>
+            <a:off x="3454173" y="3718231"/>
+            <a:ext cx="579520" cy="1110394"/>
           </a:xfrm>
           <a:prstGeom prst="rect">
             <a:avLst/>
@@ -4423,8 +5302,9 @@
         </p:spPr>
         <p:txBody>
           <a:bodyPr vert="horz" lIns="91440" tIns="45720" rIns="91440" bIns="45720" anchor="ctr">
-            <a:normAutofit lnSpcReduction="10000"/>
+            <a:normAutofit fontScale="92500" lnSpcReduction="10000"/>
           </a:bodyPr>
+          <a:lstStyle/>
           <a:p>
             <a:pPr marL="0" lvl="0" indent="0" algn="ctr" defTabSz="914400" rtl="0" eaLnBrk="1" latinLnBrk="1" hangingPunct="1">
               <a:lnSpc>
@@ -4440,7 +5320,7 @@
               <a:defRPr/>
             </a:pPr>
             <a:r>
-              <a:rPr xmlns:mc="http://schemas.openxmlformats.org/markup-compatibility/2006" xmlns:hp="http://schemas.haansoft.com/office/presentation/8.0" kumimoji="0" lang="ko-KR" altLang="en-US" sz="1500" b="0" i="0" u="none" strike="noStrike" kern="1200" cap="none" spc="0" normalizeH="0" baseline="0" mc:Ignorable="hp" hp:hslEmbossed="0">
+              <a:rPr kumimoji="0" lang="ko-KR" altLang="en-US" sz="1500" b="0" i="0" u="none" strike="noStrike" kern="1200" cap="none" spc="0" normalizeH="0" baseline="0" dirty="0">
                 <a:solidFill>
                   <a:srgbClr val="000000"/>
                 </a:solidFill>
@@ -4450,7 +5330,7 @@
               </a:rPr>
               <a:t>활</a:t>
             </a:r>
-            <a:endParaRPr xmlns:mc="http://schemas.openxmlformats.org/markup-compatibility/2006" xmlns:hp="http://schemas.haansoft.com/office/presentation/8.0" kumimoji="0" lang="ko-KR" altLang="en-US" sz="1500" b="0" i="0" u="none" strike="noStrike" kern="1200" cap="none" spc="0" normalizeH="0" baseline="0" mc:Ignorable="hp" hp:hslEmbossed="0">
+            <a:endParaRPr kumimoji="0" lang="en-US" altLang="ko-KR" sz="1500" b="0" i="0" u="none" strike="noStrike" kern="1200" cap="none" spc="0" normalizeH="0" baseline="0" dirty="0">
               <a:solidFill>
                 <a:srgbClr val="000000"/>
               </a:solidFill>
@@ -4459,6 +5339,77 @@
               <a:cs typeface="Calibri"/>
             </a:endParaRPr>
           </a:p>
+          <a:p>
+            <a:pPr marL="0" lvl="0" indent="0" algn="ctr" defTabSz="914400" rtl="0" eaLnBrk="1" latinLnBrk="1" hangingPunct="1">
+              <a:lnSpc>
+                <a:spcPct val="100000"/>
+              </a:lnSpc>
+              <a:spcBef>
+                <a:spcPct val="0"/>
+              </a:spcBef>
+              <a:spcAft>
+                <a:spcPts val="0"/>
+              </a:spcAft>
+              <a:buNone/>
+              <a:defRPr/>
+            </a:pPr>
+            <a:r>
+              <a:rPr kumimoji="0" lang="ko-KR" altLang="en-US" sz="1500" b="0" i="0" u="none" strike="noStrike" kern="1200" cap="none" spc="0" normalizeH="0" baseline="0" dirty="0">
+                <a:solidFill>
+                  <a:srgbClr val="000000"/>
+                </a:solidFill>
+                <a:latin typeface="Calibri"/>
+                <a:ea typeface="맑은 고딕"/>
+                <a:cs typeface="Calibri"/>
+              </a:rPr>
+              <a:t>메서드 </a:t>
+            </a:r>
+            <a:r>
+              <a:rPr kumimoji="0" lang="en-US" altLang="ko-KR" sz="1500" b="0" i="0" u="none" strike="noStrike" kern="1200" cap="none" spc="0" normalizeH="0" baseline="0" dirty="0">
+                <a:solidFill>
+                  <a:srgbClr val="000000"/>
+                </a:solidFill>
+                <a:latin typeface="Calibri"/>
+                <a:ea typeface="맑은 고딕"/>
+                <a:cs typeface="Calibri"/>
+              </a:rPr>
+              <a:t>:</a:t>
+            </a:r>
+          </a:p>
+          <a:p>
+            <a:pPr marL="0" lvl="0" indent="0" algn="ctr" defTabSz="914400" rtl="0" eaLnBrk="1" latinLnBrk="1" hangingPunct="1">
+              <a:lnSpc>
+                <a:spcPct val="100000"/>
+              </a:lnSpc>
+              <a:spcBef>
+                <a:spcPct val="0"/>
+              </a:spcBef>
+              <a:spcAft>
+                <a:spcPts val="0"/>
+              </a:spcAft>
+              <a:buNone/>
+              <a:defRPr/>
+            </a:pPr>
+            <a:r>
+              <a:rPr lang="en-US" altLang="ko-KR" sz="1500" dirty="0" err="1">
+                <a:solidFill>
+                  <a:srgbClr val="000000"/>
+                </a:solidFill>
+                <a:latin typeface="Calibri"/>
+                <a:ea typeface="맑은 고딕"/>
+                <a:cs typeface="Calibri"/>
+              </a:rPr>
+              <a:t>HeadShot</a:t>
+            </a:r>
+            <a:endParaRPr kumimoji="0" lang="ko-KR" altLang="en-US" sz="1500" b="0" i="0" u="none" strike="noStrike" kern="1200" cap="none" spc="0" normalizeH="0" baseline="0" dirty="0">
+              <a:solidFill>
+                <a:srgbClr val="000000"/>
+              </a:solidFill>
+              <a:latin typeface="Calibri"/>
+              <a:ea typeface="맑은 고딕"/>
+              <a:cs typeface="Calibri"/>
+            </a:endParaRPr>
+          </a:p>
         </p:txBody>
       </p:sp>
       <p:sp>
@@ -4471,8 +5422,8 @@
         </p:nvSpPr>
         <p:spPr>
           <a:xfrm>
-            <a:off x="2602079" y="2514598"/>
-            <a:ext cx="579520" cy="408154"/>
+            <a:off x="2667543" y="3648494"/>
+            <a:ext cx="718225" cy="1305085"/>
           </a:xfrm>
           <a:prstGeom prst="rect">
             <a:avLst/>
@@ -4487,8 +5438,9 @@
         </p:spPr>
         <p:txBody>
           <a:bodyPr vert="horz" lIns="91440" tIns="45720" rIns="91440" bIns="45720" anchor="ctr">
-            <a:normAutofit fontScale="92500"/>
+            <a:normAutofit/>
           </a:bodyPr>
+          <a:lstStyle/>
           <a:p>
             <a:pPr marL="0" lvl="0" indent="0" algn="ctr" defTabSz="914400" rtl="0" eaLnBrk="1" latinLnBrk="1" hangingPunct="1">
               <a:lnSpc>
@@ -4504,7 +5456,7 @@
               <a:defRPr/>
             </a:pPr>
             <a:r>
-              <a:rPr xmlns:mc="http://schemas.openxmlformats.org/markup-compatibility/2006" xmlns:hp="http://schemas.haansoft.com/office/presentation/8.0" kumimoji="0" lang="ko-KR" altLang="en-US" sz="1500" b="0" i="0" u="none" strike="noStrike" kern="1200" cap="none" spc="0" normalizeH="0" baseline="0" mc:Ignorable="hp" hp:hslEmbossed="0">
+              <a:rPr kumimoji="0" lang="ko-KR" altLang="en-US" sz="1500" b="0" i="0" u="none" strike="noStrike" kern="1200" cap="none" spc="0" normalizeH="0" baseline="0" dirty="0">
                 <a:solidFill>
                   <a:srgbClr val="000000"/>
                 </a:solidFill>
@@ -4514,7 +5466,7 @@
               </a:rPr>
               <a:t>석 궁</a:t>
             </a:r>
-            <a:endParaRPr xmlns:mc="http://schemas.openxmlformats.org/markup-compatibility/2006" xmlns:hp="http://schemas.haansoft.com/office/presentation/8.0" kumimoji="0" lang="ko-KR" altLang="en-US" sz="1500" b="0" i="0" u="none" strike="noStrike" kern="1200" cap="none" spc="0" normalizeH="0" baseline="0" mc:Ignorable="hp" hp:hslEmbossed="0">
+            <a:endParaRPr kumimoji="0" lang="en-US" altLang="ko-KR" sz="1500" b="0" i="0" u="none" strike="noStrike" kern="1200" cap="none" spc="0" normalizeH="0" baseline="0" dirty="0">
               <a:solidFill>
                 <a:srgbClr val="000000"/>
               </a:solidFill>
@@ -4523,21 +5475,116 @@
               <a:cs typeface="Calibri"/>
             </a:endParaRPr>
           </a:p>
+          <a:p>
+            <a:pPr marL="0" lvl="0" indent="0" algn="ctr" defTabSz="914400" rtl="0" eaLnBrk="1" latinLnBrk="1" hangingPunct="1">
+              <a:lnSpc>
+                <a:spcPct val="100000"/>
+              </a:lnSpc>
+              <a:spcBef>
+                <a:spcPct val="0"/>
+              </a:spcBef>
+              <a:spcAft>
+                <a:spcPts val="0"/>
+              </a:spcAft>
+              <a:buNone/>
+              <a:defRPr/>
+            </a:pPr>
+            <a:r>
+              <a:rPr kumimoji="0" lang="ko-KR" altLang="en-US" sz="1500" b="0" i="0" u="none" strike="noStrike" kern="1200" cap="none" spc="0" normalizeH="0" baseline="0" dirty="0">
+                <a:solidFill>
+                  <a:srgbClr val="000000"/>
+                </a:solidFill>
+                <a:latin typeface="Calibri"/>
+                <a:ea typeface="맑은 고딕"/>
+                <a:cs typeface="Calibri"/>
+              </a:rPr>
+              <a:t>메서드 </a:t>
+            </a:r>
+            <a:r>
+              <a:rPr kumimoji="0" lang="en-US" altLang="ko-KR" sz="1500" b="0" i="0" u="none" strike="noStrike" kern="1200" cap="none" spc="0" normalizeH="0" baseline="0" dirty="0">
+                <a:solidFill>
+                  <a:srgbClr val="000000"/>
+                </a:solidFill>
+                <a:latin typeface="Calibri"/>
+                <a:ea typeface="맑은 고딕"/>
+                <a:cs typeface="Calibri"/>
+              </a:rPr>
+              <a:t>:</a:t>
+            </a:r>
+          </a:p>
+          <a:p>
+            <a:pPr marL="0" lvl="0" indent="0" algn="ctr" defTabSz="914400" rtl="0" eaLnBrk="1" latinLnBrk="1" hangingPunct="1">
+              <a:lnSpc>
+                <a:spcPct val="100000"/>
+              </a:lnSpc>
+              <a:spcBef>
+                <a:spcPct val="0"/>
+              </a:spcBef>
+              <a:spcAft>
+                <a:spcPts val="0"/>
+              </a:spcAft>
+              <a:buNone/>
+              <a:defRPr/>
+            </a:pPr>
+            <a:r>
+              <a:rPr kumimoji="0" lang="en-US" altLang="ko-KR" sz="1500" b="0" i="0" u="none" strike="noStrike" kern="1200" cap="none" spc="0" normalizeH="0" baseline="0" dirty="0" err="1">
+                <a:solidFill>
+                  <a:srgbClr val="000000"/>
+                </a:solidFill>
+                <a:latin typeface="Calibri"/>
+                <a:ea typeface="맑은 고딕"/>
+                <a:cs typeface="Calibri"/>
+              </a:rPr>
+              <a:t>FireShot</a:t>
+            </a:r>
+            <a:endParaRPr kumimoji="0" lang="en-US" altLang="ko-KR" sz="1500" b="0" i="0" u="none" strike="noStrike" kern="1200" cap="none" spc="0" normalizeH="0" baseline="0" dirty="0">
+              <a:solidFill>
+                <a:srgbClr val="000000"/>
+              </a:solidFill>
+              <a:latin typeface="Calibri"/>
+              <a:ea typeface="맑은 고딕"/>
+              <a:cs typeface="Calibri"/>
+            </a:endParaRPr>
+          </a:p>
+          <a:p>
+            <a:pPr marL="0" lvl="0" indent="0" algn="ctr" defTabSz="914400" rtl="0" eaLnBrk="1" latinLnBrk="1" hangingPunct="1">
+              <a:lnSpc>
+                <a:spcPct val="100000"/>
+              </a:lnSpc>
+              <a:spcBef>
+                <a:spcPct val="0"/>
+              </a:spcBef>
+              <a:spcAft>
+                <a:spcPts val="0"/>
+              </a:spcAft>
+              <a:buNone/>
+              <a:defRPr/>
+            </a:pPr>
+            <a:endParaRPr kumimoji="0" lang="ko-KR" altLang="en-US" sz="1500" b="0" i="0" u="none" strike="noStrike" kern="1200" cap="none" spc="0" normalizeH="0" baseline="0" dirty="0">
+              <a:solidFill>
+                <a:srgbClr val="000000"/>
+              </a:solidFill>
+              <a:latin typeface="Calibri"/>
+              <a:ea typeface="맑은 고딕"/>
+              <a:cs typeface="Calibri"/>
+            </a:endParaRPr>
+          </a:p>
         </p:txBody>
       </p:sp>
       <p:cxnSp>
         <p:nvCxnSpPr>
           <p:cNvPr id="49" name="선 48"/>
           <p:cNvCxnSpPr>
+            <a:cxnSpLocks/>
             <a:stCxn id="22" idx="2"/>
             <a:endCxn id="48" idx="0"/>
           </p:cNvCxnSpPr>
           <p:nvPr/>
         </p:nvCxnSpPr>
         <p:spPr>
-          <a:xfrm rot="5400000">
-            <a:off x="2849979" y="2251658"/>
-            <a:ext cx="304799" cy="221080"/>
+          <a:xfrm>
+            <a:off x="2758270" y="3209507"/>
+            <a:ext cx="268386" cy="438987"/>
           </a:xfrm>
           <a:prstGeom prst="line">
             <a:avLst/>
@@ -4562,6 +5609,7 @@
         <p:nvCxnSpPr>
           <p:cNvPr id="50" name="선 49"/>
           <p:cNvCxnSpPr>
+            <a:cxnSpLocks/>
             <a:stCxn id="22" idx="2"/>
             <a:endCxn id="47" idx="0"/>
           </p:cNvCxnSpPr>
@@ -4569,8 +5617,8 @@
         </p:nvCxnSpPr>
         <p:spPr>
           <a:xfrm>
-            <a:off x="3112919" y="2209797"/>
-            <a:ext cx="414841" cy="304800"/>
+            <a:off x="2758270" y="3209507"/>
+            <a:ext cx="985663" cy="508724"/>
           </a:xfrm>
           <a:prstGeom prst="line">
             <a:avLst/>
@@ -4601,8 +5649,8 @@
         </p:nvSpPr>
         <p:spPr>
           <a:xfrm>
-            <a:off x="3942600" y="2514598"/>
-            <a:ext cx="579520" cy="408154"/>
+            <a:off x="4113037" y="3696258"/>
+            <a:ext cx="579520" cy="1031625"/>
           </a:xfrm>
           <a:prstGeom prst="rect">
             <a:avLst/>
@@ -4617,8 +5665,9 @@
         </p:spPr>
         <p:txBody>
           <a:bodyPr vert="horz" lIns="91440" tIns="45720" rIns="91440" bIns="45720" anchor="ctr">
-            <a:normAutofit lnSpcReduction="10000"/>
+            <a:normAutofit fontScale="92500" lnSpcReduction="20000"/>
           </a:bodyPr>
+          <a:lstStyle/>
           <a:p>
             <a:pPr marL="0" lvl="0" indent="0" algn="ctr" defTabSz="914400" rtl="0" eaLnBrk="1" latinLnBrk="1" hangingPunct="1">
               <a:lnSpc>
@@ -4634,7 +5683,7 @@
               <a:defRPr/>
             </a:pPr>
             <a:r>
-              <a:rPr xmlns:mc="http://schemas.openxmlformats.org/markup-compatibility/2006" xmlns:hp="http://schemas.haansoft.com/office/presentation/8.0" kumimoji="0" lang="ko-KR" altLang="en-US" sz="1500" b="0" i="0" u="none" strike="noStrike" kern="1200" cap="none" spc="0" normalizeH="0" baseline="0" mc:Ignorable="hp" hp:hslEmbossed="0">
+              <a:rPr kumimoji="0" lang="ko-KR" altLang="en-US" sz="1500" b="0" i="0" u="none" strike="noStrike" kern="1200" cap="none" spc="0" normalizeH="0" baseline="0" dirty="0" err="1">
                 <a:solidFill>
                   <a:srgbClr val="000000"/>
                 </a:solidFill>
@@ -4644,7 +5693,7 @@
               </a:rPr>
               <a:t>완드</a:t>
             </a:r>
-            <a:endParaRPr xmlns:mc="http://schemas.openxmlformats.org/markup-compatibility/2006" xmlns:hp="http://schemas.haansoft.com/office/presentation/8.0" kumimoji="0" lang="ko-KR" altLang="en-US" sz="1500" b="0" i="0" u="none" strike="noStrike" kern="1200" cap="none" spc="0" normalizeH="0" baseline="0" mc:Ignorable="hp" hp:hslEmbossed="0">
+            <a:endParaRPr kumimoji="0" lang="en-US" altLang="ko-KR" sz="1500" b="0" i="0" u="none" strike="noStrike" kern="1200" cap="none" spc="0" normalizeH="0" baseline="0" dirty="0">
               <a:solidFill>
                 <a:srgbClr val="000000"/>
               </a:solidFill>
@@ -4653,6 +5702,62 @@
               <a:cs typeface="Calibri"/>
             </a:endParaRPr>
           </a:p>
+          <a:p>
+            <a:pPr marL="0" lvl="0" indent="0" algn="ctr" defTabSz="914400" rtl="0" eaLnBrk="1" latinLnBrk="1" hangingPunct="1">
+              <a:lnSpc>
+                <a:spcPct val="100000"/>
+              </a:lnSpc>
+              <a:spcBef>
+                <a:spcPct val="0"/>
+              </a:spcBef>
+              <a:spcAft>
+                <a:spcPts val="0"/>
+              </a:spcAft>
+              <a:buNone/>
+              <a:defRPr/>
+            </a:pPr>
+            <a:r>
+              <a:rPr kumimoji="0" lang="ko-KR" altLang="en-US" sz="1500" b="0" i="0" u="none" strike="noStrike" kern="1200" cap="none" spc="0" normalizeH="0" baseline="0" dirty="0">
+                <a:solidFill>
+                  <a:srgbClr val="000000"/>
+                </a:solidFill>
+                <a:latin typeface="Calibri"/>
+                <a:ea typeface="맑은 고딕"/>
+                <a:cs typeface="Calibri"/>
+              </a:rPr>
+              <a:t>메서드 </a:t>
+            </a:r>
+            <a:r>
+              <a:rPr kumimoji="0" lang="en-US" altLang="ko-KR" sz="1500" b="0" i="0" u="none" strike="noStrike" kern="1200" cap="none" spc="0" normalizeH="0" baseline="0" dirty="0">
+                <a:solidFill>
+                  <a:srgbClr val="000000"/>
+                </a:solidFill>
+                <a:latin typeface="Calibri"/>
+                <a:ea typeface="맑은 고딕"/>
+                <a:cs typeface="Calibri"/>
+              </a:rPr>
+              <a:t>:</a:t>
+            </a:r>
+            <a:r>
+              <a:rPr kumimoji="0" lang="en-US" altLang="ko-KR" sz="1500" b="0" i="0" u="none" strike="noStrike" kern="1200" cap="none" spc="0" normalizeH="0" baseline="0" dirty="0" err="1">
+                <a:solidFill>
+                  <a:srgbClr val="000000"/>
+                </a:solidFill>
+                <a:latin typeface="Calibri"/>
+                <a:ea typeface="맑은 고딕"/>
+                <a:cs typeface="Calibri"/>
+              </a:rPr>
+              <a:t>MagicBolt</a:t>
+            </a:r>
+            <a:endParaRPr kumimoji="0" lang="ko-KR" altLang="en-US" sz="1500" b="0" i="0" u="none" strike="noStrike" kern="1200" cap="none" spc="0" normalizeH="0" baseline="0" dirty="0">
+              <a:solidFill>
+                <a:srgbClr val="000000"/>
+              </a:solidFill>
+              <a:latin typeface="Calibri"/>
+              <a:ea typeface="맑은 고딕"/>
+              <a:cs typeface="Calibri"/>
+            </a:endParaRPr>
+          </a:p>
         </p:txBody>
       </p:sp>
       <p:sp>
@@ -4665,8 +5770,8 @@
         </p:nvSpPr>
         <p:spPr>
           <a:xfrm>
-            <a:off x="4655218" y="2514598"/>
-            <a:ext cx="579520" cy="408154"/>
+            <a:off x="4765050" y="3626876"/>
+            <a:ext cx="579520" cy="1122626"/>
           </a:xfrm>
           <a:prstGeom prst="rect">
             <a:avLst/>
@@ -4681,8 +5786,9 @@
         </p:spPr>
         <p:txBody>
           <a:bodyPr vert="horz" lIns="91440" tIns="45720" rIns="91440" bIns="45720" anchor="ctr">
-            <a:normAutofit lnSpcReduction="10000"/>
+            <a:normAutofit fontScale="85000" lnSpcReduction="20000"/>
           </a:bodyPr>
+          <a:lstStyle/>
           <a:p>
             <a:pPr marL="0" lvl="0" indent="0" algn="ctr" defTabSz="914400" rtl="0" eaLnBrk="1" latinLnBrk="1" hangingPunct="1">
               <a:lnSpc>
@@ -4698,7 +5804,7 @@
               <a:defRPr/>
             </a:pPr>
             <a:r>
-              <a:rPr xmlns:mc="http://schemas.openxmlformats.org/markup-compatibility/2006" xmlns:hp="http://schemas.haansoft.com/office/presentation/8.0" kumimoji="0" lang="ko-KR" altLang="en-US" sz="1500" b="0" i="0" u="none" strike="noStrike" kern="1200" cap="none" spc="0" normalizeH="0" baseline="0" mc:Ignorable="hp" hp:hslEmbossed="0">
+              <a:rPr kumimoji="0" lang="ko-KR" altLang="en-US" sz="1500" b="0" i="0" u="none" strike="noStrike" kern="1200" cap="none" spc="0" normalizeH="0" baseline="0" dirty="0">
                 <a:solidFill>
                   <a:srgbClr val="000000"/>
                 </a:solidFill>
@@ -4708,7 +5814,7 @@
               </a:rPr>
               <a:t>봉</a:t>
             </a:r>
-            <a:endParaRPr xmlns:mc="http://schemas.openxmlformats.org/markup-compatibility/2006" xmlns:hp="http://schemas.haansoft.com/office/presentation/8.0" kumimoji="0" lang="ko-KR" altLang="en-US" sz="1500" b="0" i="0" u="none" strike="noStrike" kern="1200" cap="none" spc="0" normalizeH="0" baseline="0" mc:Ignorable="hp" hp:hslEmbossed="0">
+            <a:endParaRPr kumimoji="0" lang="en-US" altLang="ko-KR" sz="1500" b="0" i="0" u="none" strike="noStrike" kern="1200" cap="none" spc="0" normalizeH="0" baseline="0" dirty="0">
               <a:solidFill>
                 <a:srgbClr val="000000"/>
               </a:solidFill>
@@ -4717,21 +5823,93 @@
               <a:cs typeface="Calibri"/>
             </a:endParaRPr>
           </a:p>
+          <a:p>
+            <a:pPr marL="0" lvl="0" indent="0" algn="ctr" defTabSz="914400" rtl="0" eaLnBrk="1" latinLnBrk="1" hangingPunct="1">
+              <a:lnSpc>
+                <a:spcPct val="100000"/>
+              </a:lnSpc>
+              <a:spcBef>
+                <a:spcPct val="0"/>
+              </a:spcBef>
+              <a:spcAft>
+                <a:spcPts val="0"/>
+              </a:spcAft>
+              <a:buNone/>
+              <a:defRPr/>
+            </a:pPr>
+            <a:r>
+              <a:rPr kumimoji="0" lang="ko-KR" altLang="en-US" sz="1500" b="0" i="0" u="none" strike="noStrike" kern="1200" cap="none" spc="0" normalizeH="0" baseline="0" dirty="0">
+                <a:solidFill>
+                  <a:srgbClr val="000000"/>
+                </a:solidFill>
+                <a:latin typeface="Calibri"/>
+                <a:ea typeface="맑은 고딕"/>
+                <a:cs typeface="Calibri"/>
+              </a:rPr>
+              <a:t>메서드 </a:t>
+            </a:r>
+            <a:r>
+              <a:rPr kumimoji="0" lang="en-US" altLang="ko-KR" sz="1500" b="0" i="0" u="none" strike="noStrike" kern="1200" cap="none" spc="0" normalizeH="0" baseline="0" dirty="0">
+                <a:solidFill>
+                  <a:srgbClr val="000000"/>
+                </a:solidFill>
+                <a:latin typeface="Calibri"/>
+                <a:ea typeface="맑은 고딕"/>
+                <a:cs typeface="Calibri"/>
+              </a:rPr>
+              <a:t>:</a:t>
+            </a:r>
+          </a:p>
+          <a:p>
+            <a:pPr marL="0" lvl="0" indent="0" algn="ctr" defTabSz="914400" rtl="0" eaLnBrk="1" latinLnBrk="1" hangingPunct="1">
+              <a:lnSpc>
+                <a:spcPct val="100000"/>
+              </a:lnSpc>
+              <a:spcBef>
+                <a:spcPct val="0"/>
+              </a:spcBef>
+              <a:spcAft>
+                <a:spcPts val="0"/>
+              </a:spcAft>
+              <a:buNone/>
+              <a:defRPr/>
+            </a:pPr>
+            <a:r>
+              <a:rPr kumimoji="0" lang="en-US" altLang="ko-KR" sz="1500" b="0" i="0" u="none" strike="noStrike" kern="1200" cap="none" spc="0" normalizeH="0" baseline="0" dirty="0">
+                <a:solidFill>
+                  <a:srgbClr val="000000"/>
+                </a:solidFill>
+                <a:latin typeface="Calibri"/>
+                <a:ea typeface="맑은 고딕"/>
+                <a:cs typeface="Calibri"/>
+              </a:rPr>
+              <a:t>Apocalypse</a:t>
+            </a:r>
+            <a:endParaRPr kumimoji="0" lang="ko-KR" altLang="en-US" sz="1500" b="0" i="0" u="none" strike="noStrike" kern="1200" cap="none" spc="0" normalizeH="0" baseline="0" dirty="0">
+              <a:solidFill>
+                <a:srgbClr val="000000"/>
+              </a:solidFill>
+              <a:latin typeface="Calibri"/>
+              <a:ea typeface="맑은 고딕"/>
+              <a:cs typeface="Calibri"/>
+            </a:endParaRPr>
+          </a:p>
         </p:txBody>
       </p:sp>
       <p:cxnSp>
         <p:nvCxnSpPr>
           <p:cNvPr id="53" name="선 52"/>
           <p:cNvCxnSpPr>
+            <a:cxnSpLocks/>
             <a:stCxn id="23" idx="2"/>
             <a:endCxn id="51" idx="0"/>
           </p:cNvCxnSpPr>
           <p:nvPr/>
         </p:nvCxnSpPr>
         <p:spPr>
-          <a:xfrm rot="16200000" flipH="1">
-            <a:off x="4017419" y="2299657"/>
-            <a:ext cx="304801" cy="125081"/>
+          <a:xfrm>
+            <a:off x="4082586" y="3239574"/>
+            <a:ext cx="320211" cy="456684"/>
           </a:xfrm>
           <a:prstGeom prst="line">
             <a:avLst/>
@@ -4756,6 +5934,7 @@
         <p:nvCxnSpPr>
           <p:cNvPr id="54" name="선 53"/>
           <p:cNvCxnSpPr>
+            <a:cxnSpLocks/>
             <a:stCxn id="23" idx="2"/>
             <a:endCxn id="52" idx="0"/>
           </p:cNvCxnSpPr>
@@ -4763,8 +5942,8 @@
         </p:nvCxnSpPr>
         <p:spPr>
           <a:xfrm>
-            <a:off x="4107280" y="2209797"/>
-            <a:ext cx="837698" cy="304800"/>
+            <a:off x="4082586" y="3239574"/>
+            <a:ext cx="972224" cy="387302"/>
           </a:xfrm>
           <a:prstGeom prst="line">
             <a:avLst/>
@@ -4795,8 +5974,8 @@
         </p:nvSpPr>
         <p:spPr>
           <a:xfrm>
-            <a:off x="5101640" y="4104773"/>
-            <a:ext cx="579520" cy="408154"/>
+            <a:off x="4917970" y="5626232"/>
+            <a:ext cx="1089263" cy="884900"/>
           </a:xfrm>
           <a:prstGeom prst="rect">
             <a:avLst/>
@@ -4811,8 +5990,9 @@
         </p:spPr>
         <p:txBody>
           <a:bodyPr vert="horz" lIns="91440" tIns="45720" rIns="91440" bIns="45720" anchor="ctr">
-            <a:normAutofit lnSpcReduction="10000"/>
+            <a:normAutofit/>
           </a:bodyPr>
+          <a:lstStyle/>
           <a:p>
             <a:pPr marL="0" lvl="0" indent="0" algn="ctr" defTabSz="914400" rtl="0" eaLnBrk="1" latinLnBrk="1" hangingPunct="1">
               <a:lnSpc>
@@ -4828,7 +6008,7 @@
               <a:defRPr/>
             </a:pPr>
             <a:r>
-              <a:rPr xmlns:mc="http://schemas.openxmlformats.org/markup-compatibility/2006" xmlns:hp="http://schemas.haansoft.com/office/presentation/8.0" kumimoji="0" lang="ko-KR" altLang="en-US" sz="1500" b="0" i="0" u="none" strike="noStrike" kern="1200" cap="none" spc="0" normalizeH="0" baseline="0" mc:Ignorable="hp" hp:hslEmbossed="0">
+              <a:rPr kumimoji="0" lang="ko-KR" altLang="en-US" sz="1500" b="0" i="0" u="none" strike="noStrike" kern="1200" cap="none" spc="0" normalizeH="0" baseline="0">
                 <a:solidFill>
                   <a:srgbClr val="000000"/>
                 </a:solidFill>
@@ -4838,14 +6018,6 @@
               </a:rPr>
               <a:t>일반</a:t>
             </a:r>
-            <a:endParaRPr xmlns:mc="http://schemas.openxmlformats.org/markup-compatibility/2006" xmlns:hp="http://schemas.haansoft.com/office/presentation/8.0" kumimoji="0" lang="ko-KR" altLang="en-US" sz="1500" b="0" i="0" u="none" strike="noStrike" kern="1200" cap="none" spc="0" normalizeH="0" baseline="0" mc:Ignorable="hp" hp:hslEmbossed="0">
-              <a:solidFill>
-                <a:srgbClr val="000000"/>
-              </a:solidFill>
-              <a:latin typeface="Calibri"/>
-              <a:ea typeface="맑은 고딕"/>
-              <a:cs typeface="Calibri"/>
-            </a:endParaRPr>
           </a:p>
         </p:txBody>
       </p:sp>
@@ -4859,8 +6031,8 @@
         </p:nvSpPr>
         <p:spPr>
           <a:xfrm>
-            <a:off x="6390273" y="4104773"/>
-            <a:ext cx="579520" cy="408154"/>
+            <a:off x="6178471" y="5626232"/>
+            <a:ext cx="960433" cy="861724"/>
           </a:xfrm>
           <a:prstGeom prst="rect">
             <a:avLst/>
@@ -4875,8 +6047,9 @@
         </p:spPr>
         <p:txBody>
           <a:bodyPr vert="horz" lIns="91440" tIns="45720" rIns="91440" bIns="45720" anchor="ctr">
-            <a:normAutofit lnSpcReduction="10000"/>
+            <a:normAutofit fontScale="92500" lnSpcReduction="10000"/>
           </a:bodyPr>
+          <a:lstStyle/>
           <a:p>
             <a:pPr marL="0" lvl="0" indent="0" algn="ctr" defTabSz="914400" rtl="0" eaLnBrk="1" latinLnBrk="1" hangingPunct="1">
               <a:lnSpc>
@@ -4892,7 +6065,7 @@
               <a:defRPr/>
             </a:pPr>
             <a:r>
-              <a:rPr xmlns:mc="http://schemas.openxmlformats.org/markup-compatibility/2006" xmlns:hp="http://schemas.haansoft.com/office/presentation/8.0" kumimoji="0" lang="ko-KR" altLang="en-US" sz="1500" b="0" i="0" u="none" strike="noStrike" kern="1200" cap="none" spc="0" normalizeH="0" baseline="0" mc:Ignorable="hp" hp:hslEmbossed="0">
+              <a:rPr kumimoji="0" lang="ko-KR" altLang="en-US" sz="1500" b="0" i="0" u="none" strike="noStrike" kern="1200" cap="none" spc="0" normalizeH="0" baseline="0" dirty="0">
                 <a:solidFill>
                   <a:srgbClr val="000000"/>
                 </a:solidFill>
@@ -4902,7 +6075,7 @@
               </a:rPr>
               <a:t>보스</a:t>
             </a:r>
-            <a:endParaRPr xmlns:mc="http://schemas.openxmlformats.org/markup-compatibility/2006" xmlns:hp="http://schemas.haansoft.com/office/presentation/8.0" kumimoji="0" lang="ko-KR" altLang="en-US" sz="1500" b="0" i="0" u="none" strike="noStrike" kern="1200" cap="none" spc="0" normalizeH="0" baseline="0" mc:Ignorable="hp" hp:hslEmbossed="0">
+            <a:endParaRPr kumimoji="0" lang="en-US" altLang="ko-KR" sz="1500" b="0" i="0" u="none" strike="noStrike" kern="1200" cap="none" spc="0" normalizeH="0" baseline="0" dirty="0">
               <a:solidFill>
                 <a:srgbClr val="000000"/>
               </a:solidFill>
@@ -4911,21 +6084,78 @@
               <a:cs typeface="Calibri"/>
             </a:endParaRPr>
           </a:p>
+          <a:p>
+            <a:pPr marL="0" lvl="0" indent="0" algn="ctr" defTabSz="914400" rtl="0" eaLnBrk="1" latinLnBrk="1" hangingPunct="1">
+              <a:lnSpc>
+                <a:spcPct val="100000"/>
+              </a:lnSpc>
+              <a:spcBef>
+                <a:spcPct val="0"/>
+              </a:spcBef>
+              <a:spcAft>
+                <a:spcPts val="0"/>
+              </a:spcAft>
+              <a:buNone/>
+              <a:defRPr/>
+            </a:pPr>
+            <a:r>
+              <a:rPr lang="ko-KR" altLang="en-US" sz="1500" dirty="0">
+                <a:solidFill>
+                  <a:srgbClr val="000000"/>
+                </a:solidFill>
+                <a:latin typeface="Calibri"/>
+                <a:ea typeface="맑은 고딕"/>
+                <a:cs typeface="Calibri"/>
+              </a:rPr>
+              <a:t>메서드</a:t>
+            </a:r>
+            <a:r>
+              <a:rPr lang="en-US" altLang="ko-KR" sz="1500" dirty="0">
+                <a:solidFill>
+                  <a:srgbClr val="000000"/>
+                </a:solidFill>
+                <a:latin typeface="Calibri"/>
+                <a:ea typeface="맑은 고딕"/>
+                <a:cs typeface="Calibri"/>
+              </a:rPr>
+              <a:t>:</a:t>
+            </a:r>
+            <a:r>
+              <a:rPr lang="en-US" altLang="ko-KR" sz="1500" dirty="0" err="1">
+                <a:solidFill>
+                  <a:srgbClr val="000000"/>
+                </a:solidFill>
+                <a:latin typeface="Calibri"/>
+                <a:ea typeface="맑은 고딕"/>
+                <a:cs typeface="Calibri"/>
+              </a:rPr>
+              <a:t>skillBoss</a:t>
+            </a:r>
+            <a:endParaRPr kumimoji="0" lang="ko-KR" altLang="en-US" sz="1500" b="0" i="0" u="none" strike="noStrike" kern="1200" cap="none" spc="0" normalizeH="0" baseline="0" dirty="0">
+              <a:solidFill>
+                <a:srgbClr val="000000"/>
+              </a:solidFill>
+              <a:latin typeface="Calibri"/>
+              <a:ea typeface="맑은 고딕"/>
+              <a:cs typeface="Calibri"/>
+            </a:endParaRPr>
+          </a:p>
         </p:txBody>
       </p:sp>
       <p:cxnSp>
         <p:nvCxnSpPr>
           <p:cNvPr id="57" name="선 56"/>
           <p:cNvCxnSpPr>
+            <a:cxnSpLocks/>
             <a:stCxn id="13" idx="2"/>
             <a:endCxn id="55" idx="0"/>
           </p:cNvCxnSpPr>
           <p:nvPr/>
         </p:nvCxnSpPr>
         <p:spPr>
-          <a:xfrm rot="10800000" flipV="1">
-            <a:off x="5391400" y="3837154"/>
-            <a:ext cx="704600" cy="267619"/>
+          <a:xfrm flipH="1">
+            <a:off x="5462602" y="2445759"/>
+            <a:ext cx="386397" cy="3180473"/>
           </a:xfrm>
           <a:prstGeom prst="line">
             <a:avLst/>
@@ -4950,6 +6180,7 @@
         <p:nvCxnSpPr>
           <p:cNvPr id="64" name="선 63"/>
           <p:cNvCxnSpPr>
+            <a:cxnSpLocks/>
             <a:stCxn id="13" idx="2"/>
             <a:endCxn id="56" idx="0"/>
           </p:cNvCxnSpPr>
@@ -4957,8 +6188,8 @@
         </p:nvCxnSpPr>
         <p:spPr>
           <a:xfrm>
-            <a:off x="6096000" y="3837154"/>
-            <a:ext cx="584033" cy="267620"/>
+            <a:off x="5848999" y="2445759"/>
+            <a:ext cx="809689" cy="3180473"/>
           </a:xfrm>
           <a:prstGeom prst="line">
             <a:avLst/>
@@ -4981,7 +6212,7 @@
       </p:cxnSp>
       <p:sp>
         <p:nvSpPr>
-          <p:cNvPr id="65" name="제목 1"/>
+          <p:cNvPr id="72" name="제목 1"/>
           <p:cNvSpPr>
             <a:spLocks noGrp="1"/>
           </p:cNvSpPr>
@@ -4989,7 +6220,7 @@
         </p:nvSpPr>
         <p:spPr>
           <a:xfrm>
-            <a:off x="7146758" y="5069305"/>
+            <a:off x="6658688" y="4626419"/>
             <a:ext cx="579520" cy="408154"/>
           </a:xfrm>
           <a:prstGeom prst="rect">
@@ -5005,8 +6236,9 @@
         </p:spPr>
         <p:txBody>
           <a:bodyPr vert="horz" lIns="91440" tIns="45720" rIns="91440" bIns="45720" anchor="ctr">
-            <a:normAutofit fontScale="85000" lnSpcReduction="20000"/>
+            <a:normAutofit/>
           </a:bodyPr>
+          <a:lstStyle/>
           <a:p>
             <a:pPr marL="0" lvl="0" indent="0" algn="ctr" defTabSz="914400" rtl="0" eaLnBrk="1" latinLnBrk="1" hangingPunct="1">
               <a:lnSpc>
@@ -5022,7 +6254,7 @@
               <a:defRPr/>
             </a:pPr>
             <a:r>
-              <a:rPr xmlns:mc="http://schemas.openxmlformats.org/markup-compatibility/2006" xmlns:hp="http://schemas.haansoft.com/office/presentation/8.0" kumimoji="0" lang="ko-KR" altLang="en-US" sz="1500" b="0" i="0" u="none" strike="noStrike" kern="1200" cap="none" spc="0" normalizeH="0" baseline="0" mc:Ignorable="hp" hp:hslEmbossed="0">
+              <a:rPr kumimoji="0" lang="ko-KR" altLang="en-US" sz="1500" b="0" i="0" u="none" strike="noStrike" kern="1200" cap="none" spc="0" normalizeH="0" baseline="0" dirty="0">
                 <a:solidFill>
                   <a:srgbClr val="000000"/>
                 </a:solidFill>
@@ -5030,22 +6262,14 @@
                 <a:ea typeface="맑은 고딕"/>
                 <a:cs typeface="Calibri"/>
               </a:rPr>
-              <a:t>기계족</a:t>
-            </a:r>
-            <a:endParaRPr xmlns:mc="http://schemas.openxmlformats.org/markup-compatibility/2006" xmlns:hp="http://schemas.haansoft.com/office/presentation/8.0" kumimoji="0" lang="ko-KR" altLang="en-US" sz="1500" b="0" i="0" u="none" strike="noStrike" kern="1200" cap="none" spc="0" normalizeH="0" baseline="0" mc:Ignorable="hp" hp:hslEmbossed="0">
-              <a:solidFill>
-                <a:srgbClr val="000000"/>
-              </a:solidFill>
-              <a:latin typeface="Calibri"/>
-              <a:ea typeface="맑은 고딕"/>
-              <a:cs typeface="Calibri"/>
-            </a:endParaRPr>
-          </a:p>
-        </p:txBody>
-      </p:sp>
-      <p:sp>
-        <p:nvSpPr>
-          <p:cNvPr id="66" name="제목 1"/>
+              <a:t>상급</a:t>
+            </a:r>
+          </a:p>
+        </p:txBody>
+      </p:sp>
+      <p:sp>
+        <p:nvSpPr>
+          <p:cNvPr id="73" name="제목 1"/>
           <p:cNvSpPr>
             <a:spLocks noGrp="1"/>
           </p:cNvSpPr>
@@ -5053,7 +6277,7 @@
         </p:nvSpPr>
         <p:spPr>
           <a:xfrm>
-            <a:off x="6390273" y="5069305"/>
+            <a:off x="7283371" y="4645430"/>
             <a:ext cx="579520" cy="408154"/>
           </a:xfrm>
           <a:prstGeom prst="rect">
@@ -5069,8 +6293,9 @@
         </p:spPr>
         <p:txBody>
           <a:bodyPr vert="horz" lIns="91440" tIns="45720" rIns="91440" bIns="45720" anchor="ctr">
-            <a:normAutofit fontScale="85000" lnSpcReduction="20000"/>
+            <a:normAutofit/>
           </a:bodyPr>
+          <a:lstStyle/>
           <a:p>
             <a:pPr marL="0" lvl="0" indent="0" algn="ctr" defTabSz="914400" rtl="0" eaLnBrk="1" latinLnBrk="1" hangingPunct="1">
               <a:lnSpc>
@@ -5086,7 +6311,7 @@
               <a:defRPr/>
             </a:pPr>
             <a:r>
-              <a:rPr xmlns:mc="http://schemas.openxmlformats.org/markup-compatibility/2006" xmlns:hp="http://schemas.haansoft.com/office/presentation/8.0" kumimoji="0" lang="ko-KR" altLang="en-US" sz="1500" b="0" i="0" u="none" strike="noStrike" kern="1200" cap="none" spc="0" normalizeH="0" baseline="0" mc:Ignorable="hp" hp:hslEmbossed="0">
+              <a:rPr kumimoji="0" lang="ko-KR" altLang="en-US" sz="1500" b="0" i="0" u="none" strike="noStrike" kern="1200" cap="none" spc="0" normalizeH="0" baseline="0">
                 <a:solidFill>
                   <a:srgbClr val="000000"/>
                 </a:solidFill>
@@ -5094,22 +6319,14 @@
                 <a:ea typeface="맑은 고딕"/>
                 <a:cs typeface="Calibri"/>
               </a:rPr>
-              <a:t>악마족</a:t>
-            </a:r>
-            <a:endParaRPr xmlns:mc="http://schemas.openxmlformats.org/markup-compatibility/2006" xmlns:hp="http://schemas.haansoft.com/office/presentation/8.0" kumimoji="0" lang="ko-KR" altLang="en-US" sz="1500" b="0" i="0" u="none" strike="noStrike" kern="1200" cap="none" spc="0" normalizeH="0" baseline="0" mc:Ignorable="hp" hp:hslEmbossed="0">
-              <a:solidFill>
-                <a:srgbClr val="000000"/>
-              </a:solidFill>
-              <a:latin typeface="Calibri"/>
-              <a:ea typeface="맑은 고딕"/>
-              <a:cs typeface="Calibri"/>
-            </a:endParaRPr>
-          </a:p>
-        </p:txBody>
-      </p:sp>
-      <p:sp>
-        <p:nvSpPr>
-          <p:cNvPr id="67" name="제목 1"/>
+              <a:t>중급</a:t>
+            </a:r>
+          </a:p>
+        </p:txBody>
+      </p:sp>
+      <p:sp>
+        <p:nvSpPr>
+          <p:cNvPr id="74" name="제목 1"/>
           <p:cNvSpPr>
             <a:spLocks noGrp="1"/>
           </p:cNvSpPr>
@@ -5117,7 +6334,7 @@
         </p:nvSpPr>
         <p:spPr>
           <a:xfrm>
-            <a:off x="5668880" y="5069305"/>
+            <a:off x="7937643" y="4523806"/>
             <a:ext cx="579520" cy="408154"/>
           </a:xfrm>
           <a:prstGeom prst="rect">
@@ -5133,8 +6350,9 @@
         </p:spPr>
         <p:txBody>
           <a:bodyPr vert="horz" lIns="91440" tIns="45720" rIns="91440" bIns="45720" anchor="ctr">
-            <a:normAutofit lnSpcReduction="10000"/>
+            <a:normAutofit/>
           </a:bodyPr>
+          <a:lstStyle/>
           <a:p>
             <a:pPr marL="0" lvl="0" indent="0" algn="ctr" defTabSz="914400" rtl="0" eaLnBrk="1" latinLnBrk="1" hangingPunct="1">
               <a:lnSpc>
@@ -5150,7 +6368,7 @@
               <a:defRPr/>
             </a:pPr>
             <a:r>
-              <a:rPr xmlns:mc="http://schemas.openxmlformats.org/markup-compatibility/2006" xmlns:hp="http://schemas.haansoft.com/office/presentation/8.0" kumimoji="0" lang="ko-KR" altLang="en-US" sz="1500" b="0" i="0" u="none" strike="noStrike" kern="1200" cap="none" spc="0" normalizeH="0" baseline="0" mc:Ignorable="hp" hp:hslEmbossed="0">
+              <a:rPr kumimoji="0" lang="ko-KR" altLang="en-US" sz="1500" b="0" i="0" u="none" strike="noStrike" kern="1200" cap="none" spc="0" normalizeH="0" baseline="0">
                 <a:solidFill>
                   <a:srgbClr val="000000"/>
                 </a:solidFill>
@@ -5158,307 +6376,8 @@
                 <a:ea typeface="맑은 고딕"/>
                 <a:cs typeface="Calibri"/>
               </a:rPr>
-              <a:t>용족</a:t>
-            </a:r>
-            <a:endParaRPr xmlns:mc="http://schemas.openxmlformats.org/markup-compatibility/2006" xmlns:hp="http://schemas.haansoft.com/office/presentation/8.0" kumimoji="0" lang="ko-KR" altLang="en-US" sz="1500" b="0" i="0" u="none" strike="noStrike" kern="1200" cap="none" spc="0" normalizeH="0" baseline="0" mc:Ignorable="hp" hp:hslEmbossed="0">
-              <a:solidFill>
-                <a:srgbClr val="000000"/>
-              </a:solidFill>
-              <a:latin typeface="Calibri"/>
-              <a:ea typeface="맑은 고딕"/>
-              <a:cs typeface="Calibri"/>
-            </a:endParaRPr>
-          </a:p>
-        </p:txBody>
-      </p:sp>
-      <p:cxnSp>
-        <p:nvCxnSpPr>
-          <p:cNvPr id="69" name="선 68"/>
-          <p:cNvCxnSpPr>
-            <a:stCxn id="56" idx="2"/>
-            <a:endCxn id="67" idx="0"/>
-          </p:cNvCxnSpPr>
-          <p:nvPr/>
-        </p:nvCxnSpPr>
-        <p:spPr>
-          <a:xfrm rot="10800000" flipV="1">
-            <a:off x="5958640" y="4512931"/>
-            <a:ext cx="721392" cy="556374"/>
-          </a:xfrm>
-          <a:prstGeom prst="line">
-            <a:avLst/>
-          </a:prstGeom>
-        </p:spPr>
-        <p:style>
-          <a:lnRef idx="1">
-            <a:schemeClr val="accent1"/>
-          </a:lnRef>
-          <a:fillRef idx="0">
-            <a:schemeClr val="accent1"/>
-          </a:fillRef>
-          <a:effectRef idx="0">
-            <a:schemeClr val="accent1"/>
-          </a:effectRef>
-          <a:fontRef idx="minor">
-            <a:schemeClr val="tx1"/>
-          </a:fontRef>
-        </p:style>
-      </p:cxnSp>
-      <p:cxnSp>
-        <p:nvCxnSpPr>
-          <p:cNvPr id="70" name="선 69"/>
-          <p:cNvCxnSpPr>
-            <a:stCxn id="56" idx="2"/>
-            <a:endCxn id="66" idx="0"/>
-          </p:cNvCxnSpPr>
-          <p:nvPr/>
-        </p:nvCxnSpPr>
-        <p:spPr>
-          <a:xfrm rot="16200000" flipH="1" flipV="1">
-            <a:off x="6401845" y="4791116"/>
-            <a:ext cx="556376" cy="0"/>
-          </a:xfrm>
-          <a:prstGeom prst="line">
-            <a:avLst/>
-          </a:prstGeom>
-        </p:spPr>
-        <p:style>
-          <a:lnRef idx="1">
-            <a:schemeClr val="accent1"/>
-          </a:lnRef>
-          <a:fillRef idx="0">
-            <a:schemeClr val="accent1"/>
-          </a:fillRef>
-          <a:effectRef idx="0">
-            <a:schemeClr val="accent1"/>
-          </a:effectRef>
-          <a:fontRef idx="minor">
-            <a:schemeClr val="tx1"/>
-          </a:fontRef>
-        </p:style>
-      </p:cxnSp>
-      <p:cxnSp>
-        <p:nvCxnSpPr>
-          <p:cNvPr id="71" name="선 70"/>
-          <p:cNvCxnSpPr>
-            <a:stCxn id="56" idx="2"/>
-            <a:endCxn id="65" idx="0"/>
-          </p:cNvCxnSpPr>
-          <p:nvPr/>
-        </p:nvCxnSpPr>
-        <p:spPr>
-          <a:xfrm>
-            <a:off x="6680033" y="4512928"/>
-            <a:ext cx="756485" cy="556377"/>
-          </a:xfrm>
-          <a:prstGeom prst="line">
-            <a:avLst/>
-          </a:prstGeom>
-        </p:spPr>
-        <p:style>
-          <a:lnRef idx="1">
-            <a:schemeClr val="accent1"/>
-          </a:lnRef>
-          <a:fillRef idx="0">
-            <a:schemeClr val="accent1"/>
-          </a:fillRef>
-          <a:effectRef idx="0">
-            <a:schemeClr val="accent1"/>
-          </a:effectRef>
-          <a:fontRef idx="minor">
-            <a:schemeClr val="tx1"/>
-          </a:fontRef>
-        </p:style>
-      </p:cxnSp>
-      <p:sp>
-        <p:nvSpPr>
-          <p:cNvPr id="72" name="제목 1"/>
-          <p:cNvSpPr>
-            <a:spLocks noGrp="1"/>
-          </p:cNvSpPr>
-          <p:nvPr/>
-        </p:nvSpPr>
-        <p:spPr>
-          <a:xfrm>
-            <a:off x="6553200" y="2362198"/>
-            <a:ext cx="579520" cy="408154"/>
-          </a:xfrm>
-          <a:prstGeom prst="rect">
-            <a:avLst/>
-          </a:prstGeom>
-          <a:ln>
-            <a:solidFill>
-              <a:srgbClr val="000000">
-                <a:alpha val="100000"/>
-              </a:srgbClr>
-            </a:solidFill>
-          </a:ln>
-        </p:spPr>
-        <p:txBody>
-          <a:bodyPr vert="horz" lIns="91440" tIns="45720" rIns="91440" bIns="45720" anchor="ctr">
-            <a:normAutofit lnSpcReduction="10000"/>
-          </a:bodyPr>
-          <a:p>
-            <a:pPr marL="0" lvl="0" indent="0" algn="ctr" defTabSz="914400" rtl="0" eaLnBrk="1" latinLnBrk="1" hangingPunct="1">
-              <a:lnSpc>
-                <a:spcPct val="100000"/>
-              </a:lnSpc>
-              <a:spcBef>
-                <a:spcPct val="0"/>
-              </a:spcBef>
-              <a:spcAft>
-                <a:spcPts val="0"/>
-              </a:spcAft>
-              <a:buNone/>
-              <a:defRPr/>
-            </a:pPr>
-            <a:r>
-              <a:rPr xmlns:mc="http://schemas.openxmlformats.org/markup-compatibility/2006" xmlns:hp="http://schemas.haansoft.com/office/presentation/8.0" kumimoji="0" lang="ko-KR" altLang="en-US" sz="1500" b="0" i="0" u="none" strike="noStrike" kern="1200" cap="none" spc="0" normalizeH="0" baseline="0" mc:Ignorable="hp" hp:hslEmbossed="0">
-                <a:solidFill>
-                  <a:srgbClr val="000000"/>
-                </a:solidFill>
-                <a:latin typeface="Calibri"/>
-                <a:ea typeface="맑은 고딕"/>
-                <a:cs typeface="Calibri"/>
-              </a:rPr>
-              <a:t>상급</a:t>
-            </a:r>
-            <a:endParaRPr xmlns:mc="http://schemas.openxmlformats.org/markup-compatibility/2006" xmlns:hp="http://schemas.haansoft.com/office/presentation/8.0" kumimoji="0" lang="ko-KR" altLang="en-US" sz="1500" b="0" i="0" u="none" strike="noStrike" kern="1200" cap="none" spc="0" normalizeH="0" baseline="0" mc:Ignorable="hp" hp:hslEmbossed="0">
-              <a:solidFill>
-                <a:srgbClr val="000000"/>
-              </a:solidFill>
-              <a:latin typeface="Calibri"/>
-              <a:ea typeface="맑은 고딕"/>
-              <a:cs typeface="Calibri"/>
-            </a:endParaRPr>
-          </a:p>
-        </p:txBody>
-      </p:sp>
-      <p:sp>
-        <p:nvSpPr>
-          <p:cNvPr id="73" name="제목 1"/>
-          <p:cNvSpPr>
-            <a:spLocks noGrp="1"/>
-          </p:cNvSpPr>
-          <p:nvPr/>
-        </p:nvSpPr>
-        <p:spPr>
-          <a:xfrm>
-            <a:off x="7264066" y="2362198"/>
-            <a:ext cx="579520" cy="408154"/>
-          </a:xfrm>
-          <a:prstGeom prst="rect">
-            <a:avLst/>
-          </a:prstGeom>
-          <a:ln>
-            <a:solidFill>
-              <a:srgbClr val="000000">
-                <a:alpha val="100000"/>
-              </a:srgbClr>
-            </a:solidFill>
-          </a:ln>
-        </p:spPr>
-        <p:txBody>
-          <a:bodyPr vert="horz" lIns="91440" tIns="45720" rIns="91440" bIns="45720" anchor="ctr">
-            <a:normAutofit lnSpcReduction="10000"/>
-          </a:bodyPr>
-          <a:p>
-            <a:pPr marL="0" lvl="0" indent="0" algn="ctr" defTabSz="914400" rtl="0" eaLnBrk="1" latinLnBrk="1" hangingPunct="1">
-              <a:lnSpc>
-                <a:spcPct val="100000"/>
-              </a:lnSpc>
-              <a:spcBef>
-                <a:spcPct val="0"/>
-              </a:spcBef>
-              <a:spcAft>
-                <a:spcPts val="0"/>
-              </a:spcAft>
-              <a:buNone/>
-              <a:defRPr/>
-            </a:pPr>
-            <a:r>
-              <a:rPr xmlns:mc="http://schemas.openxmlformats.org/markup-compatibility/2006" xmlns:hp="http://schemas.haansoft.com/office/presentation/8.0" kumimoji="0" lang="ko-KR" altLang="en-US" sz="1500" b="0" i="0" u="none" strike="noStrike" kern="1200" cap="none" spc="0" normalizeH="0" baseline="0" mc:Ignorable="hp" hp:hslEmbossed="0">
-                <a:solidFill>
-                  <a:srgbClr val="000000"/>
-                </a:solidFill>
-                <a:latin typeface="Calibri"/>
-                <a:ea typeface="맑은 고딕"/>
-                <a:cs typeface="Calibri"/>
-              </a:rPr>
-              <a:t>중급</a:t>
-            </a:r>
-            <a:endParaRPr xmlns:mc="http://schemas.openxmlformats.org/markup-compatibility/2006" xmlns:hp="http://schemas.haansoft.com/office/presentation/8.0" kumimoji="0" lang="ko-KR" altLang="en-US" sz="1500" b="0" i="0" u="none" strike="noStrike" kern="1200" cap="none" spc="0" normalizeH="0" baseline="0" mc:Ignorable="hp" hp:hslEmbossed="0">
-              <a:solidFill>
-                <a:srgbClr val="000000"/>
-              </a:solidFill>
-              <a:latin typeface="Calibri"/>
-              <a:ea typeface="맑은 고딕"/>
-              <a:cs typeface="Calibri"/>
-            </a:endParaRPr>
-          </a:p>
-        </p:txBody>
-      </p:sp>
-      <p:sp>
-        <p:nvSpPr>
-          <p:cNvPr id="74" name="제목 1"/>
-          <p:cNvSpPr>
-            <a:spLocks noGrp="1"/>
-          </p:cNvSpPr>
-          <p:nvPr/>
-        </p:nvSpPr>
-        <p:spPr>
-          <a:xfrm>
-            <a:off x="7953876" y="2362198"/>
-            <a:ext cx="579520" cy="408154"/>
-          </a:xfrm>
-          <a:prstGeom prst="rect">
-            <a:avLst/>
-          </a:prstGeom>
-          <a:ln>
-            <a:solidFill>
-              <a:srgbClr val="000000">
-                <a:alpha val="100000"/>
-              </a:srgbClr>
-            </a:solidFill>
-          </a:ln>
-        </p:spPr>
-        <p:txBody>
-          <a:bodyPr vert="horz" lIns="91440" tIns="45720" rIns="91440" bIns="45720" anchor="ctr">
-            <a:normAutofit lnSpcReduction="10000"/>
-          </a:bodyPr>
-          <a:p>
-            <a:pPr marL="0" lvl="0" indent="0" algn="ctr" defTabSz="914400" rtl="0" eaLnBrk="1" latinLnBrk="1" hangingPunct="1">
-              <a:lnSpc>
-                <a:spcPct val="100000"/>
-              </a:lnSpc>
-              <a:spcBef>
-                <a:spcPct val="0"/>
-              </a:spcBef>
-              <a:spcAft>
-                <a:spcPts val="0"/>
-              </a:spcAft>
-              <a:buNone/>
-              <a:defRPr/>
-            </a:pPr>
-            <a:r>
-              <a:rPr xmlns:mc="http://schemas.openxmlformats.org/markup-compatibility/2006" xmlns:hp="http://schemas.haansoft.com/office/presentation/8.0" kumimoji="0" lang="ko-KR" altLang="en-US" sz="1500" b="0" i="0" u="none" strike="noStrike" kern="1200" cap="none" spc="0" normalizeH="0" baseline="0" mc:Ignorable="hp" hp:hslEmbossed="0">
-                <a:solidFill>
-                  <a:srgbClr val="000000"/>
-                </a:solidFill>
-                <a:latin typeface="Calibri"/>
-                <a:ea typeface="맑은 고딕"/>
-                <a:cs typeface="Calibri"/>
-              </a:rPr>
               <a:t>하급</a:t>
             </a:r>
-            <a:endParaRPr xmlns:mc="http://schemas.openxmlformats.org/markup-compatibility/2006" xmlns:hp="http://schemas.haansoft.com/office/presentation/8.0" kumimoji="0" lang="ko-KR" altLang="en-US" sz="1500" b="0" i="0" u="none" strike="noStrike" kern="1200" cap="none" spc="0" normalizeH="0" baseline="0" mc:Ignorable="hp" hp:hslEmbossed="0">
-              <a:solidFill>
-                <a:srgbClr val="000000"/>
-              </a:solidFill>
-              <a:latin typeface="Calibri"/>
-              <a:ea typeface="맑은 고딕"/>
-              <a:cs typeface="Calibri"/>
-            </a:endParaRPr>
           </a:p>
         </p:txBody>
       </p:sp>
@@ -5472,41 +6391,9 @@
           <p:nvPr/>
         </p:nvCxnSpPr>
         <p:spPr>
-          <a:xfrm rot="10800000" flipV="1">
-            <a:off x="6842960" y="2209798"/>
-            <a:ext cx="766011" cy="152400"/>
-          </a:xfrm>
-          <a:prstGeom prst="line">
-            <a:avLst/>
-          </a:prstGeom>
-        </p:spPr>
-        <p:style>
-          <a:lnRef idx="1">
-            <a:schemeClr val="accent1"/>
-          </a:lnRef>
-          <a:fillRef idx="0">
-            <a:schemeClr val="accent1"/>
-          </a:fillRef>
-          <a:effectRef idx="0">
-            <a:schemeClr val="accent1"/>
-          </a:effectRef>
-          <a:fontRef idx="minor">
-            <a:schemeClr val="tx1"/>
-          </a:fontRef>
-        </p:style>
-      </p:cxnSp>
-      <p:cxnSp>
-        <p:nvCxnSpPr>
-          <p:cNvPr id="76" name="선 75"/>
-          <p:cNvCxnSpPr>
-            <a:endCxn id="73" idx="0"/>
-          </p:cNvCxnSpPr>
-          <p:nvPr/>
-        </p:nvCxnSpPr>
-        <p:spPr>
-          <a:xfrm rot="5400000">
-            <a:off x="7505198" y="2258424"/>
-            <a:ext cx="152401" cy="55146"/>
+          <a:xfrm flipH="1">
+            <a:off x="6948448" y="3647052"/>
+            <a:ext cx="486999" cy="979367"/>
           </a:xfrm>
           <a:prstGeom prst="line">
             <a:avLst/>
@@ -5538,8 +6425,8 @@
         </p:nvCxnSpPr>
         <p:spPr>
           <a:xfrm>
-            <a:off x="7608971" y="2209798"/>
-            <a:ext cx="634665" cy="152400"/>
+            <a:off x="7435447" y="3647052"/>
+            <a:ext cx="791956" cy="876754"/>
           </a:xfrm>
           <a:prstGeom prst="line">
             <a:avLst/>
@@ -5570,7 +6457,7 @@
         </p:nvSpPr>
         <p:spPr>
           <a:xfrm>
-            <a:off x="8704846" y="2362198"/>
+            <a:off x="9866508" y="4348439"/>
             <a:ext cx="614616" cy="408154"/>
           </a:xfrm>
           <a:prstGeom prst="rect">
@@ -5588,6 +6475,7 @@
           <a:bodyPr vert="horz" lIns="91440" tIns="45720" rIns="91440" bIns="45720" anchor="ctr">
             <a:normAutofit/>
           </a:bodyPr>
+          <a:lstStyle/>
           <a:p>
             <a:pPr marL="0" lvl="0" indent="0" algn="ctr" defTabSz="914400" rtl="0" eaLnBrk="1" latinLnBrk="1" hangingPunct="1">
               <a:lnSpc>
@@ -5603,7 +6491,7 @@
               <a:defRPr/>
             </a:pPr>
             <a:r>
-              <a:rPr xmlns:mc="http://schemas.openxmlformats.org/markup-compatibility/2006" xmlns:hp="http://schemas.haansoft.com/office/presentation/8.0" kumimoji="0" lang="ko-KR" altLang="en-US" sz="1500" b="0" i="0" u="none" strike="noStrike" kern="1200" cap="none" spc="0" normalizeH="0" baseline="0" mc:Ignorable="hp" hp:hslEmbossed="0">
+              <a:rPr kumimoji="0" lang="ko-KR" altLang="en-US" sz="1500" b="0" i="0" u="none" strike="noStrike" kern="1200" cap="none" spc="0" normalizeH="0" baseline="0">
                 <a:solidFill>
                   <a:srgbClr val="000000"/>
                 </a:solidFill>
@@ -5613,14 +6501,6 @@
               </a:rPr>
               <a:t>상급</a:t>
             </a:r>
-            <a:endParaRPr xmlns:mc="http://schemas.openxmlformats.org/markup-compatibility/2006" xmlns:hp="http://schemas.haansoft.com/office/presentation/8.0" kumimoji="0" lang="ko-KR" altLang="en-US" sz="1500" b="0" i="0" u="none" strike="noStrike" kern="1200" cap="none" spc="0" normalizeH="0" baseline="0" mc:Ignorable="hp" hp:hslEmbossed="0">
-              <a:solidFill>
-                <a:srgbClr val="000000"/>
-              </a:solidFill>
-              <a:latin typeface="맑은 고딕"/>
-              <a:ea typeface="맑은 고딕"/>
-              <a:cs typeface="Calibri"/>
-            </a:endParaRPr>
           </a:p>
         </p:txBody>
       </p:sp>
@@ -5634,7 +6514,7 @@
         </p:nvSpPr>
         <p:spPr>
           <a:xfrm>
-            <a:off x="9466846" y="2362198"/>
+            <a:off x="10622650" y="4363957"/>
             <a:ext cx="667752" cy="408154"/>
           </a:xfrm>
           <a:prstGeom prst="rect">
@@ -5652,6 +6532,7 @@
           <a:bodyPr vert="horz" lIns="91440" tIns="45720" rIns="91440" bIns="45720" anchor="ctr">
             <a:normAutofit/>
           </a:bodyPr>
+          <a:lstStyle/>
           <a:p>
             <a:pPr marL="0" lvl="0" indent="0" algn="ctr" defTabSz="914400" rtl="0" eaLnBrk="1" latinLnBrk="1" hangingPunct="1">
               <a:lnSpc>
@@ -5667,7 +6548,7 @@
               <a:defRPr/>
             </a:pPr>
             <a:r>
-              <a:rPr xmlns:mc="http://schemas.openxmlformats.org/markup-compatibility/2006" xmlns:hp="http://schemas.haansoft.com/office/presentation/8.0" kumimoji="0" lang="ko-KR" altLang="en-US" sz="1500" b="0" i="0" u="none" strike="noStrike" kern="1200" cap="none" spc="0" normalizeH="0" baseline="0" mc:Ignorable="hp" hp:hslEmbossed="0">
+              <a:rPr kumimoji="0" lang="ko-KR" altLang="en-US" sz="1500" b="0" i="0" u="none" strike="noStrike" kern="1200" cap="none" spc="0" normalizeH="0" baseline="0">
                 <a:solidFill>
                   <a:srgbClr val="000000"/>
                 </a:solidFill>
@@ -5677,14 +6558,6 @@
               </a:rPr>
               <a:t>중급</a:t>
             </a:r>
-            <a:endParaRPr xmlns:mc="http://schemas.openxmlformats.org/markup-compatibility/2006" xmlns:hp="http://schemas.haansoft.com/office/presentation/8.0" kumimoji="0" lang="ko-KR" altLang="en-US" sz="1500" b="0" i="0" u="none" strike="noStrike" kern="1200" cap="none" spc="0" normalizeH="0" baseline="0" mc:Ignorable="hp" hp:hslEmbossed="0">
-              <a:solidFill>
-                <a:srgbClr val="000000"/>
-              </a:solidFill>
-              <a:latin typeface="맑은 고딕"/>
-              <a:ea typeface="맑은 고딕"/>
-              <a:cs typeface="Calibri"/>
-            </a:endParaRPr>
           </a:p>
         </p:txBody>
       </p:sp>
@@ -5698,7 +6571,7 @@
         </p:nvSpPr>
         <p:spPr>
           <a:xfrm>
-            <a:off x="10330113" y="2362198"/>
+            <a:off x="11536994" y="4363957"/>
             <a:ext cx="609598" cy="408153"/>
           </a:xfrm>
           <a:prstGeom prst="rect">
@@ -5714,8 +6587,9 @@
         </p:spPr>
         <p:txBody>
           <a:bodyPr vert="horz" lIns="91440" tIns="45720" rIns="91440" bIns="45720" anchor="ctr">
-            <a:normAutofit lnSpcReduction="10000"/>
+            <a:normAutofit/>
           </a:bodyPr>
+          <a:lstStyle/>
           <a:p>
             <a:pPr marL="0" lvl="0" indent="0" algn="ctr" defTabSz="914400" rtl="0" eaLnBrk="1" latinLnBrk="1" hangingPunct="1">
               <a:lnSpc>
@@ -5731,7 +6605,7 @@
               <a:defRPr/>
             </a:pPr>
             <a:r>
-              <a:rPr xmlns:mc="http://schemas.openxmlformats.org/markup-compatibility/2006" xmlns:hp="http://schemas.haansoft.com/office/presentation/8.0" kumimoji="0" lang="ko-KR" altLang="en-US" sz="1500" b="0" i="0" u="none" strike="noStrike" kern="1200" cap="none" spc="0" normalizeH="0" baseline="0" mc:Ignorable="hp" hp:hslEmbossed="0">
+              <a:rPr kumimoji="0" lang="ko-KR" altLang="en-US" sz="1500" b="0" i="0" u="none" strike="noStrike" kern="1200" cap="none" spc="0" normalizeH="0" baseline="0">
                 <a:solidFill>
                   <a:srgbClr val="000000"/>
                 </a:solidFill>
@@ -5741,14 +6615,6 @@
               </a:rPr>
               <a:t>하급</a:t>
             </a:r>
-            <a:endParaRPr xmlns:mc="http://schemas.openxmlformats.org/markup-compatibility/2006" xmlns:hp="http://schemas.haansoft.com/office/presentation/8.0" kumimoji="0" lang="ko-KR" altLang="en-US" sz="1500" b="0" i="0" u="none" strike="noStrike" kern="1200" cap="none" spc="0" normalizeH="0" baseline="0" mc:Ignorable="hp" hp:hslEmbossed="0">
-              <a:solidFill>
-                <a:srgbClr val="000000"/>
-              </a:solidFill>
-              <a:latin typeface="맑은 고딕"/>
-              <a:ea typeface="맑은 고딕"/>
-              <a:cs typeface="Calibri"/>
-            </a:endParaRPr>
           </a:p>
         </p:txBody>
       </p:sp>
@@ -5756,15 +6622,16 @@
         <p:nvCxnSpPr>
           <p:cNvPr id="81" name="선 80"/>
           <p:cNvCxnSpPr>
+            <a:cxnSpLocks/>
             <a:stCxn id="30" idx="2"/>
             <a:endCxn id="78" idx="0"/>
           </p:cNvCxnSpPr>
           <p:nvPr/>
         </p:nvCxnSpPr>
         <p:spPr>
-          <a:xfrm rot="10800000" flipV="1">
-            <a:off x="9012154" y="2209798"/>
-            <a:ext cx="553954" cy="152400"/>
+          <a:xfrm flipH="1">
+            <a:off x="10173816" y="3766885"/>
+            <a:ext cx="1043800" cy="581554"/>
           </a:xfrm>
           <a:prstGeom prst="line">
             <a:avLst/>
@@ -5789,15 +6656,16 @@
         <p:nvCxnSpPr>
           <p:cNvPr id="82" name="선 81"/>
           <p:cNvCxnSpPr>
+            <a:cxnSpLocks/>
             <a:stCxn id="30" idx="2"/>
             <a:endCxn id="79" idx="0"/>
           </p:cNvCxnSpPr>
           <p:nvPr/>
         </p:nvCxnSpPr>
         <p:spPr>
-          <a:xfrm>
-            <a:off x="9566108" y="2209798"/>
-            <a:ext cx="234614" cy="152400"/>
+          <a:xfrm flipH="1">
+            <a:off x="10956526" y="3766885"/>
+            <a:ext cx="261090" cy="597072"/>
           </a:xfrm>
           <a:prstGeom prst="line">
             <a:avLst/>
@@ -5822,6 +6690,7 @@
         <p:nvCxnSpPr>
           <p:cNvPr id="83" name="선 82"/>
           <p:cNvCxnSpPr>
+            <a:cxnSpLocks/>
             <a:stCxn id="30" idx="2"/>
             <a:endCxn id="80" idx="0"/>
           </p:cNvCxnSpPr>
@@ -5829,8 +6698,8 @@
         </p:nvCxnSpPr>
         <p:spPr>
           <a:xfrm>
-            <a:off x="9566106" y="2209798"/>
-            <a:ext cx="1068806" cy="152400"/>
+            <a:off x="11217616" y="3766885"/>
+            <a:ext cx="624177" cy="597072"/>
           </a:xfrm>
           <a:prstGeom prst="line">
             <a:avLst/>
@@ -5853,7 +6722,13 @@
       </p:cxnSp>
       <p:sp>
         <p:nvSpPr>
-          <p:cNvPr id="84" name="제목 1"/>
+          <p:cNvPr id="5" name="제목 1">
+            <a:extLst>
+              <a:ext uri="{FF2B5EF4-FFF2-40B4-BE49-F238E27FC236}">
+                <a16:creationId xmlns:a16="http://schemas.microsoft.com/office/drawing/2014/main" id="{2C848FE9-9C4E-436B-F869-F7E5327488FA}"/>
+              </a:ext>
+            </a:extLst>
+          </p:cNvPr>
           <p:cNvSpPr>
             <a:spLocks noGrp="1"/>
           </p:cNvSpPr>
@@ -5861,8 +6736,8 @@
         </p:nvSpPr>
         <p:spPr>
           <a:xfrm>
-            <a:off x="8751972" y="3900696"/>
-            <a:ext cx="1882940" cy="686342"/>
+            <a:off x="1719299" y="5201329"/>
+            <a:ext cx="1934132" cy="1229277"/>
           </a:xfrm>
           <a:prstGeom prst="rect">
             <a:avLst/>
@@ -5877,8 +6752,9 @@
         </p:spPr>
         <p:txBody>
           <a:bodyPr vert="horz" lIns="91440" tIns="45720" rIns="91440" bIns="45720" anchor="ctr">
-            <a:normAutofit lnSpcReduction="10000"/>
+            <a:normAutofit/>
           </a:bodyPr>
+          <a:lstStyle/>
           <a:p>
             <a:pPr marL="0" lvl="0" indent="0" algn="ctr" defTabSz="914400" rtl="0" eaLnBrk="1" latinLnBrk="1" hangingPunct="1">
               <a:lnSpc>
@@ -5894,7 +6770,7 @@
               <a:defRPr/>
             </a:pPr>
             <a:r>
-              <a:rPr xmlns:mc="http://schemas.openxmlformats.org/markup-compatibility/2006" xmlns:hp="http://schemas.haansoft.com/office/presentation/8.0" kumimoji="0" lang="ko-KR" altLang="en-US" sz="1500" b="0" i="0" u="none" strike="noStrike" kern="1200" cap="none" spc="0" normalizeH="0" baseline="0" mc:Ignorable="hp" hp:hslEmbossed="0">
+              <a:rPr lang="ko-KR" altLang="en-US" sz="1500">
                 <a:solidFill>
                   <a:srgbClr val="000000"/>
                 </a:solidFill>
@@ -5902,9 +6778,9 @@
                 <a:ea typeface="맑은 고딕"/>
                 <a:cs typeface="Calibri"/>
               </a:rPr>
-              <a:t>상급인터페이스</a:t>
-            </a:r>
-            <a:endParaRPr xmlns:mc="http://schemas.openxmlformats.org/markup-compatibility/2006" xmlns:hp="http://schemas.haansoft.com/office/presentation/8.0" kumimoji="0" lang="ko-KR" altLang="en-US" sz="1500" b="0" i="0" u="none" strike="noStrike" kern="1200" cap="none" spc="0" normalizeH="0" baseline="0" mc:Ignorable="hp" hp:hslEmbossed="0">
+              <a:t>공격</a:t>
+            </a:r>
+            <a:endParaRPr lang="en-US" altLang="ko-KR" sz="1500" dirty="0">
               <a:solidFill>
                 <a:srgbClr val="000000"/>
               </a:solidFill>
@@ -5913,20 +6789,240 @@
               <a:cs typeface="Calibri"/>
             </a:endParaRPr>
           </a:p>
-        </p:txBody>
-      </p:sp>
-      <p:sp>
-        <p:nvSpPr>
-          <p:cNvPr id="87" name="제목 1"/>
-          <p:cNvSpPr>
-            <a:spLocks noGrp="1"/>
-          </p:cNvSpPr>
+          <a:p>
+            <a:pPr marL="0" lvl="0" indent="0" algn="ctr" defTabSz="914400" rtl="0" eaLnBrk="1" latinLnBrk="1" hangingPunct="1">
+              <a:lnSpc>
+                <a:spcPct val="100000"/>
+              </a:lnSpc>
+              <a:spcBef>
+                <a:spcPct val="0"/>
+              </a:spcBef>
+              <a:spcAft>
+                <a:spcPts val="0"/>
+              </a:spcAft>
+              <a:buNone/>
+              <a:defRPr/>
+            </a:pPr>
+            <a:r>
+              <a:rPr lang="ko-KR" altLang="en-US" sz="1500" dirty="0">
+                <a:solidFill>
+                  <a:srgbClr val="000000"/>
+                </a:solidFill>
+                <a:latin typeface="Calibri"/>
+                <a:ea typeface="맑은 고딕"/>
+                <a:cs typeface="Calibri"/>
+              </a:rPr>
+              <a:t>메서드 </a:t>
+            </a:r>
+            <a:r>
+              <a:rPr lang="en-US" altLang="ko-KR" sz="1500" dirty="0">
+                <a:solidFill>
+                  <a:srgbClr val="000000"/>
+                </a:solidFill>
+                <a:latin typeface="Calibri"/>
+                <a:ea typeface="맑은 고딕"/>
+                <a:cs typeface="Calibri"/>
+              </a:rPr>
+              <a:t>: </a:t>
+            </a:r>
+            <a:r>
+              <a:rPr lang="ko-KR" altLang="en-US" sz="1500" dirty="0">
+                <a:solidFill>
+                  <a:srgbClr val="000000"/>
+                </a:solidFill>
+                <a:latin typeface="Calibri"/>
+                <a:ea typeface="맑은 고딕"/>
+                <a:cs typeface="Calibri"/>
+              </a:rPr>
+              <a:t>기본공격</a:t>
+            </a:r>
+            <a:endParaRPr lang="en-US" altLang="ko-KR" sz="1500" dirty="0">
+              <a:solidFill>
+                <a:srgbClr val="000000"/>
+              </a:solidFill>
+              <a:latin typeface="Calibri"/>
+              <a:ea typeface="맑은 고딕"/>
+              <a:cs typeface="Calibri"/>
+            </a:endParaRPr>
+          </a:p>
+        </p:txBody>
+      </p:sp>
+      <p:cxnSp>
+        <p:nvCxnSpPr>
+          <p:cNvPr id="7" name="직선 연결선 6">
+            <a:extLst>
+              <a:ext uri="{FF2B5EF4-FFF2-40B4-BE49-F238E27FC236}">
+                <a16:creationId xmlns:a16="http://schemas.microsoft.com/office/drawing/2014/main" id="{0546D4CC-8EA9-D1E9-EEAD-8AB23AEC855F}"/>
+              </a:ext>
+            </a:extLst>
+          </p:cNvPr>
+          <p:cNvCxnSpPr>
+            <a:cxnSpLocks/>
+            <a:stCxn id="10" idx="2"/>
+            <a:endCxn id="5" idx="0"/>
+          </p:cNvCxnSpPr>
           <p:nvPr/>
-        </p:nvSpPr>
+        </p:nvCxnSpPr>
+        <p:spPr>
+          <a:xfrm flipH="1">
+            <a:off x="2686365" y="2500743"/>
+            <a:ext cx="520846" cy="2700586"/>
+          </a:xfrm>
+          <a:prstGeom prst="line">
+            <a:avLst/>
+          </a:prstGeom>
+        </p:spPr>
+        <p:style>
+          <a:lnRef idx="1">
+            <a:schemeClr val="accent1"/>
+          </a:lnRef>
+          <a:fillRef idx="0">
+            <a:schemeClr val="accent1"/>
+          </a:fillRef>
+          <a:effectRef idx="0">
+            <a:schemeClr val="accent1"/>
+          </a:effectRef>
+          <a:fontRef idx="minor">
+            <a:schemeClr val="tx1"/>
+          </a:fontRef>
+        </p:style>
+      </p:cxnSp>
+      <p:cxnSp>
+        <p:nvCxnSpPr>
+          <p:cNvPr id="9" name="직선 연결선 8">
+            <a:extLst>
+              <a:ext uri="{FF2B5EF4-FFF2-40B4-BE49-F238E27FC236}">
+                <a16:creationId xmlns:a16="http://schemas.microsoft.com/office/drawing/2014/main" id="{C2E8E89E-A74E-4DEA-B94C-69208BE56241}"/>
+              </a:ext>
+            </a:extLst>
+          </p:cNvPr>
+          <p:cNvCxnSpPr>
+            <a:stCxn id="28" idx="1"/>
+            <a:endCxn id="5" idx="0"/>
+          </p:cNvCxnSpPr>
+          <p:nvPr/>
+        </p:nvCxnSpPr>
+        <p:spPr>
+          <a:xfrm flipH="1">
+            <a:off x="2686365" y="3442975"/>
+            <a:ext cx="4514467" cy="1758354"/>
+          </a:xfrm>
+          <a:prstGeom prst="line">
+            <a:avLst/>
+          </a:prstGeom>
+        </p:spPr>
+        <p:style>
+          <a:lnRef idx="1">
+            <a:schemeClr val="accent1"/>
+          </a:lnRef>
+          <a:fillRef idx="0">
+            <a:schemeClr val="accent1"/>
+          </a:fillRef>
+          <a:effectRef idx="0">
+            <a:schemeClr val="accent1"/>
+          </a:effectRef>
+          <a:fontRef idx="minor">
+            <a:schemeClr val="tx1"/>
+          </a:fontRef>
+        </p:style>
+      </p:cxnSp>
+      <p:cxnSp>
+        <p:nvCxnSpPr>
+          <p:cNvPr id="14" name="직선 연결선 13">
+            <a:extLst>
+              <a:ext uri="{FF2B5EF4-FFF2-40B4-BE49-F238E27FC236}">
+                <a16:creationId xmlns:a16="http://schemas.microsoft.com/office/drawing/2014/main" id="{1728043C-36DE-906C-33DB-56EEA22778B2}"/>
+              </a:ext>
+            </a:extLst>
+          </p:cNvPr>
+          <p:cNvCxnSpPr>
+            <a:cxnSpLocks/>
+            <a:stCxn id="13" idx="1"/>
+            <a:endCxn id="5" idx="0"/>
+          </p:cNvCxnSpPr>
+          <p:nvPr/>
+        </p:nvCxnSpPr>
+        <p:spPr>
+          <a:xfrm flipH="1">
+            <a:off x="2686365" y="1956611"/>
+            <a:ext cx="2602797" cy="3244718"/>
+          </a:xfrm>
+          <a:prstGeom prst="line">
+            <a:avLst/>
+          </a:prstGeom>
+        </p:spPr>
+        <p:style>
+          <a:lnRef idx="1">
+            <a:schemeClr val="accent1"/>
+          </a:lnRef>
+          <a:fillRef idx="0">
+            <a:schemeClr val="accent1"/>
+          </a:fillRef>
+          <a:effectRef idx="0">
+            <a:schemeClr val="accent1"/>
+          </a:effectRef>
+          <a:fontRef idx="minor">
+            <a:schemeClr val="tx1"/>
+          </a:fontRef>
+        </p:style>
+      </p:cxnSp>
+      <p:cxnSp>
+        <p:nvCxnSpPr>
+          <p:cNvPr id="160" name="직선 연결선 159">
+            <a:extLst>
+              <a:ext uri="{FF2B5EF4-FFF2-40B4-BE49-F238E27FC236}">
+                <a16:creationId xmlns:a16="http://schemas.microsoft.com/office/drawing/2014/main" id="{5EF3E875-6C3F-6C7B-AD5A-6A8767C67B75}"/>
+              </a:ext>
+            </a:extLst>
+          </p:cNvPr>
+          <p:cNvCxnSpPr>
+            <a:stCxn id="28" idx="2"/>
+            <a:endCxn id="73" idx="0"/>
+          </p:cNvCxnSpPr>
+          <p:nvPr/>
+        </p:nvCxnSpPr>
         <p:spPr>
           <a:xfrm>
-            <a:off x="8751972" y="4726133"/>
-            <a:ext cx="1882940" cy="686342"/>
+            <a:off x="7435447" y="3647052"/>
+            <a:ext cx="137684" cy="998378"/>
+          </a:xfrm>
+          <a:prstGeom prst="line">
+            <a:avLst/>
+          </a:prstGeom>
+        </p:spPr>
+        <p:style>
+          <a:lnRef idx="1">
+            <a:schemeClr val="accent1"/>
+          </a:lnRef>
+          <a:fillRef idx="0">
+            <a:schemeClr val="accent1"/>
+          </a:fillRef>
+          <a:effectRef idx="0">
+            <a:schemeClr val="accent1"/>
+          </a:effectRef>
+          <a:fontRef idx="minor">
+            <a:schemeClr val="tx1"/>
+          </a:fontRef>
+        </p:style>
+      </p:cxnSp>
+      <p:sp>
+        <p:nvSpPr>
+          <p:cNvPr id="93" name="제목 1">
+            <a:extLst>
+              <a:ext uri="{FF2B5EF4-FFF2-40B4-BE49-F238E27FC236}">
+                <a16:creationId xmlns:a16="http://schemas.microsoft.com/office/drawing/2014/main" id="{B4DA3A8A-B72B-DBB4-B8EC-9B78F92379FC}"/>
+              </a:ext>
+            </a:extLst>
+          </p:cNvPr>
+          <p:cNvSpPr>
+            <a:spLocks noGrp="1"/>
+          </p:cNvSpPr>
+          <p:nvPr/>
+        </p:nvSpPr>
+        <p:spPr>
+          <a:xfrm>
+            <a:off x="104109" y="5120191"/>
+            <a:ext cx="1462581" cy="1229277"/>
           </a:xfrm>
           <a:prstGeom prst="rect">
             <a:avLst/>
@@ -5941,8 +7037,9 @@
         </p:spPr>
         <p:txBody>
           <a:bodyPr vert="horz" lIns="91440" tIns="45720" rIns="91440" bIns="45720" anchor="ctr">
-            <a:normAutofit lnSpcReduction="10000"/>
+            <a:normAutofit/>
           </a:bodyPr>
+          <a:lstStyle/>
           <a:p>
             <a:pPr marL="0" lvl="0" indent="0" algn="ctr" defTabSz="914400" rtl="0" eaLnBrk="1" latinLnBrk="1" hangingPunct="1">
               <a:lnSpc>
@@ -5958,7 +7055,7 @@
               <a:defRPr/>
             </a:pPr>
             <a:r>
-              <a:rPr xmlns:mc="http://schemas.openxmlformats.org/markup-compatibility/2006" xmlns:hp="http://schemas.haansoft.com/office/presentation/8.0" kumimoji="0" lang="ko-KR" altLang="en-US" sz="1500" b="0" i="0" u="none" strike="noStrike" kern="1200" cap="none" spc="0" normalizeH="0" baseline="0" mc:Ignorable="hp" hp:hslEmbossed="0">
+              <a:rPr lang="ko-KR" altLang="en-US" sz="1500" dirty="0">
                 <a:solidFill>
                   <a:srgbClr val="000000"/>
                 </a:solidFill>
@@ -5966,9 +7063,9 @@
                 <a:ea typeface="맑은 고딕"/>
                 <a:cs typeface="Calibri"/>
               </a:rPr>
-              <a:t>중급인터페이스</a:t>
-            </a:r>
-            <a:endParaRPr xmlns:mc="http://schemas.openxmlformats.org/markup-compatibility/2006" xmlns:hp="http://schemas.haansoft.com/office/presentation/8.0" kumimoji="0" lang="ko-KR" altLang="en-US" sz="1500" b="0" i="0" u="none" strike="noStrike" kern="1200" cap="none" spc="0" normalizeH="0" baseline="0" mc:Ignorable="hp" hp:hslEmbossed="0">
+              <a:t>죽음</a:t>
+            </a:r>
+            <a:endParaRPr lang="en-US" altLang="ko-KR" sz="1500" dirty="0">
               <a:solidFill>
                 <a:srgbClr val="000000"/>
               </a:solidFill>
@@ -5977,20 +7074,160 @@
               <a:cs typeface="Calibri"/>
             </a:endParaRPr>
           </a:p>
-        </p:txBody>
-      </p:sp>
-      <p:sp>
-        <p:nvSpPr>
-          <p:cNvPr id="88" name="제목 1"/>
-          <p:cNvSpPr>
-            <a:spLocks noGrp="1"/>
-          </p:cNvSpPr>
+          <a:p>
+            <a:pPr marL="0" lvl="0" indent="0" algn="ctr" defTabSz="914400" rtl="0" eaLnBrk="1" latinLnBrk="1" hangingPunct="1">
+              <a:lnSpc>
+                <a:spcPct val="100000"/>
+              </a:lnSpc>
+              <a:spcBef>
+                <a:spcPct val="0"/>
+              </a:spcBef>
+              <a:spcAft>
+                <a:spcPts val="0"/>
+              </a:spcAft>
+              <a:buNone/>
+              <a:defRPr/>
+            </a:pPr>
+            <a:r>
+              <a:rPr lang="ko-KR" altLang="en-US" sz="1500" dirty="0">
+                <a:solidFill>
+                  <a:srgbClr val="000000"/>
+                </a:solidFill>
+                <a:latin typeface="Calibri"/>
+                <a:ea typeface="맑은 고딕"/>
+                <a:cs typeface="Calibri"/>
+              </a:rPr>
+              <a:t>메서드 </a:t>
+            </a:r>
+            <a:r>
+              <a:rPr lang="en-US" altLang="ko-KR" sz="1500" dirty="0">
+                <a:solidFill>
+                  <a:srgbClr val="000000"/>
+                </a:solidFill>
+                <a:latin typeface="Calibri"/>
+                <a:ea typeface="맑은 고딕"/>
+                <a:cs typeface="Calibri"/>
+              </a:rPr>
+              <a:t>: </a:t>
+            </a:r>
+            <a:r>
+              <a:rPr lang="ko-KR" altLang="en-US" sz="1500" dirty="0">
+                <a:solidFill>
+                  <a:srgbClr val="000000"/>
+                </a:solidFill>
+                <a:latin typeface="Calibri"/>
+                <a:ea typeface="맑은 고딕"/>
+                <a:cs typeface="Calibri"/>
+              </a:rPr>
+              <a:t>죽음</a:t>
+            </a:r>
+            <a:endParaRPr lang="en-US" altLang="ko-KR" sz="1500" dirty="0">
+              <a:solidFill>
+                <a:srgbClr val="000000"/>
+              </a:solidFill>
+              <a:latin typeface="Calibri"/>
+              <a:ea typeface="맑은 고딕"/>
+              <a:cs typeface="Calibri"/>
+            </a:endParaRPr>
+          </a:p>
+        </p:txBody>
+      </p:sp>
+      <p:cxnSp>
+        <p:nvCxnSpPr>
+          <p:cNvPr id="95" name="직선 연결선 94">
+            <a:extLst>
+              <a:ext uri="{FF2B5EF4-FFF2-40B4-BE49-F238E27FC236}">
+                <a16:creationId xmlns:a16="http://schemas.microsoft.com/office/drawing/2014/main" id="{11DFA5D1-71FE-171E-5C7A-8EAFEA880131}"/>
+              </a:ext>
+            </a:extLst>
+          </p:cNvPr>
+          <p:cNvCxnSpPr>
+            <a:stCxn id="10" idx="2"/>
+            <a:endCxn id="93" idx="0"/>
+          </p:cNvCxnSpPr>
           <p:nvPr/>
+        </p:nvCxnSpPr>
+        <p:spPr>
+          <a:xfrm flipH="1">
+            <a:off x="835400" y="2500743"/>
+            <a:ext cx="2371811" cy="2619448"/>
+          </a:xfrm>
+          <a:prstGeom prst="line">
+            <a:avLst/>
+          </a:prstGeom>
+        </p:spPr>
+        <p:style>
+          <a:lnRef idx="1">
+            <a:schemeClr val="accent1"/>
+          </a:lnRef>
+          <a:fillRef idx="0">
+            <a:schemeClr val="accent1"/>
+          </a:fillRef>
+          <a:effectRef idx="0">
+            <a:schemeClr val="accent1"/>
+          </a:effectRef>
+          <a:fontRef idx="minor">
+            <a:schemeClr val="tx1"/>
+          </a:fontRef>
+        </p:style>
+      </p:cxnSp>
+      <p:cxnSp>
+        <p:nvCxnSpPr>
+          <p:cNvPr id="97" name="직선 연결선 96">
+            <a:extLst>
+              <a:ext uri="{FF2B5EF4-FFF2-40B4-BE49-F238E27FC236}">
+                <a16:creationId xmlns:a16="http://schemas.microsoft.com/office/drawing/2014/main" id="{0B9F0A5D-83FC-E411-85E1-C93B85280746}"/>
+              </a:ext>
+            </a:extLst>
+          </p:cNvPr>
+          <p:cNvCxnSpPr>
+            <a:stCxn id="93" idx="0"/>
+            <a:endCxn id="13" idx="1"/>
+          </p:cNvCxnSpPr>
+          <p:nvPr/>
+        </p:nvCxnSpPr>
+        <p:spPr>
+          <a:xfrm flipV="1">
+            <a:off x="835400" y="1956611"/>
+            <a:ext cx="4453762" cy="3163580"/>
+          </a:xfrm>
+          <a:prstGeom prst="line">
+            <a:avLst/>
+          </a:prstGeom>
+        </p:spPr>
+        <p:style>
+          <a:lnRef idx="1">
+            <a:schemeClr val="accent1"/>
+          </a:lnRef>
+          <a:fillRef idx="0">
+            <a:schemeClr val="accent1"/>
+          </a:fillRef>
+          <a:effectRef idx="0">
+            <a:schemeClr val="accent1"/>
+          </a:effectRef>
+          <a:fontRef idx="minor">
+            <a:schemeClr val="tx1"/>
+          </a:fontRef>
+        </p:style>
+      </p:cxnSp>
+      <p:sp>
+        <p:nvSpPr>
+          <p:cNvPr id="108" name="제목 1">
+            <a:extLst>
+              <a:ext uri="{FF2B5EF4-FFF2-40B4-BE49-F238E27FC236}">
+                <a16:creationId xmlns:a16="http://schemas.microsoft.com/office/drawing/2014/main" id="{76DB30C6-E294-F410-1DA1-CE0B2916B4CF}"/>
+              </a:ext>
+            </a:extLst>
+          </p:cNvPr>
+          <p:cNvSpPr>
+            <a:spLocks noGrp="1"/>
+          </p:cNvSpPr>
+          <p:nvPr/>
         </p:nvSpPr>
         <p:spPr>
           <a:xfrm>
-            <a:off x="8751972" y="5664408"/>
-            <a:ext cx="1882940" cy="686342"/>
+            <a:off x="9647002" y="5456595"/>
+            <a:ext cx="579520" cy="408154"/>
           </a:xfrm>
           <a:prstGeom prst="rect">
             <a:avLst/>
@@ -6005,8 +7242,9 @@
         </p:spPr>
         <p:txBody>
           <a:bodyPr vert="horz" lIns="91440" tIns="45720" rIns="91440" bIns="45720" anchor="ctr">
-            <a:normAutofit lnSpcReduction="10000"/>
+            <a:normAutofit/>
           </a:bodyPr>
+          <a:lstStyle/>
           <a:p>
             <a:pPr marL="0" lvl="0" indent="0" algn="ctr" defTabSz="914400" rtl="0" eaLnBrk="1" latinLnBrk="1" hangingPunct="1">
               <a:lnSpc>
@@ -6022,7 +7260,7 @@
               <a:defRPr/>
             </a:pPr>
             <a:r>
-              <a:rPr xmlns:mc="http://schemas.openxmlformats.org/markup-compatibility/2006" xmlns:hp="http://schemas.haansoft.com/office/presentation/8.0" kumimoji="0" lang="ko-KR" altLang="en-US" sz="1500" b="0" i="0" u="none" strike="noStrike" kern="1200" cap="none" spc="0" normalizeH="0" baseline="0" mc:Ignorable="hp" hp:hslEmbossed="0">
+              <a:rPr lang="ko-KR" altLang="en-US" sz="1500">
                 <a:solidFill>
                   <a:srgbClr val="000000"/>
                 </a:solidFill>
@@ -6030,9 +7268,9 @@
                 <a:ea typeface="맑은 고딕"/>
                 <a:cs typeface="Calibri"/>
               </a:rPr>
-              <a:t>하급인터페이스</a:t>
-            </a:r>
-            <a:endParaRPr xmlns:mc="http://schemas.openxmlformats.org/markup-compatibility/2006" xmlns:hp="http://schemas.haansoft.com/office/presentation/8.0" kumimoji="0" lang="ko-KR" altLang="en-US" sz="1500" b="0" i="0" u="none" strike="noStrike" kern="1200" cap="none" spc="0" normalizeH="0" baseline="0" mc:Ignorable="hp" hp:hslEmbossed="0">
+              <a:t>법사</a:t>
+            </a:r>
+            <a:endParaRPr kumimoji="0" lang="ko-KR" altLang="en-US" sz="1500" b="0" i="0" u="none" strike="noStrike" kern="1200" cap="none" spc="0" normalizeH="0" baseline="0">
               <a:solidFill>
                 <a:srgbClr val="000000"/>
               </a:solidFill>
@@ -6043,19 +7281,168 @@
           </a:p>
         </p:txBody>
       </p:sp>
+      <p:sp>
+        <p:nvSpPr>
+          <p:cNvPr id="109" name="제목 1">
+            <a:extLst>
+              <a:ext uri="{FF2B5EF4-FFF2-40B4-BE49-F238E27FC236}">
+                <a16:creationId xmlns:a16="http://schemas.microsoft.com/office/drawing/2014/main" id="{BB73E648-5E26-8FFA-F517-531F78D2E923}"/>
+              </a:ext>
+            </a:extLst>
+          </p:cNvPr>
+          <p:cNvSpPr>
+            <a:spLocks noGrp="1"/>
+          </p:cNvSpPr>
+          <p:nvPr/>
+        </p:nvSpPr>
+        <p:spPr>
+          <a:xfrm>
+            <a:off x="8163880" y="5479771"/>
+            <a:ext cx="579520" cy="408154"/>
+          </a:xfrm>
+          <a:prstGeom prst="rect">
+            <a:avLst/>
+          </a:prstGeom>
+          <a:ln>
+            <a:solidFill>
+              <a:srgbClr val="000000">
+                <a:alpha val="100000"/>
+              </a:srgbClr>
+            </a:solidFill>
+          </a:ln>
+        </p:spPr>
+        <p:txBody>
+          <a:bodyPr vert="horz" lIns="91440" tIns="45720" rIns="91440" bIns="45720" anchor="ctr">
+            <a:normAutofit/>
+          </a:bodyPr>
+          <a:lstStyle/>
+          <a:p>
+            <a:pPr marL="0" lvl="0" indent="0" algn="ctr" defTabSz="914400" rtl="0" eaLnBrk="1" latinLnBrk="1" hangingPunct="1">
+              <a:lnSpc>
+                <a:spcPct val="100000"/>
+              </a:lnSpc>
+              <a:spcBef>
+                <a:spcPct val="0"/>
+              </a:spcBef>
+              <a:spcAft>
+                <a:spcPts val="0"/>
+              </a:spcAft>
+              <a:buNone/>
+              <a:defRPr/>
+            </a:pPr>
+            <a:r>
+              <a:rPr lang="ko-KR" altLang="en-US" sz="1500" dirty="0">
+                <a:solidFill>
+                  <a:srgbClr val="000000"/>
+                </a:solidFill>
+                <a:latin typeface="Calibri"/>
+                <a:ea typeface="맑은 고딕"/>
+                <a:cs typeface="Calibri"/>
+              </a:rPr>
+              <a:t>전사</a:t>
+            </a:r>
+            <a:endParaRPr kumimoji="0" lang="ko-KR" altLang="en-US" sz="1500" b="0" i="0" u="none" strike="noStrike" kern="1200" cap="none" spc="0" normalizeH="0" baseline="0" dirty="0">
+              <a:solidFill>
+                <a:srgbClr val="000000"/>
+              </a:solidFill>
+              <a:latin typeface="Calibri"/>
+              <a:ea typeface="맑은 고딕"/>
+              <a:cs typeface="Calibri"/>
+            </a:endParaRPr>
+          </a:p>
+        </p:txBody>
+      </p:sp>
+      <p:sp>
+        <p:nvSpPr>
+          <p:cNvPr id="110" name="제목 1">
+            <a:extLst>
+              <a:ext uri="{FF2B5EF4-FFF2-40B4-BE49-F238E27FC236}">
+                <a16:creationId xmlns:a16="http://schemas.microsoft.com/office/drawing/2014/main" id="{99D41325-9BCE-9504-10FA-9B99A9527270}"/>
+              </a:ext>
+            </a:extLst>
+          </p:cNvPr>
+          <p:cNvSpPr>
+            <a:spLocks noGrp="1"/>
+          </p:cNvSpPr>
+          <p:nvPr/>
+        </p:nvSpPr>
+        <p:spPr>
+          <a:xfrm>
+            <a:off x="8847724" y="5479771"/>
+            <a:ext cx="579520" cy="408154"/>
+          </a:xfrm>
+          <a:prstGeom prst="rect">
+            <a:avLst/>
+          </a:prstGeom>
+          <a:ln>
+            <a:solidFill>
+              <a:srgbClr val="000000">
+                <a:alpha val="100000"/>
+              </a:srgbClr>
+            </a:solidFill>
+          </a:ln>
+        </p:spPr>
+        <p:txBody>
+          <a:bodyPr vert="horz" lIns="91440" tIns="45720" rIns="91440" bIns="45720" anchor="ctr">
+            <a:normAutofit/>
+          </a:bodyPr>
+          <a:lstStyle/>
+          <a:p>
+            <a:pPr marL="0" lvl="0" indent="0" algn="ctr" defTabSz="914400" rtl="0" eaLnBrk="1" latinLnBrk="1" hangingPunct="1">
+              <a:lnSpc>
+                <a:spcPct val="100000"/>
+              </a:lnSpc>
+              <a:spcBef>
+                <a:spcPct val="0"/>
+              </a:spcBef>
+              <a:spcAft>
+                <a:spcPts val="0"/>
+              </a:spcAft>
+              <a:buNone/>
+              <a:defRPr/>
+            </a:pPr>
+            <a:r>
+              <a:rPr lang="ko-KR" altLang="en-US" sz="1500" dirty="0">
+                <a:solidFill>
+                  <a:srgbClr val="000000"/>
+                </a:solidFill>
+                <a:latin typeface="Calibri"/>
+                <a:ea typeface="맑은 고딕"/>
+                <a:cs typeface="Calibri"/>
+              </a:rPr>
+              <a:t>궁수</a:t>
+            </a:r>
+            <a:endParaRPr kumimoji="0" lang="ko-KR" altLang="en-US" sz="1500" b="0" i="0" u="none" strike="noStrike" kern="1200" cap="none" spc="0" normalizeH="0" baseline="0" dirty="0">
+              <a:solidFill>
+                <a:srgbClr val="000000"/>
+              </a:solidFill>
+              <a:latin typeface="Calibri"/>
+              <a:ea typeface="맑은 고딕"/>
+              <a:cs typeface="Calibri"/>
+            </a:endParaRPr>
+          </a:p>
+        </p:txBody>
+      </p:sp>
       <p:cxnSp>
         <p:nvCxnSpPr>
-          <p:cNvPr id="89" name="선 88"/>
+          <p:cNvPr id="119" name="직선 연결선 118">
+            <a:extLst>
+              <a:ext uri="{FF2B5EF4-FFF2-40B4-BE49-F238E27FC236}">
+                <a16:creationId xmlns:a16="http://schemas.microsoft.com/office/drawing/2014/main" id="{AFB8C9A1-0747-3598-F1E5-A7CE8F9A593A}"/>
+              </a:ext>
+            </a:extLst>
+          </p:cNvPr>
           <p:cNvCxnSpPr>
-            <a:stCxn id="72" idx="2"/>
-            <a:endCxn id="84" idx="0"/>
+            <a:cxnSpLocks/>
+            <a:stCxn id="29" idx="2"/>
+            <a:endCxn id="109" idx="0"/>
           </p:cNvCxnSpPr>
           <p:nvPr/>
         </p:nvCxnSpPr>
         <p:spPr>
-          <a:xfrm>
-            <a:off x="6842960" y="2770352"/>
-            <a:ext cx="2850482" cy="1130344"/>
+          <a:xfrm flipH="1">
+            <a:off x="8453640" y="3429000"/>
+            <a:ext cx="394084" cy="2050771"/>
           </a:xfrm>
           <a:prstGeom prst="line">
             <a:avLst/>
@@ -6078,17 +7465,24 @@
       </p:cxnSp>
       <p:cxnSp>
         <p:nvCxnSpPr>
-          <p:cNvPr id="90" name="선 89"/>
+          <p:cNvPr id="121" name="직선 연결선 120">
+            <a:extLst>
+              <a:ext uri="{FF2B5EF4-FFF2-40B4-BE49-F238E27FC236}">
+                <a16:creationId xmlns:a16="http://schemas.microsoft.com/office/drawing/2014/main" id="{0C58154C-8172-C503-1FA5-1AE1E3B3EE00}"/>
+              </a:ext>
+            </a:extLst>
+          </p:cNvPr>
           <p:cNvCxnSpPr>
-            <a:stCxn id="78" idx="2"/>
-            <a:endCxn id="84" idx="0"/>
+            <a:cxnSpLocks/>
+            <a:stCxn id="29" idx="2"/>
+            <a:endCxn id="110" idx="0"/>
           </p:cNvCxnSpPr>
           <p:nvPr/>
         </p:nvCxnSpPr>
         <p:spPr>
-          <a:xfrm rot="16200000" flipH="1">
-            <a:off x="8787627" y="2994881"/>
-            <a:ext cx="1130344" cy="681286"/>
+          <a:xfrm>
+            <a:off x="8847724" y="3429000"/>
+            <a:ext cx="289760" cy="2050771"/>
           </a:xfrm>
           <a:prstGeom prst="line">
             <a:avLst/>
@@ -6111,215 +7505,24 @@
       </p:cxnSp>
       <p:cxnSp>
         <p:nvCxnSpPr>
-          <p:cNvPr id="91" name="선 90"/>
+          <p:cNvPr id="123" name="직선 연결선 122">
+            <a:extLst>
+              <a:ext uri="{FF2B5EF4-FFF2-40B4-BE49-F238E27FC236}">
+                <a16:creationId xmlns:a16="http://schemas.microsoft.com/office/drawing/2014/main" id="{67BF4709-2FD3-B732-E3F2-D00C65A472C3}"/>
+              </a:ext>
+            </a:extLst>
+          </p:cNvPr>
           <p:cNvCxnSpPr>
-            <a:stCxn id="67" idx="0"/>
-            <a:endCxn id="84" idx="1"/>
+            <a:cxnSpLocks/>
+            <a:stCxn id="29" idx="2"/>
+            <a:endCxn id="108" idx="0"/>
           </p:cNvCxnSpPr>
           <p:nvPr/>
         </p:nvCxnSpPr>
         <p:spPr>
-          <a:xfrm flipV="1">
-            <a:off x="5958640" y="4243868"/>
-            <a:ext cx="2793332" cy="825437"/>
-          </a:xfrm>
-          <a:prstGeom prst="line">
-            <a:avLst/>
-          </a:prstGeom>
-        </p:spPr>
-        <p:style>
-          <a:lnRef idx="1">
-            <a:schemeClr val="accent1"/>
-          </a:lnRef>
-          <a:fillRef idx="0">
-            <a:schemeClr val="accent1"/>
-          </a:fillRef>
-          <a:effectRef idx="0">
-            <a:schemeClr val="accent1"/>
-          </a:effectRef>
-          <a:fontRef idx="minor">
-            <a:schemeClr val="tx1"/>
-          </a:fontRef>
-        </p:style>
-      </p:cxnSp>
-      <p:cxnSp>
-        <p:nvCxnSpPr>
-          <p:cNvPr id="92" name="선 91"/>
-          <p:cNvCxnSpPr>
-            <a:stCxn id="73" idx="2"/>
-            <a:endCxn id="87" idx="0"/>
-          </p:cNvCxnSpPr>
-          <p:nvPr/>
-        </p:nvCxnSpPr>
-        <p:spPr>
           <a:xfrm>
-            <a:off x="7553836" y="2770352"/>
-            <a:ext cx="2139606" cy="1955781"/>
-          </a:xfrm>
-          <a:prstGeom prst="line">
-            <a:avLst/>
-          </a:prstGeom>
-        </p:spPr>
-        <p:style>
-          <a:lnRef idx="1">
-            <a:schemeClr val="accent1"/>
-          </a:lnRef>
-          <a:fillRef idx="0">
-            <a:schemeClr val="accent1"/>
-          </a:fillRef>
-          <a:effectRef idx="0">
-            <a:schemeClr val="accent1"/>
-          </a:effectRef>
-          <a:fontRef idx="minor">
-            <a:schemeClr val="tx1"/>
-          </a:fontRef>
-        </p:style>
-      </p:cxnSp>
-      <p:cxnSp>
-        <p:nvCxnSpPr>
-          <p:cNvPr id="94" name="선 93"/>
-          <p:cNvCxnSpPr>
-            <a:stCxn id="66" idx="3"/>
-            <a:endCxn id="87" idx="1"/>
-          </p:cNvCxnSpPr>
-          <p:nvPr/>
-        </p:nvCxnSpPr>
-        <p:spPr>
-          <a:xfrm flipV="1">
-            <a:off x="6969793" y="5069305"/>
-            <a:ext cx="1782179" cy="204077"/>
-          </a:xfrm>
-          <a:prstGeom prst="line">
-            <a:avLst/>
-          </a:prstGeom>
-        </p:spPr>
-        <p:style>
-          <a:lnRef idx="1">
-            <a:schemeClr val="accent1"/>
-          </a:lnRef>
-          <a:fillRef idx="0">
-            <a:schemeClr val="accent1"/>
-          </a:fillRef>
-          <a:effectRef idx="0">
-            <a:schemeClr val="accent1"/>
-          </a:effectRef>
-          <a:fontRef idx="minor">
-            <a:schemeClr val="tx1"/>
-          </a:fontRef>
-        </p:style>
-      </p:cxnSp>
-      <p:cxnSp>
-        <p:nvCxnSpPr>
-          <p:cNvPr id="95" name="선 94"/>
-          <p:cNvCxnSpPr>
-            <a:stCxn id="80" idx="2"/>
-            <a:endCxn id="88" idx="0"/>
-          </p:cNvCxnSpPr>
-          <p:nvPr/>
-        </p:nvCxnSpPr>
-        <p:spPr>
-          <a:xfrm rot="5400000">
-            <a:off x="8717150" y="3746643"/>
-            <a:ext cx="2894056" cy="941473"/>
-          </a:xfrm>
-          <a:prstGeom prst="line">
-            <a:avLst/>
-          </a:prstGeom>
-        </p:spPr>
-        <p:style>
-          <a:lnRef idx="1">
-            <a:schemeClr val="accent1"/>
-          </a:lnRef>
-          <a:fillRef idx="0">
-            <a:schemeClr val="accent1"/>
-          </a:fillRef>
-          <a:effectRef idx="0">
-            <a:schemeClr val="accent1"/>
-          </a:effectRef>
-          <a:fontRef idx="minor">
-            <a:schemeClr val="tx1"/>
-          </a:fontRef>
-        </p:style>
-      </p:cxnSp>
-      <p:cxnSp>
-        <p:nvCxnSpPr>
-          <p:cNvPr id="96" name="선 95"/>
-          <p:cNvCxnSpPr>
-            <a:stCxn id="74" idx="2"/>
-            <a:endCxn id="88" idx="0"/>
-          </p:cNvCxnSpPr>
-          <p:nvPr/>
-        </p:nvCxnSpPr>
-        <p:spPr>
-          <a:xfrm rot="16200000" flipH="1">
-            <a:off x="7521510" y="3492476"/>
-            <a:ext cx="2894056" cy="1449808"/>
-          </a:xfrm>
-          <a:prstGeom prst="line">
-            <a:avLst/>
-          </a:prstGeom>
-        </p:spPr>
-        <p:style>
-          <a:lnRef idx="1">
-            <a:schemeClr val="accent1"/>
-          </a:lnRef>
-          <a:fillRef idx="0">
-            <a:schemeClr val="accent1"/>
-          </a:fillRef>
-          <a:effectRef idx="0">
-            <a:schemeClr val="accent1"/>
-          </a:effectRef>
-          <a:fontRef idx="minor">
-            <a:schemeClr val="tx1"/>
-          </a:fontRef>
-        </p:style>
-      </p:cxnSp>
-      <p:cxnSp>
-        <p:nvCxnSpPr>
-          <p:cNvPr id="97" name="선 96"/>
-          <p:cNvCxnSpPr>
-            <a:stCxn id="65" idx="3"/>
-            <a:endCxn id="88" idx="1"/>
-          </p:cNvCxnSpPr>
-          <p:nvPr/>
-        </p:nvCxnSpPr>
-        <p:spPr>
-          <a:xfrm>
-            <a:off x="7726275" y="5273382"/>
-            <a:ext cx="1025697" cy="734197"/>
-          </a:xfrm>
-          <a:prstGeom prst="line">
-            <a:avLst/>
-          </a:prstGeom>
-        </p:spPr>
-        <p:style>
-          <a:lnRef idx="1">
-            <a:schemeClr val="accent1"/>
-          </a:lnRef>
-          <a:fillRef idx="0">
-            <a:schemeClr val="accent1"/>
-          </a:fillRef>
-          <a:effectRef idx="0">
-            <a:schemeClr val="accent1"/>
-          </a:effectRef>
-          <a:fontRef idx="minor">
-            <a:schemeClr val="tx1"/>
-          </a:fontRef>
-        </p:style>
-      </p:cxnSp>
-      <p:cxnSp>
-        <p:nvCxnSpPr>
-          <p:cNvPr id="98" name="선 97"/>
-          <p:cNvCxnSpPr>
-            <a:stCxn id="79" idx="2"/>
-            <a:endCxn id="87" idx="0"/>
-          </p:cNvCxnSpPr>
-          <p:nvPr/>
-        </p:nvCxnSpPr>
-        <p:spPr>
-          <a:xfrm rot="5400000">
-            <a:off x="8769192" y="3694602"/>
-            <a:ext cx="1955781" cy="107281"/>
+            <a:off x="8847724" y="3429000"/>
+            <a:ext cx="1089038" cy="2027595"/>
           </a:xfrm>
           <a:prstGeom prst="line">
             <a:avLst/>
@@ -6345,11 +7548,11 @@
   <p:clrMapOvr>
     <a:masterClrMapping/>
   </p:clrMapOvr>
-  <mc:AlternateContent xmlns:mc="http://schemas.openxmlformats.org/markup-compatibility/2006">
-    <mc:Choice xmlns:p14="http://schemas.microsoft.com/office/powerpoint/2010/main" Requires="p14">
-      <p:transition xmlns:mc="http://schemas.openxmlformats.org/markup-compatibility/2006" xmlns:p14="http://schemas.microsoft.com/office/powerpoint/2010/main" mc:Ignorable="p14" p14:dur="500"/>
+  <mc:AlternateContent xmlns:mc="http://schemas.openxmlformats.org/markup-compatibility/2006" xmlns:p14="http://schemas.microsoft.com/office/powerpoint/2010/main">
+    <mc:Choice Requires="p14">
+      <p:transition/>
     </mc:Choice>
-    <mc:Fallback>
+    <mc:Fallback xmlns="" xmlns:c="http://schemas.openxmlformats.org/drawingml/2006/chart" xmlns:dgm="http://schemas.openxmlformats.org/drawingml/2006/diagram" xmlns:dsp="http://schemas.microsoft.com/office/drawing/2008/diagram">
       <p:transition/>
     </mc:Fallback>
   </mc:AlternateContent>
@@ -6357,41 +7560,41 @@
 </file>
 
 <file path=ppt/theme/theme1.xml><?xml version="1.0" encoding="utf-8"?>
-<a:theme xmlns:r="http://schemas.openxmlformats.org/officeDocument/2006/relationships" xmlns:c="http://schemas.openxmlformats.org/drawingml/2006/chart" xmlns:dgm="http://schemas.openxmlformats.org/drawingml/2006/diagram" xmlns:dsp="http://schemas.microsoft.com/office/drawing/2008/diagram" xmlns:a="http://schemas.openxmlformats.org/drawingml/2006/main" xmlns:pic="http://schemas.openxmlformats.org/drawingml/2006/picture" xmlns:wp="http://schemas.openxmlformats.org/drawingml/2006/wordprocessingDrawing" xmlns:xdr="http://schemas.openxmlformats.org/drawingml/2006/spreadsheetDrawing" xmlns:lc="http://schemas.openxmlformats.org/drawingml/2006/lockedCanvas" xmlns:p="http://schemas.openxmlformats.org/presentationml/2006/main" name="한컴오피스">
+<a:theme xmlns:a="http://schemas.openxmlformats.org/drawingml/2006/main" name="한컴오피스">
   <a:themeElements>
     <a:clrScheme name="한컴오피스">
       <a:dk1>
         <a:sysClr val="windowText" lastClr="000000"/>
       </a:dk1>
       <a:lt1>
-        <a:sysClr val="window" lastClr="ffffff"/>
+        <a:sysClr val="window" lastClr="FFFFFF"/>
       </a:lt1>
       <a:dk2>
-        <a:srgbClr val="3a3c84"/>
+        <a:srgbClr val="3A3C84"/>
       </a:dk2>
       <a:lt2>
-        <a:srgbClr val="faf3db"/>
+        <a:srgbClr val="FAF3DB"/>
       </a:lt2>
       <a:accent1>
-        <a:srgbClr val="6182d6"/>
+        <a:srgbClr val="6182D6"/>
       </a:accent1>
       <a:accent2>
-        <a:srgbClr val="ff843a"/>
+        <a:srgbClr val="FF843A"/>
       </a:accent2>
       <a:accent3>
-        <a:srgbClr val="b2b2b2"/>
+        <a:srgbClr val="B2B2B2"/>
       </a:accent3>
       <a:accent4>
-        <a:srgbClr val="ffd700"/>
+        <a:srgbClr val="FFD700"/>
       </a:accent4>
       <a:accent5>
-        <a:srgbClr val="289b6e"/>
+        <a:srgbClr val="289B6E"/>
       </a:accent5>
       <a:accent6>
-        <a:srgbClr val="9d5cbb"/>
+        <a:srgbClr val="9D5CBB"/>
       </a:accent6>
       <a:hlink>
-        <a:srgbClr val="0000ff"/>
+        <a:srgbClr val="0000FF"/>
       </a:hlink>
       <a:folHlink>
         <a:srgbClr val="800080"/>
@@ -6620,5 +7823,7 @@
       </a:bgFillStyleLst>
     </a:fmtScheme>
   </a:themeElements>
+  <a:objectDefaults/>
+  <a:extraClrSchemeLst/>
 </a:theme>
 </file>
--- a/자바 프로젝트.pptx
+++ b/자바 프로젝트.pptx
@@ -3365,7 +3365,7 @@
         </p:spPr>
         <p:txBody>
           <a:bodyPr vert="horz" lIns="91440" tIns="45720" rIns="91440" bIns="45720" anchor="ctr">
-            <a:normAutofit/>
+            <a:normAutofit lnSpcReduction="10000"/>
           </a:bodyPr>
           <a:lstStyle/>
           <a:p>
@@ -3458,7 +3458,7 @@
                 <a:ea typeface="맑은 고딕"/>
                 <a:cs typeface="Calibri"/>
               </a:rPr>
-              <a:t>exp,level,job</a:t>
+              <a:t>exp,level,job,skillatk</a:t>
             </a:r>
             <a:endParaRPr lang="en-US" altLang="ko-KR" sz="1200" dirty="0">
               <a:solidFill>
@@ -3654,7 +3654,7 @@
         </p:spPr>
         <p:txBody>
           <a:bodyPr vert="horz" lIns="91440" tIns="45720" rIns="91440" bIns="45720" anchor="ctr">
-            <a:normAutofit/>
+            <a:normAutofit fontScale="92500" lnSpcReduction="20000"/>
           </a:bodyPr>
           <a:lstStyle/>
           <a:p>
@@ -3725,27 +3725,8 @@
                 <a:ea typeface="맑은 고딕"/>
                 <a:cs typeface="Calibri"/>
               </a:rPr>
-              <a:t>: </a:t>
-            </a:r>
-            <a:r>
-              <a:rPr kumimoji="0" lang="ko-KR" altLang="en-US" sz="1500" b="0" i="0" u="none" strike="noStrike" kern="1200" cap="none" spc="0" normalizeH="0" baseline="0" dirty="0">
-                <a:solidFill>
-                  <a:srgbClr val="000000"/>
-                </a:solidFill>
-                <a:latin typeface="Calibri"/>
-                <a:ea typeface="맑은 고딕"/>
-                <a:cs typeface="Calibri"/>
-              </a:rPr>
-              <a:t>종족</a:t>
-            </a:r>
-            <a:endParaRPr kumimoji="0" lang="en-US" altLang="ko-KR" sz="1500" b="0" i="0" u="none" strike="noStrike" kern="1200" cap="none" spc="0" normalizeH="0" baseline="0" dirty="0">
-              <a:solidFill>
-                <a:srgbClr val="000000"/>
-              </a:solidFill>
-              <a:latin typeface="Calibri"/>
-              <a:ea typeface="맑은 고딕"/>
-              <a:cs typeface="Calibri"/>
-            </a:endParaRPr>
+              <a:t>: dragon, demon, machine</a:t>
+            </a:r>
           </a:p>
         </p:txBody>
       </p:sp>
@@ -3877,7 +3858,7 @@
         </p:spPr>
         <p:txBody>
           <a:bodyPr vert="horz" lIns="91440" tIns="45720" rIns="91440" bIns="45720" anchor="ctr">
-            <a:normAutofit/>
+            <a:normAutofit lnSpcReduction="10000"/>
           </a:bodyPr>
           <a:lstStyle/>
           <a:p>
@@ -3929,6 +3910,62 @@
               <a:defRPr/>
             </a:pPr>
             <a:r>
+              <a:rPr lang="ko-KR" altLang="en-US" sz="1200" dirty="0">
+                <a:solidFill>
+                  <a:srgbClr val="000000"/>
+                </a:solidFill>
+                <a:latin typeface="Calibri"/>
+                <a:ea typeface="맑은 고딕"/>
+                <a:cs typeface="Calibri"/>
+              </a:rPr>
+              <a:t>변수 </a:t>
+            </a:r>
+            <a:r>
+              <a:rPr lang="en-US" altLang="ko-KR" sz="1200" dirty="0">
+                <a:solidFill>
+                  <a:srgbClr val="000000"/>
+                </a:solidFill>
+                <a:latin typeface="Calibri"/>
+                <a:ea typeface="맑은 고딕"/>
+                <a:cs typeface="Calibri"/>
+              </a:rPr>
+              <a:t>: </a:t>
+            </a:r>
+            <a:r>
+              <a:rPr lang="en-US" altLang="ko-KR" sz="1200" dirty="0" err="1">
+                <a:solidFill>
+                  <a:srgbClr val="000000"/>
+                </a:solidFill>
+                <a:latin typeface="Calibri"/>
+                <a:ea typeface="맑은 고딕"/>
+                <a:cs typeface="Calibri"/>
+              </a:rPr>
+              <a:t>SkillAtkWa</a:t>
+            </a:r>
+            <a:endParaRPr kumimoji="0" lang="en-US" altLang="ko-KR" sz="1200" b="0" i="0" u="none" strike="noStrike" kern="1200" cap="none" spc="0" normalizeH="0" baseline="0" dirty="0">
+              <a:solidFill>
+                <a:srgbClr val="000000"/>
+              </a:solidFill>
+              <a:latin typeface="Calibri"/>
+              <a:ea typeface="맑은 고딕"/>
+              <a:cs typeface="Calibri"/>
+            </a:endParaRPr>
+          </a:p>
+          <a:p>
+            <a:pPr marL="0" lvl="0" indent="0" algn="ctr" defTabSz="914400" rtl="0" eaLnBrk="1" latinLnBrk="1" hangingPunct="1">
+              <a:lnSpc>
+                <a:spcPct val="100000"/>
+              </a:lnSpc>
+              <a:spcBef>
+                <a:spcPct val="0"/>
+              </a:spcBef>
+              <a:spcAft>
+                <a:spcPts val="0"/>
+              </a:spcAft>
+              <a:buNone/>
+              <a:defRPr/>
+            </a:pPr>
+            <a:r>
               <a:rPr kumimoji="0" lang="ko-KR" altLang="en-US" sz="1200" b="0" i="0" u="none" strike="noStrike" kern="1200" cap="none" spc="0" normalizeH="0" baseline="0" dirty="0">
                 <a:solidFill>
                   <a:srgbClr val="000000"/>
@@ -3982,8 +4019,8 @@
         </p:nvSpPr>
         <p:spPr>
           <a:xfrm>
-            <a:off x="2314180" y="2675584"/>
-            <a:ext cx="888180" cy="533923"/>
+            <a:off x="2116791" y="2650306"/>
+            <a:ext cx="1189036" cy="701290"/>
           </a:xfrm>
           <a:prstGeom prst="rect">
             <a:avLst/>
@@ -3998,7 +4035,7 @@
         </p:spPr>
         <p:txBody>
           <a:bodyPr vert="horz" lIns="91440" tIns="45720" rIns="91440" bIns="45720" anchor="ctr">
-            <a:normAutofit fontScale="77500" lnSpcReduction="20000"/>
+            <a:noAutofit/>
           </a:bodyPr>
           <a:lstStyle/>
           <a:p>
@@ -4026,7 +4063,7 @@
               </a:rPr>
               <a:t>궁수</a:t>
             </a:r>
-            <a:endParaRPr kumimoji="0" lang="en-US" altLang="ko-KR" sz="1200" b="0" i="0" u="none" strike="noStrike" kern="1200" cap="none" spc="0" normalizeH="0" baseline="0" dirty="0">
+            <a:endParaRPr lang="en-US" altLang="ko-KR" sz="1200" dirty="0">
               <a:solidFill>
                 <a:srgbClr val="000000"/>
               </a:solidFill>
@@ -4050,18 +4087,18 @@
               <a:defRPr/>
             </a:pPr>
             <a:r>
-              <a:rPr kumimoji="0" lang="ko-KR" altLang="en-US" sz="1200" b="0" i="0" u="none" strike="noStrike" kern="1200" cap="none" spc="0" normalizeH="0" baseline="0" dirty="0">
-                <a:solidFill>
-                  <a:srgbClr val="000000"/>
-                </a:solidFill>
-                <a:latin typeface="Calibri"/>
-                <a:ea typeface="맑은 고딕"/>
-                <a:cs typeface="Calibri"/>
-              </a:rPr>
-              <a:t>메서드</a:t>
-            </a:r>
-            <a:r>
-              <a:rPr kumimoji="0" lang="en-US" altLang="ko-KR" sz="1500" b="0" i="0" u="none" strike="noStrike" kern="1200" cap="none" spc="0" normalizeH="0" baseline="0" dirty="0">
+              <a:rPr lang="ko-KR" altLang="en-US" sz="1200" dirty="0">
+                <a:solidFill>
+                  <a:srgbClr val="000000"/>
+                </a:solidFill>
+                <a:latin typeface="Calibri"/>
+                <a:ea typeface="맑은 고딕"/>
+                <a:cs typeface="Calibri"/>
+              </a:rPr>
+              <a:t>변수</a:t>
+            </a:r>
+            <a:r>
+              <a:rPr lang="en-US" altLang="ko-KR" sz="1200" dirty="0">
                 <a:solidFill>
                   <a:srgbClr val="000000"/>
                 </a:solidFill>
@@ -4071,6 +4108,25 @@
               </a:rPr>
               <a:t>:</a:t>
             </a:r>
+            <a:r>
+              <a:rPr lang="en-US" altLang="ko-KR" sz="1200" dirty="0" err="1">
+                <a:solidFill>
+                  <a:srgbClr val="000000"/>
+                </a:solidFill>
+                <a:latin typeface="Calibri"/>
+                <a:ea typeface="맑은 고딕"/>
+                <a:cs typeface="Calibri"/>
+              </a:rPr>
+              <a:t>SkillAtkAr</a:t>
+            </a:r>
+            <a:endParaRPr kumimoji="0" lang="en-US" altLang="ko-KR" sz="1200" b="0" i="0" u="none" strike="noStrike" kern="1200" cap="none" spc="0" normalizeH="0" baseline="0" dirty="0">
+              <a:solidFill>
+                <a:srgbClr val="000000"/>
+              </a:solidFill>
+              <a:latin typeface="Calibri"/>
+              <a:ea typeface="맑은 고딕"/>
+              <a:cs typeface="Calibri"/>
+            </a:endParaRPr>
           </a:p>
           <a:p>
             <a:pPr marL="0" lvl="0" indent="0" algn="ctr" defTabSz="914400" rtl="0" eaLnBrk="1" latinLnBrk="1" hangingPunct="1">
@@ -4087,7 +4143,29 @@
               <a:defRPr/>
             </a:pPr>
             <a:r>
-              <a:rPr kumimoji="0" lang="en-US" altLang="ko-KR" sz="1500" b="0" i="0" u="none" strike="noStrike" kern="1200" cap="none" spc="0" normalizeH="0" baseline="0" dirty="0" err="1">
+              <a:rPr kumimoji="0" lang="ko-KR" altLang="en-US" sz="1200" b="0" i="0" u="none" strike="noStrike" kern="1200" cap="none" spc="0" normalizeH="0" baseline="0" dirty="0">
+                <a:solidFill>
+                  <a:srgbClr val="000000"/>
+                </a:solidFill>
+                <a:latin typeface="Calibri"/>
+                <a:ea typeface="맑은 고딕"/>
+                <a:cs typeface="Calibri"/>
+              </a:rPr>
+              <a:t>메서드</a:t>
+            </a:r>
+            <a:r>
+              <a:rPr kumimoji="0" lang="en-US" altLang="ko-KR" sz="1200" b="0" i="0" u="none" strike="noStrike" kern="1200" cap="none" spc="0" normalizeH="0" baseline="0" dirty="0">
+                <a:solidFill>
+                  <a:srgbClr val="000000"/>
+                </a:solidFill>
+                <a:latin typeface="Calibri"/>
+                <a:ea typeface="맑은 고딕"/>
+                <a:cs typeface="Calibri"/>
+              </a:rPr>
+              <a:t>:</a:t>
+            </a:r>
+            <a:r>
+              <a:rPr kumimoji="0" lang="en-US" altLang="ko-KR" sz="1200" b="0" i="0" u="none" strike="noStrike" kern="1200" cap="none" spc="0" normalizeH="0" baseline="0" dirty="0" err="1">
                 <a:solidFill>
                   <a:srgbClr val="000000"/>
                 </a:solidFill>
@@ -4097,7 +4175,7 @@
               </a:rPr>
               <a:t>SkillAr</a:t>
             </a:r>
-            <a:endParaRPr kumimoji="0" lang="ko-KR" altLang="en-US" sz="1500" b="0" i="0" u="none" strike="noStrike" kern="1200" cap="none" spc="0" normalizeH="0" baseline="0" dirty="0">
+            <a:endParaRPr kumimoji="0" lang="ko-KR" altLang="en-US" sz="1200" b="0" i="0" u="none" strike="noStrike" kern="1200" cap="none" spc="0" normalizeH="0" baseline="0" dirty="0">
               <a:solidFill>
                 <a:srgbClr val="000000"/>
               </a:solidFill>
@@ -4194,7 +4272,7 @@
                 <a:ea typeface="맑은 고딕"/>
                 <a:cs typeface="Calibri"/>
               </a:rPr>
-              <a:t>메서드 </a:t>
+              <a:t>변수 </a:t>
             </a:r>
             <a:r>
               <a:rPr lang="en-US" altLang="ko-KR" sz="1200" dirty="0">
@@ -4205,8 +4283,27 @@
                 <a:ea typeface="맑은 고딕"/>
                 <a:cs typeface="Calibri"/>
               </a:rPr>
-              <a:t>:</a:t>
-            </a:r>
+              <a:t>: </a:t>
+            </a:r>
+            <a:r>
+              <a:rPr lang="en-US" altLang="ko-KR" sz="1200" dirty="0" err="1">
+                <a:solidFill>
+                  <a:srgbClr val="000000"/>
+                </a:solidFill>
+                <a:latin typeface="Calibri"/>
+                <a:ea typeface="맑은 고딕"/>
+                <a:cs typeface="Calibri"/>
+              </a:rPr>
+              <a:t>SkillAtkMa</a:t>
+            </a:r>
+            <a:endParaRPr kumimoji="0" lang="en-US" altLang="ko-KR" sz="1200" b="0" i="0" u="none" strike="noStrike" kern="1200" cap="none" spc="0" normalizeH="0" baseline="0" dirty="0">
+              <a:solidFill>
+                <a:srgbClr val="000000"/>
+              </a:solidFill>
+              <a:latin typeface="Calibri"/>
+              <a:ea typeface="맑은 고딕"/>
+              <a:cs typeface="Calibri"/>
+            </a:endParaRPr>
           </a:p>
           <a:p>
             <a:pPr marL="0" lvl="0" indent="0" algn="ctr" defTabSz="914400" rtl="0" eaLnBrk="1" latinLnBrk="1" hangingPunct="1">
@@ -4222,6 +4319,28 @@
               <a:buNone/>
               <a:defRPr/>
             </a:pPr>
+            <a:r>
+              <a:rPr lang="ko-KR" altLang="en-US" sz="1200" dirty="0">
+                <a:solidFill>
+                  <a:srgbClr val="000000"/>
+                </a:solidFill>
+                <a:latin typeface="Calibri"/>
+                <a:ea typeface="맑은 고딕"/>
+                <a:cs typeface="Calibri"/>
+              </a:rPr>
+              <a:t>메서드 </a:t>
+            </a:r>
+            <a:r>
+              <a:rPr lang="en-US" altLang="ko-KR" sz="1200" dirty="0">
+                <a:solidFill>
+                  <a:srgbClr val="000000"/>
+                </a:solidFill>
+                <a:latin typeface="Calibri"/>
+                <a:ea typeface="맑은 고딕"/>
+                <a:cs typeface="Calibri"/>
+              </a:rPr>
+              <a:t>:</a:t>
+            </a:r>
             <a:r>
               <a:rPr lang="en-US" altLang="ko-KR" sz="1200" dirty="0" err="1">
                 <a:solidFill>
@@ -4649,8 +4768,8 @@
         </p:nvCxnSpPr>
         <p:spPr>
           <a:xfrm flipH="1">
-            <a:off x="2758270" y="2500743"/>
-            <a:ext cx="448941" cy="174841"/>
+            <a:off x="2711309" y="2500743"/>
+            <a:ext cx="495902" cy="149563"/>
           </a:xfrm>
           <a:prstGeom prst="line">
             <a:avLst/>
@@ -5422,8 +5541,8 @@
         </p:nvSpPr>
         <p:spPr>
           <a:xfrm>
-            <a:off x="2667543" y="3648494"/>
-            <a:ext cx="718225" cy="1305085"/>
+            <a:off x="2573625" y="3766886"/>
+            <a:ext cx="718225" cy="1040469"/>
           </a:xfrm>
           <a:prstGeom prst="rect">
             <a:avLst/>
@@ -5438,7 +5557,7 @@
         </p:spPr>
         <p:txBody>
           <a:bodyPr vert="horz" lIns="91440" tIns="45720" rIns="91440" bIns="45720" anchor="ctr">
-            <a:normAutofit/>
+            <a:normAutofit fontScale="92500"/>
           </a:bodyPr>
           <a:lstStyle/>
           <a:p>
@@ -5456,7 +5575,7 @@
               <a:defRPr/>
             </a:pPr>
             <a:r>
-              <a:rPr kumimoji="0" lang="ko-KR" altLang="en-US" sz="1500" b="0" i="0" u="none" strike="noStrike" kern="1200" cap="none" spc="0" normalizeH="0" baseline="0" dirty="0">
+              <a:rPr kumimoji="0" lang="ko-KR" altLang="en-US" sz="1400" b="0" i="0" u="none" strike="noStrike" kern="1200" cap="none" spc="0" normalizeH="0" baseline="0" dirty="0">
                 <a:solidFill>
                   <a:srgbClr val="000000"/>
                 </a:solidFill>
@@ -5466,7 +5585,7 @@
               </a:rPr>
               <a:t>석 궁</a:t>
             </a:r>
-            <a:endParaRPr kumimoji="0" lang="en-US" altLang="ko-KR" sz="1500" b="0" i="0" u="none" strike="noStrike" kern="1200" cap="none" spc="0" normalizeH="0" baseline="0" dirty="0">
+            <a:endParaRPr kumimoji="0" lang="en-US" altLang="ko-KR" sz="1400" b="0" i="0" u="none" strike="noStrike" kern="1200" cap="none" spc="0" normalizeH="0" baseline="0" dirty="0">
               <a:solidFill>
                 <a:srgbClr val="000000"/>
               </a:solidFill>
@@ -5490,7 +5609,7 @@
               <a:defRPr/>
             </a:pPr>
             <a:r>
-              <a:rPr kumimoji="0" lang="ko-KR" altLang="en-US" sz="1500" b="0" i="0" u="none" strike="noStrike" kern="1200" cap="none" spc="0" normalizeH="0" baseline="0" dirty="0">
+              <a:rPr kumimoji="0" lang="ko-KR" altLang="en-US" sz="1400" b="0" i="0" u="none" strike="noStrike" kern="1200" cap="none" spc="0" normalizeH="0" baseline="0" dirty="0">
                 <a:solidFill>
                   <a:srgbClr val="000000"/>
                 </a:solidFill>
@@ -5501,7 +5620,7 @@
               <a:t>메서드 </a:t>
             </a:r>
             <a:r>
-              <a:rPr kumimoji="0" lang="en-US" altLang="ko-KR" sz="1500" b="0" i="0" u="none" strike="noStrike" kern="1200" cap="none" spc="0" normalizeH="0" baseline="0" dirty="0">
+              <a:rPr kumimoji="0" lang="en-US" altLang="ko-KR" sz="1400" b="0" i="0" u="none" strike="noStrike" kern="1200" cap="none" spc="0" normalizeH="0" baseline="0" dirty="0">
                 <a:solidFill>
                   <a:srgbClr val="000000"/>
                 </a:solidFill>
@@ -5527,7 +5646,7 @@
               <a:defRPr/>
             </a:pPr>
             <a:r>
-              <a:rPr kumimoji="0" lang="en-US" altLang="ko-KR" sz="1500" b="0" i="0" u="none" strike="noStrike" kern="1200" cap="none" spc="0" normalizeH="0" baseline="0" dirty="0" err="1">
+              <a:rPr kumimoji="0" lang="en-US" altLang="ko-KR" sz="1400" b="0" i="0" u="none" strike="noStrike" kern="1200" cap="none" spc="0" normalizeH="0" baseline="0" dirty="0" err="1">
                 <a:solidFill>
                   <a:srgbClr val="000000"/>
                 </a:solidFill>
@@ -5537,7 +5656,7 @@
               </a:rPr>
               <a:t>FireShot</a:t>
             </a:r>
-            <a:endParaRPr kumimoji="0" lang="en-US" altLang="ko-KR" sz="1500" b="0" i="0" u="none" strike="noStrike" kern="1200" cap="none" spc="0" normalizeH="0" baseline="0" dirty="0">
+            <a:endParaRPr kumimoji="0" lang="en-US" altLang="ko-KR" sz="1400" b="0" i="0" u="none" strike="noStrike" kern="1200" cap="none" spc="0" normalizeH="0" baseline="0" dirty="0">
               <a:solidFill>
                 <a:srgbClr val="000000"/>
               </a:solidFill>
@@ -5583,8 +5702,8 @@
         </p:nvCxnSpPr>
         <p:spPr>
           <a:xfrm>
-            <a:off x="2758270" y="3209507"/>
-            <a:ext cx="268386" cy="438987"/>
+            <a:off x="2711309" y="3351596"/>
+            <a:ext cx="221429" cy="415290"/>
           </a:xfrm>
           <a:prstGeom prst="line">
             <a:avLst/>
@@ -5617,8 +5736,8 @@
         </p:nvCxnSpPr>
         <p:spPr>
           <a:xfrm>
-            <a:off x="2758270" y="3209507"/>
-            <a:ext cx="985663" cy="508724"/>
+            <a:off x="2711309" y="3351596"/>
+            <a:ext cx="1032624" cy="366635"/>
           </a:xfrm>
           <a:prstGeom prst="line">
             <a:avLst/>
@@ -6770,7 +6889,41 @@
               <a:defRPr/>
             </a:pPr>
             <a:r>
-              <a:rPr lang="ko-KR" altLang="en-US" sz="1500">
+              <a:rPr lang="ko-KR" altLang="en-US" sz="1500" dirty="0">
+                <a:solidFill>
+                  <a:srgbClr val="000000"/>
+                </a:solidFill>
+                <a:latin typeface="Calibri"/>
+                <a:ea typeface="맑은 고딕"/>
+                <a:cs typeface="Calibri"/>
+              </a:rPr>
+              <a:t>인터페이스</a:t>
+            </a:r>
+            <a:endParaRPr lang="en-US" altLang="ko-KR" sz="1500" dirty="0">
+              <a:solidFill>
+                <a:srgbClr val="000000"/>
+              </a:solidFill>
+              <a:latin typeface="Calibri"/>
+              <a:ea typeface="맑은 고딕"/>
+              <a:cs typeface="Calibri"/>
+            </a:endParaRPr>
+          </a:p>
+          <a:p>
+            <a:pPr marL="0" lvl="0" indent="0" algn="ctr" defTabSz="914400" rtl="0" eaLnBrk="1" latinLnBrk="1" hangingPunct="1">
+              <a:lnSpc>
+                <a:spcPct val="100000"/>
+              </a:lnSpc>
+              <a:spcBef>
+                <a:spcPct val="0"/>
+              </a:spcBef>
+              <a:spcAft>
+                <a:spcPts val="0"/>
+              </a:spcAft>
+              <a:buNone/>
+              <a:defRPr/>
+            </a:pPr>
+            <a:r>
+              <a:rPr lang="ko-KR" altLang="en-US" sz="1500" dirty="0">
                 <a:solidFill>
                   <a:srgbClr val="000000"/>
                 </a:solidFill>
@@ -7063,6 +7216,40 @@
                 <a:ea typeface="맑은 고딕"/>
                 <a:cs typeface="Calibri"/>
               </a:rPr>
+              <a:t>인터페이스</a:t>
+            </a:r>
+            <a:endParaRPr lang="en-US" altLang="ko-KR" sz="1500" dirty="0">
+              <a:solidFill>
+                <a:srgbClr val="000000"/>
+              </a:solidFill>
+              <a:latin typeface="Calibri"/>
+              <a:ea typeface="맑은 고딕"/>
+              <a:cs typeface="Calibri"/>
+            </a:endParaRPr>
+          </a:p>
+          <a:p>
+            <a:pPr marL="0" lvl="0" indent="0" algn="ctr" defTabSz="914400" rtl="0" eaLnBrk="1" latinLnBrk="1" hangingPunct="1">
+              <a:lnSpc>
+                <a:spcPct val="100000"/>
+              </a:lnSpc>
+              <a:spcBef>
+                <a:spcPct val="0"/>
+              </a:spcBef>
+              <a:spcAft>
+                <a:spcPts val="0"/>
+              </a:spcAft>
+              <a:buNone/>
+              <a:defRPr/>
+            </a:pPr>
+            <a:r>
+              <a:rPr lang="ko-KR" altLang="en-US" sz="1500" dirty="0">
+                <a:solidFill>
+                  <a:srgbClr val="000000"/>
+                </a:solidFill>
+                <a:latin typeface="Calibri"/>
+                <a:ea typeface="맑은 고딕"/>
+                <a:cs typeface="Calibri"/>
+              </a:rPr>
               <a:t>죽음</a:t>
             </a:r>
             <a:endParaRPr lang="en-US" altLang="ko-KR" sz="1500" dirty="0">
@@ -7181,6 +7368,7 @@
             </a:extLst>
           </p:cNvPr>
           <p:cNvCxnSpPr>
+            <a:cxnSpLocks/>
             <a:stCxn id="93" idx="0"/>
             <a:endCxn id="13" idx="1"/>
           </p:cNvCxnSpPr>
@@ -7552,7 +7740,7 @@
     <mc:Choice Requires="p14">
       <p:transition/>
     </mc:Choice>
-    <mc:Fallback xmlns="" xmlns:c="http://schemas.openxmlformats.org/drawingml/2006/chart" xmlns:dgm="http://schemas.openxmlformats.org/drawingml/2006/diagram" xmlns:dsp="http://schemas.microsoft.com/office/drawing/2008/diagram">
+    <mc:Fallback xmlns:dsp="http://schemas.microsoft.com/office/drawing/2008/diagram" xmlns:dgm="http://schemas.openxmlformats.org/drawingml/2006/diagram" xmlns:c="http://schemas.openxmlformats.org/drawingml/2006/chart" xmlns="">
       <p:transition/>
     </mc:Fallback>
   </mc:AlternateContent>

--- a/자바 프로젝트.pptx
+++ b/자바 프로젝트.pptx
@@ -121,6 +121,32 @@
     </p:ext>
   </p:extLst>
 </p:presentation>
+</file>
+
+<file path=ppt/commentAuthors.xml><?xml version="1.0" encoding="utf-8"?>
+<p:cmAuthorLst xmlns:a="http://schemas.openxmlformats.org/drawingml/2006/main" xmlns:r="http://schemas.openxmlformats.org/officeDocument/2006/relationships" xmlns:p="http://schemas.openxmlformats.org/presentationml/2006/main">
+  <p:cmAuthor id="1" name="호영 나" initials="호나" lastIdx="1" clrIdx="0">
+    <p:extLst>
+      <p:ext uri="{19B8F6BF-5375-455C-9EA6-DF929625EA0E}">
+        <p15:presenceInfo xmlns:p15="http://schemas.microsoft.com/office/powerpoint/2012/main" userId="a2505d1e2290c32d" providerId="Windows Live"/>
+      </p:ext>
+    </p:extLst>
+  </p:cmAuthor>
+</p:cmAuthorLst>
+</file>
+
+<file path=ppt/comments/comment1.xml><?xml version="1.0" encoding="utf-8"?>
+<p:cmLst xmlns:a="http://schemas.openxmlformats.org/drawingml/2006/main" xmlns:r="http://schemas.openxmlformats.org/officeDocument/2006/relationships" xmlns:p="http://schemas.openxmlformats.org/presentationml/2006/main">
+  <p:cm authorId="1" dt="2024-09-28T21:46:14.551" idx="1">
+    <p:pos x="10" y="10"/>
+    <p:text/>
+    <p:extLst>
+      <p:ext uri="{C676402C-5697-4E1C-873F-D02D1690AC5C}">
+        <p15:threadingInfo xmlns:p15="http://schemas.microsoft.com/office/powerpoint/2012/main" timeZoneBias="-540"/>
+      </p:ext>
+    </p:extLst>
+  </p:cm>
+</p:cmLst>
 </file>
 
 <file path=ppt/slideLayouts/slideLayout1.xml><?xml version="1.0" encoding="utf-8"?>
@@ -3654,7 +3680,7 @@
         </p:spPr>
         <p:txBody>
           <a:bodyPr vert="horz" lIns="91440" tIns="45720" rIns="91440" bIns="45720" anchor="ctr">
-            <a:normAutofit fontScale="92500" lnSpcReduction="20000"/>
+            <a:normAutofit/>
           </a:bodyPr>
           <a:lstStyle/>
           <a:p>
@@ -3706,7 +3732,7 @@
               <a:defRPr/>
             </a:pPr>
             <a:r>
-              <a:rPr kumimoji="0" lang="ko-KR" altLang="en-US" sz="1500" b="0" i="0" u="none" strike="noStrike" kern="1200" cap="none" spc="0" normalizeH="0" baseline="0" dirty="0">
+              <a:rPr lang="ko-KR" altLang="en-US" sz="1500" dirty="0">
                 <a:solidFill>
                   <a:srgbClr val="000000"/>
                 </a:solidFill>
@@ -3717,16 +3743,24 @@
               <a:t>변수 </a:t>
             </a:r>
             <a:r>
-              <a:rPr kumimoji="0" lang="en-US" altLang="ko-KR" sz="1500" b="0" i="0" u="none" strike="noStrike" kern="1200" cap="none" spc="0" normalizeH="0" baseline="0" dirty="0">
-                <a:solidFill>
-                  <a:srgbClr val="000000"/>
-                </a:solidFill>
-                <a:latin typeface="Calibri"/>
-                <a:ea typeface="맑은 고딕"/>
-                <a:cs typeface="Calibri"/>
-              </a:rPr>
-              <a:t>: dragon, demon, machine</a:t>
-            </a:r>
+              <a:rPr lang="en-US" altLang="ko-KR" sz="1500" dirty="0">
+                <a:solidFill>
+                  <a:srgbClr val="000000"/>
+                </a:solidFill>
+                <a:latin typeface="Calibri"/>
+                <a:ea typeface="맑은 고딕"/>
+                <a:cs typeface="Calibri"/>
+              </a:rPr>
+              <a:t>: species</a:t>
+            </a:r>
+            <a:endParaRPr kumimoji="0" lang="en-US" altLang="ko-KR" sz="1500" b="0" i="0" u="none" strike="noStrike" kern="1200" cap="none" spc="0" normalizeH="0" baseline="0" dirty="0">
+              <a:solidFill>
+                <a:srgbClr val="000000"/>
+              </a:solidFill>
+              <a:latin typeface="Calibri"/>
+              <a:ea typeface="맑은 고딕"/>
+              <a:cs typeface="Calibri"/>
+            </a:endParaRPr>
           </a:p>
         </p:txBody>
       </p:sp>
@@ -6085,252 +6119,6 @@
       </p:cxnSp>
       <p:sp>
         <p:nvSpPr>
-          <p:cNvPr id="55" name="제목 1"/>
-          <p:cNvSpPr>
-            <a:spLocks noGrp="1"/>
-          </p:cNvSpPr>
-          <p:nvPr/>
-        </p:nvSpPr>
-        <p:spPr>
-          <a:xfrm>
-            <a:off x="4917970" y="5626232"/>
-            <a:ext cx="1089263" cy="884900"/>
-          </a:xfrm>
-          <a:prstGeom prst="rect">
-            <a:avLst/>
-          </a:prstGeom>
-          <a:ln>
-            <a:solidFill>
-              <a:srgbClr val="000000">
-                <a:alpha val="100000"/>
-              </a:srgbClr>
-            </a:solidFill>
-          </a:ln>
-        </p:spPr>
-        <p:txBody>
-          <a:bodyPr vert="horz" lIns="91440" tIns="45720" rIns="91440" bIns="45720" anchor="ctr">
-            <a:normAutofit/>
-          </a:bodyPr>
-          <a:lstStyle/>
-          <a:p>
-            <a:pPr marL="0" lvl="0" indent="0" algn="ctr" defTabSz="914400" rtl="0" eaLnBrk="1" latinLnBrk="1" hangingPunct="1">
-              <a:lnSpc>
-                <a:spcPct val="100000"/>
-              </a:lnSpc>
-              <a:spcBef>
-                <a:spcPct val="0"/>
-              </a:spcBef>
-              <a:spcAft>
-                <a:spcPts val="0"/>
-              </a:spcAft>
-              <a:buNone/>
-              <a:defRPr/>
-            </a:pPr>
-            <a:r>
-              <a:rPr kumimoji="0" lang="ko-KR" altLang="en-US" sz="1500" b="0" i="0" u="none" strike="noStrike" kern="1200" cap="none" spc="0" normalizeH="0" baseline="0">
-                <a:solidFill>
-                  <a:srgbClr val="000000"/>
-                </a:solidFill>
-                <a:latin typeface="Calibri"/>
-                <a:ea typeface="맑은 고딕"/>
-                <a:cs typeface="Calibri"/>
-              </a:rPr>
-              <a:t>일반</a:t>
-            </a:r>
-          </a:p>
-        </p:txBody>
-      </p:sp>
-      <p:sp>
-        <p:nvSpPr>
-          <p:cNvPr id="56" name="제목 1"/>
-          <p:cNvSpPr>
-            <a:spLocks noGrp="1"/>
-          </p:cNvSpPr>
-          <p:nvPr/>
-        </p:nvSpPr>
-        <p:spPr>
-          <a:xfrm>
-            <a:off x="6178471" y="5626232"/>
-            <a:ext cx="960433" cy="861724"/>
-          </a:xfrm>
-          <a:prstGeom prst="rect">
-            <a:avLst/>
-          </a:prstGeom>
-          <a:ln>
-            <a:solidFill>
-              <a:srgbClr val="000000">
-                <a:alpha val="100000"/>
-              </a:srgbClr>
-            </a:solidFill>
-          </a:ln>
-        </p:spPr>
-        <p:txBody>
-          <a:bodyPr vert="horz" lIns="91440" tIns="45720" rIns="91440" bIns="45720" anchor="ctr">
-            <a:normAutofit fontScale="92500" lnSpcReduction="10000"/>
-          </a:bodyPr>
-          <a:lstStyle/>
-          <a:p>
-            <a:pPr marL="0" lvl="0" indent="0" algn="ctr" defTabSz="914400" rtl="0" eaLnBrk="1" latinLnBrk="1" hangingPunct="1">
-              <a:lnSpc>
-                <a:spcPct val="100000"/>
-              </a:lnSpc>
-              <a:spcBef>
-                <a:spcPct val="0"/>
-              </a:spcBef>
-              <a:spcAft>
-                <a:spcPts val="0"/>
-              </a:spcAft>
-              <a:buNone/>
-              <a:defRPr/>
-            </a:pPr>
-            <a:r>
-              <a:rPr kumimoji="0" lang="ko-KR" altLang="en-US" sz="1500" b="0" i="0" u="none" strike="noStrike" kern="1200" cap="none" spc="0" normalizeH="0" baseline="0" dirty="0">
-                <a:solidFill>
-                  <a:srgbClr val="000000"/>
-                </a:solidFill>
-                <a:latin typeface="Calibri"/>
-                <a:ea typeface="맑은 고딕"/>
-                <a:cs typeface="Calibri"/>
-              </a:rPr>
-              <a:t>보스</a:t>
-            </a:r>
-            <a:endParaRPr kumimoji="0" lang="en-US" altLang="ko-KR" sz="1500" b="0" i="0" u="none" strike="noStrike" kern="1200" cap="none" spc="0" normalizeH="0" baseline="0" dirty="0">
-              <a:solidFill>
-                <a:srgbClr val="000000"/>
-              </a:solidFill>
-              <a:latin typeface="Calibri"/>
-              <a:ea typeface="맑은 고딕"/>
-              <a:cs typeface="Calibri"/>
-            </a:endParaRPr>
-          </a:p>
-          <a:p>
-            <a:pPr marL="0" lvl="0" indent="0" algn="ctr" defTabSz="914400" rtl="0" eaLnBrk="1" latinLnBrk="1" hangingPunct="1">
-              <a:lnSpc>
-                <a:spcPct val="100000"/>
-              </a:lnSpc>
-              <a:spcBef>
-                <a:spcPct val="0"/>
-              </a:spcBef>
-              <a:spcAft>
-                <a:spcPts val="0"/>
-              </a:spcAft>
-              <a:buNone/>
-              <a:defRPr/>
-            </a:pPr>
-            <a:r>
-              <a:rPr lang="ko-KR" altLang="en-US" sz="1500" dirty="0">
-                <a:solidFill>
-                  <a:srgbClr val="000000"/>
-                </a:solidFill>
-                <a:latin typeface="Calibri"/>
-                <a:ea typeface="맑은 고딕"/>
-                <a:cs typeface="Calibri"/>
-              </a:rPr>
-              <a:t>메서드</a:t>
-            </a:r>
-            <a:r>
-              <a:rPr lang="en-US" altLang="ko-KR" sz="1500" dirty="0">
-                <a:solidFill>
-                  <a:srgbClr val="000000"/>
-                </a:solidFill>
-                <a:latin typeface="Calibri"/>
-                <a:ea typeface="맑은 고딕"/>
-                <a:cs typeface="Calibri"/>
-              </a:rPr>
-              <a:t>:</a:t>
-            </a:r>
-            <a:r>
-              <a:rPr lang="en-US" altLang="ko-KR" sz="1500" dirty="0" err="1">
-                <a:solidFill>
-                  <a:srgbClr val="000000"/>
-                </a:solidFill>
-                <a:latin typeface="Calibri"/>
-                <a:ea typeface="맑은 고딕"/>
-                <a:cs typeface="Calibri"/>
-              </a:rPr>
-              <a:t>skillBoss</a:t>
-            </a:r>
-            <a:endParaRPr kumimoji="0" lang="ko-KR" altLang="en-US" sz="1500" b="0" i="0" u="none" strike="noStrike" kern="1200" cap="none" spc="0" normalizeH="0" baseline="0" dirty="0">
-              <a:solidFill>
-                <a:srgbClr val="000000"/>
-              </a:solidFill>
-              <a:latin typeface="Calibri"/>
-              <a:ea typeface="맑은 고딕"/>
-              <a:cs typeface="Calibri"/>
-            </a:endParaRPr>
-          </a:p>
-        </p:txBody>
-      </p:sp>
-      <p:cxnSp>
-        <p:nvCxnSpPr>
-          <p:cNvPr id="57" name="선 56"/>
-          <p:cNvCxnSpPr>
-            <a:cxnSpLocks/>
-            <a:stCxn id="13" idx="2"/>
-            <a:endCxn id="55" idx="0"/>
-          </p:cNvCxnSpPr>
-          <p:nvPr/>
-        </p:nvCxnSpPr>
-        <p:spPr>
-          <a:xfrm flipH="1">
-            <a:off x="5462602" y="2445759"/>
-            <a:ext cx="386397" cy="3180473"/>
-          </a:xfrm>
-          <a:prstGeom prst="line">
-            <a:avLst/>
-          </a:prstGeom>
-        </p:spPr>
-        <p:style>
-          <a:lnRef idx="1">
-            <a:schemeClr val="accent1"/>
-          </a:lnRef>
-          <a:fillRef idx="0">
-            <a:schemeClr val="accent1"/>
-          </a:fillRef>
-          <a:effectRef idx="0">
-            <a:schemeClr val="accent1"/>
-          </a:effectRef>
-          <a:fontRef idx="minor">
-            <a:schemeClr val="tx1"/>
-          </a:fontRef>
-        </p:style>
-      </p:cxnSp>
-      <p:cxnSp>
-        <p:nvCxnSpPr>
-          <p:cNvPr id="64" name="선 63"/>
-          <p:cNvCxnSpPr>
-            <a:cxnSpLocks/>
-            <a:stCxn id="13" idx="2"/>
-            <a:endCxn id="56" idx="0"/>
-          </p:cNvCxnSpPr>
-          <p:nvPr/>
-        </p:nvCxnSpPr>
-        <p:spPr>
-          <a:xfrm>
-            <a:off x="5848999" y="2445759"/>
-            <a:ext cx="809689" cy="3180473"/>
-          </a:xfrm>
-          <a:prstGeom prst="line">
-            <a:avLst/>
-          </a:prstGeom>
-        </p:spPr>
-        <p:style>
-          <a:lnRef idx="1">
-            <a:schemeClr val="accent1"/>
-          </a:lnRef>
-          <a:fillRef idx="0">
-            <a:schemeClr val="accent1"/>
-          </a:fillRef>
-          <a:effectRef idx="0">
-            <a:schemeClr val="accent1"/>
-          </a:effectRef>
-          <a:fontRef idx="minor">
-            <a:schemeClr val="tx1"/>
-          </a:fontRef>
-        </p:style>
-      </p:cxnSp>
-      <p:sp>
-        <p:nvSpPr>
           <p:cNvPr id="72" name="제목 1"/>
           <p:cNvSpPr>
             <a:spLocks noGrp="1"/>
@@ -6546,279 +6334,6 @@
           <a:xfrm>
             <a:off x="7435447" y="3647052"/>
             <a:ext cx="791956" cy="876754"/>
-          </a:xfrm>
-          <a:prstGeom prst="line">
-            <a:avLst/>
-          </a:prstGeom>
-        </p:spPr>
-        <p:style>
-          <a:lnRef idx="1">
-            <a:schemeClr val="accent1"/>
-          </a:lnRef>
-          <a:fillRef idx="0">
-            <a:schemeClr val="accent1"/>
-          </a:fillRef>
-          <a:effectRef idx="0">
-            <a:schemeClr val="accent1"/>
-          </a:effectRef>
-          <a:fontRef idx="minor">
-            <a:schemeClr val="tx1"/>
-          </a:fontRef>
-        </p:style>
-      </p:cxnSp>
-      <p:sp>
-        <p:nvSpPr>
-          <p:cNvPr id="78" name="제목 1"/>
-          <p:cNvSpPr>
-            <a:spLocks noGrp="1"/>
-          </p:cNvSpPr>
-          <p:nvPr/>
-        </p:nvSpPr>
-        <p:spPr>
-          <a:xfrm>
-            <a:off x="9866508" y="4348439"/>
-            <a:ext cx="614616" cy="408154"/>
-          </a:xfrm>
-          <a:prstGeom prst="rect">
-            <a:avLst/>
-          </a:prstGeom>
-          <a:ln>
-            <a:solidFill>
-              <a:srgbClr val="000000">
-                <a:alpha val="100000"/>
-              </a:srgbClr>
-            </a:solidFill>
-          </a:ln>
-        </p:spPr>
-        <p:txBody>
-          <a:bodyPr vert="horz" lIns="91440" tIns="45720" rIns="91440" bIns="45720" anchor="ctr">
-            <a:normAutofit/>
-          </a:bodyPr>
-          <a:lstStyle/>
-          <a:p>
-            <a:pPr marL="0" lvl="0" indent="0" algn="ctr" defTabSz="914400" rtl="0" eaLnBrk="1" latinLnBrk="1" hangingPunct="1">
-              <a:lnSpc>
-                <a:spcPct val="100000"/>
-              </a:lnSpc>
-              <a:spcBef>
-                <a:spcPct val="0"/>
-              </a:spcBef>
-              <a:spcAft>
-                <a:spcPts val="0"/>
-              </a:spcAft>
-              <a:buNone/>
-              <a:defRPr/>
-            </a:pPr>
-            <a:r>
-              <a:rPr kumimoji="0" lang="ko-KR" altLang="en-US" sz="1500" b="0" i="0" u="none" strike="noStrike" kern="1200" cap="none" spc="0" normalizeH="0" baseline="0">
-                <a:solidFill>
-                  <a:srgbClr val="000000"/>
-                </a:solidFill>
-                <a:latin typeface="맑은 고딕"/>
-                <a:ea typeface="맑은 고딕"/>
-                <a:cs typeface="Calibri"/>
-              </a:rPr>
-              <a:t>상급</a:t>
-            </a:r>
-          </a:p>
-        </p:txBody>
-      </p:sp>
-      <p:sp>
-        <p:nvSpPr>
-          <p:cNvPr id="79" name="제목 1"/>
-          <p:cNvSpPr>
-            <a:spLocks noGrp="1"/>
-          </p:cNvSpPr>
-          <p:nvPr/>
-        </p:nvSpPr>
-        <p:spPr>
-          <a:xfrm>
-            <a:off x="10622650" y="4363957"/>
-            <a:ext cx="667752" cy="408154"/>
-          </a:xfrm>
-          <a:prstGeom prst="rect">
-            <a:avLst/>
-          </a:prstGeom>
-          <a:ln>
-            <a:solidFill>
-              <a:srgbClr val="000000">
-                <a:alpha val="100000"/>
-              </a:srgbClr>
-            </a:solidFill>
-          </a:ln>
-        </p:spPr>
-        <p:txBody>
-          <a:bodyPr vert="horz" lIns="91440" tIns="45720" rIns="91440" bIns="45720" anchor="ctr">
-            <a:normAutofit/>
-          </a:bodyPr>
-          <a:lstStyle/>
-          <a:p>
-            <a:pPr marL="0" lvl="0" indent="0" algn="ctr" defTabSz="914400" rtl="0" eaLnBrk="1" latinLnBrk="1" hangingPunct="1">
-              <a:lnSpc>
-                <a:spcPct val="100000"/>
-              </a:lnSpc>
-              <a:spcBef>
-                <a:spcPct val="0"/>
-              </a:spcBef>
-              <a:spcAft>
-                <a:spcPts val="0"/>
-              </a:spcAft>
-              <a:buNone/>
-              <a:defRPr/>
-            </a:pPr>
-            <a:r>
-              <a:rPr kumimoji="0" lang="ko-KR" altLang="en-US" sz="1500" b="0" i="0" u="none" strike="noStrike" kern="1200" cap="none" spc="0" normalizeH="0" baseline="0">
-                <a:solidFill>
-                  <a:srgbClr val="000000"/>
-                </a:solidFill>
-                <a:latin typeface="맑은 고딕"/>
-                <a:ea typeface="맑은 고딕"/>
-                <a:cs typeface="Calibri"/>
-              </a:rPr>
-              <a:t>중급</a:t>
-            </a:r>
-          </a:p>
-        </p:txBody>
-      </p:sp>
-      <p:sp>
-        <p:nvSpPr>
-          <p:cNvPr id="80" name="제목 1"/>
-          <p:cNvSpPr>
-            <a:spLocks noGrp="1"/>
-          </p:cNvSpPr>
-          <p:nvPr/>
-        </p:nvSpPr>
-        <p:spPr>
-          <a:xfrm>
-            <a:off x="11536994" y="4363957"/>
-            <a:ext cx="609598" cy="408153"/>
-          </a:xfrm>
-          <a:prstGeom prst="rect">
-            <a:avLst/>
-          </a:prstGeom>
-          <a:ln>
-            <a:solidFill>
-              <a:srgbClr val="000000">
-                <a:alpha val="100000"/>
-              </a:srgbClr>
-            </a:solidFill>
-          </a:ln>
-        </p:spPr>
-        <p:txBody>
-          <a:bodyPr vert="horz" lIns="91440" tIns="45720" rIns="91440" bIns="45720" anchor="ctr">
-            <a:normAutofit/>
-          </a:bodyPr>
-          <a:lstStyle/>
-          <a:p>
-            <a:pPr marL="0" lvl="0" indent="0" algn="ctr" defTabSz="914400" rtl="0" eaLnBrk="1" latinLnBrk="1" hangingPunct="1">
-              <a:lnSpc>
-                <a:spcPct val="100000"/>
-              </a:lnSpc>
-              <a:spcBef>
-                <a:spcPct val="0"/>
-              </a:spcBef>
-              <a:spcAft>
-                <a:spcPts val="0"/>
-              </a:spcAft>
-              <a:buNone/>
-              <a:defRPr/>
-            </a:pPr>
-            <a:r>
-              <a:rPr kumimoji="0" lang="ko-KR" altLang="en-US" sz="1500" b="0" i="0" u="none" strike="noStrike" kern="1200" cap="none" spc="0" normalizeH="0" baseline="0">
-                <a:solidFill>
-                  <a:srgbClr val="000000"/>
-                </a:solidFill>
-                <a:latin typeface="맑은 고딕"/>
-                <a:ea typeface="맑은 고딕"/>
-                <a:cs typeface="Calibri"/>
-              </a:rPr>
-              <a:t>하급</a:t>
-            </a:r>
-          </a:p>
-        </p:txBody>
-      </p:sp>
-      <p:cxnSp>
-        <p:nvCxnSpPr>
-          <p:cNvPr id="81" name="선 80"/>
-          <p:cNvCxnSpPr>
-            <a:cxnSpLocks/>
-            <a:stCxn id="30" idx="2"/>
-            <a:endCxn id="78" idx="0"/>
-          </p:cNvCxnSpPr>
-          <p:nvPr/>
-        </p:nvCxnSpPr>
-        <p:spPr>
-          <a:xfrm flipH="1">
-            <a:off x="10173816" y="3766885"/>
-            <a:ext cx="1043800" cy="581554"/>
-          </a:xfrm>
-          <a:prstGeom prst="line">
-            <a:avLst/>
-          </a:prstGeom>
-        </p:spPr>
-        <p:style>
-          <a:lnRef idx="1">
-            <a:schemeClr val="accent1"/>
-          </a:lnRef>
-          <a:fillRef idx="0">
-            <a:schemeClr val="accent1"/>
-          </a:fillRef>
-          <a:effectRef idx="0">
-            <a:schemeClr val="accent1"/>
-          </a:effectRef>
-          <a:fontRef idx="minor">
-            <a:schemeClr val="tx1"/>
-          </a:fontRef>
-        </p:style>
-      </p:cxnSp>
-      <p:cxnSp>
-        <p:nvCxnSpPr>
-          <p:cNvPr id="82" name="선 81"/>
-          <p:cNvCxnSpPr>
-            <a:cxnSpLocks/>
-            <a:stCxn id="30" idx="2"/>
-            <a:endCxn id="79" idx="0"/>
-          </p:cNvCxnSpPr>
-          <p:nvPr/>
-        </p:nvCxnSpPr>
-        <p:spPr>
-          <a:xfrm flipH="1">
-            <a:off x="10956526" y="3766885"/>
-            <a:ext cx="261090" cy="597072"/>
-          </a:xfrm>
-          <a:prstGeom prst="line">
-            <a:avLst/>
-          </a:prstGeom>
-        </p:spPr>
-        <p:style>
-          <a:lnRef idx="1">
-            <a:schemeClr val="accent1"/>
-          </a:lnRef>
-          <a:fillRef idx="0">
-            <a:schemeClr val="accent1"/>
-          </a:fillRef>
-          <a:effectRef idx="0">
-            <a:schemeClr val="accent1"/>
-          </a:effectRef>
-          <a:fontRef idx="minor">
-            <a:schemeClr val="tx1"/>
-          </a:fontRef>
-        </p:style>
-      </p:cxnSp>
-      <p:cxnSp>
-        <p:nvCxnSpPr>
-          <p:cNvPr id="83" name="선 82"/>
-          <p:cNvCxnSpPr>
-            <a:cxnSpLocks/>
-            <a:stCxn id="30" idx="2"/>
-            <a:endCxn id="80" idx="0"/>
-          </p:cNvCxnSpPr>
-          <p:nvPr/>
-        </p:nvCxnSpPr>
-        <p:spPr>
-          <a:xfrm>
-            <a:off x="11217616" y="3766885"/>
-            <a:ext cx="624177" cy="597072"/>
           </a:xfrm>
           <a:prstGeom prst="line">
             <a:avLst/>
@@ -7448,17 +6963,17 @@
               <a:defRPr/>
             </a:pPr>
             <a:r>
-              <a:rPr lang="ko-KR" altLang="en-US" sz="1500">
-                <a:solidFill>
-                  <a:srgbClr val="000000"/>
-                </a:solidFill>
-                <a:latin typeface="Calibri"/>
-                <a:ea typeface="맑은 고딕"/>
-                <a:cs typeface="Calibri"/>
-              </a:rPr>
-              <a:t>법사</a:t>
-            </a:r>
-            <a:endParaRPr kumimoji="0" lang="ko-KR" altLang="en-US" sz="1500" b="0" i="0" u="none" strike="noStrike" kern="1200" cap="none" spc="0" normalizeH="0" baseline="0">
+              <a:rPr kumimoji="0" lang="ko-KR" altLang="en-US" sz="1500" b="0" i="0" u="none" strike="noStrike" kern="1200" cap="none" spc="0" normalizeH="0" baseline="0" dirty="0" err="1">
+                <a:solidFill>
+                  <a:srgbClr val="000000"/>
+                </a:solidFill>
+                <a:latin typeface="Calibri"/>
+                <a:ea typeface="맑은 고딕"/>
+                <a:cs typeface="Calibri"/>
+              </a:rPr>
+              <a:t>봉류</a:t>
+            </a:r>
+            <a:endParaRPr kumimoji="0" lang="ko-KR" altLang="en-US" sz="1500" b="0" i="0" u="none" strike="noStrike" kern="1200" cap="none" spc="0" normalizeH="0" baseline="0" dirty="0">
               <a:solidFill>
                 <a:srgbClr val="000000"/>
               </a:solidFill>
@@ -7519,24 +7034,16 @@
               <a:defRPr/>
             </a:pPr>
             <a:r>
-              <a:rPr lang="ko-KR" altLang="en-US" sz="1500" dirty="0">
-                <a:solidFill>
-                  <a:srgbClr val="000000"/>
-                </a:solidFill>
-                <a:latin typeface="Calibri"/>
-                <a:ea typeface="맑은 고딕"/>
-                <a:cs typeface="Calibri"/>
-              </a:rPr>
-              <a:t>전사</a:t>
-            </a:r>
-            <a:endParaRPr kumimoji="0" lang="ko-KR" altLang="en-US" sz="1500" b="0" i="0" u="none" strike="noStrike" kern="1200" cap="none" spc="0" normalizeH="0" baseline="0" dirty="0">
-              <a:solidFill>
-                <a:srgbClr val="000000"/>
-              </a:solidFill>
-              <a:latin typeface="Calibri"/>
-              <a:ea typeface="맑은 고딕"/>
-              <a:cs typeface="Calibri"/>
-            </a:endParaRPr>
+              <a:rPr kumimoji="0" lang="ko-KR" altLang="en-US" sz="1500" b="0" i="0" u="none" strike="noStrike" kern="1200" cap="none" spc="0" normalizeH="0" baseline="0" dirty="0">
+                <a:solidFill>
+                  <a:srgbClr val="000000"/>
+                </a:solidFill>
+                <a:latin typeface="Calibri"/>
+                <a:ea typeface="맑은 고딕"/>
+                <a:cs typeface="Calibri"/>
+              </a:rPr>
+              <a:t>검류</a:t>
+            </a:r>
           </a:p>
         </p:txBody>
       </p:sp>
@@ -7590,15 +7097,15 @@
               <a:defRPr/>
             </a:pPr>
             <a:r>
-              <a:rPr lang="ko-KR" altLang="en-US" sz="1500" dirty="0">
-                <a:solidFill>
-                  <a:srgbClr val="000000"/>
-                </a:solidFill>
-                <a:latin typeface="Calibri"/>
-                <a:ea typeface="맑은 고딕"/>
-                <a:cs typeface="Calibri"/>
-              </a:rPr>
-              <a:t>궁수</a:t>
+              <a:rPr kumimoji="0" lang="ko-KR" altLang="en-US" sz="1500" b="0" i="0" u="none" strike="noStrike" kern="1200" cap="none" spc="0" normalizeH="0" baseline="0" dirty="0" err="1">
+                <a:solidFill>
+                  <a:srgbClr val="000000"/>
+                </a:solidFill>
+                <a:latin typeface="Calibri"/>
+                <a:ea typeface="맑은 고딕"/>
+                <a:cs typeface="Calibri"/>
+              </a:rPr>
+              <a:t>활류</a:t>
             </a:r>
             <a:endParaRPr kumimoji="0" lang="ko-KR" altLang="en-US" sz="1500" b="0" i="0" u="none" strike="noStrike" kern="1200" cap="none" spc="0" normalizeH="0" baseline="0" dirty="0">
               <a:solidFill>
@@ -7711,6 +7218,401 @@
           <a:xfrm>
             <a:off x="8847724" y="3429000"/>
             <a:ext cx="1089038" cy="2027595"/>
+          </a:xfrm>
+          <a:prstGeom prst="line">
+            <a:avLst/>
+          </a:prstGeom>
+        </p:spPr>
+        <p:style>
+          <a:lnRef idx="1">
+            <a:schemeClr val="accent1"/>
+          </a:lnRef>
+          <a:fillRef idx="0">
+            <a:schemeClr val="accent1"/>
+          </a:fillRef>
+          <a:effectRef idx="0">
+            <a:schemeClr val="accent1"/>
+          </a:effectRef>
+          <a:fontRef idx="minor">
+            <a:schemeClr val="tx1"/>
+          </a:fontRef>
+        </p:style>
+      </p:cxnSp>
+      <p:sp>
+        <p:nvSpPr>
+          <p:cNvPr id="20" name="제목 1">
+            <a:extLst>
+              <a:ext uri="{FF2B5EF4-FFF2-40B4-BE49-F238E27FC236}">
+                <a16:creationId xmlns:a16="http://schemas.microsoft.com/office/drawing/2014/main" id="{A5A8759A-B43C-3B48-1BD3-1AFF7971D6B3}"/>
+              </a:ext>
+            </a:extLst>
+          </p:cNvPr>
+          <p:cNvSpPr>
+            <a:spLocks noGrp="1"/>
+          </p:cNvSpPr>
+          <p:nvPr/>
+        </p:nvSpPr>
+        <p:spPr>
+          <a:xfrm>
+            <a:off x="4544494" y="5084097"/>
+            <a:ext cx="923166" cy="478989"/>
+          </a:xfrm>
+          <a:prstGeom prst="rect">
+            <a:avLst/>
+          </a:prstGeom>
+          <a:ln>
+            <a:solidFill>
+              <a:srgbClr val="000000">
+                <a:alpha val="100000"/>
+              </a:srgbClr>
+            </a:solidFill>
+          </a:ln>
+        </p:spPr>
+        <p:txBody>
+          <a:bodyPr vert="horz" lIns="91440" tIns="45720" rIns="91440" bIns="45720" anchor="ctr">
+            <a:normAutofit/>
+          </a:bodyPr>
+          <a:lstStyle/>
+          <a:p>
+            <a:pPr marL="0" lvl="0" indent="0" algn="ctr" defTabSz="914400" rtl="0" eaLnBrk="1" latinLnBrk="1" hangingPunct="1">
+              <a:lnSpc>
+                <a:spcPct val="100000"/>
+              </a:lnSpc>
+              <a:spcBef>
+                <a:spcPct val="0"/>
+              </a:spcBef>
+              <a:spcAft>
+                <a:spcPts val="0"/>
+              </a:spcAft>
+              <a:buNone/>
+              <a:defRPr/>
+            </a:pPr>
+            <a:r>
+              <a:rPr lang="ko-KR" altLang="en-US" sz="1500" dirty="0">
+                <a:solidFill>
+                  <a:srgbClr val="000000"/>
+                </a:solidFill>
+                <a:latin typeface="Calibri"/>
+                <a:ea typeface="맑은 고딕"/>
+                <a:cs typeface="Calibri"/>
+              </a:rPr>
+              <a:t>일반</a:t>
+            </a:r>
+            <a:r>
+              <a:rPr lang="en-US" altLang="ko-KR" sz="1500" dirty="0">
+                <a:solidFill>
+                  <a:srgbClr val="000000"/>
+                </a:solidFill>
+                <a:latin typeface="Calibri"/>
+                <a:ea typeface="맑은 고딕"/>
+                <a:cs typeface="Calibri"/>
+              </a:rPr>
+              <a:t>1</a:t>
+            </a:r>
+          </a:p>
+        </p:txBody>
+      </p:sp>
+      <p:sp>
+        <p:nvSpPr>
+          <p:cNvPr id="25" name="제목 1">
+            <a:extLst>
+              <a:ext uri="{FF2B5EF4-FFF2-40B4-BE49-F238E27FC236}">
+                <a16:creationId xmlns:a16="http://schemas.microsoft.com/office/drawing/2014/main" id="{A08ABDA3-597A-7A8A-2B85-33E6E7B29522}"/>
+              </a:ext>
+            </a:extLst>
+          </p:cNvPr>
+          <p:cNvSpPr>
+            <a:spLocks noGrp="1"/>
+          </p:cNvSpPr>
+          <p:nvPr/>
+        </p:nvSpPr>
+        <p:spPr>
+          <a:xfrm>
+            <a:off x="5589884" y="5135699"/>
+            <a:ext cx="875226" cy="437546"/>
+          </a:xfrm>
+          <a:prstGeom prst="rect">
+            <a:avLst/>
+          </a:prstGeom>
+          <a:ln>
+            <a:solidFill>
+              <a:srgbClr val="000000">
+                <a:alpha val="100000"/>
+              </a:srgbClr>
+            </a:solidFill>
+          </a:ln>
+        </p:spPr>
+        <p:txBody>
+          <a:bodyPr vert="horz" lIns="91440" tIns="45720" rIns="91440" bIns="45720" anchor="ctr">
+            <a:normAutofit/>
+          </a:bodyPr>
+          <a:lstStyle/>
+          <a:p>
+            <a:pPr marL="0" lvl="0" indent="0" algn="ctr" defTabSz="914400" rtl="0" eaLnBrk="1" latinLnBrk="1" hangingPunct="1">
+              <a:lnSpc>
+                <a:spcPct val="100000"/>
+              </a:lnSpc>
+              <a:spcBef>
+                <a:spcPct val="0"/>
+              </a:spcBef>
+              <a:spcAft>
+                <a:spcPts val="0"/>
+              </a:spcAft>
+              <a:buNone/>
+              <a:defRPr/>
+            </a:pPr>
+            <a:r>
+              <a:rPr lang="ko-KR" altLang="en-US" sz="1500" dirty="0">
+                <a:solidFill>
+                  <a:srgbClr val="000000"/>
+                </a:solidFill>
+                <a:latin typeface="Calibri"/>
+                <a:ea typeface="맑은 고딕"/>
+                <a:cs typeface="Calibri"/>
+              </a:rPr>
+              <a:t>일반</a:t>
+            </a:r>
+            <a:r>
+              <a:rPr lang="en-US" altLang="ko-KR" sz="1500" dirty="0">
+                <a:solidFill>
+                  <a:srgbClr val="000000"/>
+                </a:solidFill>
+                <a:latin typeface="Calibri"/>
+                <a:ea typeface="맑은 고딕"/>
+                <a:cs typeface="Calibri"/>
+              </a:rPr>
+              <a:t>2</a:t>
+            </a:r>
+          </a:p>
+        </p:txBody>
+      </p:sp>
+      <p:sp>
+        <p:nvSpPr>
+          <p:cNvPr id="26" name="제목 1">
+            <a:extLst>
+              <a:ext uri="{FF2B5EF4-FFF2-40B4-BE49-F238E27FC236}">
+                <a16:creationId xmlns:a16="http://schemas.microsoft.com/office/drawing/2014/main" id="{DAB9F8C0-9C63-FECC-6B9C-3A8BC0C86D3E}"/>
+              </a:ext>
+            </a:extLst>
+          </p:cNvPr>
+          <p:cNvSpPr>
+            <a:spLocks noGrp="1"/>
+          </p:cNvSpPr>
+          <p:nvPr/>
+        </p:nvSpPr>
+        <p:spPr>
+          <a:xfrm>
+            <a:off x="6542269" y="5184605"/>
+            <a:ext cx="923167" cy="786154"/>
+          </a:xfrm>
+          <a:prstGeom prst="rect">
+            <a:avLst/>
+          </a:prstGeom>
+          <a:ln>
+            <a:solidFill>
+              <a:srgbClr val="000000">
+                <a:alpha val="100000"/>
+              </a:srgbClr>
+            </a:solidFill>
+          </a:ln>
+        </p:spPr>
+        <p:txBody>
+          <a:bodyPr vert="horz" lIns="91440" tIns="45720" rIns="91440" bIns="45720" anchor="ctr">
+            <a:noAutofit/>
+          </a:bodyPr>
+          <a:lstStyle/>
+          <a:p>
+            <a:pPr marL="0" lvl="0" indent="0" algn="ctr" defTabSz="914400" rtl="0" eaLnBrk="1" latinLnBrk="1" hangingPunct="1">
+              <a:lnSpc>
+                <a:spcPct val="100000"/>
+              </a:lnSpc>
+              <a:spcBef>
+                <a:spcPct val="0"/>
+              </a:spcBef>
+              <a:spcAft>
+                <a:spcPts val="0"/>
+              </a:spcAft>
+              <a:buNone/>
+              <a:defRPr/>
+            </a:pPr>
+            <a:r>
+              <a:rPr lang="ko-KR" altLang="en-US" sz="1200" dirty="0">
+                <a:solidFill>
+                  <a:srgbClr val="000000"/>
+                </a:solidFill>
+                <a:latin typeface="Calibri"/>
+                <a:ea typeface="맑은 고딕"/>
+                <a:cs typeface="Calibri"/>
+              </a:rPr>
+              <a:t>보스</a:t>
+            </a:r>
+            <a:endParaRPr lang="en-US" altLang="ko-KR" sz="1200" dirty="0">
+              <a:solidFill>
+                <a:srgbClr val="000000"/>
+              </a:solidFill>
+              <a:latin typeface="Calibri"/>
+              <a:ea typeface="맑은 고딕"/>
+              <a:cs typeface="Calibri"/>
+            </a:endParaRPr>
+          </a:p>
+          <a:p>
+            <a:pPr marL="0" lvl="0" indent="0" algn="ctr" defTabSz="914400" rtl="0" eaLnBrk="1" latinLnBrk="1" hangingPunct="1">
+              <a:lnSpc>
+                <a:spcPct val="100000"/>
+              </a:lnSpc>
+              <a:spcBef>
+                <a:spcPct val="0"/>
+              </a:spcBef>
+              <a:spcAft>
+                <a:spcPts val="0"/>
+              </a:spcAft>
+              <a:buNone/>
+              <a:defRPr/>
+            </a:pPr>
+            <a:r>
+              <a:rPr lang="ko-KR" altLang="en-US" sz="1200" dirty="0">
+                <a:solidFill>
+                  <a:srgbClr val="000000"/>
+                </a:solidFill>
+                <a:latin typeface="Calibri"/>
+                <a:ea typeface="맑은 고딕"/>
+                <a:cs typeface="Calibri"/>
+              </a:rPr>
+              <a:t>메서드 </a:t>
+            </a:r>
+            <a:r>
+              <a:rPr lang="en-US" altLang="ko-KR" sz="1200" dirty="0">
+                <a:solidFill>
+                  <a:srgbClr val="000000"/>
+                </a:solidFill>
+                <a:latin typeface="Calibri"/>
+                <a:ea typeface="맑은 고딕"/>
+                <a:cs typeface="Calibri"/>
+              </a:rPr>
+              <a:t>: </a:t>
+            </a:r>
+            <a:r>
+              <a:rPr lang="en-US" altLang="ko-KR" sz="1200" dirty="0" err="1">
+                <a:solidFill>
+                  <a:srgbClr val="000000"/>
+                </a:solidFill>
+                <a:latin typeface="Calibri"/>
+                <a:ea typeface="맑은 고딕"/>
+                <a:cs typeface="Calibri"/>
+              </a:rPr>
+              <a:t>SkillBoss</a:t>
+            </a:r>
+            <a:endParaRPr lang="en-US" altLang="ko-KR" sz="1200" dirty="0">
+              <a:solidFill>
+                <a:srgbClr val="000000"/>
+              </a:solidFill>
+              <a:latin typeface="Calibri"/>
+              <a:ea typeface="맑은 고딕"/>
+              <a:cs typeface="Calibri"/>
+            </a:endParaRPr>
+          </a:p>
+        </p:txBody>
+      </p:sp>
+      <p:cxnSp>
+        <p:nvCxnSpPr>
+          <p:cNvPr id="34" name="직선 연결선 33">
+            <a:extLst>
+              <a:ext uri="{FF2B5EF4-FFF2-40B4-BE49-F238E27FC236}">
+                <a16:creationId xmlns:a16="http://schemas.microsoft.com/office/drawing/2014/main" id="{B3FC6CDD-1775-FBC0-224E-3A92BE052962}"/>
+              </a:ext>
+            </a:extLst>
+          </p:cNvPr>
+          <p:cNvCxnSpPr>
+            <a:cxnSpLocks/>
+            <a:stCxn id="13" idx="2"/>
+            <a:endCxn id="20" idx="0"/>
+          </p:cNvCxnSpPr>
+          <p:nvPr/>
+        </p:nvCxnSpPr>
+        <p:spPr>
+          <a:xfrm flipH="1">
+            <a:off x="5006077" y="2445759"/>
+            <a:ext cx="842922" cy="2638338"/>
+          </a:xfrm>
+          <a:prstGeom prst="line">
+            <a:avLst/>
+          </a:prstGeom>
+        </p:spPr>
+        <p:style>
+          <a:lnRef idx="1">
+            <a:schemeClr val="accent1"/>
+          </a:lnRef>
+          <a:fillRef idx="0">
+            <a:schemeClr val="accent1"/>
+          </a:fillRef>
+          <a:effectRef idx="0">
+            <a:schemeClr val="accent1"/>
+          </a:effectRef>
+          <a:fontRef idx="minor">
+            <a:schemeClr val="tx1"/>
+          </a:fontRef>
+        </p:style>
+      </p:cxnSp>
+      <p:cxnSp>
+        <p:nvCxnSpPr>
+          <p:cNvPr id="36" name="직선 연결선 35">
+            <a:extLst>
+              <a:ext uri="{FF2B5EF4-FFF2-40B4-BE49-F238E27FC236}">
+                <a16:creationId xmlns:a16="http://schemas.microsoft.com/office/drawing/2014/main" id="{F08F4B2E-8373-0826-8ABF-6957E4349234}"/>
+              </a:ext>
+            </a:extLst>
+          </p:cNvPr>
+          <p:cNvCxnSpPr>
+            <a:cxnSpLocks/>
+            <a:stCxn id="13" idx="2"/>
+            <a:endCxn id="25" idx="0"/>
+          </p:cNvCxnSpPr>
+          <p:nvPr/>
+        </p:nvCxnSpPr>
+        <p:spPr>
+          <a:xfrm>
+            <a:off x="5848999" y="2445759"/>
+            <a:ext cx="178498" cy="2689940"/>
+          </a:xfrm>
+          <a:prstGeom prst="line">
+            <a:avLst/>
+          </a:prstGeom>
+        </p:spPr>
+        <p:style>
+          <a:lnRef idx="1">
+            <a:schemeClr val="accent1"/>
+          </a:lnRef>
+          <a:fillRef idx="0">
+            <a:schemeClr val="accent1"/>
+          </a:fillRef>
+          <a:effectRef idx="0">
+            <a:schemeClr val="accent1"/>
+          </a:effectRef>
+          <a:fontRef idx="minor">
+            <a:schemeClr val="tx1"/>
+          </a:fontRef>
+        </p:style>
+      </p:cxnSp>
+      <p:cxnSp>
+        <p:nvCxnSpPr>
+          <p:cNvPr id="58" name="직선 연결선 57">
+            <a:extLst>
+              <a:ext uri="{FF2B5EF4-FFF2-40B4-BE49-F238E27FC236}">
+                <a16:creationId xmlns:a16="http://schemas.microsoft.com/office/drawing/2014/main" id="{E2C0D3E2-24AE-362D-19B8-A57E4C0574A2}"/>
+              </a:ext>
+            </a:extLst>
+          </p:cNvPr>
+          <p:cNvCxnSpPr>
+            <a:cxnSpLocks/>
+            <a:stCxn id="13" idx="2"/>
+            <a:endCxn id="26" idx="0"/>
+          </p:cNvCxnSpPr>
+          <p:nvPr/>
+        </p:nvCxnSpPr>
+        <p:spPr>
+          <a:xfrm>
+            <a:off x="5848999" y="2445759"/>
+            <a:ext cx="1154854" cy="2738846"/>
           </a:xfrm>
           <a:prstGeom prst="line">
             <a:avLst/>

--- a/자바 프로젝트.pptx
+++ b/자바 프로젝트.pptx
@@ -1,6 +1,6 @@
 
 <file path=ppt/presentation.xml><?xml version="1.0" encoding="utf-8"?>
-<p:presentation xmlns:a="http://schemas.openxmlformats.org/drawingml/2006/main" xmlns:r="http://schemas.openxmlformats.org/officeDocument/2006/relationships" xmlns:p="http://schemas.openxmlformats.org/presentationml/2006/main">
+<p:presentation xmlns:r="http://schemas.openxmlformats.org/officeDocument/2006/relationships" xmlns:c="http://schemas.openxmlformats.org/drawingml/2006/chart" xmlns:a="http://schemas.openxmlformats.org/drawingml/2006/main" xmlns:dgm="http://schemas.openxmlformats.org/drawingml/2006/diagram" xmlns:dsp="http://schemas.microsoft.com/office/drawing/2008/diagram" xmlns:p="http://schemas.openxmlformats.org/presentationml/2006/main">
   <p:sldMasterIdLst>
     <p:sldMasterId id="2147483648" r:id="rId1"/>
   </p:sldMasterIdLst>
@@ -104,49 +104,13 @@
       </a:defRPr>
     </a:lvl9pPr>
   </p:defaultTextStyle>
-  <p:extLst>
-    <p:ext uri="{EFAFB233-063F-42B5-8137-9DF3F51BA10A}">
-      <p15:sldGuideLst xmlns:p15="http://schemas.microsoft.com/office/powerpoint/2012/main">
-        <p15:guide id="1" orient="horz" pos="2157">
-          <p15:clr>
-            <a:srgbClr val="A4A3A4"/>
-          </p15:clr>
-        </p15:guide>
-        <p15:guide id="2" pos="3839">
-          <p15:clr>
-            <a:srgbClr val="A4A3A4"/>
-          </p15:clr>
-        </p15:guide>
-      </p15:sldGuideLst>
-    </p:ext>
-  </p:extLst>
 </p:presentation>
 </file>
 
 <file path=ppt/commentAuthors.xml><?xml version="1.0" encoding="utf-8"?>
-<p:cmAuthorLst xmlns:a="http://schemas.openxmlformats.org/drawingml/2006/main" xmlns:r="http://schemas.openxmlformats.org/officeDocument/2006/relationships" xmlns:p="http://schemas.openxmlformats.org/presentationml/2006/main">
-  <p:cmAuthor id="1" name="호영 나" initials="호나" lastIdx="1" clrIdx="0">
-    <p:extLst>
-      <p:ext uri="{19B8F6BF-5375-455C-9EA6-DF929625EA0E}">
-        <p15:presenceInfo xmlns:p15="http://schemas.microsoft.com/office/powerpoint/2012/main" userId="a2505d1e2290c32d" providerId="Windows Live"/>
-      </p:ext>
-    </p:extLst>
-  </p:cmAuthor>
+<p:cmAuthorLst xmlns:r="http://schemas.openxmlformats.org/officeDocument/2006/relationships" xmlns:c="http://schemas.openxmlformats.org/drawingml/2006/chart" xmlns:a="http://schemas.openxmlformats.org/drawingml/2006/main" xmlns:dgm="http://schemas.openxmlformats.org/drawingml/2006/diagram" xmlns:dsp="http://schemas.microsoft.com/office/drawing/2008/diagram" xmlns:p="http://schemas.openxmlformats.org/presentationml/2006/main">
+  <p:cmAuthor id="1" name="호영 나" initials="호나" lastIdx="1" clrIdx="0"/>
 </p:cmAuthorLst>
-</file>
-
-<file path=ppt/comments/comment1.xml><?xml version="1.0" encoding="utf-8"?>
-<p:cmLst xmlns:a="http://schemas.openxmlformats.org/drawingml/2006/main" xmlns:r="http://schemas.openxmlformats.org/officeDocument/2006/relationships" xmlns:p="http://schemas.openxmlformats.org/presentationml/2006/main">
-  <p:cm authorId="1" dt="2024-09-28T21:46:14.551" idx="1">
-    <p:pos x="10" y="10"/>
-    <p:text/>
-    <p:extLst>
-      <p:ext uri="{C676402C-5697-4E1C-873F-D02D1690AC5C}">
-        <p15:threadingInfo xmlns:p15="http://schemas.microsoft.com/office/powerpoint/2012/main" timeZoneBias="-540"/>
-      </p:ext>
-    </p:extLst>
-  </p:cm>
-</p:cmLst>
 </file>
 
 <file path=ppt/slideLayouts/slideLayout1.xml><?xml version="1.0" encoding="utf-8"?>
@@ -3182,7 +3146,7 @@
 </file>
 
 <file path=ppt/slides/slide1.xml><?xml version="1.0" encoding="utf-8"?>
-<p:sld xmlns:a="http://schemas.openxmlformats.org/drawingml/2006/main" xmlns:r="http://schemas.openxmlformats.org/officeDocument/2006/relationships" xmlns:p="http://schemas.openxmlformats.org/presentationml/2006/main">
+<p:sld xmlns:r="http://schemas.openxmlformats.org/officeDocument/2006/relationships" xmlns:c="http://schemas.openxmlformats.org/drawingml/2006/chart" xmlns:a="http://schemas.openxmlformats.org/drawingml/2006/main" xmlns:dgm="http://schemas.openxmlformats.org/drawingml/2006/diagram" xmlns:dsp="http://schemas.microsoft.com/office/drawing/2008/diagram" xmlns:p="http://schemas.openxmlformats.org/presentationml/2006/main">
   <p:cSld>
     <p:spTree>
       <p:nvGrpSpPr>
@@ -3205,7 +3169,7 @@
             <a:spLocks noGrp="1"/>
           </p:cNvSpPr>
           <p:nvPr>
-            <p:ph type="ctrTitle"/>
+            <p:ph type="ctrTitle" idx="0"/>
           </p:nvPr>
         </p:nvSpPr>
         <p:spPr>
@@ -3229,7 +3193,7 @@
               <a:defRPr/>
             </a:pPr>
             <a:r>
-              <a:rPr lang="en-US" altLang="ko-KR" sz="1300" b="0" dirty="0" err="1">
+              <a:rPr lang="en-US" altLang="ko-KR" sz="1300" b="0">
                 <a:ln w="9525"/>
                 <a:solidFill>
                   <a:schemeClr val="dk1"/>
@@ -3239,7 +3203,7 @@
               <a:t>rpg</a:t>
             </a:r>
             <a:br>
-              <a:rPr lang="en-US" altLang="ko-KR" sz="1300" b="0" dirty="0">
+              <a:rPr lang="en-US" altLang="ko-KR" sz="1300" b="0">
                 <a:ln w="9525"/>
                 <a:solidFill>
                   <a:schemeClr val="dk1"/>
@@ -3248,7 +3212,7 @@
               </a:rPr>
             </a:br>
             <a:r>
-              <a:rPr lang="ko-KR" altLang="en-US" sz="1300" b="0" dirty="0">
+              <a:rPr lang="ko-KR" altLang="en-US" sz="1300" b="0">
                 <a:ln w="9525"/>
                 <a:solidFill>
                   <a:schemeClr val="dk1"/>
@@ -3258,7 +3222,7 @@
               <a:t>변수 </a:t>
             </a:r>
             <a:r>
-              <a:rPr lang="en-US" altLang="ko-KR" sz="1300" b="0" dirty="0">
+              <a:rPr lang="en-US" altLang="ko-KR" sz="1300" b="0">
                 <a:ln w="9525"/>
                 <a:solidFill>
                   <a:schemeClr val="dk1"/>
@@ -3268,47 +3232,56 @@
               <a:t>: </a:t>
             </a:r>
             <a:r>
-              <a:rPr lang="en-US" altLang="ko-KR" sz="1300" dirty="0">
+              <a:rPr lang="en-US" altLang="ko-KR" sz="1300">
                 <a:ln w="9525"/>
                 <a:solidFill>
                   <a:schemeClr val="dk1"/>
                 </a:solidFill>
                 <a:latin typeface="맑은 고딕"/>
               </a:rPr>
-              <a:t>name, hp, </a:t>
-            </a:r>
-            <a:r>
-              <a:rPr lang="en-US" altLang="ko-KR" sz="1300" dirty="0" err="1">
+              <a:t>name, hp, mp, atk</a:t>
+            </a:r>
+            <a:br>
+              <a:rPr lang="en-US" altLang="ko-KR" sz="1300">
                 <a:ln w="9525"/>
                 <a:solidFill>
                   <a:schemeClr val="dk1"/>
                 </a:solidFill>
                 <a:latin typeface="맑은 고딕"/>
               </a:rPr>
-              <a:t>mp</a:t>
-            </a:r>
-            <a:r>
-              <a:rPr lang="en-US" altLang="ko-KR" sz="1300" dirty="0">
+            </a:br>
+            <a:r>
+              <a:rPr lang="ko-KR" altLang="en-US" sz="1300">
                 <a:ln w="9525"/>
                 <a:solidFill>
                   <a:schemeClr val="dk1"/>
                 </a:solidFill>
                 <a:latin typeface="맑은 고딕"/>
               </a:rPr>
-              <a:t>, </a:t>
-            </a:r>
-            <a:r>
-              <a:rPr lang="en-US" altLang="ko-KR" sz="1300" dirty="0" err="1">
+              <a:t>메서드 </a:t>
+            </a:r>
+            <a:r>
+              <a:rPr lang="en-US" altLang="ko-KR" sz="1300">
                 <a:ln w="9525"/>
                 <a:solidFill>
                   <a:schemeClr val="dk1"/>
                 </a:solidFill>
                 <a:latin typeface="맑은 고딕"/>
               </a:rPr>
-              <a:t>atk</a:t>
+              <a:t>: </a:t>
+            </a:r>
+            <a:r>
+              <a:rPr lang="ko-KR" altLang="en-US" sz="1300">
+                <a:ln w="9525"/>
+                <a:solidFill>
+                  <a:schemeClr val="dk1"/>
+                </a:solidFill>
+                <a:latin typeface="맑은 고딕"/>
+              </a:rPr>
+              <a:t>게임소개</a:t>
             </a:r>
             <a:br>
-              <a:rPr lang="en-US" altLang="ko-KR" sz="1300" dirty="0">
+              <a:rPr lang="en-US" altLang="ko-KR" sz="1300">
                 <a:ln w="9525"/>
                 <a:solidFill>
                   <a:schemeClr val="dk1"/>
@@ -3316,46 +3289,7 @@
                 <a:latin typeface="맑은 고딕"/>
               </a:rPr>
             </a:br>
-            <a:r>
-              <a:rPr lang="ko-KR" altLang="en-US" sz="1300" dirty="0">
-                <a:ln w="9525"/>
-                <a:solidFill>
-                  <a:schemeClr val="dk1"/>
-                </a:solidFill>
-                <a:latin typeface="맑은 고딕"/>
-              </a:rPr>
-              <a:t>메서드 </a:t>
-            </a:r>
-            <a:r>
-              <a:rPr lang="en-US" altLang="ko-KR" sz="1300" dirty="0">
-                <a:ln w="9525"/>
-                <a:solidFill>
-                  <a:schemeClr val="dk1"/>
-                </a:solidFill>
-                <a:latin typeface="맑은 고딕"/>
-              </a:rPr>
-              <a:t>: </a:t>
-            </a:r>
-            <a:r>
-              <a:rPr lang="ko-KR" altLang="en-US" sz="1300" dirty="0">
-                <a:ln w="9525"/>
-                <a:solidFill>
-                  <a:schemeClr val="dk1"/>
-                </a:solidFill>
-                <a:latin typeface="맑은 고딕"/>
-              </a:rPr>
-              <a:t>게임소개</a:t>
-            </a:r>
-            <a:br>
-              <a:rPr lang="en-US" altLang="ko-KR" sz="1300" dirty="0">
-                <a:ln w="9525"/>
-                <a:solidFill>
-                  <a:schemeClr val="dk1"/>
-                </a:solidFill>
-                <a:latin typeface="맑은 고딕"/>
-              </a:rPr>
-            </a:br>
-            <a:endParaRPr lang="en-US" altLang="ko-KR" sz="1300" b="0" dirty="0">
+            <a:endParaRPr lang="en-US" altLang="ko-KR" sz="1300" b="0">
               <a:ln w="9525"/>
               <a:solidFill>
                 <a:schemeClr val="dk1"/>
@@ -3409,7 +3343,7 @@
               <a:defRPr/>
             </a:pPr>
             <a:r>
-              <a:rPr kumimoji="0" lang="ko-KR" altLang="en-US" sz="1200" b="0" i="0" u="none" strike="noStrike" kern="1200" cap="none" spc="0" normalizeH="0" baseline="0" dirty="0">
+              <a:rPr kumimoji="0" lang="ko-KR" altLang="en-US" sz="1200" b="0" i="0" u="none" strike="noStrike" kern="1200" cap="none" spc="0" normalizeH="0" baseline="0">
                 <a:solidFill>
                   <a:srgbClr val="000000"/>
                 </a:solidFill>
@@ -3419,7 +3353,7 @@
               </a:rPr>
               <a:t>모험가</a:t>
             </a:r>
-            <a:endParaRPr kumimoji="0" lang="en-US" altLang="ko-KR" sz="1200" b="0" i="0" u="none" strike="noStrike" kern="1200" cap="none" spc="0" normalizeH="0" baseline="0" dirty="0">
+            <a:endParaRPr kumimoji="0" lang="ko-KR" altLang="en-US" sz="1200" b="0" i="0" u="none" strike="noStrike" kern="1200" cap="none" spc="0" normalizeH="0" baseline="0">
               <a:solidFill>
                 <a:srgbClr val="000000"/>
               </a:solidFill>
@@ -3443,7 +3377,7 @@
               <a:defRPr/>
             </a:pPr>
             <a:r>
-              <a:rPr lang="ko-KR" altLang="en-US" sz="1200" dirty="0">
+              <a:rPr lang="ko-KR" altLang="en-US" sz="1200">
                 <a:solidFill>
                   <a:srgbClr val="000000"/>
                 </a:solidFill>
@@ -3454,7 +3388,7 @@
               <a:t>변수 </a:t>
             </a:r>
             <a:r>
-              <a:rPr lang="en-US" altLang="ko-KR" sz="1200" dirty="0">
+              <a:rPr lang="en-US" altLang="ko-KR" sz="1200">
                 <a:solidFill>
                   <a:srgbClr val="000000"/>
                 </a:solidFill>
@@ -3465,7 +3399,7 @@
               <a:t>:  money,</a:t>
             </a:r>
             <a:r>
-              <a:rPr lang="ko-KR" altLang="en-US" sz="1200" dirty="0">
+              <a:rPr lang="ko-KR" altLang="en-US" sz="1200">
                 <a:solidFill>
                   <a:srgbClr val="000000"/>
                 </a:solidFill>
@@ -3476,7 +3410,7 @@
               <a:t> </a:t>
             </a:r>
             <a:r>
-              <a:rPr lang="en-US" altLang="ko-KR" sz="1200" dirty="0" err="1">
+              <a:rPr lang="en-US" altLang="ko-KR" sz="1200">
                 <a:solidFill>
                   <a:srgbClr val="000000"/>
                 </a:solidFill>
@@ -3486,7 +3420,7 @@
               </a:rPr>
               <a:t>exp,level,job,skillatk</a:t>
             </a:r>
-            <a:endParaRPr lang="en-US" altLang="ko-KR" sz="1200" dirty="0">
+            <a:endParaRPr lang="en-US" altLang="ko-KR" sz="1200">
               <a:solidFill>
                 <a:srgbClr val="000000"/>
               </a:solidFill>
@@ -3510,7 +3444,7 @@
               <a:defRPr/>
             </a:pPr>
             <a:r>
-              <a:rPr kumimoji="0" lang="ko-KR" altLang="en-US" sz="1200" b="0" i="0" u="none" strike="noStrike" kern="1200" cap="none" spc="0" normalizeH="0" baseline="0" dirty="0">
+              <a:rPr kumimoji="0" lang="ko-KR" altLang="en-US" sz="1200" b="0" i="0" u="none" strike="noStrike" kern="1200" cap="none" spc="0" normalizeH="0" baseline="0">
                 <a:solidFill>
                   <a:srgbClr val="000000"/>
                 </a:solidFill>
@@ -3521,7 +3455,7 @@
               <a:t>메서드 </a:t>
             </a:r>
             <a:r>
-              <a:rPr kumimoji="0" lang="en-US" altLang="ko-KR" sz="1200" b="0" i="0" u="none" strike="noStrike" kern="1200" cap="none" spc="0" normalizeH="0" baseline="0" dirty="0">
+              <a:rPr kumimoji="0" lang="en-US" altLang="ko-KR" sz="1200" b="0" i="0" u="none" strike="noStrike" kern="1200" cap="none" spc="0" normalizeH="0" baseline="0">
                 <a:solidFill>
                   <a:srgbClr val="000000"/>
                 </a:solidFill>
@@ -3529,10 +3463,10 @@
                 <a:ea typeface="맑은 고딕"/>
                 <a:cs typeface="Calibri"/>
               </a:rPr>
-              <a:t>: </a:t>
-            </a:r>
-            <a:r>
-              <a:rPr kumimoji="0" lang="en-US" altLang="ko-KR" sz="1200" b="0" i="0" u="none" strike="noStrike" kern="1200" cap="none" spc="0" normalizeH="0" baseline="0" dirty="0" err="1">
+              <a:t>: ExpUp, MoneyUp, </a:t>
+            </a:r>
+            <a:r>
+              <a:rPr lang="en-US" altLang="ko-KR" sz="1200">
                 <a:solidFill>
                   <a:srgbClr val="000000"/>
                 </a:solidFill>
@@ -3540,53 +3474,9 @@
                 <a:ea typeface="맑은 고딕"/>
                 <a:cs typeface="Calibri"/>
               </a:rPr>
-              <a:t>ExpUp</a:t>
-            </a:r>
-            <a:r>
-              <a:rPr kumimoji="0" lang="en-US" altLang="ko-KR" sz="1200" b="0" i="0" u="none" strike="noStrike" kern="1200" cap="none" spc="0" normalizeH="0" baseline="0" dirty="0">
-                <a:solidFill>
-                  <a:srgbClr val="000000"/>
-                </a:solidFill>
-                <a:latin typeface="Calibri"/>
-                <a:ea typeface="맑은 고딕"/>
-                <a:cs typeface="Calibri"/>
-              </a:rPr>
-              <a:t>, </a:t>
-            </a:r>
-            <a:r>
-              <a:rPr kumimoji="0" lang="en-US" altLang="ko-KR" sz="1200" b="0" i="0" u="none" strike="noStrike" kern="1200" cap="none" spc="0" normalizeH="0" baseline="0" dirty="0" err="1">
-                <a:solidFill>
-                  <a:srgbClr val="000000"/>
-                </a:solidFill>
-                <a:latin typeface="Calibri"/>
-                <a:ea typeface="맑은 고딕"/>
-                <a:cs typeface="Calibri"/>
-              </a:rPr>
-              <a:t>MoneyUp</a:t>
-            </a:r>
-            <a:r>
-              <a:rPr kumimoji="0" lang="en-US" altLang="ko-KR" sz="1200" b="0" i="0" u="none" strike="noStrike" kern="1200" cap="none" spc="0" normalizeH="0" baseline="0" dirty="0">
-                <a:solidFill>
-                  <a:srgbClr val="000000"/>
-                </a:solidFill>
-                <a:latin typeface="Calibri"/>
-                <a:ea typeface="맑은 고딕"/>
-                <a:cs typeface="Calibri"/>
-              </a:rPr>
-              <a:t>, </a:t>
-            </a:r>
-            <a:r>
-              <a:rPr lang="en-US" altLang="ko-KR" sz="1200" dirty="0" err="1">
-                <a:solidFill>
-                  <a:srgbClr val="000000"/>
-                </a:solidFill>
-                <a:latin typeface="Calibri"/>
-                <a:ea typeface="맑은 고딕"/>
-                <a:cs typeface="Calibri"/>
-              </a:rPr>
               <a:t>BuyItems</a:t>
             </a:r>
-            <a:endParaRPr kumimoji="0" lang="en-US" altLang="ko-KR" sz="1200" b="0" i="0" u="none" strike="noStrike" kern="1200" cap="none" spc="0" normalizeH="0" baseline="0" dirty="0">
+            <a:endParaRPr kumimoji="0" lang="en-US" altLang="ko-KR" sz="1200" b="0" i="0" u="none" strike="noStrike" kern="1200" cap="none" spc="0" normalizeH="0" baseline="0">
               <a:solidFill>
                 <a:srgbClr val="000000"/>
               </a:solidFill>
@@ -3651,6 +3541,14 @@
               </a:rPr>
               <a:t>npc</a:t>
             </a:r>
+            <a:endParaRPr kumimoji="0" lang="en-US" altLang="ko-KR" sz="1300" b="0" i="0" u="none" strike="noStrike" kern="1200" cap="none" spc="0" normalizeH="0" baseline="0">
+              <a:solidFill>
+                <a:srgbClr val="000000"/>
+              </a:solidFill>
+              <a:latin typeface="맑은 고딕"/>
+              <a:ea typeface="맑은 고딕"/>
+              <a:cs typeface="Calibri"/>
+            </a:endParaRPr>
           </a:p>
         </p:txBody>
       </p:sp>
@@ -3698,7 +3596,7 @@
               <a:defRPr/>
             </a:pPr>
             <a:r>
-              <a:rPr kumimoji="0" lang="ko-KR" altLang="en-US" sz="1500" b="0" i="0" u="none" strike="noStrike" kern="1200" cap="none" spc="0" normalizeH="0" baseline="0" dirty="0">
+              <a:rPr kumimoji="0" lang="ko-KR" altLang="en-US" sz="1500" b="0" i="0" u="none" strike="noStrike" kern="1200" cap="none" spc="0" normalizeH="0" baseline="0">
                 <a:solidFill>
                   <a:srgbClr val="000000"/>
                 </a:solidFill>
@@ -3708,7 +3606,7 @@
               </a:rPr>
               <a:t>몬스터</a:t>
             </a:r>
-            <a:endParaRPr kumimoji="0" lang="en-US" altLang="ko-KR" sz="1500" b="0" i="0" u="none" strike="noStrike" kern="1200" cap="none" spc="0" normalizeH="0" baseline="0" dirty="0">
+            <a:endParaRPr kumimoji="0" lang="ko-KR" altLang="en-US" sz="1500" b="0" i="0" u="none" strike="noStrike" kern="1200" cap="none" spc="0" normalizeH="0" baseline="0">
               <a:solidFill>
                 <a:srgbClr val="000000"/>
               </a:solidFill>
@@ -3732,7 +3630,7 @@
               <a:defRPr/>
             </a:pPr>
             <a:r>
-              <a:rPr lang="ko-KR" altLang="en-US" sz="1500" dirty="0">
+              <a:rPr lang="ko-KR" altLang="en-US" sz="1500">
                 <a:solidFill>
                   <a:srgbClr val="000000"/>
                 </a:solidFill>
@@ -3743,7 +3641,7 @@
               <a:t>변수 </a:t>
             </a:r>
             <a:r>
-              <a:rPr lang="en-US" altLang="ko-KR" sz="1500" dirty="0">
+              <a:rPr lang="en-US" altLang="ko-KR" sz="1500">
                 <a:solidFill>
                   <a:srgbClr val="000000"/>
                 </a:solidFill>
@@ -3753,7 +3651,7 @@
               </a:rPr>
               <a:t>: species</a:t>
             </a:r>
-            <a:endParaRPr kumimoji="0" lang="en-US" altLang="ko-KR" sz="1500" b="0" i="0" u="none" strike="noStrike" kern="1200" cap="none" spc="0" normalizeH="0" baseline="0" dirty="0">
+            <a:endParaRPr kumimoji="0" lang="en-US" altLang="ko-KR" sz="1500" b="0" i="0" u="none" strike="noStrike" kern="1200" cap="none" spc="0" normalizeH="0" baseline="0">
               <a:solidFill>
                 <a:srgbClr val="000000"/>
               </a:solidFill>
@@ -3768,7 +3666,6 @@
         <p:nvCxnSpPr>
           <p:cNvPr id="17" name="선 16"/>
           <p:cNvCxnSpPr>
-            <a:cxnSpLocks/>
             <a:stCxn id="2" idx="2"/>
             <a:endCxn id="10" idx="0"/>
           </p:cNvCxnSpPr>
@@ -3802,7 +3699,6 @@
         <p:nvCxnSpPr>
           <p:cNvPr id="18" name="선 17"/>
           <p:cNvCxnSpPr>
-            <a:cxnSpLocks/>
             <a:stCxn id="2" idx="2"/>
             <a:endCxn id="13" idx="0"/>
           </p:cNvCxnSpPr>
@@ -3836,7 +3732,6 @@
         <p:nvCxnSpPr>
           <p:cNvPr id="19" name="선 18"/>
           <p:cNvCxnSpPr>
-            <a:cxnSpLocks/>
             <a:stCxn id="2" idx="2"/>
             <a:endCxn id="12" idx="0"/>
           </p:cNvCxnSpPr>
@@ -3910,7 +3805,7 @@
               <a:defRPr/>
             </a:pPr>
             <a:r>
-              <a:rPr kumimoji="0" lang="ko-KR" altLang="en-US" sz="1200" b="0" i="0" u="none" strike="noStrike" kern="1200" cap="none" spc="0" normalizeH="0" baseline="0" dirty="0">
+              <a:rPr kumimoji="0" lang="ko-KR" altLang="en-US" sz="1200" b="0" i="0" u="none" strike="noStrike" kern="1200" cap="none" spc="0" normalizeH="0" baseline="0">
                 <a:solidFill>
                   <a:srgbClr val="000000"/>
                 </a:solidFill>
@@ -3920,7 +3815,7 @@
               </a:rPr>
               <a:t>전사</a:t>
             </a:r>
-            <a:endParaRPr kumimoji="0" lang="en-US" altLang="ko-KR" sz="1200" b="0" i="0" u="none" strike="noStrike" kern="1200" cap="none" spc="0" normalizeH="0" baseline="0" dirty="0">
+            <a:endParaRPr kumimoji="0" lang="ko-KR" altLang="en-US" sz="1200" b="0" i="0" u="none" strike="noStrike" kern="1200" cap="none" spc="0" normalizeH="0" baseline="0">
               <a:solidFill>
                 <a:srgbClr val="000000"/>
               </a:solidFill>
@@ -3944,7 +3839,7 @@
               <a:defRPr/>
             </a:pPr>
             <a:r>
-              <a:rPr lang="ko-KR" altLang="en-US" sz="1200" dirty="0">
+              <a:rPr lang="ko-KR" altLang="en-US" sz="1200">
                 <a:solidFill>
                   <a:srgbClr val="000000"/>
                 </a:solidFill>
@@ -3955,7 +3850,7 @@
               <a:t>변수 </a:t>
             </a:r>
             <a:r>
-              <a:rPr lang="en-US" altLang="ko-KR" sz="1200" dirty="0">
+              <a:rPr lang="en-US" altLang="ko-KR" sz="1200">
                 <a:solidFill>
                   <a:srgbClr val="000000"/>
                 </a:solidFill>
@@ -3963,20 +3858,9 @@
                 <a:ea typeface="맑은 고딕"/>
                 <a:cs typeface="Calibri"/>
               </a:rPr>
-              <a:t>: </a:t>
-            </a:r>
-            <a:r>
-              <a:rPr lang="en-US" altLang="ko-KR" sz="1200" dirty="0" err="1">
-                <a:solidFill>
-                  <a:srgbClr val="000000"/>
-                </a:solidFill>
-                <a:latin typeface="Calibri"/>
-                <a:ea typeface="맑은 고딕"/>
-                <a:cs typeface="Calibri"/>
-              </a:rPr>
-              <a:t>SkillAtkWa</a:t>
-            </a:r>
-            <a:endParaRPr kumimoji="0" lang="en-US" altLang="ko-KR" sz="1200" b="0" i="0" u="none" strike="noStrike" kern="1200" cap="none" spc="0" normalizeH="0" baseline="0" dirty="0">
+              <a:t>: SkillAtkWa</a:t>
+            </a:r>
+            <a:endParaRPr lang="en-US" altLang="ko-KR" sz="1200">
               <a:solidFill>
                 <a:srgbClr val="000000"/>
               </a:solidFill>
@@ -4000,7 +3884,7 @@
               <a:defRPr/>
             </a:pPr>
             <a:r>
-              <a:rPr kumimoji="0" lang="ko-KR" altLang="en-US" sz="1200" b="0" i="0" u="none" strike="noStrike" kern="1200" cap="none" spc="0" normalizeH="0" baseline="0" dirty="0">
+              <a:rPr kumimoji="0" lang="ko-KR" altLang="en-US" sz="1200" b="0" i="0" u="none" strike="noStrike" kern="1200" cap="none" spc="0" normalizeH="0" baseline="0">
                 <a:solidFill>
                   <a:srgbClr val="000000"/>
                 </a:solidFill>
@@ -4011,7 +3895,7 @@
               <a:t>메서드 </a:t>
             </a:r>
             <a:r>
-              <a:rPr kumimoji="0" lang="en-US" altLang="ko-KR" sz="1200" b="0" i="0" u="none" strike="noStrike" kern="1200" cap="none" spc="0" normalizeH="0" baseline="0" dirty="0">
+              <a:rPr kumimoji="0" lang="en-US" altLang="ko-KR" sz="1200" b="0" i="0" u="none" strike="noStrike" kern="1200" cap="none" spc="0" normalizeH="0" baseline="0">
                 <a:solidFill>
                   <a:srgbClr val="000000"/>
                 </a:solidFill>
@@ -4019,20 +3903,9 @@
                 <a:ea typeface="맑은 고딕"/>
                 <a:cs typeface="Calibri"/>
               </a:rPr>
-              <a:t>: </a:t>
-            </a:r>
-            <a:r>
-              <a:rPr kumimoji="0" lang="en-US" altLang="ko-KR" sz="1200" b="0" i="0" u="none" strike="noStrike" kern="1200" cap="none" spc="0" normalizeH="0" baseline="0" dirty="0" err="1">
-                <a:solidFill>
-                  <a:srgbClr val="000000"/>
-                </a:solidFill>
-                <a:latin typeface="Calibri"/>
-                <a:ea typeface="맑은 고딕"/>
-                <a:cs typeface="Calibri"/>
-              </a:rPr>
-              <a:t>SkillWa</a:t>
-            </a:r>
-            <a:endParaRPr kumimoji="0" lang="ko-KR" altLang="en-US" sz="1200" b="0" i="0" u="none" strike="noStrike" kern="1200" cap="none" spc="0" normalizeH="0" baseline="0" dirty="0">
+              <a:t>: SkillWa</a:t>
+            </a:r>
+            <a:endParaRPr kumimoji="0" lang="ko-KR" altLang="en-US" sz="1200" b="0" i="0" u="none" strike="noStrike" kern="1200" cap="none" spc="0" normalizeH="0" baseline="0">
               <a:solidFill>
                 <a:srgbClr val="000000"/>
               </a:solidFill>
@@ -4087,7 +3960,7 @@
               <a:defRPr/>
             </a:pPr>
             <a:r>
-              <a:rPr kumimoji="0" lang="ko-KR" altLang="en-US" sz="1200" b="0" i="0" u="none" strike="noStrike" kern="1200" cap="none" spc="0" normalizeH="0" baseline="0" dirty="0">
+              <a:rPr kumimoji="0" lang="ko-KR" altLang="en-US" sz="1200" b="0" i="0" u="none" strike="noStrike" kern="1200" cap="none" spc="0" normalizeH="0" baseline="0">
                 <a:solidFill>
                   <a:srgbClr val="000000"/>
                 </a:solidFill>
@@ -4097,7 +3970,7 @@
               </a:rPr>
               <a:t>궁수</a:t>
             </a:r>
-            <a:endParaRPr lang="en-US" altLang="ko-KR" sz="1200" dirty="0">
+            <a:endParaRPr kumimoji="0" lang="ko-KR" altLang="en-US" sz="1200" b="0" i="0" u="none" strike="noStrike" kern="1200" cap="none" spc="0" normalizeH="0" baseline="0">
               <a:solidFill>
                 <a:srgbClr val="000000"/>
               </a:solidFill>
@@ -4121,7 +3994,7 @@
               <a:defRPr/>
             </a:pPr>
             <a:r>
-              <a:rPr lang="ko-KR" altLang="en-US" sz="1200" dirty="0">
+              <a:rPr lang="ko-KR" altLang="en-US" sz="1200">
                 <a:solidFill>
                   <a:srgbClr val="000000"/>
                 </a:solidFill>
@@ -4132,7 +4005,7 @@
               <a:t>변수</a:t>
             </a:r>
             <a:r>
-              <a:rPr lang="en-US" altLang="ko-KR" sz="1200" dirty="0">
+              <a:rPr lang="en-US" altLang="ko-KR" sz="1200">
                 <a:solidFill>
                   <a:srgbClr val="000000"/>
                 </a:solidFill>
@@ -4140,20 +4013,9 @@
                 <a:ea typeface="맑은 고딕"/>
                 <a:cs typeface="Calibri"/>
               </a:rPr>
-              <a:t>:</a:t>
-            </a:r>
-            <a:r>
-              <a:rPr lang="en-US" altLang="ko-KR" sz="1200" dirty="0" err="1">
-                <a:solidFill>
-                  <a:srgbClr val="000000"/>
-                </a:solidFill>
-                <a:latin typeface="Calibri"/>
-                <a:ea typeface="맑은 고딕"/>
-                <a:cs typeface="Calibri"/>
-              </a:rPr>
-              <a:t>SkillAtkAr</a:t>
-            </a:r>
-            <a:endParaRPr kumimoji="0" lang="en-US" altLang="ko-KR" sz="1200" b="0" i="0" u="none" strike="noStrike" kern="1200" cap="none" spc="0" normalizeH="0" baseline="0" dirty="0">
+              <a:t>:SkillAtkAr</a:t>
+            </a:r>
+            <a:endParaRPr lang="en-US" altLang="ko-KR" sz="1200">
               <a:solidFill>
                 <a:srgbClr val="000000"/>
               </a:solidFill>
@@ -4177,7 +4039,7 @@
               <a:defRPr/>
             </a:pPr>
             <a:r>
-              <a:rPr kumimoji="0" lang="ko-KR" altLang="en-US" sz="1200" b="0" i="0" u="none" strike="noStrike" kern="1200" cap="none" spc="0" normalizeH="0" baseline="0" dirty="0">
+              <a:rPr kumimoji="0" lang="ko-KR" altLang="en-US" sz="1200" b="0" i="0" u="none" strike="noStrike" kern="1200" cap="none" spc="0" normalizeH="0" baseline="0">
                 <a:solidFill>
                   <a:srgbClr val="000000"/>
                 </a:solidFill>
@@ -4188,7 +4050,7 @@
               <a:t>메서드</a:t>
             </a:r>
             <a:r>
-              <a:rPr kumimoji="0" lang="en-US" altLang="ko-KR" sz="1200" b="0" i="0" u="none" strike="noStrike" kern="1200" cap="none" spc="0" normalizeH="0" baseline="0" dirty="0">
+              <a:rPr kumimoji="0" lang="en-US" altLang="ko-KR" sz="1200" b="0" i="0" u="none" strike="noStrike" kern="1200" cap="none" spc="0" normalizeH="0" baseline="0">
                 <a:solidFill>
                   <a:srgbClr val="000000"/>
                 </a:solidFill>
@@ -4196,20 +4058,9 @@
                 <a:ea typeface="맑은 고딕"/>
                 <a:cs typeface="Calibri"/>
               </a:rPr>
-              <a:t>:</a:t>
-            </a:r>
-            <a:r>
-              <a:rPr kumimoji="0" lang="en-US" altLang="ko-KR" sz="1200" b="0" i="0" u="none" strike="noStrike" kern="1200" cap="none" spc="0" normalizeH="0" baseline="0" dirty="0" err="1">
-                <a:solidFill>
-                  <a:srgbClr val="000000"/>
-                </a:solidFill>
-                <a:latin typeface="Calibri"/>
-                <a:ea typeface="맑은 고딕"/>
-                <a:cs typeface="Calibri"/>
-              </a:rPr>
-              <a:t>SkillAr</a:t>
-            </a:r>
-            <a:endParaRPr kumimoji="0" lang="ko-KR" altLang="en-US" sz="1200" b="0" i="0" u="none" strike="noStrike" kern="1200" cap="none" spc="0" normalizeH="0" baseline="0" dirty="0">
+              <a:t>:SkillAr</a:t>
+            </a:r>
+            <a:endParaRPr kumimoji="0" lang="ko-KR" altLang="en-US" sz="1200" b="0" i="0" u="none" strike="noStrike" kern="1200" cap="none" spc="0" normalizeH="0" baseline="0">
               <a:solidFill>
                 <a:srgbClr val="000000"/>
               </a:solidFill>
@@ -4264,7 +4115,7 @@
               <a:defRPr/>
             </a:pPr>
             <a:r>
-              <a:rPr kumimoji="0" lang="ko-KR" altLang="en-US" sz="1200" b="0" i="0" u="none" strike="noStrike" kern="1200" cap="none" spc="0" normalizeH="0" baseline="0" dirty="0">
+              <a:rPr kumimoji="0" lang="ko-KR" altLang="en-US" sz="1200" b="0" i="0" u="none" strike="noStrike" kern="1200" cap="none" spc="0" normalizeH="0" baseline="0">
                 <a:solidFill>
                   <a:srgbClr val="000000"/>
                 </a:solidFill>
@@ -4274,7 +4125,7 @@
               </a:rPr>
               <a:t>마법사</a:t>
             </a:r>
-            <a:endParaRPr kumimoji="0" lang="en-US" altLang="ko-KR" sz="1200" b="0" i="0" u="none" strike="noStrike" kern="1200" cap="none" spc="0" normalizeH="0" baseline="0" dirty="0">
+            <a:endParaRPr kumimoji="0" lang="ko-KR" altLang="en-US" sz="1200" b="0" i="0" u="none" strike="noStrike" kern="1200" cap="none" spc="0" normalizeH="0" baseline="0">
               <a:solidFill>
                 <a:srgbClr val="000000"/>
               </a:solidFill>
@@ -4298,7 +4149,7 @@
               <a:defRPr/>
             </a:pPr>
             <a:r>
-              <a:rPr lang="ko-KR" altLang="en-US" sz="1200" dirty="0">
+              <a:rPr lang="ko-KR" altLang="en-US" sz="1200">
                 <a:solidFill>
                   <a:srgbClr val="000000"/>
                 </a:solidFill>
@@ -4309,7 +4160,7 @@
               <a:t>변수 </a:t>
             </a:r>
             <a:r>
-              <a:rPr lang="en-US" altLang="ko-KR" sz="1200" dirty="0">
+              <a:rPr lang="en-US" altLang="ko-KR" sz="1200">
                 <a:solidFill>
                   <a:srgbClr val="000000"/>
                 </a:solidFill>
@@ -4317,20 +4168,9 @@
                 <a:ea typeface="맑은 고딕"/>
                 <a:cs typeface="Calibri"/>
               </a:rPr>
-              <a:t>: </a:t>
-            </a:r>
-            <a:r>
-              <a:rPr lang="en-US" altLang="ko-KR" sz="1200" dirty="0" err="1">
-                <a:solidFill>
-                  <a:srgbClr val="000000"/>
-                </a:solidFill>
-                <a:latin typeface="Calibri"/>
-                <a:ea typeface="맑은 고딕"/>
-                <a:cs typeface="Calibri"/>
-              </a:rPr>
-              <a:t>SkillAtkMa</a:t>
-            </a:r>
-            <a:endParaRPr kumimoji="0" lang="en-US" altLang="ko-KR" sz="1200" b="0" i="0" u="none" strike="noStrike" kern="1200" cap="none" spc="0" normalizeH="0" baseline="0" dirty="0">
+              <a:t>: SkillAtkMa</a:t>
+            </a:r>
+            <a:endParaRPr lang="en-US" altLang="ko-KR" sz="1200">
               <a:solidFill>
                 <a:srgbClr val="000000"/>
               </a:solidFill>
@@ -4354,7 +4194,7 @@
               <a:defRPr/>
             </a:pPr>
             <a:r>
-              <a:rPr lang="ko-KR" altLang="en-US" sz="1200" dirty="0">
+              <a:rPr lang="ko-KR" altLang="en-US" sz="1200">
                 <a:solidFill>
                   <a:srgbClr val="000000"/>
                 </a:solidFill>
@@ -4365,7 +4205,7 @@
               <a:t>메서드 </a:t>
             </a:r>
             <a:r>
-              <a:rPr lang="en-US" altLang="ko-KR" sz="1200" dirty="0">
+              <a:rPr lang="en-US" altLang="ko-KR" sz="1200">
                 <a:solidFill>
                   <a:srgbClr val="000000"/>
                 </a:solidFill>
@@ -4373,20 +4213,9 @@
                 <a:ea typeface="맑은 고딕"/>
                 <a:cs typeface="Calibri"/>
               </a:rPr>
-              <a:t>:</a:t>
-            </a:r>
-            <a:r>
-              <a:rPr lang="en-US" altLang="ko-KR" sz="1200" dirty="0" err="1">
-                <a:solidFill>
-                  <a:srgbClr val="000000"/>
-                </a:solidFill>
-                <a:latin typeface="Calibri"/>
-                <a:ea typeface="맑은 고딕"/>
-                <a:cs typeface="Calibri"/>
-              </a:rPr>
-              <a:t>SkillMa</a:t>
-            </a:r>
-            <a:endParaRPr kumimoji="0" lang="ko-KR" altLang="en-US" sz="1200" b="0" i="0" u="none" strike="noStrike" kern="1200" cap="none" spc="0" normalizeH="0" baseline="0" dirty="0">
+              <a:t>:SkillMa</a:t>
+            </a:r>
+            <a:endParaRPr kumimoji="0" lang="ko-KR" altLang="en-US" sz="1200" b="0" i="0" u="none" strike="noStrike" kern="1200" cap="none" spc="0" normalizeH="0" baseline="0">
               <a:solidFill>
                 <a:srgbClr val="000000"/>
               </a:solidFill>
@@ -4441,7 +4270,7 @@
               <a:defRPr/>
             </a:pPr>
             <a:r>
-              <a:rPr kumimoji="0" lang="ko-KR" altLang="en-US" sz="1300" b="0" i="0" u="none" strike="noStrike" kern="1200" cap="none" spc="0" normalizeH="0" baseline="0" dirty="0">
+              <a:rPr kumimoji="0" lang="ko-KR" altLang="en-US" sz="1300" b="0" i="0" u="none" strike="noStrike" kern="1200" cap="none" spc="0" normalizeH="0" baseline="0">
                 <a:solidFill>
                   <a:srgbClr val="000000"/>
                 </a:solidFill>
@@ -4451,6 +4280,14 @@
               </a:rPr>
               <a:t>전투지원</a:t>
             </a:r>
+            <a:endParaRPr kumimoji="0" lang="ko-KR" altLang="en-US" sz="1300" b="0" i="0" u="none" strike="noStrike" kern="1200" cap="none" spc="0" normalizeH="0" baseline="0">
+              <a:solidFill>
+                <a:srgbClr val="000000"/>
+              </a:solidFill>
+              <a:latin typeface="맑은 고딕"/>
+              <a:ea typeface="맑은 고딕"/>
+              <a:cs typeface="Calibri"/>
+            </a:endParaRPr>
           </a:p>
         </p:txBody>
       </p:sp>
@@ -4480,7 +4317,7 @@
         </p:spPr>
         <p:txBody>
           <a:bodyPr vert="horz" lIns="91440" tIns="45720" rIns="91440" bIns="45720" anchor="ctr">
-            <a:normAutofit/>
+            <a:normAutofit fontScale="92500" lnSpcReduction="10000"/>
           </a:bodyPr>
           <a:lstStyle/>
           <a:p>
@@ -4498,7 +4335,7 @@
               <a:defRPr/>
             </a:pPr>
             <a:r>
-              <a:rPr kumimoji="0" lang="ko-KR" altLang="en-US" sz="1300" b="0" i="0" u="none" strike="noStrike" kern="1200" cap="none" spc="0" normalizeH="0" baseline="0" dirty="0">
+              <a:rPr kumimoji="0" lang="ko-KR" altLang="en-US" sz="1300" b="0" i="0" u="none" strike="noStrike" kern="1200" cap="none" spc="0" normalizeH="0" baseline="0">
                 <a:solidFill>
                   <a:srgbClr val="000000"/>
                 </a:solidFill>
@@ -4508,7 +4345,7 @@
               </a:rPr>
               <a:t>무기판매</a:t>
             </a:r>
-            <a:endParaRPr kumimoji="0" lang="en-US" altLang="ko-KR" sz="1300" b="0" i="0" u="none" strike="noStrike" kern="1200" cap="none" spc="0" normalizeH="0" baseline="0" dirty="0">
+            <a:endParaRPr kumimoji="0" lang="ko-KR" altLang="en-US" sz="1300" b="0" i="0" u="none" strike="noStrike" kern="1200" cap="none" spc="0" normalizeH="0" baseline="0">
               <a:solidFill>
                 <a:srgbClr val="000000"/>
               </a:solidFill>
@@ -4532,7 +4369,7 @@
               <a:defRPr/>
             </a:pPr>
             <a:r>
-              <a:rPr lang="ko-KR" altLang="en-US" sz="1300" dirty="0">
+              <a:rPr lang="ko-KR" altLang="en-US" sz="1300">
                 <a:solidFill>
                   <a:srgbClr val="000000"/>
                 </a:solidFill>
@@ -4543,7 +4380,7 @@
               <a:t>변수 </a:t>
             </a:r>
             <a:r>
-              <a:rPr lang="en-US" altLang="ko-KR" sz="1300" dirty="0">
+              <a:rPr lang="en-US" altLang="ko-KR" sz="1300">
                 <a:solidFill>
                   <a:srgbClr val="000000"/>
                 </a:solidFill>
@@ -4551,9 +4388,31 @@
                 <a:ea typeface="맑은 고딕"/>
                 <a:cs typeface="Calibri"/>
               </a:rPr>
-              <a:t>: Items</a:t>
-            </a:r>
-            <a:endParaRPr kumimoji="0" lang="en-US" altLang="ko-KR" sz="1300" b="0" i="0" u="none" strike="noStrike" kern="1200" cap="none" spc="0" normalizeH="0" baseline="0" dirty="0">
+              <a:t>: Items,</a:t>
+            </a:r>
+            <a:r>
+              <a:rPr lang="ko-KR" altLang="en-US" sz="1300">
+                <a:solidFill>
+                  <a:srgbClr val="000000"/>
+                </a:solidFill>
+                <a:latin typeface="맑은 고딕"/>
+                <a:ea typeface="맑은 고딕"/>
+                <a:cs typeface="Calibri"/>
+              </a:rPr>
+              <a:t> </a:t>
+            </a:r>
+            <a:r>
+              <a:rPr lang="en-US" altLang="ko-KR" sz="1300">
+                <a:solidFill>
+                  <a:srgbClr val="000000"/>
+                </a:solidFill>
+                <a:latin typeface="맑은 고딕"/>
+                <a:ea typeface="맑은 고딕"/>
+                <a:cs typeface="Calibri"/>
+              </a:rPr>
+              <a:t>price</a:t>
+            </a:r>
+            <a:endParaRPr lang="en-US" altLang="ko-KR" sz="1300">
               <a:solidFill>
                 <a:srgbClr val="000000"/>
               </a:solidFill>
@@ -4577,7 +4436,7 @@
               <a:defRPr/>
             </a:pPr>
             <a:r>
-              <a:rPr kumimoji="0" lang="ko-KR" altLang="en-US" sz="1300" b="0" i="0" u="none" strike="noStrike" kern="1200" cap="none" spc="0" normalizeH="0" baseline="0" dirty="0">
+              <a:rPr kumimoji="0" lang="ko-KR" altLang="en-US" sz="1300" b="0" i="0" u="none" strike="noStrike" kern="1200" cap="none" spc="0" normalizeH="0" baseline="0">
                 <a:solidFill>
                   <a:srgbClr val="000000"/>
                 </a:solidFill>
@@ -4588,7 +4447,7 @@
               <a:t>메서드 </a:t>
             </a:r>
             <a:r>
-              <a:rPr kumimoji="0" lang="en-US" altLang="ko-KR" sz="1300" b="0" i="0" u="none" strike="noStrike" kern="1200" cap="none" spc="0" normalizeH="0" baseline="0" dirty="0">
+              <a:rPr kumimoji="0" lang="en-US" altLang="ko-KR" sz="1300" b="0" i="0" u="none" strike="noStrike" kern="1200" cap="none" spc="0" normalizeH="0" baseline="0">
                 <a:solidFill>
                   <a:srgbClr val="000000"/>
                 </a:solidFill>
@@ -4596,20 +4455,9 @@
                 <a:ea typeface="맑은 고딕"/>
                 <a:cs typeface="Calibri"/>
               </a:rPr>
-              <a:t>:</a:t>
-            </a:r>
-            <a:r>
-              <a:rPr kumimoji="0" lang="en-US" altLang="ko-KR" sz="1300" b="0" i="0" u="none" strike="noStrike" kern="1200" cap="none" spc="0" normalizeH="0" baseline="0" dirty="0" err="1">
-                <a:solidFill>
-                  <a:srgbClr val="000000"/>
-                </a:solidFill>
-                <a:latin typeface="맑은 고딕"/>
-                <a:ea typeface="맑은 고딕"/>
-                <a:cs typeface="Calibri"/>
-              </a:rPr>
-              <a:t>SellItems</a:t>
-            </a:r>
-            <a:endParaRPr kumimoji="0" lang="ko-KR" altLang="en-US" sz="1300" b="0" i="0" u="none" strike="noStrike" kern="1200" cap="none" spc="0" normalizeH="0" baseline="0" dirty="0">
+              <a:t>:SellItems</a:t>
+            </a:r>
+            <a:endParaRPr kumimoji="0" lang="ko-KR" altLang="en-US" sz="1300" b="0" i="0" u="none" strike="noStrike" kern="1200" cap="none" spc="0" normalizeH="0" baseline="0">
               <a:solidFill>
                 <a:srgbClr val="000000"/>
               </a:solidFill>
@@ -4664,7 +4512,7 @@
               <a:defRPr/>
             </a:pPr>
             <a:r>
-              <a:rPr kumimoji="0" lang="ko-KR" altLang="en-US" sz="1300" b="0" i="0" u="none" strike="noStrike" kern="1200" cap="none" spc="0" normalizeH="0" baseline="0" dirty="0">
+              <a:rPr kumimoji="0" lang="ko-KR" altLang="en-US" sz="1300" b="0" i="0" u="none" strike="noStrike" kern="1200" cap="none" spc="0" normalizeH="0" baseline="0">
                 <a:solidFill>
                   <a:srgbClr val="000000"/>
                 </a:solidFill>
@@ -4674,7 +4522,7 @@
               </a:rPr>
               <a:t>길잡이</a:t>
             </a:r>
-            <a:endParaRPr kumimoji="0" lang="en-US" altLang="ko-KR" sz="1300" b="0" i="0" u="none" strike="noStrike" kern="1200" cap="none" spc="0" normalizeH="0" baseline="0" dirty="0">
+            <a:endParaRPr kumimoji="0" lang="ko-KR" altLang="en-US" sz="1300" b="0" i="0" u="none" strike="noStrike" kern="1200" cap="none" spc="0" normalizeH="0" baseline="0">
               <a:solidFill>
                 <a:srgbClr val="000000"/>
               </a:solidFill>
@@ -4698,7 +4546,7 @@
               <a:defRPr/>
             </a:pPr>
             <a:r>
-              <a:rPr kumimoji="0" lang="ko-KR" altLang="en-US" sz="1300" b="0" i="0" u="none" strike="noStrike" kern="1200" cap="none" spc="0" normalizeH="0" baseline="0" dirty="0">
+              <a:rPr kumimoji="0" lang="ko-KR" altLang="en-US" sz="1300" b="0" i="0" u="none" strike="noStrike" kern="1200" cap="none" spc="0" normalizeH="0" baseline="0">
                 <a:solidFill>
                   <a:srgbClr val="000000"/>
                 </a:solidFill>
@@ -4709,7 +4557,7 @@
               <a:t>메서드 </a:t>
             </a:r>
             <a:r>
-              <a:rPr kumimoji="0" lang="en-US" altLang="ko-KR" sz="1300" b="0" i="0" u="none" strike="noStrike" kern="1200" cap="none" spc="0" normalizeH="0" baseline="0" dirty="0">
+              <a:rPr kumimoji="0" lang="en-US" altLang="ko-KR" sz="1300" b="0" i="0" u="none" strike="noStrike" kern="1200" cap="none" spc="0" normalizeH="0" baseline="0">
                 <a:solidFill>
                   <a:srgbClr val="000000"/>
                 </a:solidFill>
@@ -4719,6 +4567,14 @@
               </a:rPr>
               <a:t>:</a:t>
             </a:r>
+            <a:endParaRPr kumimoji="0" lang="en-US" altLang="ko-KR" sz="1300" b="0" i="0" u="none" strike="noStrike" kern="1200" cap="none" spc="0" normalizeH="0" baseline="0">
+              <a:solidFill>
+                <a:srgbClr val="000000"/>
+              </a:solidFill>
+              <a:latin typeface="맑은 고딕"/>
+              <a:ea typeface="맑은 고딕"/>
+              <a:cs typeface="Calibri"/>
+            </a:endParaRPr>
           </a:p>
           <a:p>
             <a:pPr marL="0" lvl="0" indent="0" algn="ctr" defTabSz="914400" rtl="0" eaLnBrk="1" latinLnBrk="1" hangingPunct="1">
@@ -4735,7 +4591,7 @@
               <a:defRPr/>
             </a:pPr>
             <a:r>
-              <a:rPr kumimoji="0" lang="en-US" altLang="ko-KR" sz="1300" b="0" i="0" u="none" strike="noStrike" kern="1200" cap="none" spc="0" normalizeH="0" baseline="0" dirty="0">
+              <a:rPr kumimoji="0" lang="en-US" altLang="ko-KR" sz="1300" b="0" i="0" u="none" strike="noStrike" kern="1200" cap="none" spc="0" normalizeH="0" baseline="0">
                 <a:solidFill>
                   <a:srgbClr val="000000"/>
                 </a:solidFill>
@@ -4745,7 +4601,7 @@
               </a:rPr>
               <a:t>Buff</a:t>
             </a:r>
-            <a:endParaRPr kumimoji="0" lang="ko-KR" altLang="en-US" sz="1300" b="0" i="0" u="none" strike="noStrike" kern="1200" cap="none" spc="0" normalizeH="0" baseline="0" dirty="0">
+            <a:endParaRPr kumimoji="0" lang="ko-KR" altLang="en-US" sz="1300" b="0" i="0" u="none" strike="noStrike" kern="1200" cap="none" spc="0" normalizeH="0" baseline="0">
               <a:solidFill>
                 <a:srgbClr val="000000"/>
               </a:solidFill>
@@ -4760,7 +4616,6 @@
         <p:nvCxnSpPr>
           <p:cNvPr id="31" name="선 30"/>
           <p:cNvCxnSpPr>
-            <a:cxnSpLocks/>
             <a:stCxn id="10" idx="2"/>
             <a:endCxn id="21" idx="0"/>
           </p:cNvCxnSpPr>
@@ -4794,7 +4649,6 @@
         <p:nvCxnSpPr>
           <p:cNvPr id="32" name="선 31"/>
           <p:cNvCxnSpPr>
-            <a:cxnSpLocks/>
             <a:stCxn id="10" idx="2"/>
             <a:endCxn id="22" idx="0"/>
           </p:cNvCxnSpPr>
@@ -4828,7 +4682,6 @@
         <p:nvCxnSpPr>
           <p:cNvPr id="33" name="선 32"/>
           <p:cNvCxnSpPr>
-            <a:cxnSpLocks/>
             <a:stCxn id="10" idx="2"/>
             <a:endCxn id="23" idx="0"/>
           </p:cNvCxnSpPr>
@@ -4862,7 +4715,6 @@
         <p:nvCxnSpPr>
           <p:cNvPr id="37" name="선 36"/>
           <p:cNvCxnSpPr>
-            <a:cxnSpLocks/>
             <a:stCxn id="12" idx="2"/>
             <a:endCxn id="28" idx="0"/>
           </p:cNvCxnSpPr>
@@ -4896,7 +4748,6 @@
         <p:nvCxnSpPr>
           <p:cNvPr id="39" name="선 38"/>
           <p:cNvCxnSpPr>
-            <a:cxnSpLocks/>
             <a:stCxn id="12" idx="2"/>
             <a:endCxn id="29" idx="0"/>
           </p:cNvCxnSpPr>
@@ -4930,7 +4781,6 @@
         <p:nvCxnSpPr>
           <p:cNvPr id="40" name="선 39"/>
           <p:cNvCxnSpPr>
-            <a:cxnSpLocks/>
             <a:stCxn id="12" idx="2"/>
             <a:endCxn id="30" idx="0"/>
           </p:cNvCxnSpPr>
@@ -5004,7 +4854,7 @@
               <a:defRPr/>
             </a:pPr>
             <a:r>
-              <a:rPr kumimoji="0" lang="ko-KR" altLang="en-US" sz="1500" b="0" i="0" u="none" strike="noStrike" kern="1200" cap="none" spc="0" normalizeH="0" baseline="0" dirty="0">
+              <a:rPr kumimoji="0" lang="ko-KR" altLang="en-US" sz="1500" b="0" i="0" u="none" strike="noStrike" kern="1200" cap="none" spc="0" normalizeH="0" baseline="0">
                 <a:solidFill>
                   <a:srgbClr val="000000"/>
                 </a:solidFill>
@@ -5014,7 +4864,7 @@
               </a:rPr>
               <a:t>대검</a:t>
             </a:r>
-            <a:endParaRPr kumimoji="0" lang="en-US" altLang="ko-KR" sz="1500" b="0" i="0" u="none" strike="noStrike" kern="1200" cap="none" spc="0" normalizeH="0" baseline="0" dirty="0">
+            <a:endParaRPr kumimoji="0" lang="ko-KR" altLang="en-US" sz="1500" b="0" i="0" u="none" strike="noStrike" kern="1200" cap="none" spc="0" normalizeH="0" baseline="0">
               <a:solidFill>
                 <a:srgbClr val="000000"/>
               </a:solidFill>
@@ -5038,7 +4888,7 @@
               <a:defRPr/>
             </a:pPr>
             <a:r>
-              <a:rPr lang="ko-KR" altLang="en-US" sz="1500" dirty="0">
+              <a:rPr lang="ko-KR" altLang="en-US" sz="1500">
                 <a:solidFill>
                   <a:srgbClr val="000000"/>
                 </a:solidFill>
@@ -5049,7 +4899,7 @@
               <a:t>메서드 </a:t>
             </a:r>
             <a:r>
-              <a:rPr lang="en-US" altLang="ko-KR" sz="1500" dirty="0">
+              <a:rPr lang="en-US" altLang="ko-KR" sz="1500">
                 <a:solidFill>
                   <a:srgbClr val="000000"/>
                 </a:solidFill>
@@ -5057,20 +4907,9 @@
                 <a:ea typeface="맑은 고딕"/>
                 <a:cs typeface="Calibri"/>
               </a:rPr>
-              <a:t>:</a:t>
-            </a:r>
-            <a:r>
-              <a:rPr lang="en-US" altLang="ko-KR" sz="1500" dirty="0" err="1">
-                <a:solidFill>
-                  <a:srgbClr val="000000"/>
-                </a:solidFill>
-                <a:latin typeface="Calibri"/>
-                <a:ea typeface="맑은 고딕"/>
-                <a:cs typeface="Calibri"/>
-              </a:rPr>
-              <a:t>PowerSlash</a:t>
-            </a:r>
-            <a:endParaRPr kumimoji="0" lang="ko-KR" altLang="en-US" sz="1500" b="0" i="0" u="none" strike="noStrike" kern="1200" cap="none" spc="0" normalizeH="0" baseline="0" dirty="0">
+              <a:t>:PowerSlash</a:t>
+            </a:r>
+            <a:endParaRPr kumimoji="0" lang="ko-KR" altLang="en-US" sz="1500" b="0" i="0" u="none" strike="noStrike" kern="1200" cap="none" spc="0" normalizeH="0" baseline="0">
               <a:solidFill>
                 <a:srgbClr val="000000"/>
               </a:solidFill>
@@ -5125,7 +4964,7 @@
               <a:defRPr/>
             </a:pPr>
             <a:r>
-              <a:rPr kumimoji="0" lang="ko-KR" altLang="en-US" sz="1500" b="0" i="0" u="none" strike="noStrike" kern="1200" cap="none" spc="0" normalizeH="0" baseline="0" dirty="0" err="1">
+              <a:rPr kumimoji="0" lang="ko-KR" altLang="en-US" sz="1500" b="0" i="0" u="none" strike="noStrike" kern="1200" cap="none" spc="0" normalizeH="0" baseline="0">
                 <a:solidFill>
                   <a:srgbClr val="000000"/>
                 </a:solidFill>
@@ -5135,7 +4974,7 @@
               </a:rPr>
               <a:t>소검</a:t>
             </a:r>
-            <a:endParaRPr kumimoji="0" lang="en-US" altLang="ko-KR" sz="1500" b="0" i="0" u="none" strike="noStrike" kern="1200" cap="none" spc="0" normalizeH="0" baseline="0" dirty="0">
+            <a:endParaRPr kumimoji="0" lang="ko-KR" altLang="en-US" sz="1500" b="0" i="0" u="none" strike="noStrike" kern="1200" cap="none" spc="0" normalizeH="0" baseline="0">
               <a:solidFill>
                 <a:srgbClr val="000000"/>
               </a:solidFill>
@@ -5159,7 +4998,7 @@
               <a:defRPr/>
             </a:pPr>
             <a:r>
-              <a:rPr kumimoji="0" lang="ko-KR" altLang="en-US" sz="1500" b="0" i="0" u="none" strike="noStrike" kern="1200" cap="none" spc="0" normalizeH="0" baseline="0" dirty="0">
+              <a:rPr kumimoji="0" lang="ko-KR" altLang="en-US" sz="1500" b="0" i="0" u="none" strike="noStrike" kern="1200" cap="none" spc="0" normalizeH="0" baseline="0">
                 <a:solidFill>
                   <a:srgbClr val="000000"/>
                 </a:solidFill>
@@ -5170,7 +5009,7 @@
               <a:t>메서드 </a:t>
             </a:r>
             <a:r>
-              <a:rPr kumimoji="0" lang="en-US" altLang="ko-KR" sz="1500" b="0" i="0" u="none" strike="noStrike" kern="1200" cap="none" spc="0" normalizeH="0" baseline="0" dirty="0">
+              <a:rPr kumimoji="0" lang="en-US" altLang="ko-KR" sz="1500" b="0" i="0" u="none" strike="noStrike" kern="1200" cap="none" spc="0" normalizeH="0" baseline="0">
                 <a:solidFill>
                   <a:srgbClr val="000000"/>
                 </a:solidFill>
@@ -5180,7 +5019,7 @@
               </a:rPr>
               <a:t>: Wave</a:t>
             </a:r>
-            <a:endParaRPr kumimoji="0" lang="ko-KR" altLang="en-US" sz="1500" b="0" i="0" u="none" strike="noStrike" kern="1200" cap="none" spc="0" normalizeH="0" baseline="0" dirty="0">
+            <a:endParaRPr kumimoji="0" lang="ko-KR" altLang="en-US" sz="1500" b="0" i="0" u="none" strike="noStrike" kern="1200" cap="none" spc="0" normalizeH="0" baseline="0">
               <a:solidFill>
                 <a:srgbClr val="000000"/>
               </a:solidFill>
@@ -5235,7 +5074,7 @@
               <a:defRPr/>
             </a:pPr>
             <a:r>
-              <a:rPr kumimoji="0" lang="ko-KR" altLang="en-US" sz="1500" b="0" i="0" u="none" strike="noStrike" kern="1200" cap="none" spc="0" normalizeH="0" baseline="0" dirty="0">
+              <a:rPr kumimoji="0" lang="ko-KR" altLang="en-US" sz="1500" b="0" i="0" u="none" strike="noStrike" kern="1200" cap="none" spc="0" normalizeH="0" baseline="0">
                 <a:solidFill>
                   <a:srgbClr val="000000"/>
                 </a:solidFill>
@@ -5245,7 +5084,7 @@
               </a:rPr>
               <a:t>둔기</a:t>
             </a:r>
-            <a:endParaRPr kumimoji="0" lang="en-US" altLang="ko-KR" sz="1500" b="0" i="0" u="none" strike="noStrike" kern="1200" cap="none" spc="0" normalizeH="0" baseline="0" dirty="0">
+            <a:endParaRPr kumimoji="0" lang="ko-KR" altLang="en-US" sz="1500" b="0" i="0" u="none" strike="noStrike" kern="1200" cap="none" spc="0" normalizeH="0" baseline="0">
               <a:solidFill>
                 <a:srgbClr val="000000"/>
               </a:solidFill>
@@ -5269,7 +5108,7 @@
               <a:defRPr/>
             </a:pPr>
             <a:r>
-              <a:rPr kumimoji="0" lang="ko-KR" altLang="en-US" sz="1500" b="0" i="0" u="none" strike="noStrike" kern="1200" cap="none" spc="0" normalizeH="0" baseline="0" dirty="0">
+              <a:rPr kumimoji="0" lang="ko-KR" altLang="en-US" sz="1500" b="0" i="0" u="none" strike="noStrike" kern="1200" cap="none" spc="0" normalizeH="0" baseline="0">
                 <a:solidFill>
                   <a:srgbClr val="000000"/>
                 </a:solidFill>
@@ -5280,7 +5119,7 @@
               <a:t>메서드 </a:t>
             </a:r>
             <a:r>
-              <a:rPr kumimoji="0" lang="en-US" altLang="ko-KR" sz="1500" b="0" i="0" u="none" strike="noStrike" kern="1200" cap="none" spc="0" normalizeH="0" baseline="0" dirty="0">
+              <a:rPr kumimoji="0" lang="en-US" altLang="ko-KR" sz="1500" b="0" i="0" u="none" strike="noStrike" kern="1200" cap="none" spc="0" normalizeH="0" baseline="0">
                 <a:solidFill>
                   <a:srgbClr val="000000"/>
                 </a:solidFill>
@@ -5290,6 +5129,14 @@
               </a:rPr>
               <a:t>:</a:t>
             </a:r>
+            <a:endParaRPr kumimoji="0" lang="en-US" altLang="ko-KR" sz="1500" b="0" i="0" u="none" strike="noStrike" kern="1200" cap="none" spc="0" normalizeH="0" baseline="0">
+              <a:solidFill>
+                <a:srgbClr val="000000"/>
+              </a:solidFill>
+              <a:latin typeface="Calibri"/>
+              <a:ea typeface="맑은 고딕"/>
+              <a:cs typeface="Calibri"/>
+            </a:endParaRPr>
           </a:p>
           <a:p>
             <a:pPr marL="0" lvl="0" indent="0" algn="ctr" defTabSz="914400" rtl="0" eaLnBrk="1" latinLnBrk="1" hangingPunct="1">
@@ -5306,7 +5153,7 @@
               <a:defRPr/>
             </a:pPr>
             <a:r>
-              <a:rPr kumimoji="0" lang="en-US" altLang="ko-KR" sz="1500" b="0" i="0" u="none" strike="noStrike" kern="1200" cap="none" spc="0" normalizeH="0" baseline="0" dirty="0" err="1">
+              <a:rPr kumimoji="0" lang="en-US" altLang="ko-KR" sz="1500" b="0" i="0" u="none" strike="noStrike" kern="1200" cap="none" spc="0" normalizeH="0" baseline="0">
                 <a:solidFill>
                   <a:srgbClr val="000000"/>
                 </a:solidFill>
@@ -5316,7 +5163,7 @@
               </a:rPr>
               <a:t>HeadHit</a:t>
             </a:r>
-            <a:endParaRPr kumimoji="0" lang="ko-KR" altLang="en-US" sz="1500" b="0" i="0" u="none" strike="noStrike" kern="1200" cap="none" spc="0" normalizeH="0" baseline="0" dirty="0">
+            <a:endParaRPr kumimoji="0" lang="ko-KR" altLang="en-US" sz="1500" b="0" i="0" u="none" strike="noStrike" kern="1200" cap="none" spc="0" normalizeH="0" baseline="0">
               <a:solidFill>
                 <a:srgbClr val="000000"/>
               </a:solidFill>
@@ -5331,7 +5178,6 @@
         <p:nvCxnSpPr>
           <p:cNvPr id="44" name="선 43"/>
           <p:cNvCxnSpPr>
-            <a:cxnSpLocks/>
             <a:stCxn id="21" idx="2"/>
             <a:endCxn id="41" idx="0"/>
           </p:cNvCxnSpPr>
@@ -5365,7 +5211,6 @@
         <p:nvCxnSpPr>
           <p:cNvPr id="45" name="선 44"/>
           <p:cNvCxnSpPr>
-            <a:cxnSpLocks/>
             <a:stCxn id="21" idx="2"/>
             <a:endCxn id="42" idx="0"/>
           </p:cNvCxnSpPr>
@@ -5399,7 +5244,6 @@
         <p:nvCxnSpPr>
           <p:cNvPr id="46" name="선 45"/>
           <p:cNvCxnSpPr>
-            <a:cxnSpLocks/>
             <a:stCxn id="21" idx="2"/>
             <a:endCxn id="43" idx="0"/>
           </p:cNvCxnSpPr>
@@ -5473,7 +5317,7 @@
               <a:defRPr/>
             </a:pPr>
             <a:r>
-              <a:rPr kumimoji="0" lang="ko-KR" altLang="en-US" sz="1500" b="0" i="0" u="none" strike="noStrike" kern="1200" cap="none" spc="0" normalizeH="0" baseline="0" dirty="0">
+              <a:rPr kumimoji="0" lang="ko-KR" altLang="en-US" sz="1500" b="0" i="0" u="none" strike="noStrike" kern="1200" cap="none" spc="0" normalizeH="0" baseline="0">
                 <a:solidFill>
                   <a:srgbClr val="000000"/>
                 </a:solidFill>
@@ -5483,7 +5327,7 @@
               </a:rPr>
               <a:t>활</a:t>
             </a:r>
-            <a:endParaRPr kumimoji="0" lang="en-US" altLang="ko-KR" sz="1500" b="0" i="0" u="none" strike="noStrike" kern="1200" cap="none" spc="0" normalizeH="0" baseline="0" dirty="0">
+            <a:endParaRPr kumimoji="0" lang="ko-KR" altLang="en-US" sz="1500" b="0" i="0" u="none" strike="noStrike" kern="1200" cap="none" spc="0" normalizeH="0" baseline="0">
               <a:solidFill>
                 <a:srgbClr val="000000"/>
               </a:solidFill>
@@ -5507,7 +5351,7 @@
               <a:defRPr/>
             </a:pPr>
             <a:r>
-              <a:rPr kumimoji="0" lang="ko-KR" altLang="en-US" sz="1500" b="0" i="0" u="none" strike="noStrike" kern="1200" cap="none" spc="0" normalizeH="0" baseline="0" dirty="0">
+              <a:rPr kumimoji="0" lang="ko-KR" altLang="en-US" sz="1500" b="0" i="0" u="none" strike="noStrike" kern="1200" cap="none" spc="0" normalizeH="0" baseline="0">
                 <a:solidFill>
                   <a:srgbClr val="000000"/>
                 </a:solidFill>
@@ -5518,7 +5362,7 @@
               <a:t>메서드 </a:t>
             </a:r>
             <a:r>
-              <a:rPr kumimoji="0" lang="en-US" altLang="ko-KR" sz="1500" b="0" i="0" u="none" strike="noStrike" kern="1200" cap="none" spc="0" normalizeH="0" baseline="0" dirty="0">
+              <a:rPr kumimoji="0" lang="en-US" altLang="ko-KR" sz="1500" b="0" i="0" u="none" strike="noStrike" kern="1200" cap="none" spc="0" normalizeH="0" baseline="0">
                 <a:solidFill>
                   <a:srgbClr val="000000"/>
                 </a:solidFill>
@@ -5528,6 +5372,14 @@
               </a:rPr>
               <a:t>:</a:t>
             </a:r>
+            <a:endParaRPr kumimoji="0" lang="en-US" altLang="ko-KR" sz="1500" b="0" i="0" u="none" strike="noStrike" kern="1200" cap="none" spc="0" normalizeH="0" baseline="0">
+              <a:solidFill>
+                <a:srgbClr val="000000"/>
+              </a:solidFill>
+              <a:latin typeface="Calibri"/>
+              <a:ea typeface="맑은 고딕"/>
+              <a:cs typeface="Calibri"/>
+            </a:endParaRPr>
           </a:p>
           <a:p>
             <a:pPr marL="0" lvl="0" indent="0" algn="ctr" defTabSz="914400" rtl="0" eaLnBrk="1" latinLnBrk="1" hangingPunct="1">
@@ -5544,7 +5396,7 @@
               <a:defRPr/>
             </a:pPr>
             <a:r>
-              <a:rPr lang="en-US" altLang="ko-KR" sz="1500" dirty="0" err="1">
+              <a:rPr lang="en-US" altLang="ko-KR" sz="1500">
                 <a:solidFill>
                   <a:srgbClr val="000000"/>
                 </a:solidFill>
@@ -5554,7 +5406,7 @@
               </a:rPr>
               <a:t>HeadShot</a:t>
             </a:r>
-            <a:endParaRPr kumimoji="0" lang="ko-KR" altLang="en-US" sz="1500" b="0" i="0" u="none" strike="noStrike" kern="1200" cap="none" spc="0" normalizeH="0" baseline="0" dirty="0">
+            <a:endParaRPr kumimoji="0" lang="ko-KR" altLang="en-US" sz="1500" b="0" i="0" u="none" strike="noStrike" kern="1200" cap="none" spc="0" normalizeH="0" baseline="0">
               <a:solidFill>
                 <a:srgbClr val="000000"/>
               </a:solidFill>
@@ -5609,7 +5461,7 @@
               <a:defRPr/>
             </a:pPr>
             <a:r>
-              <a:rPr kumimoji="0" lang="ko-KR" altLang="en-US" sz="1400" b="0" i="0" u="none" strike="noStrike" kern="1200" cap="none" spc="0" normalizeH="0" baseline="0" dirty="0">
+              <a:rPr kumimoji="0" lang="ko-KR" altLang="en-US" sz="1400" b="0" i="0" u="none" strike="noStrike" kern="1200" cap="none" spc="0" normalizeH="0" baseline="0">
                 <a:solidFill>
                   <a:srgbClr val="000000"/>
                 </a:solidFill>
@@ -5619,7 +5471,7 @@
               </a:rPr>
               <a:t>석 궁</a:t>
             </a:r>
-            <a:endParaRPr kumimoji="0" lang="en-US" altLang="ko-KR" sz="1400" b="0" i="0" u="none" strike="noStrike" kern="1200" cap="none" spc="0" normalizeH="0" baseline="0" dirty="0">
+            <a:endParaRPr kumimoji="0" lang="ko-KR" altLang="en-US" sz="1400" b="0" i="0" u="none" strike="noStrike" kern="1200" cap="none" spc="0" normalizeH="0" baseline="0">
               <a:solidFill>
                 <a:srgbClr val="000000"/>
               </a:solidFill>
@@ -5643,7 +5495,7 @@
               <a:defRPr/>
             </a:pPr>
             <a:r>
-              <a:rPr kumimoji="0" lang="ko-KR" altLang="en-US" sz="1400" b="0" i="0" u="none" strike="noStrike" kern="1200" cap="none" spc="0" normalizeH="0" baseline="0" dirty="0">
+              <a:rPr kumimoji="0" lang="ko-KR" altLang="en-US" sz="1400" b="0" i="0" u="none" strike="noStrike" kern="1200" cap="none" spc="0" normalizeH="0" baseline="0">
                 <a:solidFill>
                   <a:srgbClr val="000000"/>
                 </a:solidFill>
@@ -5654,7 +5506,7 @@
               <a:t>메서드 </a:t>
             </a:r>
             <a:r>
-              <a:rPr kumimoji="0" lang="en-US" altLang="ko-KR" sz="1400" b="0" i="0" u="none" strike="noStrike" kern="1200" cap="none" spc="0" normalizeH="0" baseline="0" dirty="0">
+              <a:rPr kumimoji="0" lang="en-US" altLang="ko-KR" sz="1400" b="0" i="0" u="none" strike="noStrike" kern="1200" cap="none" spc="0" normalizeH="0" baseline="0">
                 <a:solidFill>
                   <a:srgbClr val="000000"/>
                 </a:solidFill>
@@ -5664,6 +5516,14 @@
               </a:rPr>
               <a:t>:</a:t>
             </a:r>
+            <a:endParaRPr kumimoji="0" lang="en-US" altLang="ko-KR" sz="1400" b="0" i="0" u="none" strike="noStrike" kern="1200" cap="none" spc="0" normalizeH="0" baseline="0">
+              <a:solidFill>
+                <a:srgbClr val="000000"/>
+              </a:solidFill>
+              <a:latin typeface="Calibri"/>
+              <a:ea typeface="맑은 고딕"/>
+              <a:cs typeface="Calibri"/>
+            </a:endParaRPr>
           </a:p>
           <a:p>
             <a:pPr marL="0" lvl="0" indent="0" algn="ctr" defTabSz="914400" rtl="0" eaLnBrk="1" latinLnBrk="1" hangingPunct="1">
@@ -5680,7 +5540,7 @@
               <a:defRPr/>
             </a:pPr>
             <a:r>
-              <a:rPr kumimoji="0" lang="en-US" altLang="ko-KR" sz="1400" b="0" i="0" u="none" strike="noStrike" kern="1200" cap="none" spc="0" normalizeH="0" baseline="0" dirty="0" err="1">
+              <a:rPr kumimoji="0" lang="en-US" altLang="ko-KR" sz="1400" b="0" i="0" u="none" strike="noStrike" kern="1200" cap="none" spc="0" normalizeH="0" baseline="0">
                 <a:solidFill>
                   <a:srgbClr val="000000"/>
                 </a:solidFill>
@@ -5690,7 +5550,7 @@
               </a:rPr>
               <a:t>FireShot</a:t>
             </a:r>
-            <a:endParaRPr kumimoji="0" lang="en-US" altLang="ko-KR" sz="1400" b="0" i="0" u="none" strike="noStrike" kern="1200" cap="none" spc="0" normalizeH="0" baseline="0" dirty="0">
+            <a:endParaRPr kumimoji="0" lang="en-US" altLang="ko-KR" sz="1400" b="0" i="0" u="none" strike="noStrike" kern="1200" cap="none" spc="0" normalizeH="0" baseline="0">
               <a:solidFill>
                 <a:srgbClr val="000000"/>
               </a:solidFill>
@@ -5713,7 +5573,7 @@
               <a:buNone/>
               <a:defRPr/>
             </a:pPr>
-            <a:endParaRPr kumimoji="0" lang="ko-KR" altLang="en-US" sz="1500" b="0" i="0" u="none" strike="noStrike" kern="1200" cap="none" spc="0" normalizeH="0" baseline="0" dirty="0">
+            <a:endParaRPr kumimoji="0" lang="ko-KR" altLang="en-US" sz="1500" b="0" i="0" u="none" strike="noStrike" kern="1200" cap="none" spc="0" normalizeH="0" baseline="0">
               <a:solidFill>
                 <a:srgbClr val="000000"/>
               </a:solidFill>
@@ -5728,7 +5588,6 @@
         <p:nvCxnSpPr>
           <p:cNvPr id="49" name="선 48"/>
           <p:cNvCxnSpPr>
-            <a:cxnSpLocks/>
             <a:stCxn id="22" idx="2"/>
             <a:endCxn id="48" idx="0"/>
           </p:cNvCxnSpPr>
@@ -5762,7 +5621,6 @@
         <p:nvCxnSpPr>
           <p:cNvPr id="50" name="선 49"/>
           <p:cNvCxnSpPr>
-            <a:cxnSpLocks/>
             <a:stCxn id="22" idx="2"/>
             <a:endCxn id="47" idx="0"/>
           </p:cNvCxnSpPr>
@@ -5836,7 +5694,7 @@
               <a:defRPr/>
             </a:pPr>
             <a:r>
-              <a:rPr kumimoji="0" lang="ko-KR" altLang="en-US" sz="1500" b="0" i="0" u="none" strike="noStrike" kern="1200" cap="none" spc="0" normalizeH="0" baseline="0" dirty="0" err="1">
+              <a:rPr kumimoji="0" lang="ko-KR" altLang="en-US" sz="1500" b="0" i="0" u="none" strike="noStrike" kern="1200" cap="none" spc="0" normalizeH="0" baseline="0">
                 <a:solidFill>
                   <a:srgbClr val="000000"/>
                 </a:solidFill>
@@ -5846,7 +5704,7 @@
               </a:rPr>
               <a:t>완드</a:t>
             </a:r>
-            <a:endParaRPr kumimoji="0" lang="en-US" altLang="ko-KR" sz="1500" b="0" i="0" u="none" strike="noStrike" kern="1200" cap="none" spc="0" normalizeH="0" baseline="0" dirty="0">
+            <a:endParaRPr kumimoji="0" lang="ko-KR" altLang="en-US" sz="1500" b="0" i="0" u="none" strike="noStrike" kern="1200" cap="none" spc="0" normalizeH="0" baseline="0">
               <a:solidFill>
                 <a:srgbClr val="000000"/>
               </a:solidFill>
@@ -5870,7 +5728,7 @@
               <a:defRPr/>
             </a:pPr>
             <a:r>
-              <a:rPr kumimoji="0" lang="ko-KR" altLang="en-US" sz="1500" b="0" i="0" u="none" strike="noStrike" kern="1200" cap="none" spc="0" normalizeH="0" baseline="0" dirty="0">
+              <a:rPr kumimoji="0" lang="ko-KR" altLang="en-US" sz="1500" b="0" i="0" u="none" strike="noStrike" kern="1200" cap="none" spc="0" normalizeH="0" baseline="0">
                 <a:solidFill>
                   <a:srgbClr val="000000"/>
                 </a:solidFill>
@@ -5881,7 +5739,7 @@
               <a:t>메서드 </a:t>
             </a:r>
             <a:r>
-              <a:rPr kumimoji="0" lang="en-US" altLang="ko-KR" sz="1500" b="0" i="0" u="none" strike="noStrike" kern="1200" cap="none" spc="0" normalizeH="0" baseline="0" dirty="0">
+              <a:rPr kumimoji="0" lang="en-US" altLang="ko-KR" sz="1500" b="0" i="0" u="none" strike="noStrike" kern="1200" cap="none" spc="0" normalizeH="0" baseline="0">
                 <a:solidFill>
                   <a:srgbClr val="000000"/>
                 </a:solidFill>
@@ -5889,20 +5747,9 @@
                 <a:ea typeface="맑은 고딕"/>
                 <a:cs typeface="Calibri"/>
               </a:rPr>
-              <a:t>:</a:t>
-            </a:r>
-            <a:r>
-              <a:rPr kumimoji="0" lang="en-US" altLang="ko-KR" sz="1500" b="0" i="0" u="none" strike="noStrike" kern="1200" cap="none" spc="0" normalizeH="0" baseline="0" dirty="0" err="1">
-                <a:solidFill>
-                  <a:srgbClr val="000000"/>
-                </a:solidFill>
-                <a:latin typeface="Calibri"/>
-                <a:ea typeface="맑은 고딕"/>
-                <a:cs typeface="Calibri"/>
-              </a:rPr>
-              <a:t>MagicBolt</a:t>
-            </a:r>
-            <a:endParaRPr kumimoji="0" lang="ko-KR" altLang="en-US" sz="1500" b="0" i="0" u="none" strike="noStrike" kern="1200" cap="none" spc="0" normalizeH="0" baseline="0" dirty="0">
+              <a:t>:MagicBolt</a:t>
+            </a:r>
+            <a:endParaRPr kumimoji="0" lang="ko-KR" altLang="en-US" sz="1500" b="0" i="0" u="none" strike="noStrike" kern="1200" cap="none" spc="0" normalizeH="0" baseline="0">
               <a:solidFill>
                 <a:srgbClr val="000000"/>
               </a:solidFill>
@@ -5939,7 +5786,7 @@
         </p:spPr>
         <p:txBody>
           <a:bodyPr vert="horz" lIns="91440" tIns="45720" rIns="91440" bIns="45720" anchor="ctr">
-            <a:normAutofit fontScale="85000" lnSpcReduction="20000"/>
+            <a:normAutofit fontScale="77500" lnSpcReduction="20000"/>
           </a:bodyPr>
           <a:lstStyle/>
           <a:p>
@@ -5957,7 +5804,7 @@
               <a:defRPr/>
             </a:pPr>
             <a:r>
-              <a:rPr kumimoji="0" lang="ko-KR" altLang="en-US" sz="1500" b="0" i="0" u="none" strike="noStrike" kern="1200" cap="none" spc="0" normalizeH="0" baseline="0" dirty="0">
+              <a:rPr kumimoji="0" lang="ko-KR" altLang="en-US" sz="1500" b="0" i="0" u="none" strike="noStrike" kern="1200" cap="none" spc="0" normalizeH="0" baseline="0">
                 <a:solidFill>
                   <a:srgbClr val="000000"/>
                 </a:solidFill>
@@ -5965,9 +5812,9 @@
                 <a:ea typeface="맑은 고딕"/>
                 <a:cs typeface="Calibri"/>
               </a:rPr>
-              <a:t>봉</a:t>
-            </a:r>
-            <a:endParaRPr kumimoji="0" lang="en-US" altLang="ko-KR" sz="1500" b="0" i="0" u="none" strike="noStrike" kern="1200" cap="none" spc="0" normalizeH="0" baseline="0" dirty="0">
+              <a:t>빗자루</a:t>
+            </a:r>
+            <a:endParaRPr kumimoji="0" lang="ko-KR" altLang="en-US" sz="1500" b="0" i="0" u="none" strike="noStrike" kern="1200" cap="none" spc="0" normalizeH="0" baseline="0">
               <a:solidFill>
                 <a:srgbClr val="000000"/>
               </a:solidFill>
@@ -5991,7 +5838,7 @@
               <a:defRPr/>
             </a:pPr>
             <a:r>
-              <a:rPr kumimoji="0" lang="ko-KR" altLang="en-US" sz="1500" b="0" i="0" u="none" strike="noStrike" kern="1200" cap="none" spc="0" normalizeH="0" baseline="0" dirty="0">
+              <a:rPr kumimoji="0" lang="ko-KR" altLang="en-US" sz="1500" b="0" i="0" u="none" strike="noStrike" kern="1200" cap="none" spc="0" normalizeH="0" baseline="0">
                 <a:solidFill>
                   <a:srgbClr val="000000"/>
                 </a:solidFill>
@@ -6002,7 +5849,7 @@
               <a:t>메서드 </a:t>
             </a:r>
             <a:r>
-              <a:rPr kumimoji="0" lang="en-US" altLang="ko-KR" sz="1500" b="0" i="0" u="none" strike="noStrike" kern="1200" cap="none" spc="0" normalizeH="0" baseline="0" dirty="0">
+              <a:rPr kumimoji="0" lang="en-US" altLang="ko-KR" sz="1500" b="0" i="0" u="none" strike="noStrike" kern="1200" cap="none" spc="0" normalizeH="0" baseline="0">
                 <a:solidFill>
                   <a:srgbClr val="000000"/>
                 </a:solidFill>
@@ -6012,6 +5859,14 @@
               </a:rPr>
               <a:t>:</a:t>
             </a:r>
+            <a:endParaRPr kumimoji="0" lang="en-US" altLang="ko-KR" sz="1500" b="0" i="0" u="none" strike="noStrike" kern="1200" cap="none" spc="0" normalizeH="0" baseline="0">
+              <a:solidFill>
+                <a:srgbClr val="000000"/>
+              </a:solidFill>
+              <a:latin typeface="Calibri"/>
+              <a:ea typeface="맑은 고딕"/>
+              <a:cs typeface="Calibri"/>
+            </a:endParaRPr>
           </a:p>
           <a:p>
             <a:pPr marL="0" lvl="0" indent="0" algn="ctr" defTabSz="914400" rtl="0" eaLnBrk="1" latinLnBrk="1" hangingPunct="1">
@@ -6028,7 +5883,7 @@
               <a:defRPr/>
             </a:pPr>
             <a:r>
-              <a:rPr kumimoji="0" lang="en-US" altLang="ko-KR" sz="1500" b="0" i="0" u="none" strike="noStrike" kern="1200" cap="none" spc="0" normalizeH="0" baseline="0" dirty="0">
+              <a:rPr kumimoji="0" lang="en-US" altLang="ko-KR" sz="1500" b="0" i="0" u="none" strike="noStrike" kern="1200" cap="none" spc="0" normalizeH="0" baseline="0">
                 <a:solidFill>
                   <a:srgbClr val="000000"/>
                 </a:solidFill>
@@ -6038,7 +5893,7 @@
               </a:rPr>
               <a:t>Apocalypse</a:t>
             </a:r>
-            <a:endParaRPr kumimoji="0" lang="ko-KR" altLang="en-US" sz="1500" b="0" i="0" u="none" strike="noStrike" kern="1200" cap="none" spc="0" normalizeH="0" baseline="0" dirty="0">
+            <a:endParaRPr kumimoji="0" lang="ko-KR" altLang="en-US" sz="1500" b="0" i="0" u="none" strike="noStrike" kern="1200" cap="none" spc="0" normalizeH="0" baseline="0">
               <a:solidFill>
                 <a:srgbClr val="000000"/>
               </a:solidFill>
@@ -6053,7 +5908,6 @@
         <p:nvCxnSpPr>
           <p:cNvPr id="53" name="선 52"/>
           <p:cNvCxnSpPr>
-            <a:cxnSpLocks/>
             <a:stCxn id="23" idx="2"/>
             <a:endCxn id="51" idx="0"/>
           </p:cNvCxnSpPr>
@@ -6087,7 +5941,6 @@
         <p:nvCxnSpPr>
           <p:cNvPr id="54" name="선 53"/>
           <p:cNvCxnSpPr>
-            <a:cxnSpLocks/>
             <a:stCxn id="23" idx="2"/>
             <a:endCxn id="52" idx="0"/>
           </p:cNvCxnSpPr>
@@ -6161,7 +6014,7 @@
               <a:defRPr/>
             </a:pPr>
             <a:r>
-              <a:rPr kumimoji="0" lang="ko-KR" altLang="en-US" sz="1500" b="0" i="0" u="none" strike="noStrike" kern="1200" cap="none" spc="0" normalizeH="0" baseline="0" dirty="0">
+              <a:rPr kumimoji="0" lang="ko-KR" altLang="en-US" sz="1500" b="0" i="0" u="none" strike="noStrike" kern="1200" cap="none" spc="0" normalizeH="0" baseline="0">
                 <a:solidFill>
                   <a:srgbClr val="000000"/>
                 </a:solidFill>
@@ -6171,6 +6024,14 @@
               </a:rPr>
               <a:t>상급</a:t>
             </a:r>
+            <a:endParaRPr kumimoji="0" lang="ko-KR" altLang="en-US" sz="1500" b="0" i="0" u="none" strike="noStrike" kern="1200" cap="none" spc="0" normalizeH="0" baseline="0">
+              <a:solidFill>
+                <a:srgbClr val="000000"/>
+              </a:solidFill>
+              <a:latin typeface="Calibri"/>
+              <a:ea typeface="맑은 고딕"/>
+              <a:cs typeface="Calibri"/>
+            </a:endParaRPr>
           </a:p>
         </p:txBody>
       </p:sp>
@@ -6228,6 +6089,14 @@
               </a:rPr>
               <a:t>중급</a:t>
             </a:r>
+            <a:endParaRPr kumimoji="0" lang="ko-KR" altLang="en-US" sz="1500" b="0" i="0" u="none" strike="noStrike" kern="1200" cap="none" spc="0" normalizeH="0" baseline="0">
+              <a:solidFill>
+                <a:srgbClr val="000000"/>
+              </a:solidFill>
+              <a:latin typeface="Calibri"/>
+              <a:ea typeface="맑은 고딕"/>
+              <a:cs typeface="Calibri"/>
+            </a:endParaRPr>
           </a:p>
         </p:txBody>
       </p:sp>
@@ -6285,6 +6154,14 @@
               </a:rPr>
               <a:t>하급</a:t>
             </a:r>
+            <a:endParaRPr kumimoji="0" lang="ko-KR" altLang="en-US" sz="1500" b="0" i="0" u="none" strike="noStrike" kern="1200" cap="none" spc="0" normalizeH="0" baseline="0">
+              <a:solidFill>
+                <a:srgbClr val="000000"/>
+              </a:solidFill>
+              <a:latin typeface="Calibri"/>
+              <a:ea typeface="맑은 고딕"/>
+              <a:cs typeface="Calibri"/>
+            </a:endParaRPr>
           </a:p>
         </p:txBody>
       </p:sp>
@@ -6356,13 +6233,7 @@
       </p:cxnSp>
       <p:sp>
         <p:nvSpPr>
-          <p:cNvPr id="5" name="제목 1">
-            <a:extLst>
-              <a:ext uri="{FF2B5EF4-FFF2-40B4-BE49-F238E27FC236}">
-                <a16:creationId xmlns:a16="http://schemas.microsoft.com/office/drawing/2014/main" id="{2C848FE9-9C4E-436B-F869-F7E5327488FA}"/>
-              </a:ext>
-            </a:extLst>
-          </p:cNvPr>
+          <p:cNvPr id="5" name="제목 1"/>
           <p:cNvSpPr>
             <a:spLocks noGrp="1"/>
           </p:cNvSpPr>
@@ -6404,7 +6275,7 @@
               <a:defRPr/>
             </a:pPr>
             <a:r>
-              <a:rPr lang="ko-KR" altLang="en-US" sz="1500" dirty="0">
+              <a:rPr lang="ko-KR" altLang="en-US" sz="1500">
                 <a:solidFill>
                   <a:srgbClr val="000000"/>
                 </a:solidFill>
@@ -6414,7 +6285,7 @@
               </a:rPr>
               <a:t>인터페이스</a:t>
             </a:r>
-            <a:endParaRPr lang="en-US" altLang="ko-KR" sz="1500" dirty="0">
+            <a:endParaRPr lang="ko-KR" altLang="en-US" sz="1500">
               <a:solidFill>
                 <a:srgbClr val="000000"/>
               </a:solidFill>
@@ -6438,7 +6309,7 @@
               <a:defRPr/>
             </a:pPr>
             <a:r>
-              <a:rPr lang="ko-KR" altLang="en-US" sz="1500" dirty="0">
+              <a:rPr lang="ko-KR" altLang="en-US" sz="1500">
                 <a:solidFill>
                   <a:srgbClr val="000000"/>
                 </a:solidFill>
@@ -6448,7 +6319,7 @@
               </a:rPr>
               <a:t>공격</a:t>
             </a:r>
-            <a:endParaRPr lang="en-US" altLang="ko-KR" sz="1500" dirty="0">
+            <a:endParaRPr lang="ko-KR" altLang="en-US" sz="1500">
               <a:solidFill>
                 <a:srgbClr val="000000"/>
               </a:solidFill>
@@ -6472,7 +6343,7 @@
               <a:defRPr/>
             </a:pPr>
             <a:r>
-              <a:rPr lang="ko-KR" altLang="en-US" sz="1500" dirty="0">
+              <a:rPr lang="ko-KR" altLang="en-US" sz="1500">
                 <a:solidFill>
                   <a:srgbClr val="000000"/>
                 </a:solidFill>
@@ -6483,7 +6354,7 @@
               <a:t>메서드 </a:t>
             </a:r>
             <a:r>
-              <a:rPr lang="en-US" altLang="ko-KR" sz="1500" dirty="0">
+              <a:rPr lang="en-US" altLang="ko-KR" sz="1500">
                 <a:solidFill>
                   <a:srgbClr val="000000"/>
                 </a:solidFill>
@@ -6494,7 +6365,7 @@
               <a:t>: </a:t>
             </a:r>
             <a:r>
-              <a:rPr lang="ko-KR" altLang="en-US" sz="1500" dirty="0">
+              <a:rPr lang="ko-KR" altLang="en-US" sz="1500">
                 <a:solidFill>
                   <a:srgbClr val="000000"/>
                 </a:solidFill>
@@ -6504,7 +6375,7 @@
               </a:rPr>
               <a:t>기본공격</a:t>
             </a:r>
-            <a:endParaRPr lang="en-US" altLang="ko-KR" sz="1500" dirty="0">
+            <a:endParaRPr lang="en-US" altLang="ko-KR" sz="1500">
               <a:solidFill>
                 <a:srgbClr val="000000"/>
               </a:solidFill>
@@ -6517,15 +6388,8 @@
       </p:sp>
       <p:cxnSp>
         <p:nvCxnSpPr>
-          <p:cNvPr id="7" name="직선 연결선 6">
-            <a:extLst>
-              <a:ext uri="{FF2B5EF4-FFF2-40B4-BE49-F238E27FC236}">
-                <a16:creationId xmlns:a16="http://schemas.microsoft.com/office/drawing/2014/main" id="{0546D4CC-8EA9-D1E9-EEAD-8AB23AEC855F}"/>
-              </a:ext>
-            </a:extLst>
-          </p:cNvPr>
+          <p:cNvPr id="7" name="직선 연결선 6"/>
           <p:cNvCxnSpPr>
-            <a:cxnSpLocks/>
             <a:stCxn id="10" idx="2"/>
             <a:endCxn id="5" idx="0"/>
           </p:cNvCxnSpPr>
@@ -6557,13 +6421,7 @@
       </p:cxnSp>
       <p:cxnSp>
         <p:nvCxnSpPr>
-          <p:cNvPr id="9" name="직선 연결선 8">
-            <a:extLst>
-              <a:ext uri="{FF2B5EF4-FFF2-40B4-BE49-F238E27FC236}">
-                <a16:creationId xmlns:a16="http://schemas.microsoft.com/office/drawing/2014/main" id="{C2E8E89E-A74E-4DEA-B94C-69208BE56241}"/>
-              </a:ext>
-            </a:extLst>
-          </p:cNvPr>
+          <p:cNvPr id="9" name="직선 연결선 8"/>
           <p:cNvCxnSpPr>
             <a:stCxn id="28" idx="1"/>
             <a:endCxn id="5" idx="0"/>
@@ -6596,15 +6454,8 @@
       </p:cxnSp>
       <p:cxnSp>
         <p:nvCxnSpPr>
-          <p:cNvPr id="14" name="직선 연결선 13">
-            <a:extLst>
-              <a:ext uri="{FF2B5EF4-FFF2-40B4-BE49-F238E27FC236}">
-                <a16:creationId xmlns:a16="http://schemas.microsoft.com/office/drawing/2014/main" id="{1728043C-36DE-906C-33DB-56EEA22778B2}"/>
-              </a:ext>
-            </a:extLst>
-          </p:cNvPr>
+          <p:cNvPr id="14" name="직선 연결선 13"/>
           <p:cNvCxnSpPr>
-            <a:cxnSpLocks/>
             <a:stCxn id="13" idx="1"/>
             <a:endCxn id="5" idx="0"/>
           </p:cNvCxnSpPr>
@@ -6636,13 +6487,7 @@
       </p:cxnSp>
       <p:cxnSp>
         <p:nvCxnSpPr>
-          <p:cNvPr id="160" name="직선 연결선 159">
-            <a:extLst>
-              <a:ext uri="{FF2B5EF4-FFF2-40B4-BE49-F238E27FC236}">
-                <a16:creationId xmlns:a16="http://schemas.microsoft.com/office/drawing/2014/main" id="{5EF3E875-6C3F-6C7B-AD5A-6A8767C67B75}"/>
-              </a:ext>
-            </a:extLst>
-          </p:cNvPr>
+          <p:cNvPr id="160" name="직선 연결선 159"/>
           <p:cNvCxnSpPr>
             <a:stCxn id="28" idx="2"/>
             <a:endCxn id="73" idx="0"/>
@@ -6675,13 +6520,7 @@
       </p:cxnSp>
       <p:sp>
         <p:nvSpPr>
-          <p:cNvPr id="93" name="제목 1">
-            <a:extLst>
-              <a:ext uri="{FF2B5EF4-FFF2-40B4-BE49-F238E27FC236}">
-                <a16:creationId xmlns:a16="http://schemas.microsoft.com/office/drawing/2014/main" id="{B4DA3A8A-B72B-DBB4-B8EC-9B78F92379FC}"/>
-              </a:ext>
-            </a:extLst>
-          </p:cNvPr>
+          <p:cNvPr id="93" name="제목 1"/>
           <p:cNvSpPr>
             <a:spLocks noGrp="1"/>
           </p:cNvSpPr>
@@ -6723,7 +6562,7 @@
               <a:defRPr/>
             </a:pPr>
             <a:r>
-              <a:rPr lang="ko-KR" altLang="en-US" sz="1500" dirty="0">
+              <a:rPr lang="ko-KR" altLang="en-US" sz="1500">
                 <a:solidFill>
                   <a:srgbClr val="000000"/>
                 </a:solidFill>
@@ -6733,7 +6572,7 @@
               </a:rPr>
               <a:t>인터페이스</a:t>
             </a:r>
-            <a:endParaRPr lang="en-US" altLang="ko-KR" sz="1500" dirty="0">
+            <a:endParaRPr lang="ko-KR" altLang="en-US" sz="1500">
               <a:solidFill>
                 <a:srgbClr val="000000"/>
               </a:solidFill>
@@ -6757,7 +6596,7 @@
               <a:defRPr/>
             </a:pPr>
             <a:r>
-              <a:rPr lang="ko-KR" altLang="en-US" sz="1500" dirty="0">
+              <a:rPr lang="ko-KR" altLang="en-US" sz="1500">
                 <a:solidFill>
                   <a:srgbClr val="000000"/>
                 </a:solidFill>
@@ -6767,7 +6606,7 @@
               </a:rPr>
               <a:t>죽음</a:t>
             </a:r>
-            <a:endParaRPr lang="en-US" altLang="ko-KR" sz="1500" dirty="0">
+            <a:endParaRPr lang="ko-KR" altLang="en-US" sz="1500">
               <a:solidFill>
                 <a:srgbClr val="000000"/>
               </a:solidFill>
@@ -6791,7 +6630,7 @@
               <a:defRPr/>
             </a:pPr>
             <a:r>
-              <a:rPr lang="ko-KR" altLang="en-US" sz="1500" dirty="0">
+              <a:rPr lang="ko-KR" altLang="en-US" sz="1500">
                 <a:solidFill>
                   <a:srgbClr val="000000"/>
                 </a:solidFill>
@@ -6802,7 +6641,7 @@
               <a:t>메서드 </a:t>
             </a:r>
             <a:r>
-              <a:rPr lang="en-US" altLang="ko-KR" sz="1500" dirty="0">
+              <a:rPr lang="en-US" altLang="ko-KR" sz="1500">
                 <a:solidFill>
                   <a:srgbClr val="000000"/>
                 </a:solidFill>
@@ -6813,7 +6652,7 @@
               <a:t>: </a:t>
             </a:r>
             <a:r>
-              <a:rPr lang="ko-KR" altLang="en-US" sz="1500" dirty="0">
+              <a:rPr lang="ko-KR" altLang="en-US" sz="1500">
                 <a:solidFill>
                   <a:srgbClr val="000000"/>
                 </a:solidFill>
@@ -6823,7 +6662,7 @@
               </a:rPr>
               <a:t>죽음</a:t>
             </a:r>
-            <a:endParaRPr lang="en-US" altLang="ko-KR" sz="1500" dirty="0">
+            <a:endParaRPr lang="en-US" altLang="ko-KR" sz="1500">
               <a:solidFill>
                 <a:srgbClr val="000000"/>
               </a:solidFill>
@@ -6836,13 +6675,7 @@
       </p:sp>
       <p:cxnSp>
         <p:nvCxnSpPr>
-          <p:cNvPr id="95" name="직선 연결선 94">
-            <a:extLst>
-              <a:ext uri="{FF2B5EF4-FFF2-40B4-BE49-F238E27FC236}">
-                <a16:creationId xmlns:a16="http://schemas.microsoft.com/office/drawing/2014/main" id="{11DFA5D1-71FE-171E-5C7A-8EAFEA880131}"/>
-              </a:ext>
-            </a:extLst>
-          </p:cNvPr>
+          <p:cNvPr id="95" name="직선 연결선 94"/>
           <p:cNvCxnSpPr>
             <a:stCxn id="10" idx="2"/>
             <a:endCxn id="93" idx="0"/>
@@ -6875,15 +6708,8 @@
       </p:cxnSp>
       <p:cxnSp>
         <p:nvCxnSpPr>
-          <p:cNvPr id="97" name="직선 연결선 96">
-            <a:extLst>
-              <a:ext uri="{FF2B5EF4-FFF2-40B4-BE49-F238E27FC236}">
-                <a16:creationId xmlns:a16="http://schemas.microsoft.com/office/drawing/2014/main" id="{0B9F0A5D-83FC-E411-85E1-C93B85280746}"/>
-              </a:ext>
-            </a:extLst>
-          </p:cNvPr>
+          <p:cNvPr id="97" name="직선 연결선 96"/>
           <p:cNvCxnSpPr>
-            <a:cxnSpLocks/>
             <a:stCxn id="93" idx="0"/>
             <a:endCxn id="13" idx="1"/>
           </p:cNvCxnSpPr>
@@ -6915,13 +6741,7 @@
       </p:cxnSp>
       <p:sp>
         <p:nvSpPr>
-          <p:cNvPr id="108" name="제목 1">
-            <a:extLst>
-              <a:ext uri="{FF2B5EF4-FFF2-40B4-BE49-F238E27FC236}">
-                <a16:creationId xmlns:a16="http://schemas.microsoft.com/office/drawing/2014/main" id="{76DB30C6-E294-F410-1DA1-CE0B2916B4CF}"/>
-              </a:ext>
-            </a:extLst>
-          </p:cNvPr>
+          <p:cNvPr id="108" name="제목 1"/>
           <p:cNvSpPr>
             <a:spLocks noGrp="1"/>
           </p:cNvSpPr>
@@ -6963,7 +6783,7 @@
               <a:defRPr/>
             </a:pPr>
             <a:r>
-              <a:rPr kumimoji="0" lang="ko-KR" altLang="en-US" sz="1500" b="0" i="0" u="none" strike="noStrike" kern="1200" cap="none" spc="0" normalizeH="0" baseline="0" dirty="0" err="1">
+              <a:rPr kumimoji="0" lang="ko-KR" altLang="en-US" sz="1500" b="0" i="0" u="none" strike="noStrike" kern="1200" cap="none" spc="0" normalizeH="0" baseline="0">
                 <a:solidFill>
                   <a:srgbClr val="000000"/>
                 </a:solidFill>
@@ -6973,7 +6793,7 @@
               </a:rPr>
               <a:t>봉류</a:t>
             </a:r>
-            <a:endParaRPr kumimoji="0" lang="ko-KR" altLang="en-US" sz="1500" b="0" i="0" u="none" strike="noStrike" kern="1200" cap="none" spc="0" normalizeH="0" baseline="0" dirty="0">
+            <a:endParaRPr kumimoji="0" lang="ko-KR" altLang="en-US" sz="1500" b="0" i="0" u="none" strike="noStrike" kern="1200" cap="none" spc="0" normalizeH="0" baseline="0">
               <a:solidFill>
                 <a:srgbClr val="000000"/>
               </a:solidFill>
@@ -6986,13 +6806,7 @@
       </p:sp>
       <p:sp>
         <p:nvSpPr>
-          <p:cNvPr id="109" name="제목 1">
-            <a:extLst>
-              <a:ext uri="{FF2B5EF4-FFF2-40B4-BE49-F238E27FC236}">
-                <a16:creationId xmlns:a16="http://schemas.microsoft.com/office/drawing/2014/main" id="{BB73E648-5E26-8FFA-F517-531F78D2E923}"/>
-              </a:ext>
-            </a:extLst>
-          </p:cNvPr>
+          <p:cNvPr id="109" name="제목 1"/>
           <p:cNvSpPr>
             <a:spLocks noGrp="1"/>
           </p:cNvSpPr>
@@ -7034,7 +6848,7 @@
               <a:defRPr/>
             </a:pPr>
             <a:r>
-              <a:rPr kumimoji="0" lang="ko-KR" altLang="en-US" sz="1500" b="0" i="0" u="none" strike="noStrike" kern="1200" cap="none" spc="0" normalizeH="0" baseline="0" dirty="0">
+              <a:rPr kumimoji="0" lang="ko-KR" altLang="en-US" sz="1500" b="0" i="0" u="none" strike="noStrike" kern="1200" cap="none" spc="0" normalizeH="0" baseline="0">
                 <a:solidFill>
                   <a:srgbClr val="000000"/>
                 </a:solidFill>
@@ -7044,18 +6858,20 @@
               </a:rPr>
               <a:t>검류</a:t>
             </a:r>
-          </a:p>
-        </p:txBody>
-      </p:sp>
-      <p:sp>
-        <p:nvSpPr>
-          <p:cNvPr id="110" name="제목 1">
-            <a:extLst>
-              <a:ext uri="{FF2B5EF4-FFF2-40B4-BE49-F238E27FC236}">
-                <a16:creationId xmlns:a16="http://schemas.microsoft.com/office/drawing/2014/main" id="{99D41325-9BCE-9504-10FA-9B99A9527270}"/>
-              </a:ext>
-            </a:extLst>
-          </p:cNvPr>
+            <a:endParaRPr kumimoji="0" lang="ko-KR" altLang="en-US" sz="1500" b="0" i="0" u="none" strike="noStrike" kern="1200" cap="none" spc="0" normalizeH="0" baseline="0">
+              <a:solidFill>
+                <a:srgbClr val="000000"/>
+              </a:solidFill>
+              <a:latin typeface="Calibri"/>
+              <a:ea typeface="맑은 고딕"/>
+              <a:cs typeface="Calibri"/>
+            </a:endParaRPr>
+          </a:p>
+        </p:txBody>
+      </p:sp>
+      <p:sp>
+        <p:nvSpPr>
+          <p:cNvPr id="110" name="제목 1"/>
           <p:cNvSpPr>
             <a:spLocks noGrp="1"/>
           </p:cNvSpPr>
@@ -7097,7 +6913,7 @@
               <a:defRPr/>
             </a:pPr>
             <a:r>
-              <a:rPr kumimoji="0" lang="ko-KR" altLang="en-US" sz="1500" b="0" i="0" u="none" strike="noStrike" kern="1200" cap="none" spc="0" normalizeH="0" baseline="0" dirty="0" err="1">
+              <a:rPr kumimoji="0" lang="ko-KR" altLang="en-US" sz="1500" b="0" i="0" u="none" strike="noStrike" kern="1200" cap="none" spc="0" normalizeH="0" baseline="0">
                 <a:solidFill>
                   <a:srgbClr val="000000"/>
                 </a:solidFill>
@@ -7107,7 +6923,7 @@
               </a:rPr>
               <a:t>활류</a:t>
             </a:r>
-            <a:endParaRPr kumimoji="0" lang="ko-KR" altLang="en-US" sz="1500" b="0" i="0" u="none" strike="noStrike" kern="1200" cap="none" spc="0" normalizeH="0" baseline="0" dirty="0">
+            <a:endParaRPr kumimoji="0" lang="ko-KR" altLang="en-US" sz="1500" b="0" i="0" u="none" strike="noStrike" kern="1200" cap="none" spc="0" normalizeH="0" baseline="0">
               <a:solidFill>
                 <a:srgbClr val="000000"/>
               </a:solidFill>
@@ -7120,15 +6936,8 @@
       </p:sp>
       <p:cxnSp>
         <p:nvCxnSpPr>
-          <p:cNvPr id="119" name="직선 연결선 118">
-            <a:extLst>
-              <a:ext uri="{FF2B5EF4-FFF2-40B4-BE49-F238E27FC236}">
-                <a16:creationId xmlns:a16="http://schemas.microsoft.com/office/drawing/2014/main" id="{AFB8C9A1-0747-3598-F1E5-A7CE8F9A593A}"/>
-              </a:ext>
-            </a:extLst>
-          </p:cNvPr>
+          <p:cNvPr id="119" name="직선 연결선 118"/>
           <p:cNvCxnSpPr>
-            <a:cxnSpLocks/>
             <a:stCxn id="29" idx="2"/>
             <a:endCxn id="109" idx="0"/>
           </p:cNvCxnSpPr>
@@ -7160,15 +6969,8 @@
       </p:cxnSp>
       <p:cxnSp>
         <p:nvCxnSpPr>
-          <p:cNvPr id="121" name="직선 연결선 120">
-            <a:extLst>
-              <a:ext uri="{FF2B5EF4-FFF2-40B4-BE49-F238E27FC236}">
-                <a16:creationId xmlns:a16="http://schemas.microsoft.com/office/drawing/2014/main" id="{0C58154C-8172-C503-1FA5-1AE1E3B3EE00}"/>
-              </a:ext>
-            </a:extLst>
-          </p:cNvPr>
+          <p:cNvPr id="121" name="직선 연결선 120"/>
           <p:cNvCxnSpPr>
-            <a:cxnSpLocks/>
             <a:stCxn id="29" idx="2"/>
             <a:endCxn id="110" idx="0"/>
           </p:cNvCxnSpPr>
@@ -7200,15 +7002,8 @@
       </p:cxnSp>
       <p:cxnSp>
         <p:nvCxnSpPr>
-          <p:cNvPr id="123" name="직선 연결선 122">
-            <a:extLst>
-              <a:ext uri="{FF2B5EF4-FFF2-40B4-BE49-F238E27FC236}">
-                <a16:creationId xmlns:a16="http://schemas.microsoft.com/office/drawing/2014/main" id="{67BF4709-2FD3-B732-E3F2-D00C65A472C3}"/>
-              </a:ext>
-            </a:extLst>
-          </p:cNvPr>
+          <p:cNvPr id="123" name="직선 연결선 122"/>
           <p:cNvCxnSpPr>
-            <a:cxnSpLocks/>
             <a:stCxn id="29" idx="2"/>
             <a:endCxn id="108" idx="0"/>
           </p:cNvCxnSpPr>
@@ -7240,13 +7035,7 @@
       </p:cxnSp>
       <p:sp>
         <p:nvSpPr>
-          <p:cNvPr id="20" name="제목 1">
-            <a:extLst>
-              <a:ext uri="{FF2B5EF4-FFF2-40B4-BE49-F238E27FC236}">
-                <a16:creationId xmlns:a16="http://schemas.microsoft.com/office/drawing/2014/main" id="{A5A8759A-B43C-3B48-1BD3-1AFF7971D6B3}"/>
-              </a:ext>
-            </a:extLst>
-          </p:cNvPr>
+          <p:cNvPr id="20" name="제목 1"/>
           <p:cNvSpPr>
             <a:spLocks noGrp="1"/>
           </p:cNvSpPr>
@@ -7288,7 +7077,7 @@
               <a:defRPr/>
             </a:pPr>
             <a:r>
-              <a:rPr lang="ko-KR" altLang="en-US" sz="1500" dirty="0">
+              <a:rPr lang="ko-KR" altLang="en-US" sz="1500">
                 <a:solidFill>
                   <a:srgbClr val="000000"/>
                 </a:solidFill>
@@ -7298,29 +7087,20 @@
               </a:rPr>
               <a:t>일반</a:t>
             </a:r>
-            <a:r>
-              <a:rPr lang="en-US" altLang="ko-KR" sz="1500" dirty="0">
-                <a:solidFill>
-                  <a:srgbClr val="000000"/>
-                </a:solidFill>
-                <a:latin typeface="Calibri"/>
-                <a:ea typeface="맑은 고딕"/>
-                <a:cs typeface="Calibri"/>
-              </a:rPr>
-              <a:t>1</a:t>
-            </a:r>
-          </a:p>
-        </p:txBody>
-      </p:sp>
-      <p:sp>
-        <p:nvSpPr>
-          <p:cNvPr id="25" name="제목 1">
-            <a:extLst>
-              <a:ext uri="{FF2B5EF4-FFF2-40B4-BE49-F238E27FC236}">
-                <a16:creationId xmlns:a16="http://schemas.microsoft.com/office/drawing/2014/main" id="{A08ABDA3-597A-7A8A-2B85-33E6E7B29522}"/>
-              </a:ext>
-            </a:extLst>
-          </p:cNvPr>
+            <a:endParaRPr lang="en-US" altLang="ko-KR" sz="1500">
+              <a:solidFill>
+                <a:srgbClr val="000000"/>
+              </a:solidFill>
+              <a:latin typeface="Calibri"/>
+              <a:ea typeface="맑은 고딕"/>
+              <a:cs typeface="Calibri"/>
+            </a:endParaRPr>
+          </a:p>
+        </p:txBody>
+      </p:sp>
+      <p:sp>
+        <p:nvSpPr>
+          <p:cNvPr id="26" name="제목 1"/>
           <p:cNvSpPr>
             <a:spLocks noGrp="1"/>
           </p:cNvSpPr>
@@ -7328,8 +7108,8 @@
         </p:nvSpPr>
         <p:spPr>
           <a:xfrm>
-            <a:off x="5589884" y="5135699"/>
-            <a:ext cx="875226" cy="437546"/>
+            <a:off x="6096000" y="5120191"/>
+            <a:ext cx="923167" cy="786154"/>
           </a:xfrm>
           <a:prstGeom prst="rect">
             <a:avLst/>
@@ -7344,7 +7124,7 @@
         </p:spPr>
         <p:txBody>
           <a:bodyPr vert="horz" lIns="91440" tIns="45720" rIns="91440" bIns="45720" anchor="ctr">
-            <a:normAutofit/>
+            <a:noAutofit/>
           </a:bodyPr>
           <a:lstStyle/>
           <a:p>
@@ -7362,7 +7142,7 @@
               <a:defRPr/>
             </a:pPr>
             <a:r>
-              <a:rPr lang="ko-KR" altLang="en-US" sz="1500" dirty="0">
+              <a:rPr lang="ko-KR" altLang="en-US" sz="1200">
                 <a:solidFill>
                   <a:srgbClr val="000000"/>
                 </a:solidFill>
@@ -7370,57 +7150,17 @@
                 <a:ea typeface="맑은 고딕"/>
                 <a:cs typeface="Calibri"/>
               </a:rPr>
-              <a:t>일반</a:t>
-            </a:r>
-            <a:r>
-              <a:rPr lang="en-US" altLang="ko-KR" sz="1500" dirty="0">
-                <a:solidFill>
-                  <a:srgbClr val="000000"/>
-                </a:solidFill>
-                <a:latin typeface="Calibri"/>
-                <a:ea typeface="맑은 고딕"/>
-                <a:cs typeface="Calibri"/>
-              </a:rPr>
-              <a:t>2</a:t>
-            </a:r>
-          </a:p>
-        </p:txBody>
-      </p:sp>
-      <p:sp>
-        <p:nvSpPr>
-          <p:cNvPr id="26" name="제목 1">
-            <a:extLst>
-              <a:ext uri="{FF2B5EF4-FFF2-40B4-BE49-F238E27FC236}">
-                <a16:creationId xmlns:a16="http://schemas.microsoft.com/office/drawing/2014/main" id="{DAB9F8C0-9C63-FECC-6B9C-3A8BC0C86D3E}"/>
-              </a:ext>
-            </a:extLst>
-          </p:cNvPr>
-          <p:cNvSpPr>
-            <a:spLocks noGrp="1"/>
-          </p:cNvSpPr>
-          <p:nvPr/>
-        </p:nvSpPr>
-        <p:spPr>
-          <a:xfrm>
-            <a:off x="6542269" y="5184605"/>
-            <a:ext cx="923167" cy="786154"/>
-          </a:xfrm>
-          <a:prstGeom prst="rect">
-            <a:avLst/>
-          </a:prstGeom>
-          <a:ln>
-            <a:solidFill>
-              <a:srgbClr val="000000">
-                <a:alpha val="100000"/>
-              </a:srgbClr>
-            </a:solidFill>
-          </a:ln>
-        </p:spPr>
-        <p:txBody>
-          <a:bodyPr vert="horz" lIns="91440" tIns="45720" rIns="91440" bIns="45720" anchor="ctr">
-            <a:noAutofit/>
-          </a:bodyPr>
-          <a:lstStyle/>
+              <a:t>보스</a:t>
+            </a:r>
+            <a:endParaRPr lang="ko-KR" altLang="en-US" sz="1200">
+              <a:solidFill>
+                <a:srgbClr val="000000"/>
+              </a:solidFill>
+              <a:latin typeface="Calibri"/>
+              <a:ea typeface="맑은 고딕"/>
+              <a:cs typeface="Calibri"/>
+            </a:endParaRPr>
+          </a:p>
           <a:p>
             <a:pPr marL="0" lvl="0" indent="0" algn="ctr" defTabSz="914400" rtl="0" eaLnBrk="1" latinLnBrk="1" hangingPunct="1">
               <a:lnSpc>
@@ -7436,7 +7176,7 @@
               <a:defRPr/>
             </a:pPr>
             <a:r>
-              <a:rPr lang="ko-KR" altLang="en-US" sz="1200" dirty="0">
+              <a:rPr lang="ko-KR" altLang="en-US" sz="1200">
                 <a:solidFill>
                   <a:srgbClr val="000000"/>
                 </a:solidFill>
@@ -7444,9 +7184,20 @@
                 <a:ea typeface="맑은 고딕"/>
                 <a:cs typeface="Calibri"/>
               </a:rPr>
-              <a:t>보스</a:t>
-            </a:r>
-            <a:endParaRPr lang="en-US" altLang="ko-KR" sz="1200" dirty="0">
+              <a:t>메서드 </a:t>
+            </a:r>
+            <a:r>
+              <a:rPr lang="en-US" altLang="ko-KR" sz="1200">
+                <a:solidFill>
+                  <a:srgbClr val="000000"/>
+                </a:solidFill>
+                <a:latin typeface="Calibri"/>
+                <a:ea typeface="맑은 고딕"/>
+                <a:cs typeface="Calibri"/>
+              </a:rPr>
+              <a:t>: SkillBoss</a:t>
+            </a:r>
+            <a:endParaRPr lang="en-US" altLang="ko-KR" sz="1200">
               <a:solidFill>
                 <a:srgbClr val="000000"/>
               </a:solidFill>
@@ -7455,75 +7206,12 @@
               <a:cs typeface="Calibri"/>
             </a:endParaRPr>
           </a:p>
-          <a:p>
-            <a:pPr marL="0" lvl="0" indent="0" algn="ctr" defTabSz="914400" rtl="0" eaLnBrk="1" latinLnBrk="1" hangingPunct="1">
-              <a:lnSpc>
-                <a:spcPct val="100000"/>
-              </a:lnSpc>
-              <a:spcBef>
-                <a:spcPct val="0"/>
-              </a:spcBef>
-              <a:spcAft>
-                <a:spcPts val="0"/>
-              </a:spcAft>
-              <a:buNone/>
-              <a:defRPr/>
-            </a:pPr>
-            <a:r>
-              <a:rPr lang="ko-KR" altLang="en-US" sz="1200" dirty="0">
-                <a:solidFill>
-                  <a:srgbClr val="000000"/>
-                </a:solidFill>
-                <a:latin typeface="Calibri"/>
-                <a:ea typeface="맑은 고딕"/>
-                <a:cs typeface="Calibri"/>
-              </a:rPr>
-              <a:t>메서드 </a:t>
-            </a:r>
-            <a:r>
-              <a:rPr lang="en-US" altLang="ko-KR" sz="1200" dirty="0">
-                <a:solidFill>
-                  <a:srgbClr val="000000"/>
-                </a:solidFill>
-                <a:latin typeface="Calibri"/>
-                <a:ea typeface="맑은 고딕"/>
-                <a:cs typeface="Calibri"/>
-              </a:rPr>
-              <a:t>: </a:t>
-            </a:r>
-            <a:r>
-              <a:rPr lang="en-US" altLang="ko-KR" sz="1200" dirty="0" err="1">
-                <a:solidFill>
-                  <a:srgbClr val="000000"/>
-                </a:solidFill>
-                <a:latin typeface="Calibri"/>
-                <a:ea typeface="맑은 고딕"/>
-                <a:cs typeface="Calibri"/>
-              </a:rPr>
-              <a:t>SkillBoss</a:t>
-            </a:r>
-            <a:endParaRPr lang="en-US" altLang="ko-KR" sz="1200" dirty="0">
-              <a:solidFill>
-                <a:srgbClr val="000000"/>
-              </a:solidFill>
-              <a:latin typeface="Calibri"/>
-              <a:ea typeface="맑은 고딕"/>
-              <a:cs typeface="Calibri"/>
-            </a:endParaRPr>
-          </a:p>
         </p:txBody>
       </p:sp>
       <p:cxnSp>
         <p:nvCxnSpPr>
-          <p:cNvPr id="34" name="직선 연결선 33">
-            <a:extLst>
-              <a:ext uri="{FF2B5EF4-FFF2-40B4-BE49-F238E27FC236}">
-                <a16:creationId xmlns:a16="http://schemas.microsoft.com/office/drawing/2014/main" id="{B3FC6CDD-1775-FBC0-224E-3A92BE052962}"/>
-              </a:ext>
-            </a:extLst>
-          </p:cNvPr>
+          <p:cNvPr id="34" name="직선 연결선 33"/>
           <p:cNvCxnSpPr>
-            <a:cxnSpLocks/>
             <a:stCxn id="13" idx="2"/>
             <a:endCxn id="20" idx="0"/>
           </p:cNvCxnSpPr>
@@ -7555,64 +7243,16 @@
       </p:cxnSp>
       <p:cxnSp>
         <p:nvCxnSpPr>
-          <p:cNvPr id="36" name="직선 연결선 35">
-            <a:extLst>
-              <a:ext uri="{FF2B5EF4-FFF2-40B4-BE49-F238E27FC236}">
-                <a16:creationId xmlns:a16="http://schemas.microsoft.com/office/drawing/2014/main" id="{F08F4B2E-8373-0826-8ABF-6957E4349234}"/>
-              </a:ext>
-            </a:extLst>
-          </p:cNvPr>
+          <p:cNvPr id="161" name="선 160"/>
           <p:cNvCxnSpPr>
-            <a:cxnSpLocks/>
-            <a:stCxn id="13" idx="2"/>
-            <a:endCxn id="25" idx="0"/>
-          </p:cNvCxnSpPr>
-          <p:nvPr/>
-        </p:nvCxnSpPr>
-        <p:spPr>
-          <a:xfrm>
-            <a:off x="5848999" y="2445759"/>
-            <a:ext cx="178498" cy="2689940"/>
-          </a:xfrm>
-          <a:prstGeom prst="line">
-            <a:avLst/>
-          </a:prstGeom>
-        </p:spPr>
-        <p:style>
-          <a:lnRef idx="1">
-            <a:schemeClr val="accent1"/>
-          </a:lnRef>
-          <a:fillRef idx="0">
-            <a:schemeClr val="accent1"/>
-          </a:fillRef>
-          <a:effectRef idx="0">
-            <a:schemeClr val="accent1"/>
-          </a:effectRef>
-          <a:fontRef idx="minor">
-            <a:schemeClr val="tx1"/>
-          </a:fontRef>
-        </p:style>
-      </p:cxnSp>
-      <p:cxnSp>
-        <p:nvCxnSpPr>
-          <p:cNvPr id="58" name="직선 연결선 57">
-            <a:extLst>
-              <a:ext uri="{FF2B5EF4-FFF2-40B4-BE49-F238E27FC236}">
-                <a16:creationId xmlns:a16="http://schemas.microsoft.com/office/drawing/2014/main" id="{E2C0D3E2-24AE-362D-19B8-A57E4C0574A2}"/>
-              </a:ext>
-            </a:extLst>
-          </p:cNvPr>
-          <p:cNvCxnSpPr>
-            <a:cxnSpLocks/>
-            <a:stCxn id="13" idx="2"/>
             <a:endCxn id="26" idx="0"/>
           </p:cNvCxnSpPr>
           <p:nvPr/>
         </p:nvCxnSpPr>
         <p:spPr>
-          <a:xfrm>
-            <a:off x="5848999" y="2445759"/>
-            <a:ext cx="1154854" cy="2738846"/>
+          <a:xfrm rot="16200000" flipH="1">
+            <a:off x="4893568" y="3456175"/>
+            <a:ext cx="2619448" cy="708583"/>
           </a:xfrm>
           <a:prstGeom prst="line">
             <a:avLst/>
@@ -7638,11 +7278,11 @@
   <p:clrMapOvr>
     <a:masterClrMapping/>
   </p:clrMapOvr>
-  <mc:AlternateContent xmlns:mc="http://schemas.openxmlformats.org/markup-compatibility/2006" xmlns:p14="http://schemas.microsoft.com/office/powerpoint/2010/main">
-    <mc:Choice Requires="p14">
-      <p:transition/>
+  <mc:AlternateContent xmlns:mc="http://schemas.openxmlformats.org/markup-compatibility/2006">
+    <mc:Choice xmlns:p14="http://schemas.microsoft.com/office/powerpoint/2010/main" Requires="p14">
+      <p:transition xmlns:mc="http://schemas.openxmlformats.org/markup-compatibility/2006" xmlns:p14="http://schemas.microsoft.com/office/powerpoint/2010/main" mc:Ignorable="p14" p14:dur="500"/>
     </mc:Choice>
-    <mc:Fallback xmlns:dsp="http://schemas.microsoft.com/office/drawing/2008/diagram" xmlns:dgm="http://schemas.openxmlformats.org/drawingml/2006/diagram" xmlns:c="http://schemas.openxmlformats.org/drawingml/2006/chart" xmlns="">
+    <mc:Fallback>
       <p:transition/>
     </mc:Fallback>
   </mc:AlternateContent>
@@ -7650,41 +7290,41 @@
 </file>
 
 <file path=ppt/theme/theme1.xml><?xml version="1.0" encoding="utf-8"?>
-<a:theme xmlns:a="http://schemas.openxmlformats.org/drawingml/2006/main" name="한컴오피스">
+<a:theme xmlns:r="http://schemas.openxmlformats.org/officeDocument/2006/relationships" xmlns:c="http://schemas.openxmlformats.org/drawingml/2006/chart" xmlns:dgm="http://schemas.openxmlformats.org/drawingml/2006/diagram" xmlns:dsp="http://schemas.microsoft.com/office/drawing/2008/diagram" xmlns:a="http://schemas.openxmlformats.org/drawingml/2006/main" xmlns:pic="http://schemas.openxmlformats.org/drawingml/2006/picture" xmlns:wp="http://schemas.openxmlformats.org/drawingml/2006/wordprocessingDrawing" xmlns:xdr="http://schemas.openxmlformats.org/drawingml/2006/spreadsheetDrawing" xmlns:lc="http://schemas.openxmlformats.org/drawingml/2006/lockedCanvas" xmlns:p="http://schemas.openxmlformats.org/presentationml/2006/main" name="한컴오피스">
   <a:themeElements>
     <a:clrScheme name="한컴오피스">
       <a:dk1>
         <a:sysClr val="windowText" lastClr="000000"/>
       </a:dk1>
       <a:lt1>
-        <a:sysClr val="window" lastClr="FFFFFF"/>
+        <a:sysClr val="window" lastClr="ffffff"/>
       </a:lt1>
       <a:dk2>
-        <a:srgbClr val="3A3C84"/>
+        <a:srgbClr val="3a3c84"/>
       </a:dk2>
       <a:lt2>
-        <a:srgbClr val="FAF3DB"/>
+        <a:srgbClr val="faf3db"/>
       </a:lt2>
       <a:accent1>
-        <a:srgbClr val="6182D6"/>
+        <a:srgbClr val="6182d6"/>
       </a:accent1>
       <a:accent2>
-        <a:srgbClr val="FF843A"/>
+        <a:srgbClr val="ff843a"/>
       </a:accent2>
       <a:accent3>
-        <a:srgbClr val="B2B2B2"/>
+        <a:srgbClr val="b2b2b2"/>
       </a:accent3>
       <a:accent4>
-        <a:srgbClr val="FFD700"/>
+        <a:srgbClr val="ffd700"/>
       </a:accent4>
       <a:accent5>
-        <a:srgbClr val="289B6E"/>
+        <a:srgbClr val="289b6e"/>
       </a:accent5>
       <a:accent6>
-        <a:srgbClr val="9D5CBB"/>
+        <a:srgbClr val="9d5cbb"/>
       </a:accent6>
       <a:hlink>
-        <a:srgbClr val="0000FF"/>
+        <a:srgbClr val="0000ff"/>
       </a:hlink>
       <a:folHlink>
         <a:srgbClr val="800080"/>
@@ -7913,7 +7553,5 @@
       </a:bgFillStyleLst>
     </a:fmtScheme>
   </a:themeElements>
-  <a:objectDefaults/>
-  <a:extraClrSchemeLst/>
 </a:theme>
 </file>
--- a/자바 프로젝트.pptx
+++ b/자바 프로젝트.pptx
@@ -3174,8 +3174,8 @@
         </p:nvSpPr>
         <p:spPr>
           <a:xfrm>
-            <a:off x="4749282" y="163344"/>
-            <a:ext cx="2514784" cy="723897"/>
+            <a:off x="4749282" y="0"/>
+            <a:ext cx="2514784" cy="1122206"/>
           </a:xfrm>
           <a:ln>
             <a:solidFill>
@@ -3185,7 +3185,7 @@
         </p:spPr>
         <p:txBody>
           <a:bodyPr>
-            <a:normAutofit fontScale="90000"/>
+            <a:normAutofit/>
           </a:bodyPr>
           <a:lstStyle/>
           <a:p>
@@ -3280,6 +3280,35 @@
               </a:rPr>
               <a:t>게임소개</a:t>
             </a:r>
+            <a:r>
+              <a:rPr lang="en-US" altLang="ko-KR" sz="1300">
+                <a:ln w="9525"/>
+                <a:solidFill>
+                  <a:schemeClr val="dk1"/>
+                </a:solidFill>
+                <a:latin typeface="맑은 고딕"/>
+              </a:rPr>
+              <a:t>,</a:t>
+            </a:r>
+            <a:br>
+              <a:rPr lang="ko-KR" altLang="en-US" sz="1300">
+                <a:ln w="9525"/>
+                <a:solidFill>
+                  <a:schemeClr val="dk1"/>
+                </a:solidFill>
+                <a:latin typeface="맑은 고딕"/>
+              </a:rPr>
+            </a:br>
+            <a:r>
+              <a:rPr lang="ko-KR" altLang="en-US" sz="1300">
+                <a:ln w="9525"/>
+                <a:solidFill>
+                  <a:schemeClr val="dk1"/>
+                </a:solidFill>
+                <a:latin typeface="맑은 고딕"/>
+              </a:rPr>
+              <a:t>죽음</a:t>
+            </a:r>
             <a:br>
               <a:rPr lang="en-US" altLang="ko-KR" sz="1300">
                 <a:ln w="9525"/>
@@ -3289,7 +3318,7 @@
                 <a:latin typeface="맑은 고딕"/>
               </a:rPr>
             </a:br>
-            <a:endParaRPr lang="en-US" altLang="ko-KR" sz="1300" b="0">
+            <a:endParaRPr lang="en-US" altLang="ko-KR" sz="1300">
               <a:ln w="9525"/>
               <a:solidFill>
                 <a:schemeClr val="dk1"/>
@@ -3309,8 +3338,8 @@
         </p:nvSpPr>
         <p:spPr>
           <a:xfrm>
-            <a:off x="2627691" y="1135850"/>
-            <a:ext cx="1159039" cy="1364893"/>
+            <a:off x="1850848" y="1177351"/>
+            <a:ext cx="1935881" cy="1136276"/>
           </a:xfrm>
           <a:prstGeom prst="rect">
             <a:avLst/>
@@ -3325,7 +3354,7 @@
         </p:spPr>
         <p:txBody>
           <a:bodyPr vert="horz" lIns="91440" tIns="45720" rIns="91440" bIns="45720" anchor="ctr">
-            <a:normAutofit lnSpcReduction="10000"/>
+            <a:normAutofit fontScale="92500" lnSpcReduction="20000"/>
           </a:bodyPr>
           <a:lstStyle/>
           <a:p>
@@ -3418,7 +3447,7 @@
                 <a:ea typeface="맑은 고딕"/>
                 <a:cs typeface="Calibri"/>
               </a:rPr>
-              <a:t>exp,level,job,skillatk</a:t>
+              <a:t>exp,level,job,skillatk,needexp,addexp, addhp,</a:t>
             </a:r>
             <a:endParaRPr lang="en-US" altLang="ko-KR" sz="1200">
               <a:solidFill>
@@ -3444,6 +3473,40 @@
               <a:defRPr/>
             </a:pPr>
             <a:r>
+              <a:rPr lang="en-US" altLang="ko-KR" sz="1200">
+                <a:solidFill>
+                  <a:srgbClr val="000000"/>
+                </a:solidFill>
+                <a:latin typeface="Calibri"/>
+                <a:ea typeface="맑은 고딕"/>
+                <a:cs typeface="Calibri"/>
+              </a:rPr>
+              <a:t>addmp,addatk,addskillatk</a:t>
+            </a:r>
+            <a:endParaRPr lang="en-US" altLang="ko-KR" sz="1200">
+              <a:solidFill>
+                <a:srgbClr val="000000"/>
+              </a:solidFill>
+              <a:latin typeface="Calibri"/>
+              <a:ea typeface="맑은 고딕"/>
+              <a:cs typeface="Calibri"/>
+            </a:endParaRPr>
+          </a:p>
+          <a:p>
+            <a:pPr marL="0" lvl="0" indent="0" algn="ctr" defTabSz="914400" rtl="0" eaLnBrk="1" latinLnBrk="1" hangingPunct="1">
+              <a:lnSpc>
+                <a:spcPct val="100000"/>
+              </a:lnSpc>
+              <a:spcBef>
+                <a:spcPct val="0"/>
+              </a:spcBef>
+              <a:spcAft>
+                <a:spcPts val="0"/>
+              </a:spcAft>
+              <a:buNone/>
+              <a:defRPr/>
+            </a:pPr>
+            <a:r>
               <a:rPr kumimoji="0" lang="ko-KR" altLang="en-US" sz="1200" b="0" i="0" u="none" strike="noStrike" kern="1200" cap="none" spc="0" normalizeH="0" baseline="0">
                 <a:solidFill>
                   <a:srgbClr val="000000"/>
@@ -3476,7 +3539,7 @@
               </a:rPr>
               <a:t>BuyItems</a:t>
             </a:r>
-            <a:endParaRPr kumimoji="0" lang="en-US" altLang="ko-KR" sz="1200" b="0" i="0" u="none" strike="noStrike" kern="1200" cap="none" spc="0" normalizeH="0" baseline="0">
+            <a:endParaRPr lang="en-US" altLang="ko-KR" sz="1200">
               <a:solidFill>
                 <a:srgbClr val="000000"/>
               </a:solidFill>
@@ -3578,7 +3641,7 @@
         </p:spPr>
         <p:txBody>
           <a:bodyPr vert="horz" lIns="91440" tIns="45720" rIns="91440" bIns="45720" anchor="ctr">
-            <a:normAutofit/>
+            <a:normAutofit lnSpcReduction="10000"/>
           </a:bodyPr>
           <a:lstStyle/>
           <a:p>
@@ -3651,7 +3714,41 @@
               </a:rPr>
               <a:t>: species</a:t>
             </a:r>
-            <a:endParaRPr kumimoji="0" lang="en-US" altLang="ko-KR" sz="1500" b="0" i="0" u="none" strike="noStrike" kern="1200" cap="none" spc="0" normalizeH="0" baseline="0">
+            <a:endParaRPr lang="en-US" altLang="ko-KR" sz="1500">
+              <a:solidFill>
+                <a:srgbClr val="000000"/>
+              </a:solidFill>
+              <a:latin typeface="Calibri"/>
+              <a:ea typeface="맑은 고딕"/>
+              <a:cs typeface="Calibri"/>
+            </a:endParaRPr>
+          </a:p>
+          <a:p>
+            <a:pPr marL="0" lvl="0" indent="0" algn="ctr" defTabSz="914400" rtl="0" eaLnBrk="1" latinLnBrk="1" hangingPunct="1">
+              <a:lnSpc>
+                <a:spcPct val="100000"/>
+              </a:lnSpc>
+              <a:spcBef>
+                <a:spcPct val="0"/>
+              </a:spcBef>
+              <a:spcAft>
+                <a:spcPts val="0"/>
+              </a:spcAft>
+              <a:buNone/>
+              <a:defRPr/>
+            </a:pPr>
+            <a:r>
+              <a:rPr lang="en-US" altLang="ko-KR" sz="1500">
+                <a:solidFill>
+                  <a:srgbClr val="000000"/>
+                </a:solidFill>
+                <a:latin typeface="Calibri"/>
+                <a:ea typeface="맑은 고딕"/>
+                <a:cs typeface="Calibri"/>
+              </a:rPr>
+              <a:t>difficulty</a:t>
+            </a:r>
+            <a:endParaRPr lang="en-US" altLang="ko-KR" sz="1500">
               <a:solidFill>
                 <a:srgbClr val="000000"/>
               </a:solidFill>
@@ -3672,9 +3769,9 @@
           <p:nvPr/>
         </p:nvCxnSpPr>
         <p:spPr>
-          <a:xfrm flipH="1">
-            <a:off x="3207211" y="887241"/>
-            <a:ext cx="2799463" cy="248609"/>
+          <a:xfrm rot="10800000" flipV="1">
+            <a:off x="2818789" y="1122206"/>
+            <a:ext cx="3187884" cy="55144"/>
           </a:xfrm>
           <a:prstGeom prst="line">
             <a:avLst/>
@@ -3705,9 +3802,9 @@
           <p:nvPr/>
         </p:nvCxnSpPr>
         <p:spPr>
-          <a:xfrm flipH="1">
-            <a:off x="5848999" y="887241"/>
-            <a:ext cx="157675" cy="580221"/>
+          <a:xfrm rot="5400000">
+            <a:off x="5755209" y="1215996"/>
+            <a:ext cx="345255" cy="157675"/>
           </a:xfrm>
           <a:prstGeom prst="line">
             <a:avLst/>
@@ -3739,8 +3836,8 @@
         </p:nvCxnSpPr>
         <p:spPr>
           <a:xfrm>
-            <a:off x="6006674" y="887241"/>
-            <a:ext cx="2127731" cy="610027"/>
+            <a:off x="6006674" y="1122206"/>
+            <a:ext cx="2127730" cy="375061"/>
           </a:xfrm>
           <a:prstGeom prst="line">
             <a:avLst/>
@@ -3813,9 +3910,20 @@
                 <a:ea typeface="맑은 고딕"/>
                 <a:cs typeface="Calibri"/>
               </a:rPr>
-              <a:t>전사</a:t>
-            </a:r>
-            <a:endParaRPr kumimoji="0" lang="ko-KR" altLang="en-US" sz="1200" b="0" i="0" u="none" strike="noStrike" kern="1200" cap="none" spc="0" normalizeH="0" baseline="0">
+              <a:t>전</a:t>
+            </a:r>
+            <a:r>
+              <a:rPr lang="ko-KR" altLang="en-US" sz="1200">
+                <a:solidFill>
+                  <a:srgbClr val="000000"/>
+                </a:solidFill>
+                <a:latin typeface="Calibri"/>
+                <a:ea typeface="맑은 고딕"/>
+                <a:cs typeface="Calibri"/>
+              </a:rPr>
+              <a:t>사</a:t>
+            </a:r>
+            <a:endParaRPr lang="ko-KR" altLang="en-US" sz="1200">
               <a:solidFill>
                 <a:srgbClr val="000000"/>
               </a:solidFill>
@@ -3839,7 +3947,7 @@
               <a:defRPr/>
             </a:pPr>
             <a:r>
-              <a:rPr lang="ko-KR" altLang="en-US" sz="1200">
+              <a:rPr kumimoji="0" lang="ko-KR" altLang="en-US" sz="1200" b="0" i="0" u="none" strike="noStrike" kern="1200" cap="none" spc="0" normalizeH="0" baseline="0">
                 <a:solidFill>
                   <a:srgbClr val="000000"/>
                 </a:solidFill>
@@ -3847,10 +3955,10 @@
                 <a:ea typeface="맑은 고딕"/>
                 <a:cs typeface="Calibri"/>
               </a:rPr>
-              <a:t>변수 </a:t>
-            </a:r>
-            <a:r>
-              <a:rPr lang="en-US" altLang="ko-KR" sz="1200">
+              <a:t>메서드 </a:t>
+            </a:r>
+            <a:r>
+              <a:rPr kumimoji="0" lang="en-US" altLang="ko-KR" sz="1200" b="0" i="0" u="none" strike="noStrike" kern="1200" cap="none" spc="0" normalizeH="0" baseline="0">
                 <a:solidFill>
                   <a:srgbClr val="000000"/>
                 </a:solidFill>
@@ -3858,9 +3966,9 @@
                 <a:ea typeface="맑은 고딕"/>
                 <a:cs typeface="Calibri"/>
               </a:rPr>
-              <a:t>: SkillAtkWa</a:t>
-            </a:r>
-            <a:endParaRPr lang="en-US" altLang="ko-KR" sz="1200">
+              <a:t>: SkillWa</a:t>
+            </a:r>
+            <a:endParaRPr kumimoji="0" lang="ko-KR" altLang="en-US" sz="1200" b="0" i="0" u="none" strike="noStrike" kern="1200" cap="none" spc="0" normalizeH="0" baseline="0">
               <a:solidFill>
                 <a:srgbClr val="000000"/>
               </a:solidFill>
@@ -3869,6 +3977,37 @@
               <a:cs typeface="Calibri"/>
             </a:endParaRPr>
           </a:p>
+        </p:txBody>
+      </p:sp>
+      <p:sp>
+        <p:nvSpPr>
+          <p:cNvPr id="22" name="제목 1"/>
+          <p:cNvSpPr>
+            <a:spLocks noGrp="1"/>
+          </p:cNvSpPr>
+          <p:nvPr/>
+        </p:nvSpPr>
+        <p:spPr>
+          <a:xfrm>
+            <a:off x="2116791" y="2650306"/>
+            <a:ext cx="1189036" cy="701290"/>
+          </a:xfrm>
+          <a:prstGeom prst="rect">
+            <a:avLst/>
+          </a:prstGeom>
+          <a:ln>
+            <a:solidFill>
+              <a:srgbClr val="000000">
+                <a:alpha val="100000"/>
+              </a:srgbClr>
+            </a:solidFill>
+          </a:ln>
+        </p:spPr>
+        <p:txBody>
+          <a:bodyPr vert="horz" lIns="91440" tIns="45720" rIns="91440" bIns="45720" anchor="ctr">
+            <a:noAutofit/>
+          </a:bodyPr>
+          <a:lstStyle/>
           <a:p>
             <a:pPr marL="0" lvl="0" indent="0" algn="ctr" defTabSz="914400" rtl="0" eaLnBrk="1" latinLnBrk="1" hangingPunct="1">
               <a:lnSpc>
@@ -3892,7 +4031,41 @@
                 <a:ea typeface="맑은 고딕"/>
                 <a:cs typeface="Calibri"/>
               </a:rPr>
-              <a:t>메서드 </a:t>
+              <a:t>궁수</a:t>
+            </a:r>
+            <a:endParaRPr lang="en-US" altLang="ko-KR" sz="1200">
+              <a:solidFill>
+                <a:srgbClr val="000000"/>
+              </a:solidFill>
+              <a:latin typeface="Calibri"/>
+              <a:ea typeface="맑은 고딕"/>
+              <a:cs typeface="Calibri"/>
+            </a:endParaRPr>
+          </a:p>
+          <a:p>
+            <a:pPr marL="0" lvl="0" indent="0" algn="ctr" defTabSz="914400" rtl="0" eaLnBrk="1" latinLnBrk="1" hangingPunct="1">
+              <a:lnSpc>
+                <a:spcPct val="100000"/>
+              </a:lnSpc>
+              <a:spcBef>
+                <a:spcPct val="0"/>
+              </a:spcBef>
+              <a:spcAft>
+                <a:spcPts val="0"/>
+              </a:spcAft>
+              <a:buNone/>
+              <a:defRPr/>
+            </a:pPr>
+            <a:r>
+              <a:rPr kumimoji="0" lang="ko-KR" altLang="en-US" sz="1200" b="0" i="0" u="none" strike="noStrike" kern="1200" cap="none" spc="0" normalizeH="0" baseline="0">
+                <a:solidFill>
+                  <a:srgbClr val="000000"/>
+                </a:solidFill>
+                <a:latin typeface="Calibri"/>
+                <a:ea typeface="맑은 고딕"/>
+                <a:cs typeface="Calibri"/>
+              </a:rPr>
+              <a:t>메서드</a:t>
             </a:r>
             <a:r>
               <a:rPr kumimoji="0" lang="en-US" altLang="ko-KR" sz="1200" b="0" i="0" u="none" strike="noStrike" kern="1200" cap="none" spc="0" normalizeH="0" baseline="0">
@@ -3903,7 +4076,7 @@
                 <a:ea typeface="맑은 고딕"/>
                 <a:cs typeface="Calibri"/>
               </a:rPr>
-              <a:t>: SkillWa</a:t>
+              <a:t>:SkillAr</a:t>
             </a:r>
             <a:endParaRPr kumimoji="0" lang="ko-KR" altLang="en-US" sz="1200" b="0" i="0" u="none" strike="noStrike" kern="1200" cap="none" spc="0" normalizeH="0" baseline="0">
               <a:solidFill>
@@ -3918,7 +4091,7 @@
       </p:sp>
       <p:sp>
         <p:nvSpPr>
-          <p:cNvPr id="22" name="제목 1"/>
+          <p:cNvPr id="23" name="제목 1"/>
           <p:cNvSpPr>
             <a:spLocks noGrp="1"/>
           </p:cNvSpPr>
@@ -3926,8 +4099,8 @@
         </p:nvSpPr>
         <p:spPr>
           <a:xfrm>
-            <a:off x="2116791" y="2650306"/>
-            <a:ext cx="1189036" cy="701290"/>
+            <a:off x="3454173" y="2645778"/>
+            <a:ext cx="1256826" cy="593796"/>
           </a:xfrm>
           <a:prstGeom prst="rect">
             <a:avLst/>
@@ -3942,7 +4115,7 @@
         </p:spPr>
         <p:txBody>
           <a:bodyPr vert="horz" lIns="91440" tIns="45720" rIns="91440" bIns="45720" anchor="ctr">
-            <a:noAutofit/>
+            <a:normAutofit lnSpcReduction="10000"/>
           </a:bodyPr>
           <a:lstStyle/>
           <a:p>
@@ -3968,9 +4141,9 @@
                 <a:ea typeface="맑은 고딕"/>
                 <a:cs typeface="Calibri"/>
               </a:rPr>
-              <a:t>궁수</a:t>
-            </a:r>
-            <a:endParaRPr kumimoji="0" lang="ko-KR" altLang="en-US" sz="1200" b="0" i="0" u="none" strike="noStrike" kern="1200" cap="none" spc="0" normalizeH="0" baseline="0">
+              <a:t>마법사</a:t>
+            </a:r>
+            <a:endParaRPr lang="en-US" altLang="ko-KR" sz="1200">
               <a:solidFill>
                 <a:srgbClr val="000000"/>
               </a:solidFill>
@@ -4002,7 +4175,7 @@
                 <a:ea typeface="맑은 고딕"/>
                 <a:cs typeface="Calibri"/>
               </a:rPr>
-              <a:t>변수</a:t>
+              <a:t>메서드 </a:t>
             </a:r>
             <a:r>
               <a:rPr lang="en-US" altLang="ko-KR" sz="1200">
@@ -4013,9 +4186,9 @@
                 <a:ea typeface="맑은 고딕"/>
                 <a:cs typeface="Calibri"/>
               </a:rPr>
-              <a:t>:SkillAtkAr</a:t>
-            </a:r>
-            <a:endParaRPr lang="en-US" altLang="ko-KR" sz="1200">
+              <a:t>:SkillMa</a:t>
+            </a:r>
+            <a:endParaRPr kumimoji="0" lang="ko-KR" altLang="en-US" sz="1200" b="0" i="0" u="none" strike="noStrike" kern="1200" cap="none" spc="0" normalizeH="0" baseline="0">
               <a:solidFill>
                 <a:srgbClr val="000000"/>
               </a:solidFill>
@@ -4024,6 +4197,37 @@
               <a:cs typeface="Calibri"/>
             </a:endParaRPr>
           </a:p>
+        </p:txBody>
+      </p:sp>
+      <p:sp>
+        <p:nvSpPr>
+          <p:cNvPr id="28" name="제목 1"/>
+          <p:cNvSpPr>
+            <a:spLocks noGrp="1"/>
+          </p:cNvSpPr>
+          <p:nvPr/>
+        </p:nvSpPr>
+        <p:spPr>
+          <a:xfrm>
+            <a:off x="7200832" y="3238898"/>
+            <a:ext cx="469230" cy="408154"/>
+          </a:xfrm>
+          <a:prstGeom prst="rect">
+            <a:avLst/>
+          </a:prstGeom>
+          <a:ln>
+            <a:solidFill>
+              <a:srgbClr val="000000">
+                <a:alpha val="100000"/>
+              </a:srgbClr>
+            </a:solidFill>
+          </a:ln>
+        </p:spPr>
+        <p:txBody>
+          <a:bodyPr vert="horz" lIns="91440" tIns="45720" rIns="91440" bIns="45720" anchor="ctr">
+            <a:normAutofit fontScale="85000" lnSpcReduction="10000"/>
+          </a:bodyPr>
+          <a:lstStyle/>
           <a:p>
             <a:pPr marL="0" lvl="0" indent="0" algn="ctr" defTabSz="914400" rtl="0" eaLnBrk="1" latinLnBrk="1" hangingPunct="1">
               <a:lnSpc>
@@ -4039,32 +4243,21 @@
               <a:defRPr/>
             </a:pPr>
             <a:r>
-              <a:rPr kumimoji="0" lang="ko-KR" altLang="en-US" sz="1200" b="0" i="0" u="none" strike="noStrike" kern="1200" cap="none" spc="0" normalizeH="0" baseline="0">
-                <a:solidFill>
-                  <a:srgbClr val="000000"/>
-                </a:solidFill>
-                <a:latin typeface="Calibri"/>
-                <a:ea typeface="맑은 고딕"/>
-                <a:cs typeface="Calibri"/>
-              </a:rPr>
-              <a:t>메서드</a:t>
-            </a:r>
-            <a:r>
-              <a:rPr kumimoji="0" lang="en-US" altLang="ko-KR" sz="1200" b="0" i="0" u="none" strike="noStrike" kern="1200" cap="none" spc="0" normalizeH="0" baseline="0">
-                <a:solidFill>
-                  <a:srgbClr val="000000"/>
-                </a:solidFill>
-                <a:latin typeface="Calibri"/>
-                <a:ea typeface="맑은 고딕"/>
-                <a:cs typeface="Calibri"/>
-              </a:rPr>
-              <a:t>:SkillAr</a:t>
-            </a:r>
-            <a:endParaRPr kumimoji="0" lang="ko-KR" altLang="en-US" sz="1200" b="0" i="0" u="none" strike="noStrike" kern="1200" cap="none" spc="0" normalizeH="0" baseline="0">
+              <a:rPr kumimoji="0" lang="ko-KR" altLang="en-US" sz="1300" b="0" i="0" u="none" strike="noStrike" kern="1200" cap="none" spc="0" normalizeH="0" baseline="0">
+                <a:solidFill>
+                  <a:srgbClr val="000000"/>
+                </a:solidFill>
+                <a:latin typeface="맑은 고딕"/>
+                <a:ea typeface="맑은 고딕"/>
+                <a:cs typeface="Calibri"/>
+              </a:rPr>
+              <a:t>전투지원</a:t>
+            </a:r>
+            <a:endParaRPr kumimoji="0" lang="ko-KR" altLang="en-US" sz="1300" b="0" i="0" u="none" strike="noStrike" kern="1200" cap="none" spc="0" normalizeH="0" baseline="0">
               <a:solidFill>
                 <a:srgbClr val="000000"/>
               </a:solidFill>
-              <a:latin typeface="Calibri"/>
+              <a:latin typeface="맑은 고딕"/>
               <a:ea typeface="맑은 고딕"/>
               <a:cs typeface="Calibri"/>
             </a:endParaRPr>
@@ -4073,7 +4266,7 @@
       </p:sp>
       <p:sp>
         <p:nvSpPr>
-          <p:cNvPr id="23" name="제목 1"/>
+          <p:cNvPr id="29" name="제목 1"/>
           <p:cNvSpPr>
             <a:spLocks noGrp="1"/>
           </p:cNvSpPr>
@@ -4081,8 +4274,8 @@
         </p:nvSpPr>
         <p:spPr>
           <a:xfrm>
-            <a:off x="3454173" y="2645778"/>
-            <a:ext cx="1256826" cy="593796"/>
+            <a:off x="8261718" y="2500743"/>
+            <a:ext cx="1172012" cy="928257"/>
           </a:xfrm>
           <a:prstGeom prst="rect">
             <a:avLst/>
@@ -4097,7 +4290,7 @@
         </p:spPr>
         <p:txBody>
           <a:bodyPr vert="horz" lIns="91440" tIns="45720" rIns="91440" bIns="45720" anchor="ctr">
-            <a:normAutofit lnSpcReduction="10000"/>
+            <a:normAutofit fontScale="92500" lnSpcReduction="10000"/>
           </a:bodyPr>
           <a:lstStyle/>
           <a:p>
@@ -4115,21 +4308,21 @@
               <a:defRPr/>
             </a:pPr>
             <a:r>
-              <a:rPr kumimoji="0" lang="ko-KR" altLang="en-US" sz="1200" b="0" i="0" u="none" strike="noStrike" kern="1200" cap="none" spc="0" normalizeH="0" baseline="0">
-                <a:solidFill>
-                  <a:srgbClr val="000000"/>
-                </a:solidFill>
-                <a:latin typeface="Calibri"/>
-                <a:ea typeface="맑은 고딕"/>
-                <a:cs typeface="Calibri"/>
-              </a:rPr>
-              <a:t>마법사</a:t>
-            </a:r>
-            <a:endParaRPr kumimoji="0" lang="ko-KR" altLang="en-US" sz="1200" b="0" i="0" u="none" strike="noStrike" kern="1200" cap="none" spc="0" normalizeH="0" baseline="0">
+              <a:rPr kumimoji="0" lang="ko-KR" altLang="en-US" sz="1300" b="0" i="0" u="none" strike="noStrike" kern="1200" cap="none" spc="0" normalizeH="0" baseline="0">
+                <a:solidFill>
+                  <a:srgbClr val="000000"/>
+                </a:solidFill>
+                <a:latin typeface="맑은 고딕"/>
+                <a:ea typeface="맑은 고딕"/>
+                <a:cs typeface="Calibri"/>
+              </a:rPr>
+              <a:t>무기판매</a:t>
+            </a:r>
+            <a:endParaRPr kumimoji="0" lang="ko-KR" altLang="en-US" sz="1300" b="0" i="0" u="none" strike="noStrike" kern="1200" cap="none" spc="0" normalizeH="0" baseline="0">
               <a:solidFill>
                 <a:srgbClr val="000000"/>
               </a:solidFill>
-              <a:latin typeface="Calibri"/>
+              <a:latin typeface="맑은 고딕"/>
               <a:ea typeface="맑은 고딕"/>
               <a:cs typeface="Calibri"/>
             </a:endParaRPr>
@@ -4149,32 +4342,54 @@
               <a:defRPr/>
             </a:pPr>
             <a:r>
-              <a:rPr lang="ko-KR" altLang="en-US" sz="1200">
-                <a:solidFill>
-                  <a:srgbClr val="000000"/>
-                </a:solidFill>
-                <a:latin typeface="Calibri"/>
+              <a:rPr lang="ko-KR" altLang="en-US" sz="1300">
+                <a:solidFill>
+                  <a:srgbClr val="000000"/>
+                </a:solidFill>
+                <a:latin typeface="맑은 고딕"/>
                 <a:ea typeface="맑은 고딕"/>
                 <a:cs typeface="Calibri"/>
               </a:rPr>
               <a:t>변수 </a:t>
             </a:r>
             <a:r>
-              <a:rPr lang="en-US" altLang="ko-KR" sz="1200">
-                <a:solidFill>
-                  <a:srgbClr val="000000"/>
-                </a:solidFill>
-                <a:latin typeface="Calibri"/>
-                <a:ea typeface="맑은 고딕"/>
-                <a:cs typeface="Calibri"/>
-              </a:rPr>
-              <a:t>: SkillAtkMa</a:t>
-            </a:r>
-            <a:endParaRPr lang="en-US" altLang="ko-KR" sz="1200">
+              <a:rPr lang="en-US" altLang="ko-KR" sz="1300">
+                <a:solidFill>
+                  <a:srgbClr val="000000"/>
+                </a:solidFill>
+                <a:latin typeface="맑은 고딕"/>
+                <a:ea typeface="맑은 고딕"/>
+                <a:cs typeface="Calibri"/>
+              </a:rPr>
+              <a:t>: Items,</a:t>
+            </a:r>
+            <a:r>
+              <a:rPr lang="ko-KR" altLang="en-US" sz="1300">
+                <a:solidFill>
+                  <a:srgbClr val="000000"/>
+                </a:solidFill>
+                <a:latin typeface="맑은 고딕"/>
+                <a:ea typeface="맑은 고딕"/>
+                <a:cs typeface="Calibri"/>
+              </a:rPr>
+              <a:t> </a:t>
+            </a:r>
+            <a:r>
+              <a:rPr lang="en-US" altLang="ko-KR" sz="1300">
+                <a:solidFill>
+                  <a:srgbClr val="000000"/>
+                </a:solidFill>
+                <a:latin typeface="맑은 고딕"/>
+                <a:ea typeface="맑은 고딕"/>
+                <a:cs typeface="Calibri"/>
+              </a:rPr>
+              <a:t>price</a:t>
+            </a:r>
+            <a:endParaRPr lang="en-US" altLang="ko-KR" sz="1300">
               <a:solidFill>
                 <a:srgbClr val="000000"/>
               </a:solidFill>
-              <a:latin typeface="Calibri"/>
+              <a:latin typeface="맑은 고딕"/>
               <a:ea typeface="맑은 고딕"/>
               <a:cs typeface="Calibri"/>
             </a:endParaRPr>
@@ -4194,32 +4409,32 @@
               <a:defRPr/>
             </a:pPr>
             <a:r>
-              <a:rPr lang="ko-KR" altLang="en-US" sz="1200">
-                <a:solidFill>
-                  <a:srgbClr val="000000"/>
-                </a:solidFill>
-                <a:latin typeface="Calibri"/>
+              <a:rPr kumimoji="0" lang="ko-KR" altLang="en-US" sz="1300" b="0" i="0" u="none" strike="noStrike" kern="1200" cap="none" spc="0" normalizeH="0" baseline="0">
+                <a:solidFill>
+                  <a:srgbClr val="000000"/>
+                </a:solidFill>
+                <a:latin typeface="맑은 고딕"/>
                 <a:ea typeface="맑은 고딕"/>
                 <a:cs typeface="Calibri"/>
               </a:rPr>
               <a:t>메서드 </a:t>
             </a:r>
             <a:r>
-              <a:rPr lang="en-US" altLang="ko-KR" sz="1200">
-                <a:solidFill>
-                  <a:srgbClr val="000000"/>
-                </a:solidFill>
-                <a:latin typeface="Calibri"/>
-                <a:ea typeface="맑은 고딕"/>
-                <a:cs typeface="Calibri"/>
-              </a:rPr>
-              <a:t>:SkillMa</a:t>
-            </a:r>
-            <a:endParaRPr kumimoji="0" lang="ko-KR" altLang="en-US" sz="1200" b="0" i="0" u="none" strike="noStrike" kern="1200" cap="none" spc="0" normalizeH="0" baseline="0">
+              <a:rPr kumimoji="0" lang="en-US" altLang="ko-KR" sz="1300" b="0" i="0" u="none" strike="noStrike" kern="1200" cap="none" spc="0" normalizeH="0" baseline="0">
+                <a:solidFill>
+                  <a:srgbClr val="000000"/>
+                </a:solidFill>
+                <a:latin typeface="맑은 고딕"/>
+                <a:ea typeface="맑은 고딕"/>
+                <a:cs typeface="Calibri"/>
+              </a:rPr>
+              <a:t>:SellItems</a:t>
+            </a:r>
+            <a:endParaRPr kumimoji="0" lang="ko-KR" altLang="en-US" sz="1300" b="0" i="0" u="none" strike="noStrike" kern="1200" cap="none" spc="0" normalizeH="0" baseline="0">
               <a:solidFill>
                 <a:srgbClr val="000000"/>
               </a:solidFill>
-              <a:latin typeface="Calibri"/>
+              <a:latin typeface="맑은 고딕"/>
               <a:ea typeface="맑은 고딕"/>
               <a:cs typeface="Calibri"/>
             </a:endParaRPr>
@@ -4228,7 +4443,7 @@
       </p:sp>
       <p:sp>
         <p:nvSpPr>
-          <p:cNvPr id="28" name="제목 1"/>
+          <p:cNvPr id="30" name="제목 1"/>
           <p:cNvSpPr>
             <a:spLocks noGrp="1"/>
           </p:cNvSpPr>
@@ -4236,8 +4451,8 @@
         </p:nvSpPr>
         <p:spPr>
           <a:xfrm>
-            <a:off x="7200832" y="3238898"/>
-            <a:ext cx="469230" cy="408154"/>
+            <a:off x="10536485" y="2801352"/>
+            <a:ext cx="1362261" cy="965533"/>
           </a:xfrm>
           <a:prstGeom prst="rect">
             <a:avLst/>
@@ -4252,7 +4467,7 @@
         </p:spPr>
         <p:txBody>
           <a:bodyPr vert="horz" lIns="91440" tIns="45720" rIns="91440" bIns="45720" anchor="ctr">
-            <a:normAutofit fontScale="85000" lnSpcReduction="10000"/>
+            <a:normAutofit/>
           </a:bodyPr>
           <a:lstStyle/>
           <a:p>
@@ -4278,7 +4493,7 @@
                 <a:ea typeface="맑은 고딕"/>
                 <a:cs typeface="Calibri"/>
               </a:rPr>
-              <a:t>전투지원</a:t>
+              <a:t>길잡이</a:t>
             </a:r>
             <a:endParaRPr kumimoji="0" lang="ko-KR" altLang="en-US" sz="1300" b="0" i="0" u="none" strike="noStrike" kern="1200" cap="none" spc="0" normalizeH="0" baseline="0">
               <a:solidFill>
@@ -4289,37 +4504,6 @@
               <a:cs typeface="Calibri"/>
             </a:endParaRPr>
           </a:p>
-        </p:txBody>
-      </p:sp>
-      <p:sp>
-        <p:nvSpPr>
-          <p:cNvPr id="29" name="제목 1"/>
-          <p:cNvSpPr>
-            <a:spLocks noGrp="1"/>
-          </p:cNvSpPr>
-          <p:nvPr/>
-        </p:nvSpPr>
-        <p:spPr>
-          <a:xfrm>
-            <a:off x="8261718" y="2500743"/>
-            <a:ext cx="1172012" cy="928257"/>
-          </a:xfrm>
-          <a:prstGeom prst="rect">
-            <a:avLst/>
-          </a:prstGeom>
-          <a:ln>
-            <a:solidFill>
-              <a:srgbClr val="000000">
-                <a:alpha val="100000"/>
-              </a:srgbClr>
-            </a:solidFill>
-          </a:ln>
-        </p:spPr>
-        <p:txBody>
-          <a:bodyPr vert="horz" lIns="91440" tIns="45720" rIns="91440" bIns="45720" anchor="ctr">
-            <a:normAutofit fontScale="92500" lnSpcReduction="10000"/>
-          </a:bodyPr>
-          <a:lstStyle/>
           <a:p>
             <a:pPr marL="0" lvl="0" indent="0" algn="ctr" defTabSz="914400" rtl="0" eaLnBrk="1" latinLnBrk="1" hangingPunct="1">
               <a:lnSpc>
@@ -4343,9 +4527,20 @@
                 <a:ea typeface="맑은 고딕"/>
                 <a:cs typeface="Calibri"/>
               </a:rPr>
-              <a:t>무기판매</a:t>
-            </a:r>
-            <a:endParaRPr kumimoji="0" lang="ko-KR" altLang="en-US" sz="1300" b="0" i="0" u="none" strike="noStrike" kern="1200" cap="none" spc="0" normalizeH="0" baseline="0">
+              <a:t>메서드 </a:t>
+            </a:r>
+            <a:r>
+              <a:rPr kumimoji="0" lang="en-US" altLang="ko-KR" sz="1300" b="0" i="0" u="none" strike="noStrike" kern="1200" cap="none" spc="0" normalizeH="0" baseline="0">
+                <a:solidFill>
+                  <a:srgbClr val="000000"/>
+                </a:solidFill>
+                <a:latin typeface="맑은 고딕"/>
+                <a:ea typeface="맑은 고딕"/>
+                <a:cs typeface="Calibri"/>
+              </a:rPr>
+              <a:t>:</a:t>
+            </a:r>
+            <a:endParaRPr kumimoji="0" lang="en-US" altLang="ko-KR" sz="1300" b="0" i="0" u="none" strike="noStrike" kern="1200" cap="none" spc="0" normalizeH="0" baseline="0">
               <a:solidFill>
                 <a:srgbClr val="000000"/>
               </a:solidFill>
@@ -4369,228 +4564,6 @@
               <a:defRPr/>
             </a:pPr>
             <a:r>
-              <a:rPr lang="ko-KR" altLang="en-US" sz="1300">
-                <a:solidFill>
-                  <a:srgbClr val="000000"/>
-                </a:solidFill>
-                <a:latin typeface="맑은 고딕"/>
-                <a:ea typeface="맑은 고딕"/>
-                <a:cs typeface="Calibri"/>
-              </a:rPr>
-              <a:t>변수 </a:t>
-            </a:r>
-            <a:r>
-              <a:rPr lang="en-US" altLang="ko-KR" sz="1300">
-                <a:solidFill>
-                  <a:srgbClr val="000000"/>
-                </a:solidFill>
-                <a:latin typeface="맑은 고딕"/>
-                <a:ea typeface="맑은 고딕"/>
-                <a:cs typeface="Calibri"/>
-              </a:rPr>
-              <a:t>: Items,</a:t>
-            </a:r>
-            <a:r>
-              <a:rPr lang="ko-KR" altLang="en-US" sz="1300">
-                <a:solidFill>
-                  <a:srgbClr val="000000"/>
-                </a:solidFill>
-                <a:latin typeface="맑은 고딕"/>
-                <a:ea typeface="맑은 고딕"/>
-                <a:cs typeface="Calibri"/>
-              </a:rPr>
-              <a:t> </a:t>
-            </a:r>
-            <a:r>
-              <a:rPr lang="en-US" altLang="ko-KR" sz="1300">
-                <a:solidFill>
-                  <a:srgbClr val="000000"/>
-                </a:solidFill>
-                <a:latin typeface="맑은 고딕"/>
-                <a:ea typeface="맑은 고딕"/>
-                <a:cs typeface="Calibri"/>
-              </a:rPr>
-              <a:t>price</a:t>
-            </a:r>
-            <a:endParaRPr lang="en-US" altLang="ko-KR" sz="1300">
-              <a:solidFill>
-                <a:srgbClr val="000000"/>
-              </a:solidFill>
-              <a:latin typeface="맑은 고딕"/>
-              <a:ea typeface="맑은 고딕"/>
-              <a:cs typeface="Calibri"/>
-            </a:endParaRPr>
-          </a:p>
-          <a:p>
-            <a:pPr marL="0" lvl="0" indent="0" algn="ctr" defTabSz="914400" rtl="0" eaLnBrk="1" latinLnBrk="1" hangingPunct="1">
-              <a:lnSpc>
-                <a:spcPct val="100000"/>
-              </a:lnSpc>
-              <a:spcBef>
-                <a:spcPct val="0"/>
-              </a:spcBef>
-              <a:spcAft>
-                <a:spcPts val="0"/>
-              </a:spcAft>
-              <a:buNone/>
-              <a:defRPr/>
-            </a:pPr>
-            <a:r>
-              <a:rPr kumimoji="0" lang="ko-KR" altLang="en-US" sz="1300" b="0" i="0" u="none" strike="noStrike" kern="1200" cap="none" spc="0" normalizeH="0" baseline="0">
-                <a:solidFill>
-                  <a:srgbClr val="000000"/>
-                </a:solidFill>
-                <a:latin typeface="맑은 고딕"/>
-                <a:ea typeface="맑은 고딕"/>
-                <a:cs typeface="Calibri"/>
-              </a:rPr>
-              <a:t>메서드 </a:t>
-            </a:r>
-            <a:r>
-              <a:rPr kumimoji="0" lang="en-US" altLang="ko-KR" sz="1300" b="0" i="0" u="none" strike="noStrike" kern="1200" cap="none" spc="0" normalizeH="0" baseline="0">
-                <a:solidFill>
-                  <a:srgbClr val="000000"/>
-                </a:solidFill>
-                <a:latin typeface="맑은 고딕"/>
-                <a:ea typeface="맑은 고딕"/>
-                <a:cs typeface="Calibri"/>
-              </a:rPr>
-              <a:t>:SellItems</a:t>
-            </a:r>
-            <a:endParaRPr kumimoji="0" lang="ko-KR" altLang="en-US" sz="1300" b="0" i="0" u="none" strike="noStrike" kern="1200" cap="none" spc="0" normalizeH="0" baseline="0">
-              <a:solidFill>
-                <a:srgbClr val="000000"/>
-              </a:solidFill>
-              <a:latin typeface="맑은 고딕"/>
-              <a:ea typeface="맑은 고딕"/>
-              <a:cs typeface="Calibri"/>
-            </a:endParaRPr>
-          </a:p>
-        </p:txBody>
-      </p:sp>
-      <p:sp>
-        <p:nvSpPr>
-          <p:cNvPr id="30" name="제목 1"/>
-          <p:cNvSpPr>
-            <a:spLocks noGrp="1"/>
-          </p:cNvSpPr>
-          <p:nvPr/>
-        </p:nvSpPr>
-        <p:spPr>
-          <a:xfrm>
-            <a:off x="10536485" y="2801352"/>
-            <a:ext cx="1362261" cy="965533"/>
-          </a:xfrm>
-          <a:prstGeom prst="rect">
-            <a:avLst/>
-          </a:prstGeom>
-          <a:ln>
-            <a:solidFill>
-              <a:srgbClr val="000000">
-                <a:alpha val="100000"/>
-              </a:srgbClr>
-            </a:solidFill>
-          </a:ln>
-        </p:spPr>
-        <p:txBody>
-          <a:bodyPr vert="horz" lIns="91440" tIns="45720" rIns="91440" bIns="45720" anchor="ctr">
-            <a:normAutofit/>
-          </a:bodyPr>
-          <a:lstStyle/>
-          <a:p>
-            <a:pPr marL="0" lvl="0" indent="0" algn="ctr" defTabSz="914400" rtl="0" eaLnBrk="1" latinLnBrk="1" hangingPunct="1">
-              <a:lnSpc>
-                <a:spcPct val="100000"/>
-              </a:lnSpc>
-              <a:spcBef>
-                <a:spcPct val="0"/>
-              </a:spcBef>
-              <a:spcAft>
-                <a:spcPts val="0"/>
-              </a:spcAft>
-              <a:buNone/>
-              <a:defRPr/>
-            </a:pPr>
-            <a:r>
-              <a:rPr kumimoji="0" lang="ko-KR" altLang="en-US" sz="1300" b="0" i="0" u="none" strike="noStrike" kern="1200" cap="none" spc="0" normalizeH="0" baseline="0">
-                <a:solidFill>
-                  <a:srgbClr val="000000"/>
-                </a:solidFill>
-                <a:latin typeface="맑은 고딕"/>
-                <a:ea typeface="맑은 고딕"/>
-                <a:cs typeface="Calibri"/>
-              </a:rPr>
-              <a:t>길잡이</a:t>
-            </a:r>
-            <a:endParaRPr kumimoji="0" lang="ko-KR" altLang="en-US" sz="1300" b="0" i="0" u="none" strike="noStrike" kern="1200" cap="none" spc="0" normalizeH="0" baseline="0">
-              <a:solidFill>
-                <a:srgbClr val="000000"/>
-              </a:solidFill>
-              <a:latin typeface="맑은 고딕"/>
-              <a:ea typeface="맑은 고딕"/>
-              <a:cs typeface="Calibri"/>
-            </a:endParaRPr>
-          </a:p>
-          <a:p>
-            <a:pPr marL="0" lvl="0" indent="0" algn="ctr" defTabSz="914400" rtl="0" eaLnBrk="1" latinLnBrk="1" hangingPunct="1">
-              <a:lnSpc>
-                <a:spcPct val="100000"/>
-              </a:lnSpc>
-              <a:spcBef>
-                <a:spcPct val="0"/>
-              </a:spcBef>
-              <a:spcAft>
-                <a:spcPts val="0"/>
-              </a:spcAft>
-              <a:buNone/>
-              <a:defRPr/>
-            </a:pPr>
-            <a:r>
-              <a:rPr kumimoji="0" lang="ko-KR" altLang="en-US" sz="1300" b="0" i="0" u="none" strike="noStrike" kern="1200" cap="none" spc="0" normalizeH="0" baseline="0">
-                <a:solidFill>
-                  <a:srgbClr val="000000"/>
-                </a:solidFill>
-                <a:latin typeface="맑은 고딕"/>
-                <a:ea typeface="맑은 고딕"/>
-                <a:cs typeface="Calibri"/>
-              </a:rPr>
-              <a:t>메서드 </a:t>
-            </a:r>
-            <a:r>
-              <a:rPr kumimoji="0" lang="en-US" altLang="ko-KR" sz="1300" b="0" i="0" u="none" strike="noStrike" kern="1200" cap="none" spc="0" normalizeH="0" baseline="0">
-                <a:solidFill>
-                  <a:srgbClr val="000000"/>
-                </a:solidFill>
-                <a:latin typeface="맑은 고딕"/>
-                <a:ea typeface="맑은 고딕"/>
-                <a:cs typeface="Calibri"/>
-              </a:rPr>
-              <a:t>:</a:t>
-            </a:r>
-            <a:endParaRPr kumimoji="0" lang="en-US" altLang="ko-KR" sz="1300" b="0" i="0" u="none" strike="noStrike" kern="1200" cap="none" spc="0" normalizeH="0" baseline="0">
-              <a:solidFill>
-                <a:srgbClr val="000000"/>
-              </a:solidFill>
-              <a:latin typeface="맑은 고딕"/>
-              <a:ea typeface="맑은 고딕"/>
-              <a:cs typeface="Calibri"/>
-            </a:endParaRPr>
-          </a:p>
-          <a:p>
-            <a:pPr marL="0" lvl="0" indent="0" algn="ctr" defTabSz="914400" rtl="0" eaLnBrk="1" latinLnBrk="1" hangingPunct="1">
-              <a:lnSpc>
-                <a:spcPct val="100000"/>
-              </a:lnSpc>
-              <a:spcBef>
-                <a:spcPct val="0"/>
-              </a:spcBef>
-              <a:spcAft>
-                <a:spcPts val="0"/>
-              </a:spcAft>
-              <a:buNone/>
-              <a:defRPr/>
-            </a:pPr>
-            <a:r>
               <a:rPr kumimoji="0" lang="en-US" altLang="ko-KR" sz="1300" b="0" i="0" u="none" strike="noStrike" kern="1200" cap="none" spc="0" normalizeH="0" baseline="0">
                 <a:solidFill>
                   <a:srgbClr val="000000"/>
@@ -4622,9 +4595,9 @@
           <p:nvPr/>
         </p:nvCxnSpPr>
         <p:spPr>
-          <a:xfrm flipH="1">
-            <a:off x="1316526" y="2500743"/>
-            <a:ext cx="1890685" cy="145035"/>
+          <a:xfrm rot="10800000" flipV="1">
+            <a:off x="1316525" y="2313627"/>
+            <a:ext cx="1502263" cy="332150"/>
           </a:xfrm>
           <a:prstGeom prst="line">
             <a:avLst/>
@@ -4655,9 +4628,9 @@
           <p:nvPr/>
         </p:nvCxnSpPr>
         <p:spPr>
-          <a:xfrm flipH="1">
-            <a:off x="2711309" y="2500743"/>
-            <a:ext cx="495902" cy="149563"/>
+          <a:xfrm rot="5400000">
+            <a:off x="2596709" y="2428226"/>
+            <a:ext cx="336678" cy="107480"/>
           </a:xfrm>
           <a:prstGeom prst="line">
             <a:avLst/>
@@ -4689,8 +4662,8 @@
         </p:nvCxnSpPr>
         <p:spPr>
           <a:xfrm>
-            <a:off x="3207211" y="2500743"/>
-            <a:ext cx="875375" cy="145035"/>
+            <a:off x="2818789" y="2313627"/>
+            <a:ext cx="1263796" cy="332150"/>
           </a:xfrm>
           <a:prstGeom prst="line">
             <a:avLst/>
@@ -6396,9 +6369,9 @@
           <p:nvPr/>
         </p:nvCxnSpPr>
         <p:spPr>
-          <a:xfrm flipH="1">
-            <a:off x="2686365" y="2500743"/>
-            <a:ext cx="520846" cy="2700586"/>
+          <a:xfrm rot="5400000">
+            <a:off x="1308726" y="3691266"/>
+            <a:ext cx="2887701" cy="132424"/>
           </a:xfrm>
           <a:prstGeom prst="line">
             <a:avLst/>
@@ -6498,227 +6471,6 @@
           <a:xfrm>
             <a:off x="7435447" y="3647052"/>
             <a:ext cx="137684" cy="998378"/>
-          </a:xfrm>
-          <a:prstGeom prst="line">
-            <a:avLst/>
-          </a:prstGeom>
-        </p:spPr>
-        <p:style>
-          <a:lnRef idx="1">
-            <a:schemeClr val="accent1"/>
-          </a:lnRef>
-          <a:fillRef idx="0">
-            <a:schemeClr val="accent1"/>
-          </a:fillRef>
-          <a:effectRef idx="0">
-            <a:schemeClr val="accent1"/>
-          </a:effectRef>
-          <a:fontRef idx="minor">
-            <a:schemeClr val="tx1"/>
-          </a:fontRef>
-        </p:style>
-      </p:cxnSp>
-      <p:sp>
-        <p:nvSpPr>
-          <p:cNvPr id="93" name="제목 1"/>
-          <p:cNvSpPr>
-            <a:spLocks noGrp="1"/>
-          </p:cNvSpPr>
-          <p:nvPr/>
-        </p:nvSpPr>
-        <p:spPr>
-          <a:xfrm>
-            <a:off x="104109" y="5120191"/>
-            <a:ext cx="1462581" cy="1229277"/>
-          </a:xfrm>
-          <a:prstGeom prst="rect">
-            <a:avLst/>
-          </a:prstGeom>
-          <a:ln>
-            <a:solidFill>
-              <a:srgbClr val="000000">
-                <a:alpha val="100000"/>
-              </a:srgbClr>
-            </a:solidFill>
-          </a:ln>
-        </p:spPr>
-        <p:txBody>
-          <a:bodyPr vert="horz" lIns="91440" tIns="45720" rIns="91440" bIns="45720" anchor="ctr">
-            <a:normAutofit/>
-          </a:bodyPr>
-          <a:lstStyle/>
-          <a:p>
-            <a:pPr marL="0" lvl="0" indent="0" algn="ctr" defTabSz="914400" rtl="0" eaLnBrk="1" latinLnBrk="1" hangingPunct="1">
-              <a:lnSpc>
-                <a:spcPct val="100000"/>
-              </a:lnSpc>
-              <a:spcBef>
-                <a:spcPct val="0"/>
-              </a:spcBef>
-              <a:spcAft>
-                <a:spcPts val="0"/>
-              </a:spcAft>
-              <a:buNone/>
-              <a:defRPr/>
-            </a:pPr>
-            <a:r>
-              <a:rPr lang="ko-KR" altLang="en-US" sz="1500">
-                <a:solidFill>
-                  <a:srgbClr val="000000"/>
-                </a:solidFill>
-                <a:latin typeface="Calibri"/>
-                <a:ea typeface="맑은 고딕"/>
-                <a:cs typeface="Calibri"/>
-              </a:rPr>
-              <a:t>인터페이스</a:t>
-            </a:r>
-            <a:endParaRPr lang="ko-KR" altLang="en-US" sz="1500">
-              <a:solidFill>
-                <a:srgbClr val="000000"/>
-              </a:solidFill>
-              <a:latin typeface="Calibri"/>
-              <a:ea typeface="맑은 고딕"/>
-              <a:cs typeface="Calibri"/>
-            </a:endParaRPr>
-          </a:p>
-          <a:p>
-            <a:pPr marL="0" lvl="0" indent="0" algn="ctr" defTabSz="914400" rtl="0" eaLnBrk="1" latinLnBrk="1" hangingPunct="1">
-              <a:lnSpc>
-                <a:spcPct val="100000"/>
-              </a:lnSpc>
-              <a:spcBef>
-                <a:spcPct val="0"/>
-              </a:spcBef>
-              <a:spcAft>
-                <a:spcPts val="0"/>
-              </a:spcAft>
-              <a:buNone/>
-              <a:defRPr/>
-            </a:pPr>
-            <a:r>
-              <a:rPr lang="ko-KR" altLang="en-US" sz="1500">
-                <a:solidFill>
-                  <a:srgbClr val="000000"/>
-                </a:solidFill>
-                <a:latin typeface="Calibri"/>
-                <a:ea typeface="맑은 고딕"/>
-                <a:cs typeface="Calibri"/>
-              </a:rPr>
-              <a:t>죽음</a:t>
-            </a:r>
-            <a:endParaRPr lang="ko-KR" altLang="en-US" sz="1500">
-              <a:solidFill>
-                <a:srgbClr val="000000"/>
-              </a:solidFill>
-              <a:latin typeface="Calibri"/>
-              <a:ea typeface="맑은 고딕"/>
-              <a:cs typeface="Calibri"/>
-            </a:endParaRPr>
-          </a:p>
-          <a:p>
-            <a:pPr marL="0" lvl="0" indent="0" algn="ctr" defTabSz="914400" rtl="0" eaLnBrk="1" latinLnBrk="1" hangingPunct="1">
-              <a:lnSpc>
-                <a:spcPct val="100000"/>
-              </a:lnSpc>
-              <a:spcBef>
-                <a:spcPct val="0"/>
-              </a:spcBef>
-              <a:spcAft>
-                <a:spcPts val="0"/>
-              </a:spcAft>
-              <a:buNone/>
-              <a:defRPr/>
-            </a:pPr>
-            <a:r>
-              <a:rPr lang="ko-KR" altLang="en-US" sz="1500">
-                <a:solidFill>
-                  <a:srgbClr val="000000"/>
-                </a:solidFill>
-                <a:latin typeface="Calibri"/>
-                <a:ea typeface="맑은 고딕"/>
-                <a:cs typeface="Calibri"/>
-              </a:rPr>
-              <a:t>메서드 </a:t>
-            </a:r>
-            <a:r>
-              <a:rPr lang="en-US" altLang="ko-KR" sz="1500">
-                <a:solidFill>
-                  <a:srgbClr val="000000"/>
-                </a:solidFill>
-                <a:latin typeface="Calibri"/>
-                <a:ea typeface="맑은 고딕"/>
-                <a:cs typeface="Calibri"/>
-              </a:rPr>
-              <a:t>: </a:t>
-            </a:r>
-            <a:r>
-              <a:rPr lang="ko-KR" altLang="en-US" sz="1500">
-                <a:solidFill>
-                  <a:srgbClr val="000000"/>
-                </a:solidFill>
-                <a:latin typeface="Calibri"/>
-                <a:ea typeface="맑은 고딕"/>
-                <a:cs typeface="Calibri"/>
-              </a:rPr>
-              <a:t>죽음</a:t>
-            </a:r>
-            <a:endParaRPr lang="en-US" altLang="ko-KR" sz="1500">
-              <a:solidFill>
-                <a:srgbClr val="000000"/>
-              </a:solidFill>
-              <a:latin typeface="Calibri"/>
-              <a:ea typeface="맑은 고딕"/>
-              <a:cs typeface="Calibri"/>
-            </a:endParaRPr>
-          </a:p>
-        </p:txBody>
-      </p:sp>
-      <p:cxnSp>
-        <p:nvCxnSpPr>
-          <p:cNvPr id="95" name="직선 연결선 94"/>
-          <p:cNvCxnSpPr>
-            <a:stCxn id="10" idx="2"/>
-            <a:endCxn id="93" idx="0"/>
-          </p:cNvCxnSpPr>
-          <p:nvPr/>
-        </p:nvCxnSpPr>
-        <p:spPr>
-          <a:xfrm flipH="1">
-            <a:off x="835400" y="2500743"/>
-            <a:ext cx="2371811" cy="2619448"/>
-          </a:xfrm>
-          <a:prstGeom prst="line">
-            <a:avLst/>
-          </a:prstGeom>
-        </p:spPr>
-        <p:style>
-          <a:lnRef idx="1">
-            <a:schemeClr val="accent1"/>
-          </a:lnRef>
-          <a:fillRef idx="0">
-            <a:schemeClr val="accent1"/>
-          </a:fillRef>
-          <a:effectRef idx="0">
-            <a:schemeClr val="accent1"/>
-          </a:effectRef>
-          <a:fontRef idx="minor">
-            <a:schemeClr val="tx1"/>
-          </a:fontRef>
-        </p:style>
-      </p:cxnSp>
-      <p:cxnSp>
-        <p:nvCxnSpPr>
-          <p:cNvPr id="97" name="직선 연결선 96"/>
-          <p:cNvCxnSpPr>
-            <a:stCxn id="93" idx="0"/>
-            <a:endCxn id="13" idx="1"/>
-          </p:cNvCxnSpPr>
-          <p:nvPr/>
-        </p:nvCxnSpPr>
-        <p:spPr>
-          <a:xfrm flipV="1">
-            <a:off x="835400" y="1956611"/>
-            <a:ext cx="4453762" cy="3163580"/>
           </a:xfrm>
           <a:prstGeom prst="line">
             <a:avLst/>

--- a/자바 프로젝트.pptx
+++ b/자바 프로젝트.pptx
@@ -1,6 +1,6 @@
 
 <file path=ppt/presentation.xml><?xml version="1.0" encoding="utf-8"?>
-<p:presentation xmlns:r="http://schemas.openxmlformats.org/officeDocument/2006/relationships" xmlns:c="http://schemas.openxmlformats.org/drawingml/2006/chart" xmlns:a="http://schemas.openxmlformats.org/drawingml/2006/main" xmlns:dgm="http://schemas.openxmlformats.org/drawingml/2006/diagram" xmlns:dsp="http://schemas.microsoft.com/office/drawing/2008/diagram" xmlns:p="http://schemas.openxmlformats.org/presentationml/2006/main">
+<p:presentation xmlns:a="http://schemas.openxmlformats.org/drawingml/2006/main" xmlns:r="http://schemas.openxmlformats.org/officeDocument/2006/relationships" xmlns:p="http://schemas.openxmlformats.org/presentationml/2006/main">
   <p:sldMasterIdLst>
     <p:sldMasterId id="2147483648" r:id="rId1"/>
   </p:sldMasterIdLst>
@@ -104,11 +104,27 @@
       </a:defRPr>
     </a:lvl9pPr>
   </p:defaultTextStyle>
+  <p:extLst>
+    <p:ext uri="{EFAFB233-063F-42B5-8137-9DF3F51BA10A}">
+      <p15:sldGuideLst xmlns:p15="http://schemas.microsoft.com/office/powerpoint/2012/main">
+        <p15:guide id="1" orient="horz" pos="2156">
+          <p15:clr>
+            <a:srgbClr val="A4A3A4"/>
+          </p15:clr>
+        </p15:guide>
+        <p15:guide id="2" pos="3839">
+          <p15:clr>
+            <a:srgbClr val="A4A3A4"/>
+          </p15:clr>
+        </p15:guide>
+      </p15:sldGuideLst>
+    </p:ext>
+  </p:extLst>
 </p:presentation>
 </file>
 
 <file path=ppt/commentAuthors.xml><?xml version="1.0" encoding="utf-8"?>
-<p:cmAuthorLst xmlns:r="http://schemas.openxmlformats.org/officeDocument/2006/relationships" xmlns:c="http://schemas.openxmlformats.org/drawingml/2006/chart" xmlns:a="http://schemas.openxmlformats.org/drawingml/2006/main" xmlns:dgm="http://schemas.openxmlformats.org/drawingml/2006/diagram" xmlns:dsp="http://schemas.microsoft.com/office/drawing/2008/diagram" xmlns:p="http://schemas.openxmlformats.org/presentationml/2006/main">
+<p:cmAuthorLst xmlns:a="http://schemas.openxmlformats.org/drawingml/2006/main" xmlns:r="http://schemas.openxmlformats.org/officeDocument/2006/relationships" xmlns:p="http://schemas.openxmlformats.org/presentationml/2006/main">
   <p:cmAuthor id="1" name="호영 나" initials="호나" lastIdx="1" clrIdx="0"/>
 </p:cmAuthorLst>
 </file>
@@ -293,7 +309,7 @@
             <a:fld id="{940A130E-E3B8-4EBE-931F-81B26B8448AA}" type="datetime1">
               <a:rPr lang="ko-KR" altLang="en-US" smtClean="0"/>
               <a:pPr/>
-              <a:t>2024-09-28</a:t>
+              <a:t>2024-09-29</a:t>
             </a:fld>
             <a:endParaRPr lang="ko-KR" altLang="en-US"/>
           </a:p>
@@ -418,7 +434,7 @@
             <a:fld id="{CA348888-F454-4AD2-BA62-3AF29D9807C0}" type="datetime1">
               <a:rPr lang="ko-KR" altLang="en-US" smtClean="0"/>
               <a:pPr/>
-              <a:t>2024-09-28</a:t>
+              <a:t>2024-09-29</a:t>
             </a:fld>
             <a:endParaRPr lang="ko-KR" altLang="en-US"/>
           </a:p>
@@ -606,7 +622,7 @@
             <a:fld id="{956FEC12-A4C9-4837-AF94-AD867782C04C}" type="datetime1">
               <a:rPr lang="ko-KR" altLang="en-US" smtClean="0"/>
               <a:pPr/>
-              <a:t>2024-09-28</a:t>
+              <a:t>2024-09-29</a:t>
             </a:fld>
             <a:endParaRPr lang="ko-KR" altLang="en-US"/>
           </a:p>
@@ -781,7 +797,7 @@
             <a:fld id="{957F84A3-4F29-4053-ACFD-1BAF2D3F140C}" type="datetime1">
               <a:rPr lang="ko-KR" altLang="en-US" smtClean="0"/>
               <a:pPr/>
-              <a:t>2024-09-28</a:t>
+              <a:t>2024-09-29</a:t>
             </a:fld>
             <a:endParaRPr lang="ko-KR" altLang="en-US"/>
           </a:p>
@@ -946,7 +962,7 @@
             <a:fld id="{4953836A-82A3-4C8B-9D31-CD724F3673ED}" type="datetime1">
               <a:rPr lang="ko-KR" altLang="en-US" smtClean="0"/>
               <a:pPr/>
-              <a:t>2024-09-28</a:t>
+              <a:t>2024-09-29</a:t>
             </a:fld>
             <a:endParaRPr lang="ko-KR" altLang="en-US"/>
           </a:p>
@@ -1038,7 +1054,7 @@
             <a:fld id="{AD2EBAF6-36D0-4DD8-B695-D4C1B37E35D6}" type="datetime1">
               <a:rPr lang="ko-KR" altLang="en-US" smtClean="0"/>
               <a:pPr/>
-              <a:t>2024-09-28</a:t>
+              <a:t>2024-09-29</a:t>
             </a:fld>
             <a:endParaRPr lang="ko-KR" altLang="en-US"/>
           </a:p>
@@ -1280,7 +1296,7 @@
             <a:fld id="{60728D28-603B-4EFC-80F8-17E5E9107035}" type="datetime1">
               <a:rPr lang="ko-KR" altLang="en-US" smtClean="0"/>
               <a:pPr/>
-              <a:t>2024-09-28</a:t>
+              <a:t>2024-09-29</a:t>
             </a:fld>
             <a:endParaRPr lang="ko-KR" altLang="en-US"/>
           </a:p>
@@ -1562,7 +1578,7 @@
             <a:fld id="{A27A1F4E-0809-4239-8034-C38E431DAF92}" type="datetime1">
               <a:rPr lang="ko-KR" altLang="en-US" smtClean="0"/>
               <a:pPr/>
-              <a:t>2024-09-28</a:t>
+              <a:t>2024-09-29</a:t>
             </a:fld>
             <a:endParaRPr lang="ko-KR" altLang="en-US"/>
           </a:p>
@@ -1676,7 +1692,7 @@
             <a:fld id="{5E0DA496-7307-4E8B-88DE-CB97B48BAB6F}" type="datetime1">
               <a:rPr lang="ko-KR" altLang="en-US" smtClean="0"/>
               <a:pPr/>
-              <a:t>2024-09-28</a:t>
+              <a:t>2024-09-29</a:t>
             </a:fld>
             <a:endParaRPr lang="ko-KR" altLang="en-US"/>
           </a:p>
@@ -1823,7 +1839,7 @@
             <a:fld id="{58721E90-850C-410B-8B89-8394F580CFDA}" type="datetime1">
               <a:rPr lang="ko-KR" altLang="en-US" smtClean="0"/>
               <a:pPr/>
-              <a:t>2024-09-28</a:t>
+              <a:t>2024-09-29</a:t>
             </a:fld>
             <a:endParaRPr lang="ko-KR" altLang="en-US"/>
           </a:p>
@@ -2273,7 +2289,7 @@
             <a:fld id="{5ACE7E28-9336-4363-8674-B91477D8F243}" type="datetime1">
               <a:rPr lang="ko-KR" altLang="en-US" smtClean="0"/>
               <a:pPr/>
-              <a:t>2024-09-28</a:t>
+              <a:t>2024-09-29</a:t>
             </a:fld>
             <a:endParaRPr lang="ko-KR" altLang="en-US"/>
           </a:p>
@@ -2524,7 +2540,7 @@
             <a:fld id="{5ACE7E28-9336-4363-8674-B91477D8F243}" type="datetime1">
               <a:rPr lang="ko-KR" altLang="en-US" smtClean="0"/>
               <a:pPr/>
-              <a:t>2024-09-28</a:t>
+              <a:t>2024-09-29</a:t>
             </a:fld>
             <a:endParaRPr lang="ko-KR" altLang="en-US"/>
           </a:p>
@@ -2733,7 +2749,7 @@
             <a:fld id="{D422D86A-5F52-4165-8473-F1B836277586}" type="datetime1">
               <a:rPr lang="ko-KR" altLang="en-US" smtClean="0"/>
               <a:pPr/>
-              <a:t>2024-09-28</a:t>
+              <a:t>2024-09-29</a:t>
             </a:fld>
             <a:endParaRPr lang="ko-KR" altLang="en-US"/>
           </a:p>
@@ -3146,7 +3162,7 @@
 </file>
 
 <file path=ppt/slides/slide1.xml><?xml version="1.0" encoding="utf-8"?>
-<p:sld xmlns:r="http://schemas.openxmlformats.org/officeDocument/2006/relationships" xmlns:c="http://schemas.openxmlformats.org/drawingml/2006/chart" xmlns:a="http://schemas.openxmlformats.org/drawingml/2006/main" xmlns:dgm="http://schemas.openxmlformats.org/drawingml/2006/diagram" xmlns:dsp="http://schemas.microsoft.com/office/drawing/2008/diagram" xmlns:p="http://schemas.openxmlformats.org/presentationml/2006/main">
+<p:sld xmlns:a="http://schemas.openxmlformats.org/drawingml/2006/main" xmlns:r="http://schemas.openxmlformats.org/officeDocument/2006/relationships" xmlns:p="http://schemas.openxmlformats.org/presentationml/2006/main">
   <p:cSld>
     <p:spTree>
       <p:nvGrpSpPr>
@@ -3169,7 +3185,7 @@
             <a:spLocks noGrp="1"/>
           </p:cNvSpPr>
           <p:nvPr>
-            <p:ph type="ctrTitle" idx="0"/>
+            <p:ph type="ctrTitle"/>
           </p:nvPr>
         </p:nvSpPr>
         <p:spPr>
@@ -3338,8 +3354,8 @@
         </p:nvSpPr>
         <p:spPr>
           <a:xfrm>
-            <a:off x="1850848" y="1177351"/>
-            <a:ext cx="1935881" cy="1136276"/>
+            <a:off x="1316526" y="796045"/>
+            <a:ext cx="2470203" cy="1517582"/>
           </a:xfrm>
           <a:prstGeom prst="rect">
             <a:avLst/>
@@ -3354,7 +3370,7 @@
         </p:spPr>
         <p:txBody>
           <a:bodyPr vert="horz" lIns="91440" tIns="45720" rIns="91440" bIns="45720" anchor="ctr">
-            <a:normAutofit fontScale="92500" lnSpcReduction="20000"/>
+            <a:normAutofit/>
           </a:bodyPr>
           <a:lstStyle/>
           <a:p>
@@ -3372,7 +3388,7 @@
               <a:defRPr/>
             </a:pPr>
             <a:r>
-              <a:rPr kumimoji="0" lang="ko-KR" altLang="en-US" sz="1200" b="0" i="0" u="none" strike="noStrike" kern="1200" cap="none" spc="0" normalizeH="0" baseline="0">
+              <a:rPr kumimoji="0" lang="ko-KR" altLang="en-US" sz="1200" b="0" i="0" u="none" strike="noStrike" kern="1200" cap="none" spc="0" normalizeH="0" baseline="0" dirty="0">
                 <a:solidFill>
                   <a:srgbClr val="000000"/>
                 </a:solidFill>
@@ -3382,14 +3398,6 @@
               </a:rPr>
               <a:t>모험가</a:t>
             </a:r>
-            <a:endParaRPr kumimoji="0" lang="ko-KR" altLang="en-US" sz="1200" b="0" i="0" u="none" strike="noStrike" kern="1200" cap="none" spc="0" normalizeH="0" baseline="0">
-              <a:solidFill>
-                <a:srgbClr val="000000"/>
-              </a:solidFill>
-              <a:latin typeface="Calibri"/>
-              <a:ea typeface="맑은 고딕"/>
-              <a:cs typeface="Calibri"/>
-            </a:endParaRPr>
           </a:p>
           <a:p>
             <a:pPr marL="0" lvl="0" indent="0" algn="ctr" defTabSz="914400" rtl="0" eaLnBrk="1" latinLnBrk="1" hangingPunct="1">
@@ -3406,7 +3414,7 @@
               <a:defRPr/>
             </a:pPr>
             <a:r>
-              <a:rPr lang="ko-KR" altLang="en-US" sz="1200">
+              <a:rPr lang="ko-KR" altLang="en-US" sz="1200" dirty="0">
                 <a:solidFill>
                   <a:srgbClr val="000000"/>
                 </a:solidFill>
@@ -3417,7 +3425,7 @@
               <a:t>변수 </a:t>
             </a:r>
             <a:r>
-              <a:rPr lang="en-US" altLang="ko-KR" sz="1200">
+              <a:rPr lang="en-US" altLang="ko-KR" sz="1200" dirty="0">
                 <a:solidFill>
                   <a:srgbClr val="000000"/>
                 </a:solidFill>
@@ -3428,7 +3436,7 @@
               <a:t>:  money,</a:t>
             </a:r>
             <a:r>
-              <a:rPr lang="ko-KR" altLang="en-US" sz="1200">
+              <a:rPr lang="ko-KR" altLang="en-US" sz="1200" dirty="0">
                 <a:solidFill>
                   <a:srgbClr val="000000"/>
                 </a:solidFill>
@@ -3439,24 +3447,49 @@
               <a:t> </a:t>
             </a:r>
             <a:r>
-              <a:rPr lang="en-US" altLang="ko-KR" sz="1200">
-                <a:solidFill>
-                  <a:srgbClr val="000000"/>
-                </a:solidFill>
-                <a:latin typeface="Calibri"/>
-                <a:ea typeface="맑은 고딕"/>
-                <a:cs typeface="Calibri"/>
-              </a:rPr>
-              <a:t>exp,level,job,skillatk,needexp,addexp, addhp,</a:t>
-            </a:r>
-            <a:endParaRPr lang="en-US" altLang="ko-KR" sz="1200">
-              <a:solidFill>
-                <a:srgbClr val="000000"/>
-              </a:solidFill>
-              <a:latin typeface="Calibri"/>
-              <a:ea typeface="맑은 고딕"/>
-              <a:cs typeface="Calibri"/>
-            </a:endParaRPr>
+              <a:rPr lang="en-US" altLang="ko-KR" sz="1200" dirty="0" err="1">
+                <a:solidFill>
+                  <a:srgbClr val="000000"/>
+                </a:solidFill>
+                <a:latin typeface="Calibri"/>
+                <a:ea typeface="맑은 고딕"/>
+                <a:cs typeface="Calibri"/>
+              </a:rPr>
+              <a:t>exp,level,job,skillatk,needexp,addexp</a:t>
+            </a:r>
+            <a:r>
+              <a:rPr lang="en-US" altLang="ko-KR" sz="1200" dirty="0">
+                <a:solidFill>
+                  <a:srgbClr val="000000"/>
+                </a:solidFill>
+                <a:latin typeface="Calibri"/>
+                <a:ea typeface="맑은 고딕"/>
+                <a:cs typeface="Calibri"/>
+              </a:rPr>
+              <a:t>, </a:t>
+            </a:r>
+            <a:r>
+              <a:rPr lang="en-US" altLang="ko-KR" sz="1200" dirty="0" err="1">
+                <a:solidFill>
+                  <a:srgbClr val="000000"/>
+                </a:solidFill>
+                <a:latin typeface="Calibri"/>
+                <a:ea typeface="맑은 고딕"/>
+                <a:cs typeface="Calibri"/>
+              </a:rPr>
+              <a:t>addhp</a:t>
+            </a:r>
+            <a:r>
+              <a:rPr lang="en-US" altLang="ko-KR" sz="1200" dirty="0">
+                <a:solidFill>
+                  <a:srgbClr val="000000"/>
+                </a:solidFill>
+                <a:latin typeface="Calibri"/>
+                <a:ea typeface="맑은 고딕"/>
+                <a:cs typeface="Calibri"/>
+              </a:rPr>
+              <a:t>,</a:t>
+            </a:r>
           </a:p>
           <a:p>
             <a:pPr marL="0" lvl="0" indent="0" algn="ctr" defTabSz="914400" rtl="0" eaLnBrk="1" latinLnBrk="1" hangingPunct="1">
@@ -3473,7 +3506,7 @@
               <a:defRPr/>
             </a:pPr>
             <a:r>
-              <a:rPr lang="en-US" altLang="ko-KR" sz="1200">
+              <a:rPr lang="en-US" altLang="ko-KR" sz="1200" dirty="0" err="1">
                 <a:solidFill>
                   <a:srgbClr val="000000"/>
                 </a:solidFill>
@@ -3483,7 +3516,7 @@
               </a:rPr>
               <a:t>addmp,addatk,addskillatk</a:t>
             </a:r>
-            <a:endParaRPr lang="en-US" altLang="ko-KR" sz="1200">
+            <a:endParaRPr lang="en-US" altLang="ko-KR" sz="1200" dirty="0">
               <a:solidFill>
                 <a:srgbClr val="000000"/>
               </a:solidFill>
@@ -3507,7 +3540,7 @@
               <a:defRPr/>
             </a:pPr>
             <a:r>
-              <a:rPr kumimoji="0" lang="ko-KR" altLang="en-US" sz="1200" b="0" i="0" u="none" strike="noStrike" kern="1200" cap="none" spc="0" normalizeH="0" baseline="0">
+              <a:rPr kumimoji="0" lang="ko-KR" altLang="en-US" sz="1200" b="0" i="0" u="none" strike="noStrike" kern="1200" cap="none" spc="0" normalizeH="0" baseline="0" dirty="0">
                 <a:solidFill>
                   <a:srgbClr val="000000"/>
                 </a:solidFill>
@@ -3518,18 +3551,62 @@
               <a:t>메서드 </a:t>
             </a:r>
             <a:r>
-              <a:rPr kumimoji="0" lang="en-US" altLang="ko-KR" sz="1200" b="0" i="0" u="none" strike="noStrike" kern="1200" cap="none" spc="0" normalizeH="0" baseline="0">
-                <a:solidFill>
-                  <a:srgbClr val="000000"/>
-                </a:solidFill>
-                <a:latin typeface="Calibri"/>
-                <a:ea typeface="맑은 고딕"/>
-                <a:cs typeface="Calibri"/>
-              </a:rPr>
-              <a:t>: ExpUp, MoneyUp, </a:t>
-            </a:r>
-            <a:r>
-              <a:rPr lang="en-US" altLang="ko-KR" sz="1200">
+              <a:rPr kumimoji="0" lang="en-US" altLang="ko-KR" sz="1200" b="0" i="0" u="none" strike="noStrike" kern="1200" cap="none" spc="0" normalizeH="0" baseline="0" dirty="0">
+                <a:solidFill>
+                  <a:srgbClr val="000000"/>
+                </a:solidFill>
+                <a:latin typeface="Calibri"/>
+                <a:ea typeface="맑은 고딕"/>
+                <a:cs typeface="Calibri"/>
+              </a:rPr>
+              <a:t>: </a:t>
+            </a:r>
+            <a:r>
+              <a:rPr kumimoji="0" lang="en-US" altLang="ko-KR" sz="1200" b="0" i="0" u="none" strike="noStrike" kern="1200" cap="none" spc="0" normalizeH="0" baseline="0" dirty="0" err="1">
+                <a:solidFill>
+                  <a:srgbClr val="000000"/>
+                </a:solidFill>
+                <a:latin typeface="Calibri"/>
+                <a:ea typeface="맑은 고딕"/>
+                <a:cs typeface="Calibri"/>
+              </a:rPr>
+              <a:t>ExpUp</a:t>
+            </a:r>
+            <a:r>
+              <a:rPr kumimoji="0" lang="en-US" altLang="ko-KR" sz="1200" b="0" i="0" u="none" strike="noStrike" kern="1200" cap="none" spc="0" normalizeH="0" baseline="0" dirty="0">
+                <a:solidFill>
+                  <a:srgbClr val="000000"/>
+                </a:solidFill>
+                <a:latin typeface="Calibri"/>
+                <a:ea typeface="맑은 고딕"/>
+                <a:cs typeface="Calibri"/>
+              </a:rPr>
+              <a:t>, </a:t>
+            </a:r>
+            <a:r>
+              <a:rPr kumimoji="0" lang="en-US" altLang="ko-KR" sz="1200" b="0" i="0" u="none" strike="noStrike" kern="1200" cap="none" spc="0" normalizeH="0" baseline="0" dirty="0" err="1">
+                <a:solidFill>
+                  <a:srgbClr val="000000"/>
+                </a:solidFill>
+                <a:latin typeface="Calibri"/>
+                <a:ea typeface="맑은 고딕"/>
+                <a:cs typeface="Calibri"/>
+              </a:rPr>
+              <a:t>MoneyUp</a:t>
+            </a:r>
+            <a:r>
+              <a:rPr kumimoji="0" lang="en-US" altLang="ko-KR" sz="1200" b="0" i="0" u="none" strike="noStrike" kern="1200" cap="none" spc="0" normalizeH="0" baseline="0" dirty="0">
+                <a:solidFill>
+                  <a:srgbClr val="000000"/>
+                </a:solidFill>
+                <a:latin typeface="Calibri"/>
+                <a:ea typeface="맑은 고딕"/>
+                <a:cs typeface="Calibri"/>
+              </a:rPr>
+              <a:t>, </a:t>
+            </a:r>
+            <a:r>
+              <a:rPr lang="en-US" altLang="ko-KR" sz="1200" dirty="0" err="1">
                 <a:solidFill>
                   <a:srgbClr val="000000"/>
                 </a:solidFill>
@@ -3539,7 +3616,7 @@
               </a:rPr>
               <a:t>BuyItems</a:t>
             </a:r>
-            <a:endParaRPr lang="en-US" altLang="ko-KR" sz="1200">
+            <a:endParaRPr lang="en-US" altLang="ko-KR" sz="1200" dirty="0">
               <a:solidFill>
                 <a:srgbClr val="000000"/>
               </a:solidFill>
@@ -3594,7 +3671,7 @@
               <a:defRPr/>
             </a:pPr>
             <a:r>
-              <a:rPr kumimoji="0" lang="en-US" altLang="ko-KR" sz="1300" b="0" i="0" u="none" strike="noStrike" kern="1200" cap="none" spc="0" normalizeH="0" baseline="0">
+              <a:rPr kumimoji="0" lang="en-US" altLang="ko-KR" sz="1300" b="0" i="0" u="none" strike="noStrike" kern="1200" cap="none" spc="0" normalizeH="0" baseline="0" dirty="0" err="1">
                 <a:solidFill>
                   <a:srgbClr val="000000"/>
                 </a:solidFill>
@@ -3604,7 +3681,7 @@
               </a:rPr>
               <a:t>npc</a:t>
             </a:r>
-            <a:endParaRPr kumimoji="0" lang="en-US" altLang="ko-KR" sz="1300" b="0" i="0" u="none" strike="noStrike" kern="1200" cap="none" spc="0" normalizeH="0" baseline="0">
+            <a:endParaRPr kumimoji="0" lang="en-US" altLang="ko-KR" sz="1300" b="0" i="0" u="none" strike="noStrike" kern="1200" cap="none" spc="0" normalizeH="0" baseline="0" dirty="0">
               <a:solidFill>
                 <a:srgbClr val="000000"/>
               </a:solidFill>
@@ -3669,14 +3746,6 @@
               </a:rPr>
               <a:t>몬스터</a:t>
             </a:r>
-            <a:endParaRPr kumimoji="0" lang="ko-KR" altLang="en-US" sz="1500" b="0" i="0" u="none" strike="noStrike" kern="1200" cap="none" spc="0" normalizeH="0" baseline="0">
-              <a:solidFill>
-                <a:srgbClr val="000000"/>
-              </a:solidFill>
-              <a:latin typeface="Calibri"/>
-              <a:ea typeface="맑은 고딕"/>
-              <a:cs typeface="Calibri"/>
-            </a:endParaRPr>
           </a:p>
           <a:p>
             <a:pPr marL="0" lvl="0" indent="0" algn="ctr" defTabSz="914400" rtl="0" eaLnBrk="1" latinLnBrk="1" hangingPunct="1">
@@ -3714,14 +3783,6 @@
               </a:rPr>
               <a:t>: species</a:t>
             </a:r>
-            <a:endParaRPr lang="en-US" altLang="ko-KR" sz="1500">
-              <a:solidFill>
-                <a:srgbClr val="000000"/>
-              </a:solidFill>
-              <a:latin typeface="Calibri"/>
-              <a:ea typeface="맑은 고딕"/>
-              <a:cs typeface="Calibri"/>
-            </a:endParaRPr>
           </a:p>
           <a:p>
             <a:pPr marL="0" lvl="0" indent="0" algn="ctr" defTabSz="914400" rtl="0" eaLnBrk="1" latinLnBrk="1" hangingPunct="1">
@@ -3748,14 +3809,6 @@
               </a:rPr>
               <a:t>difficulty</a:t>
             </a:r>
-            <a:endParaRPr lang="en-US" altLang="ko-KR" sz="1500">
-              <a:solidFill>
-                <a:srgbClr val="000000"/>
-              </a:solidFill>
-              <a:latin typeface="Calibri"/>
-              <a:ea typeface="맑은 고딕"/>
-              <a:cs typeface="Calibri"/>
-            </a:endParaRPr>
           </a:p>
         </p:txBody>
       </p:sp>
@@ -3763,15 +3816,16 @@
         <p:nvCxnSpPr>
           <p:cNvPr id="17" name="선 16"/>
           <p:cNvCxnSpPr>
+            <a:cxnSpLocks/>
             <a:stCxn id="2" idx="2"/>
             <a:endCxn id="10" idx="0"/>
           </p:cNvCxnSpPr>
           <p:nvPr/>
         </p:nvCxnSpPr>
         <p:spPr>
-          <a:xfrm rot="10800000" flipV="1">
-            <a:off x="2818789" y="1122206"/>
-            <a:ext cx="3187884" cy="55144"/>
+          <a:xfrm flipH="1" flipV="1">
+            <a:off x="2551628" y="796045"/>
+            <a:ext cx="3455046" cy="326161"/>
           </a:xfrm>
           <a:prstGeom prst="line">
             <a:avLst/>
@@ -3868,8 +3922,8 @@
         </p:nvSpPr>
         <p:spPr>
           <a:xfrm>
-            <a:off x="568750" y="2645778"/>
-            <a:ext cx="1495551" cy="593796"/>
+            <a:off x="568750" y="2425586"/>
+            <a:ext cx="1495551" cy="813988"/>
           </a:xfrm>
           <a:prstGeom prst="rect">
             <a:avLst/>
@@ -3884,7 +3938,7 @@
         </p:spPr>
         <p:txBody>
           <a:bodyPr vert="horz" lIns="91440" tIns="45720" rIns="91440" bIns="45720" anchor="ctr">
-            <a:normAutofit lnSpcReduction="10000"/>
+            <a:normAutofit/>
           </a:bodyPr>
           <a:lstStyle/>
           <a:p>
@@ -3902,7 +3956,7 @@
               <a:defRPr/>
             </a:pPr>
             <a:r>
-              <a:rPr kumimoji="0" lang="ko-KR" altLang="en-US" sz="1200" b="0" i="0" u="none" strike="noStrike" kern="1200" cap="none" spc="0" normalizeH="0" baseline="0">
+              <a:rPr kumimoji="0" lang="ko-KR" altLang="en-US" sz="1200" b="0" i="0" u="none" strike="noStrike" kern="1200" cap="none" spc="0" normalizeH="0" baseline="0" dirty="0">
                 <a:solidFill>
                   <a:srgbClr val="000000"/>
                 </a:solidFill>
@@ -3913,7 +3967,7 @@
               <a:t>전</a:t>
             </a:r>
             <a:r>
-              <a:rPr lang="ko-KR" altLang="en-US" sz="1200">
+              <a:rPr lang="ko-KR" altLang="en-US" sz="1200" dirty="0">
                 <a:solidFill>
                   <a:srgbClr val="000000"/>
                 </a:solidFill>
@@ -3923,7 +3977,81 @@
               </a:rPr>
               <a:t>사</a:t>
             </a:r>
-            <a:endParaRPr lang="ko-KR" altLang="en-US" sz="1200">
+          </a:p>
+          <a:p>
+            <a:pPr algn="ctr">
+              <a:spcBef>
+                <a:spcPct val="0"/>
+              </a:spcBef>
+              <a:defRPr/>
+            </a:pPr>
+            <a:r>
+              <a:rPr kumimoji="0" lang="ko-KR" altLang="en-US" sz="1200" b="0" i="0" u="none" strike="noStrike" kern="1200" cap="none" spc="0" normalizeH="0" baseline="0" dirty="0">
+                <a:solidFill>
+                  <a:srgbClr val="000000"/>
+                </a:solidFill>
+                <a:latin typeface="Calibri"/>
+                <a:ea typeface="맑은 고딕"/>
+                <a:cs typeface="Calibri"/>
+              </a:rPr>
+              <a:t>메서드 </a:t>
+            </a:r>
+            <a:r>
+              <a:rPr kumimoji="0" lang="en-US" altLang="ko-KR" sz="1200" b="0" i="0" u="none" strike="noStrike" kern="1200" cap="none" spc="0" normalizeH="0" baseline="0" dirty="0">
+                <a:solidFill>
+                  <a:srgbClr val="000000"/>
+                </a:solidFill>
+                <a:latin typeface="Calibri"/>
+                <a:ea typeface="맑은 고딕"/>
+                <a:cs typeface="Calibri"/>
+              </a:rPr>
+              <a:t>: </a:t>
+            </a:r>
+            <a:r>
+              <a:rPr kumimoji="0" lang="en-US" altLang="ko-KR" sz="1200" b="0" i="0" u="none" strike="noStrike" kern="1200" cap="none" spc="0" normalizeH="0" baseline="0" dirty="0" err="1">
+                <a:solidFill>
+                  <a:srgbClr val="000000"/>
+                </a:solidFill>
+                <a:latin typeface="Calibri"/>
+                <a:ea typeface="맑은 고딕"/>
+                <a:cs typeface="Calibri"/>
+              </a:rPr>
+              <a:t>SkillWa</a:t>
+            </a:r>
+            <a:r>
+              <a:rPr kumimoji="0" lang="en-US" altLang="ko-KR" sz="1200" b="0" i="0" u="none" strike="noStrike" kern="1200" cap="none" spc="0" normalizeH="0" baseline="0" dirty="0">
+                <a:solidFill>
+                  <a:srgbClr val="000000"/>
+                </a:solidFill>
+                <a:latin typeface="Calibri"/>
+                <a:ea typeface="맑은 고딕"/>
+                <a:cs typeface="Calibri"/>
+              </a:rPr>
+              <a:t>,</a:t>
+            </a:r>
+            <a:r>
+              <a:rPr lang="en-US" altLang="ko-KR" sz="1200" dirty="0">
+                <a:solidFill>
+                  <a:srgbClr val="000000"/>
+                </a:solidFill>
+                <a:latin typeface="Calibri"/>
+                <a:ea typeface="맑은 고딕"/>
+                <a:cs typeface="Calibri"/>
+              </a:rPr>
+              <a:t> </a:t>
+            </a:r>
+            <a:r>
+              <a:rPr lang="en-US" altLang="ko-KR" sz="1200" dirty="0" err="1">
+                <a:solidFill>
+                  <a:srgbClr val="000000"/>
+                </a:solidFill>
+                <a:latin typeface="Calibri"/>
+                <a:ea typeface="맑은 고딕"/>
+                <a:cs typeface="Calibri"/>
+              </a:rPr>
+              <a:t>ClassUpWa</a:t>
+            </a:r>
+            <a:endParaRPr lang="en-US" altLang="ko-KR" sz="1200" dirty="0">
               <a:solidFill>
                 <a:srgbClr val="000000"/>
               </a:solidFill>
@@ -3946,29 +4074,7 @@
               <a:buNone/>
               <a:defRPr/>
             </a:pPr>
-            <a:r>
-              <a:rPr kumimoji="0" lang="ko-KR" altLang="en-US" sz="1200" b="0" i="0" u="none" strike="noStrike" kern="1200" cap="none" spc="0" normalizeH="0" baseline="0">
-                <a:solidFill>
-                  <a:srgbClr val="000000"/>
-                </a:solidFill>
-                <a:latin typeface="Calibri"/>
-                <a:ea typeface="맑은 고딕"/>
-                <a:cs typeface="Calibri"/>
-              </a:rPr>
-              <a:t>메서드 </a:t>
-            </a:r>
-            <a:r>
-              <a:rPr kumimoji="0" lang="en-US" altLang="ko-KR" sz="1200" b="0" i="0" u="none" strike="noStrike" kern="1200" cap="none" spc="0" normalizeH="0" baseline="0">
-                <a:solidFill>
-                  <a:srgbClr val="000000"/>
-                </a:solidFill>
-                <a:latin typeface="Calibri"/>
-                <a:ea typeface="맑은 고딕"/>
-                <a:cs typeface="Calibri"/>
-              </a:rPr>
-              <a:t>: SkillWa</a:t>
-            </a:r>
-            <a:endParaRPr kumimoji="0" lang="ko-KR" altLang="en-US" sz="1200" b="0" i="0" u="none" strike="noStrike" kern="1200" cap="none" spc="0" normalizeH="0" baseline="0">
+            <a:endParaRPr kumimoji="0" lang="ko-KR" altLang="en-US" sz="1200" b="0" i="0" u="none" strike="noStrike" kern="1200" cap="none" spc="0" normalizeH="0" baseline="0" dirty="0">
               <a:solidFill>
                 <a:srgbClr val="000000"/>
               </a:solidFill>
@@ -3989,8 +4095,8 @@
         </p:nvSpPr>
         <p:spPr>
           <a:xfrm>
-            <a:off x="2116791" y="2650306"/>
-            <a:ext cx="1189036" cy="701290"/>
+            <a:off x="2116791" y="2537608"/>
+            <a:ext cx="1189036" cy="813988"/>
           </a:xfrm>
           <a:prstGeom prst="rect">
             <a:avLst/>
@@ -4023,7 +4129,7 @@
               <a:defRPr/>
             </a:pPr>
             <a:r>
-              <a:rPr kumimoji="0" lang="ko-KR" altLang="en-US" sz="1200" b="0" i="0" u="none" strike="noStrike" kern="1200" cap="none" spc="0" normalizeH="0" baseline="0">
+              <a:rPr kumimoji="0" lang="ko-KR" altLang="en-US" sz="1200" b="0" i="0" u="none" strike="noStrike" kern="1200" cap="none" spc="0" normalizeH="0" baseline="0" dirty="0">
                 <a:solidFill>
                   <a:srgbClr val="000000"/>
                 </a:solidFill>
@@ -4033,7 +4139,89 @@
               </a:rPr>
               <a:t>궁수</a:t>
             </a:r>
-            <a:endParaRPr lang="en-US" altLang="ko-KR" sz="1200">
+            <a:endParaRPr lang="en-US" altLang="ko-KR" sz="1200" dirty="0">
+              <a:solidFill>
+                <a:srgbClr val="000000"/>
+              </a:solidFill>
+              <a:latin typeface="Calibri"/>
+              <a:ea typeface="맑은 고딕"/>
+              <a:cs typeface="Calibri"/>
+            </a:endParaRPr>
+          </a:p>
+          <a:p>
+            <a:pPr algn="ctr">
+              <a:spcBef>
+                <a:spcPct val="0"/>
+              </a:spcBef>
+              <a:defRPr/>
+            </a:pPr>
+            <a:r>
+              <a:rPr kumimoji="0" lang="ko-KR" altLang="en-US" sz="1200" b="0" i="0" u="none" strike="noStrike" kern="1200" cap="none" spc="0" normalizeH="0" baseline="0" dirty="0">
+                <a:solidFill>
+                  <a:srgbClr val="000000"/>
+                </a:solidFill>
+                <a:latin typeface="Calibri"/>
+                <a:ea typeface="맑은 고딕"/>
+                <a:cs typeface="Calibri"/>
+              </a:rPr>
+              <a:t>메서드</a:t>
+            </a:r>
+            <a:r>
+              <a:rPr kumimoji="0" lang="en-US" altLang="ko-KR" sz="1200" b="0" i="0" u="none" strike="noStrike" kern="1200" cap="none" spc="0" normalizeH="0" baseline="0" dirty="0">
+                <a:solidFill>
+                  <a:srgbClr val="000000"/>
+                </a:solidFill>
+                <a:latin typeface="Calibri"/>
+                <a:ea typeface="맑은 고딕"/>
+                <a:cs typeface="Calibri"/>
+              </a:rPr>
+              <a:t>:</a:t>
+            </a:r>
+            <a:r>
+              <a:rPr kumimoji="0" lang="en-US" altLang="ko-KR" sz="1200" b="0" i="0" u="none" strike="noStrike" kern="1200" cap="none" spc="0" normalizeH="0" baseline="0" dirty="0" err="1">
+                <a:solidFill>
+                  <a:srgbClr val="000000"/>
+                </a:solidFill>
+                <a:latin typeface="Calibri"/>
+                <a:ea typeface="맑은 고딕"/>
+                <a:cs typeface="Calibri"/>
+              </a:rPr>
+              <a:t>SkillAr</a:t>
+            </a:r>
+            <a:r>
+              <a:rPr kumimoji="0" lang="en-US" altLang="ko-KR" sz="1200" b="0" i="0" u="none" strike="noStrike" kern="1200" cap="none" spc="0" normalizeH="0" baseline="0" dirty="0">
+                <a:solidFill>
+                  <a:srgbClr val="000000"/>
+                </a:solidFill>
+                <a:latin typeface="Calibri"/>
+                <a:ea typeface="맑은 고딕"/>
+                <a:cs typeface="Calibri"/>
+              </a:rPr>
+              <a:t>,</a:t>
+            </a:r>
+            <a:r>
+              <a:rPr lang="en-US" altLang="ko-KR" sz="1200" dirty="0">
+                <a:solidFill>
+                  <a:srgbClr val="000000"/>
+                </a:solidFill>
+                <a:latin typeface="Calibri"/>
+                <a:ea typeface="맑은 고딕"/>
+                <a:cs typeface="Calibri"/>
+              </a:rPr>
+              <a:t> </a:t>
+            </a:r>
+            <a:r>
+              <a:rPr lang="en-US" altLang="ko-KR" sz="1200" dirty="0" err="1">
+                <a:solidFill>
+                  <a:srgbClr val="000000"/>
+                </a:solidFill>
+                <a:latin typeface="Calibri"/>
+                <a:ea typeface="맑은 고딕"/>
+                <a:cs typeface="Calibri"/>
+              </a:rPr>
+              <a:t>ClassUpAr</a:t>
+            </a:r>
+            <a:endParaRPr lang="en-US" altLang="ko-KR" sz="1200" dirty="0">
               <a:solidFill>
                 <a:srgbClr val="000000"/>
               </a:solidFill>
@@ -4056,29 +4244,7 @@
               <a:buNone/>
               <a:defRPr/>
             </a:pPr>
-            <a:r>
-              <a:rPr kumimoji="0" lang="ko-KR" altLang="en-US" sz="1200" b="0" i="0" u="none" strike="noStrike" kern="1200" cap="none" spc="0" normalizeH="0" baseline="0">
-                <a:solidFill>
-                  <a:srgbClr val="000000"/>
-                </a:solidFill>
-                <a:latin typeface="Calibri"/>
-                <a:ea typeface="맑은 고딕"/>
-                <a:cs typeface="Calibri"/>
-              </a:rPr>
-              <a:t>메서드</a:t>
-            </a:r>
-            <a:r>
-              <a:rPr kumimoji="0" lang="en-US" altLang="ko-KR" sz="1200" b="0" i="0" u="none" strike="noStrike" kern="1200" cap="none" spc="0" normalizeH="0" baseline="0">
-                <a:solidFill>
-                  <a:srgbClr val="000000"/>
-                </a:solidFill>
-                <a:latin typeface="Calibri"/>
-                <a:ea typeface="맑은 고딕"/>
-                <a:cs typeface="Calibri"/>
-              </a:rPr>
-              <a:t>:SkillAr</a:t>
-            </a:r>
-            <a:endParaRPr kumimoji="0" lang="ko-KR" altLang="en-US" sz="1200" b="0" i="0" u="none" strike="noStrike" kern="1200" cap="none" spc="0" normalizeH="0" baseline="0">
+            <a:endParaRPr kumimoji="0" lang="ko-KR" altLang="en-US" sz="1200" b="0" i="0" u="none" strike="noStrike" kern="1200" cap="none" spc="0" normalizeH="0" baseline="0" dirty="0">
               <a:solidFill>
                 <a:srgbClr val="000000"/>
               </a:solidFill>
@@ -4099,8 +4265,8 @@
         </p:nvSpPr>
         <p:spPr>
           <a:xfrm>
-            <a:off x="3454173" y="2645778"/>
-            <a:ext cx="1256826" cy="593796"/>
+            <a:off x="3454173" y="2445759"/>
+            <a:ext cx="1256826" cy="793815"/>
           </a:xfrm>
           <a:prstGeom prst="rect">
             <a:avLst/>
@@ -4115,7 +4281,7 @@
         </p:spPr>
         <p:txBody>
           <a:bodyPr vert="horz" lIns="91440" tIns="45720" rIns="91440" bIns="45720" anchor="ctr">
-            <a:normAutofit lnSpcReduction="10000"/>
+            <a:normAutofit/>
           </a:bodyPr>
           <a:lstStyle/>
           <a:p>
@@ -4133,7 +4299,7 @@
               <a:defRPr/>
             </a:pPr>
             <a:r>
-              <a:rPr kumimoji="0" lang="ko-KR" altLang="en-US" sz="1200" b="0" i="0" u="none" strike="noStrike" kern="1200" cap="none" spc="0" normalizeH="0" baseline="0">
+              <a:rPr kumimoji="0" lang="ko-KR" altLang="en-US" sz="1200" b="0" i="0" u="none" strike="noStrike" kern="1200" cap="none" spc="0" normalizeH="0" baseline="0" dirty="0">
                 <a:solidFill>
                   <a:srgbClr val="000000"/>
                 </a:solidFill>
@@ -4143,7 +4309,78 @@
               </a:rPr>
               <a:t>마법사</a:t>
             </a:r>
-            <a:endParaRPr lang="en-US" altLang="ko-KR" sz="1200">
+            <a:endParaRPr lang="en-US" altLang="ko-KR" sz="1200" dirty="0">
+              <a:solidFill>
+                <a:srgbClr val="000000"/>
+              </a:solidFill>
+              <a:latin typeface="Calibri"/>
+              <a:ea typeface="맑은 고딕"/>
+              <a:cs typeface="Calibri"/>
+            </a:endParaRPr>
+          </a:p>
+          <a:p>
+            <a:pPr algn="ctr">
+              <a:spcBef>
+                <a:spcPct val="0"/>
+              </a:spcBef>
+              <a:defRPr/>
+            </a:pPr>
+            <a:r>
+              <a:rPr lang="ko-KR" altLang="en-US" sz="1200" dirty="0">
+                <a:solidFill>
+                  <a:srgbClr val="000000"/>
+                </a:solidFill>
+                <a:latin typeface="Calibri"/>
+                <a:ea typeface="맑은 고딕"/>
+                <a:cs typeface="Calibri"/>
+              </a:rPr>
+              <a:t>메서드 </a:t>
+            </a:r>
+            <a:r>
+              <a:rPr lang="en-US" altLang="ko-KR" sz="1200" dirty="0">
+                <a:solidFill>
+                  <a:srgbClr val="000000"/>
+                </a:solidFill>
+                <a:latin typeface="Calibri"/>
+                <a:ea typeface="맑은 고딕"/>
+                <a:cs typeface="Calibri"/>
+              </a:rPr>
+              <a:t>:</a:t>
+            </a:r>
+            <a:r>
+              <a:rPr lang="en-US" altLang="ko-KR" sz="1200" dirty="0" err="1">
+                <a:solidFill>
+                  <a:srgbClr val="000000"/>
+                </a:solidFill>
+                <a:latin typeface="Calibri"/>
+                <a:ea typeface="맑은 고딕"/>
+                <a:cs typeface="Calibri"/>
+              </a:rPr>
+              <a:t>SkillMa</a:t>
+            </a:r>
+            <a:r>
+              <a:rPr lang="en-US" altLang="ko-KR" sz="1200" dirty="0">
+                <a:solidFill>
+                  <a:srgbClr val="000000"/>
+                </a:solidFill>
+                <a:latin typeface="Calibri"/>
+                <a:ea typeface="맑은 고딕"/>
+                <a:cs typeface="Calibri"/>
+              </a:rPr>
+              <a:t>, </a:t>
+            </a:r>
+            <a:r>
+              <a:rPr lang="en-US" altLang="ko-KR" sz="1200" dirty="0" err="1">
+                <a:solidFill>
+                  <a:srgbClr val="000000"/>
+                </a:solidFill>
+                <a:latin typeface="Calibri"/>
+                <a:ea typeface="맑은 고딕"/>
+                <a:cs typeface="Calibri"/>
+              </a:rPr>
+              <a:t>ClassUpMa</a:t>
+            </a:r>
+            <a:endParaRPr lang="en-US" altLang="ko-KR" sz="1200" dirty="0">
               <a:solidFill>
                 <a:srgbClr val="000000"/>
               </a:solidFill>
@@ -4166,29 +4403,7 @@
               <a:buNone/>
               <a:defRPr/>
             </a:pPr>
-            <a:r>
-              <a:rPr lang="ko-KR" altLang="en-US" sz="1200">
-                <a:solidFill>
-                  <a:srgbClr val="000000"/>
-                </a:solidFill>
-                <a:latin typeface="Calibri"/>
-                <a:ea typeface="맑은 고딕"/>
-                <a:cs typeface="Calibri"/>
-              </a:rPr>
-              <a:t>메서드 </a:t>
-            </a:r>
-            <a:r>
-              <a:rPr lang="en-US" altLang="ko-KR" sz="1200">
-                <a:solidFill>
-                  <a:srgbClr val="000000"/>
-                </a:solidFill>
-                <a:latin typeface="Calibri"/>
-                <a:ea typeface="맑은 고딕"/>
-                <a:cs typeface="Calibri"/>
-              </a:rPr>
-              <a:t>:SkillMa</a:t>
-            </a:r>
-            <a:endParaRPr kumimoji="0" lang="ko-KR" altLang="en-US" sz="1200" b="0" i="0" u="none" strike="noStrike" kern="1200" cap="none" spc="0" normalizeH="0" baseline="0">
+            <a:endParaRPr kumimoji="0" lang="ko-KR" altLang="en-US" sz="1200" b="0" i="0" u="none" strike="noStrike" kern="1200" cap="none" spc="0" normalizeH="0" baseline="0" dirty="0">
               <a:solidFill>
                 <a:srgbClr val="000000"/>
               </a:solidFill>
@@ -4209,7 +4424,7 @@
         </p:nvSpPr>
         <p:spPr>
           <a:xfrm>
-            <a:off x="7200832" y="3238898"/>
+            <a:off x="7111057" y="3095075"/>
             <a:ext cx="469230" cy="408154"/>
           </a:xfrm>
           <a:prstGeom prst="rect">
@@ -4253,14 +4468,6 @@
               </a:rPr>
               <a:t>전투지원</a:t>
             </a:r>
-            <a:endParaRPr kumimoji="0" lang="ko-KR" altLang="en-US" sz="1300" b="0" i="0" u="none" strike="noStrike" kern="1200" cap="none" spc="0" normalizeH="0" baseline="0">
-              <a:solidFill>
-                <a:srgbClr val="000000"/>
-              </a:solidFill>
-              <a:latin typeface="맑은 고딕"/>
-              <a:ea typeface="맑은 고딕"/>
-              <a:cs typeface="Calibri"/>
-            </a:endParaRPr>
           </a:p>
         </p:txBody>
       </p:sp>
@@ -4290,7 +4497,7 @@
         </p:spPr>
         <p:txBody>
           <a:bodyPr vert="horz" lIns="91440" tIns="45720" rIns="91440" bIns="45720" anchor="ctr">
-            <a:normAutofit fontScale="92500" lnSpcReduction="10000"/>
+            <a:normAutofit fontScale="85000" lnSpcReduction="20000"/>
           </a:bodyPr>
           <a:lstStyle/>
           <a:p>
@@ -4308,7 +4515,7 @@
               <a:defRPr/>
             </a:pPr>
             <a:r>
-              <a:rPr kumimoji="0" lang="ko-KR" altLang="en-US" sz="1300" b="0" i="0" u="none" strike="noStrike" kern="1200" cap="none" spc="0" normalizeH="0" baseline="0">
+              <a:rPr kumimoji="0" lang="ko-KR" altLang="en-US" sz="1300" b="0" i="0" u="none" strike="noStrike" kern="1200" cap="none" spc="0" normalizeH="0" baseline="0" dirty="0">
                 <a:solidFill>
                   <a:srgbClr val="000000"/>
                 </a:solidFill>
@@ -4318,14 +4525,6 @@
               </a:rPr>
               <a:t>무기판매</a:t>
             </a:r>
-            <a:endParaRPr kumimoji="0" lang="ko-KR" altLang="en-US" sz="1300" b="0" i="0" u="none" strike="noStrike" kern="1200" cap="none" spc="0" normalizeH="0" baseline="0">
-              <a:solidFill>
-                <a:srgbClr val="000000"/>
-              </a:solidFill>
-              <a:latin typeface="맑은 고딕"/>
-              <a:ea typeface="맑은 고딕"/>
-              <a:cs typeface="Calibri"/>
-            </a:endParaRPr>
           </a:p>
           <a:p>
             <a:pPr marL="0" lvl="0" indent="0" algn="ctr" defTabSz="914400" rtl="0" eaLnBrk="1" latinLnBrk="1" hangingPunct="1">
@@ -4342,7 +4541,7 @@
               <a:defRPr/>
             </a:pPr>
             <a:r>
-              <a:rPr lang="ko-KR" altLang="en-US" sz="1300">
+              <a:rPr lang="ko-KR" altLang="en-US" sz="1300" dirty="0">
                 <a:solidFill>
                   <a:srgbClr val="000000"/>
                 </a:solidFill>
@@ -4353,7 +4552,7 @@
               <a:t>변수 </a:t>
             </a:r>
             <a:r>
-              <a:rPr lang="en-US" altLang="ko-KR" sz="1300">
+              <a:rPr lang="en-US" altLang="ko-KR" sz="1300" dirty="0">
                 <a:solidFill>
                   <a:srgbClr val="000000"/>
                 </a:solidFill>
@@ -4361,10 +4560,10 @@
                 <a:ea typeface="맑은 고딕"/>
                 <a:cs typeface="Calibri"/>
               </a:rPr>
-              <a:t>: Items,</a:t>
-            </a:r>
-            <a:r>
-              <a:rPr lang="ko-KR" altLang="en-US" sz="1300">
+              <a:t>: Item,</a:t>
+            </a:r>
+            <a:r>
+              <a:rPr lang="ko-KR" altLang="en-US" sz="1300" dirty="0">
                 <a:solidFill>
                   <a:srgbClr val="000000"/>
                 </a:solidFill>
@@ -4375,7 +4574,7 @@
               <a:t> </a:t>
             </a:r>
             <a:r>
-              <a:rPr lang="en-US" altLang="ko-KR" sz="1300">
+              <a:rPr lang="en-US" altLang="ko-KR" sz="1300" dirty="0">
                 <a:solidFill>
                   <a:srgbClr val="000000"/>
                 </a:solidFill>
@@ -4385,14 +4584,6 @@
               </a:rPr>
               <a:t>price</a:t>
             </a:r>
-            <a:endParaRPr lang="en-US" altLang="ko-KR" sz="1300">
-              <a:solidFill>
-                <a:srgbClr val="000000"/>
-              </a:solidFill>
-              <a:latin typeface="맑은 고딕"/>
-              <a:ea typeface="맑은 고딕"/>
-              <a:cs typeface="Calibri"/>
-            </a:endParaRPr>
           </a:p>
           <a:p>
             <a:pPr marL="0" lvl="0" indent="0" algn="ctr" defTabSz="914400" rtl="0" eaLnBrk="1" latinLnBrk="1" hangingPunct="1">
@@ -4409,7 +4600,7 @@
               <a:defRPr/>
             </a:pPr>
             <a:r>
-              <a:rPr kumimoji="0" lang="ko-KR" altLang="en-US" sz="1300" b="0" i="0" u="none" strike="noStrike" kern="1200" cap="none" spc="0" normalizeH="0" baseline="0">
+              <a:rPr lang="en-US" altLang="ko-KR" sz="1300" dirty="0" err="1">
                 <a:solidFill>
                   <a:srgbClr val="000000"/>
                 </a:solidFill>
@@ -4417,10 +4608,44 @@
                 <a:ea typeface="맑은 고딕"/>
                 <a:cs typeface="Calibri"/>
               </a:rPr>
+              <a:t>weaponatk</a:t>
+            </a:r>
+            <a:endParaRPr lang="en-US" altLang="ko-KR" sz="1300" dirty="0">
+              <a:solidFill>
+                <a:srgbClr val="000000"/>
+              </a:solidFill>
+              <a:latin typeface="맑은 고딕"/>
+              <a:ea typeface="맑은 고딕"/>
+              <a:cs typeface="Calibri"/>
+            </a:endParaRPr>
+          </a:p>
+          <a:p>
+            <a:pPr marL="0" lvl="0" indent="0" algn="ctr" defTabSz="914400" rtl="0" eaLnBrk="1" latinLnBrk="1" hangingPunct="1">
+              <a:lnSpc>
+                <a:spcPct val="100000"/>
+              </a:lnSpc>
+              <a:spcBef>
+                <a:spcPct val="0"/>
+              </a:spcBef>
+              <a:spcAft>
+                <a:spcPts val="0"/>
+              </a:spcAft>
+              <a:buNone/>
+              <a:defRPr/>
+            </a:pPr>
+            <a:r>
+              <a:rPr kumimoji="0" lang="ko-KR" altLang="en-US" sz="1300" b="0" i="0" u="none" strike="noStrike" kern="1200" cap="none" spc="0" normalizeH="0" baseline="0" dirty="0">
+                <a:solidFill>
+                  <a:srgbClr val="000000"/>
+                </a:solidFill>
+                <a:latin typeface="맑은 고딕"/>
+                <a:ea typeface="맑은 고딕"/>
+                <a:cs typeface="Calibri"/>
+              </a:rPr>
               <a:t>메서드 </a:t>
             </a:r>
             <a:r>
-              <a:rPr kumimoji="0" lang="en-US" altLang="ko-KR" sz="1300" b="0" i="0" u="none" strike="noStrike" kern="1200" cap="none" spc="0" normalizeH="0" baseline="0">
+              <a:rPr kumimoji="0" lang="en-US" altLang="ko-KR" sz="1300" b="0" i="0" u="none" strike="noStrike" kern="1200" cap="none" spc="0" normalizeH="0" baseline="0" dirty="0">
                 <a:solidFill>
                   <a:srgbClr val="000000"/>
                 </a:solidFill>
@@ -4428,9 +4653,20 @@
                 <a:ea typeface="맑은 고딕"/>
                 <a:cs typeface="Calibri"/>
               </a:rPr>
-              <a:t>:SellItems</a:t>
-            </a:r>
-            <a:endParaRPr kumimoji="0" lang="ko-KR" altLang="en-US" sz="1300" b="0" i="0" u="none" strike="noStrike" kern="1200" cap="none" spc="0" normalizeH="0" baseline="0">
+              <a:t>:</a:t>
+            </a:r>
+            <a:r>
+              <a:rPr kumimoji="0" lang="en-US" altLang="ko-KR" sz="1300" b="0" i="0" u="none" strike="noStrike" kern="1200" cap="none" spc="0" normalizeH="0" baseline="0" dirty="0" err="1">
+                <a:solidFill>
+                  <a:srgbClr val="000000"/>
+                </a:solidFill>
+                <a:latin typeface="맑은 고딕"/>
+                <a:ea typeface="맑은 고딕"/>
+                <a:cs typeface="Calibri"/>
+              </a:rPr>
+              <a:t>SellItems</a:t>
+            </a:r>
+            <a:endParaRPr kumimoji="0" lang="ko-KR" altLang="en-US" sz="1300" b="0" i="0" u="none" strike="noStrike" kern="1200" cap="none" spc="0" normalizeH="0" baseline="0" dirty="0">
               <a:solidFill>
                 <a:srgbClr val="000000"/>
               </a:solidFill>
@@ -4485,7 +4721,7 @@
               <a:defRPr/>
             </a:pPr>
             <a:r>
-              <a:rPr kumimoji="0" lang="ko-KR" altLang="en-US" sz="1300" b="0" i="0" u="none" strike="noStrike" kern="1200" cap="none" spc="0" normalizeH="0" baseline="0">
+              <a:rPr kumimoji="0" lang="ko-KR" altLang="en-US" sz="1300" b="0" i="0" u="none" strike="noStrike" kern="1200" cap="none" spc="0" normalizeH="0" baseline="0" dirty="0">
                 <a:solidFill>
                   <a:srgbClr val="000000"/>
                 </a:solidFill>
@@ -4495,14 +4731,6 @@
               </a:rPr>
               <a:t>길잡이</a:t>
             </a:r>
-            <a:endParaRPr kumimoji="0" lang="ko-KR" altLang="en-US" sz="1300" b="0" i="0" u="none" strike="noStrike" kern="1200" cap="none" spc="0" normalizeH="0" baseline="0">
-              <a:solidFill>
-                <a:srgbClr val="000000"/>
-              </a:solidFill>
-              <a:latin typeface="맑은 고딕"/>
-              <a:ea typeface="맑은 고딕"/>
-              <a:cs typeface="Calibri"/>
-            </a:endParaRPr>
           </a:p>
           <a:p>
             <a:pPr marL="0" lvl="0" indent="0" algn="ctr" defTabSz="914400" rtl="0" eaLnBrk="1" latinLnBrk="1" hangingPunct="1">
@@ -4519,7 +4747,7 @@
               <a:defRPr/>
             </a:pPr>
             <a:r>
-              <a:rPr kumimoji="0" lang="ko-KR" altLang="en-US" sz="1300" b="0" i="0" u="none" strike="noStrike" kern="1200" cap="none" spc="0" normalizeH="0" baseline="0">
+              <a:rPr kumimoji="0" lang="ko-KR" altLang="en-US" sz="1300" b="0" i="0" u="none" strike="noStrike" kern="1200" cap="none" spc="0" normalizeH="0" baseline="0" dirty="0">
                 <a:solidFill>
                   <a:srgbClr val="000000"/>
                 </a:solidFill>
@@ -4530,7 +4758,7 @@
               <a:t>메서드 </a:t>
             </a:r>
             <a:r>
-              <a:rPr kumimoji="0" lang="en-US" altLang="ko-KR" sz="1300" b="0" i="0" u="none" strike="noStrike" kern="1200" cap="none" spc="0" normalizeH="0" baseline="0">
+              <a:rPr kumimoji="0" lang="en-US" altLang="ko-KR" sz="1300" b="0" i="0" u="none" strike="noStrike" kern="1200" cap="none" spc="0" normalizeH="0" baseline="0" dirty="0">
                 <a:solidFill>
                   <a:srgbClr val="000000"/>
                 </a:solidFill>
@@ -4540,14 +4768,6 @@
               </a:rPr>
               <a:t>:</a:t>
             </a:r>
-            <a:endParaRPr kumimoji="0" lang="en-US" altLang="ko-KR" sz="1300" b="0" i="0" u="none" strike="noStrike" kern="1200" cap="none" spc="0" normalizeH="0" baseline="0">
-              <a:solidFill>
-                <a:srgbClr val="000000"/>
-              </a:solidFill>
-              <a:latin typeface="맑은 고딕"/>
-              <a:ea typeface="맑은 고딕"/>
-              <a:cs typeface="Calibri"/>
-            </a:endParaRPr>
           </a:p>
           <a:p>
             <a:pPr marL="0" lvl="0" indent="0" algn="ctr" defTabSz="914400" rtl="0" eaLnBrk="1" latinLnBrk="1" hangingPunct="1">
@@ -4564,7 +4784,7 @@
               <a:defRPr/>
             </a:pPr>
             <a:r>
-              <a:rPr kumimoji="0" lang="en-US" altLang="ko-KR" sz="1300" b="0" i="0" u="none" strike="noStrike" kern="1200" cap="none" spc="0" normalizeH="0" baseline="0">
+              <a:rPr kumimoji="0" lang="en-US" altLang="ko-KR" sz="1300" b="0" i="0" u="none" strike="noStrike" kern="1200" cap="none" spc="0" normalizeH="0" baseline="0" dirty="0">
                 <a:solidFill>
                   <a:srgbClr val="000000"/>
                 </a:solidFill>
@@ -4574,7 +4794,7 @@
               </a:rPr>
               <a:t>Buff</a:t>
             </a:r>
-            <a:endParaRPr kumimoji="0" lang="ko-KR" altLang="en-US" sz="1300" b="0" i="0" u="none" strike="noStrike" kern="1200" cap="none" spc="0" normalizeH="0" baseline="0">
+            <a:endParaRPr kumimoji="0" lang="ko-KR" altLang="en-US" sz="1300" b="0" i="0" u="none" strike="noStrike" kern="1200" cap="none" spc="0" normalizeH="0" baseline="0" dirty="0">
               <a:solidFill>
                 <a:srgbClr val="000000"/>
               </a:solidFill>
@@ -4589,15 +4809,16 @@
         <p:nvCxnSpPr>
           <p:cNvPr id="31" name="선 30"/>
           <p:cNvCxnSpPr>
+            <a:cxnSpLocks/>
             <a:stCxn id="10" idx="2"/>
             <a:endCxn id="21" idx="0"/>
           </p:cNvCxnSpPr>
           <p:nvPr/>
         </p:nvCxnSpPr>
         <p:spPr>
-          <a:xfrm rot="10800000" flipV="1">
-            <a:off x="1316525" y="2313627"/>
-            <a:ext cx="1502263" cy="332150"/>
+          <a:xfrm flipH="1">
+            <a:off x="1316526" y="2313627"/>
+            <a:ext cx="1235102" cy="111959"/>
           </a:xfrm>
           <a:prstGeom prst="line">
             <a:avLst/>
@@ -4622,15 +4843,16 @@
         <p:nvCxnSpPr>
           <p:cNvPr id="32" name="선 31"/>
           <p:cNvCxnSpPr>
+            <a:cxnSpLocks/>
             <a:stCxn id="10" idx="2"/>
             <a:endCxn id="22" idx="0"/>
           </p:cNvCxnSpPr>
           <p:nvPr/>
         </p:nvCxnSpPr>
         <p:spPr>
-          <a:xfrm rot="5400000">
-            <a:off x="2596709" y="2428226"/>
-            <a:ext cx="336678" cy="107480"/>
+          <a:xfrm>
+            <a:off x="2551628" y="2313627"/>
+            <a:ext cx="159681" cy="223981"/>
           </a:xfrm>
           <a:prstGeom prst="line">
             <a:avLst/>
@@ -4655,6 +4877,7 @@
         <p:nvCxnSpPr>
           <p:cNvPr id="33" name="선 32"/>
           <p:cNvCxnSpPr>
+            <a:cxnSpLocks/>
             <a:stCxn id="10" idx="2"/>
             <a:endCxn id="23" idx="0"/>
           </p:cNvCxnSpPr>
@@ -4662,8 +4885,8 @@
         </p:nvCxnSpPr>
         <p:spPr>
           <a:xfrm>
-            <a:off x="2818789" y="2313627"/>
-            <a:ext cx="1263796" cy="332150"/>
+            <a:off x="2551628" y="2313627"/>
+            <a:ext cx="1530958" cy="132132"/>
           </a:xfrm>
           <a:prstGeom prst="line">
             <a:avLst/>
@@ -4695,8 +4918,8 @@
         </p:nvCxnSpPr>
         <p:spPr>
           <a:xfrm flipH="1">
-            <a:off x="7435447" y="2126512"/>
-            <a:ext cx="698958" cy="1112386"/>
+            <a:off x="7345672" y="2126512"/>
+            <a:ext cx="788733" cy="968563"/>
           </a:xfrm>
           <a:prstGeom prst="line">
             <a:avLst/>
@@ -4809,7 +5032,7 @@
         </p:spPr>
         <p:txBody>
           <a:bodyPr vert="horz" lIns="91440" tIns="45720" rIns="91440" bIns="45720" anchor="ctr">
-            <a:normAutofit lnSpcReduction="10000"/>
+            <a:normAutofit fontScale="77500" lnSpcReduction="20000"/>
           </a:bodyPr>
           <a:lstStyle/>
           <a:p>
@@ -4827,7 +5050,7 @@
               <a:defRPr/>
             </a:pPr>
             <a:r>
-              <a:rPr kumimoji="0" lang="ko-KR" altLang="en-US" sz="1500" b="0" i="0" u="none" strike="noStrike" kern="1200" cap="none" spc="0" normalizeH="0" baseline="0">
+              <a:rPr kumimoji="0" lang="ko-KR" altLang="en-US" sz="1500" b="0" i="0" u="none" strike="noStrike" kern="1200" cap="none" spc="0" normalizeH="0" baseline="0" dirty="0">
                 <a:solidFill>
                   <a:srgbClr val="000000"/>
                 </a:solidFill>
@@ -4837,7 +5060,7 @@
               </a:rPr>
               <a:t>대검</a:t>
             </a:r>
-            <a:endParaRPr kumimoji="0" lang="ko-KR" altLang="en-US" sz="1500" b="0" i="0" u="none" strike="noStrike" kern="1200" cap="none" spc="0" normalizeH="0" baseline="0">
+            <a:endParaRPr kumimoji="0" lang="en-US" altLang="ko-KR" sz="1500" b="0" i="0" u="none" strike="noStrike" kern="1200" cap="none" spc="0" normalizeH="0" baseline="0" dirty="0">
               <a:solidFill>
                 <a:srgbClr val="000000"/>
               </a:solidFill>
@@ -4861,7 +5084,63 @@
               <a:defRPr/>
             </a:pPr>
             <a:r>
-              <a:rPr lang="ko-KR" altLang="en-US" sz="1500">
+              <a:rPr lang="ko-KR" altLang="en-US" sz="1500" dirty="0">
+                <a:solidFill>
+                  <a:srgbClr val="000000"/>
+                </a:solidFill>
+                <a:latin typeface="Calibri"/>
+                <a:ea typeface="맑은 고딕"/>
+                <a:cs typeface="Calibri"/>
+              </a:rPr>
+              <a:t>변수 </a:t>
+            </a:r>
+            <a:r>
+              <a:rPr lang="en-US" altLang="ko-KR" sz="1500" dirty="0">
+                <a:solidFill>
+                  <a:srgbClr val="000000"/>
+                </a:solidFill>
+                <a:latin typeface="Calibri"/>
+                <a:ea typeface="맑은 고딕"/>
+                <a:cs typeface="Calibri"/>
+              </a:rPr>
+              <a:t>: sword</a:t>
+            </a:r>
+            <a:r>
+              <a:rPr lang="ko-KR" altLang="en-US" sz="1500" dirty="0">
+                <a:solidFill>
+                  <a:srgbClr val="000000"/>
+                </a:solidFill>
+                <a:latin typeface="Calibri"/>
+                <a:ea typeface="맑은 고딕"/>
+                <a:cs typeface="Calibri"/>
+              </a:rPr>
+              <a:t> </a:t>
+            </a:r>
+            <a:endParaRPr kumimoji="0" lang="ko-KR" altLang="en-US" sz="1500" b="0" i="0" u="none" strike="noStrike" kern="1200" cap="none" spc="0" normalizeH="0" baseline="0" dirty="0">
+              <a:solidFill>
+                <a:srgbClr val="000000"/>
+              </a:solidFill>
+              <a:latin typeface="Calibri"/>
+              <a:ea typeface="맑은 고딕"/>
+              <a:cs typeface="Calibri"/>
+            </a:endParaRPr>
+          </a:p>
+          <a:p>
+            <a:pPr marL="0" lvl="0" indent="0" algn="ctr" defTabSz="914400" rtl="0" eaLnBrk="1" latinLnBrk="1" hangingPunct="1">
+              <a:lnSpc>
+                <a:spcPct val="100000"/>
+              </a:lnSpc>
+              <a:spcBef>
+                <a:spcPct val="0"/>
+              </a:spcBef>
+              <a:spcAft>
+                <a:spcPts val="0"/>
+              </a:spcAft>
+              <a:buNone/>
+              <a:defRPr/>
+            </a:pPr>
+            <a:r>
+              <a:rPr lang="ko-KR" altLang="en-US" sz="1500" dirty="0">
                 <a:solidFill>
                   <a:srgbClr val="000000"/>
                 </a:solidFill>
@@ -4872,17 +5151,28 @@
               <a:t>메서드 </a:t>
             </a:r>
             <a:r>
-              <a:rPr lang="en-US" altLang="ko-KR" sz="1500">
-                <a:solidFill>
-                  <a:srgbClr val="000000"/>
-                </a:solidFill>
-                <a:latin typeface="Calibri"/>
-                <a:ea typeface="맑은 고딕"/>
-                <a:cs typeface="Calibri"/>
-              </a:rPr>
-              <a:t>:PowerSlash</a:t>
-            </a:r>
-            <a:endParaRPr kumimoji="0" lang="ko-KR" altLang="en-US" sz="1500" b="0" i="0" u="none" strike="noStrike" kern="1200" cap="none" spc="0" normalizeH="0" baseline="0">
+              <a:rPr lang="en-US" altLang="ko-KR" sz="1500" dirty="0">
+                <a:solidFill>
+                  <a:srgbClr val="000000"/>
+                </a:solidFill>
+                <a:latin typeface="Calibri"/>
+                <a:ea typeface="맑은 고딕"/>
+                <a:cs typeface="Calibri"/>
+              </a:rPr>
+              <a:t>:</a:t>
+            </a:r>
+            <a:r>
+              <a:rPr lang="en-US" altLang="ko-KR" sz="1500" dirty="0" err="1">
+                <a:solidFill>
+                  <a:srgbClr val="000000"/>
+                </a:solidFill>
+                <a:latin typeface="Calibri"/>
+                <a:ea typeface="맑은 고딕"/>
+                <a:cs typeface="Calibri"/>
+              </a:rPr>
+              <a:t>PowerSlash</a:t>
+            </a:r>
+            <a:endParaRPr kumimoji="0" lang="ko-KR" altLang="en-US" sz="1500" b="0" i="0" u="none" strike="noStrike" kern="1200" cap="none" spc="0" normalizeH="0" baseline="0" dirty="0">
               <a:solidFill>
                 <a:srgbClr val="000000"/>
               </a:solidFill>
@@ -4919,7 +5209,7 @@
         </p:spPr>
         <p:txBody>
           <a:bodyPr vert="horz" lIns="91440" tIns="45720" rIns="91440" bIns="45720" anchor="ctr">
-            <a:normAutofit fontScale="92500" lnSpcReduction="20000"/>
+            <a:normAutofit fontScale="77500" lnSpcReduction="20000"/>
           </a:bodyPr>
           <a:lstStyle/>
           <a:p>
@@ -4937,7 +5227,7 @@
               <a:defRPr/>
             </a:pPr>
             <a:r>
-              <a:rPr kumimoji="0" lang="ko-KR" altLang="en-US" sz="1500" b="0" i="0" u="none" strike="noStrike" kern="1200" cap="none" spc="0" normalizeH="0" baseline="0">
+              <a:rPr kumimoji="0" lang="ko-KR" altLang="en-US" sz="1500" b="0" i="0" u="none" strike="noStrike" kern="1200" cap="none" spc="0" normalizeH="0" baseline="0" dirty="0" err="1">
                 <a:solidFill>
                   <a:srgbClr val="000000"/>
                 </a:solidFill>
@@ -4947,7 +5237,7 @@
               </a:rPr>
               <a:t>소검</a:t>
             </a:r>
-            <a:endParaRPr kumimoji="0" lang="ko-KR" altLang="en-US" sz="1500" b="0" i="0" u="none" strike="noStrike" kern="1200" cap="none" spc="0" normalizeH="0" baseline="0">
+            <a:endParaRPr kumimoji="0" lang="en-US" altLang="ko-KR" sz="1500" b="0" i="0" u="none" strike="noStrike" kern="1200" cap="none" spc="0" normalizeH="0" baseline="0" dirty="0">
               <a:solidFill>
                 <a:srgbClr val="000000"/>
               </a:solidFill>
@@ -4971,7 +5261,52 @@
               <a:defRPr/>
             </a:pPr>
             <a:r>
-              <a:rPr kumimoji="0" lang="ko-KR" altLang="en-US" sz="1500" b="0" i="0" u="none" strike="noStrike" kern="1200" cap="none" spc="0" normalizeH="0" baseline="0">
+              <a:rPr lang="ko-KR" altLang="en-US" sz="1500" dirty="0">
+                <a:solidFill>
+                  <a:srgbClr val="000000"/>
+                </a:solidFill>
+                <a:latin typeface="Calibri"/>
+                <a:ea typeface="맑은 고딕"/>
+                <a:cs typeface="Calibri"/>
+              </a:rPr>
+              <a:t>변수 </a:t>
+            </a:r>
+            <a:r>
+              <a:rPr lang="en-US" altLang="ko-KR" sz="1500" dirty="0">
+                <a:solidFill>
+                  <a:srgbClr val="000000"/>
+                </a:solidFill>
+                <a:latin typeface="Calibri"/>
+                <a:ea typeface="맑은 고딕"/>
+                <a:cs typeface="Calibri"/>
+              </a:rPr>
+              <a:t>: blade</a:t>
+            </a:r>
+            <a:endParaRPr kumimoji="0" lang="ko-KR" altLang="en-US" sz="1500" b="0" i="0" u="none" strike="noStrike" kern="1200" cap="none" spc="0" normalizeH="0" baseline="0" dirty="0">
+              <a:solidFill>
+                <a:srgbClr val="000000"/>
+              </a:solidFill>
+              <a:latin typeface="Calibri"/>
+              <a:ea typeface="맑은 고딕"/>
+              <a:cs typeface="Calibri"/>
+            </a:endParaRPr>
+          </a:p>
+          <a:p>
+            <a:pPr marL="0" lvl="0" indent="0" algn="ctr" defTabSz="914400" rtl="0" eaLnBrk="1" latinLnBrk="1" hangingPunct="1">
+              <a:lnSpc>
+                <a:spcPct val="100000"/>
+              </a:lnSpc>
+              <a:spcBef>
+                <a:spcPct val="0"/>
+              </a:spcBef>
+              <a:spcAft>
+                <a:spcPts val="0"/>
+              </a:spcAft>
+              <a:buNone/>
+              <a:defRPr/>
+            </a:pPr>
+            <a:r>
+              <a:rPr kumimoji="0" lang="ko-KR" altLang="en-US" sz="1500" b="0" i="0" u="none" strike="noStrike" kern="1200" cap="none" spc="0" normalizeH="0" baseline="0" dirty="0">
                 <a:solidFill>
                   <a:srgbClr val="000000"/>
                 </a:solidFill>
@@ -4982,7 +5317,7 @@
               <a:t>메서드 </a:t>
             </a:r>
             <a:r>
-              <a:rPr kumimoji="0" lang="en-US" altLang="ko-KR" sz="1500" b="0" i="0" u="none" strike="noStrike" kern="1200" cap="none" spc="0" normalizeH="0" baseline="0">
+              <a:rPr kumimoji="0" lang="en-US" altLang="ko-KR" sz="1500" b="0" i="0" u="none" strike="noStrike" kern="1200" cap="none" spc="0" normalizeH="0" baseline="0" dirty="0">
                 <a:solidFill>
                   <a:srgbClr val="000000"/>
                 </a:solidFill>
@@ -4992,7 +5327,7 @@
               </a:rPr>
               <a:t>: Wave</a:t>
             </a:r>
-            <a:endParaRPr kumimoji="0" lang="ko-KR" altLang="en-US" sz="1500" b="0" i="0" u="none" strike="noStrike" kern="1200" cap="none" spc="0" normalizeH="0" baseline="0">
+            <a:endParaRPr kumimoji="0" lang="ko-KR" altLang="en-US" sz="1500" b="0" i="0" u="none" strike="noStrike" kern="1200" cap="none" spc="0" normalizeH="0" baseline="0" dirty="0">
               <a:solidFill>
                 <a:srgbClr val="000000"/>
               </a:solidFill>
@@ -5029,7 +5364,7 @@
         </p:spPr>
         <p:txBody>
           <a:bodyPr vert="horz" lIns="91440" tIns="45720" rIns="91440" bIns="45720" anchor="ctr">
-            <a:normAutofit fontScale="92500" lnSpcReduction="10000"/>
+            <a:normAutofit fontScale="70000" lnSpcReduction="20000"/>
           </a:bodyPr>
           <a:lstStyle/>
           <a:p>
@@ -5047,7 +5382,7 @@
               <a:defRPr/>
             </a:pPr>
             <a:r>
-              <a:rPr kumimoji="0" lang="ko-KR" altLang="en-US" sz="1500" b="0" i="0" u="none" strike="noStrike" kern="1200" cap="none" spc="0" normalizeH="0" baseline="0">
+              <a:rPr kumimoji="0" lang="ko-KR" altLang="en-US" sz="1500" b="0" i="0" u="none" strike="noStrike" kern="1200" cap="none" spc="0" normalizeH="0" baseline="0" dirty="0">
                 <a:solidFill>
                   <a:srgbClr val="000000"/>
                 </a:solidFill>
@@ -5057,7 +5392,7 @@
               </a:rPr>
               <a:t>둔기</a:t>
             </a:r>
-            <a:endParaRPr kumimoji="0" lang="ko-KR" altLang="en-US" sz="1500" b="0" i="0" u="none" strike="noStrike" kern="1200" cap="none" spc="0" normalizeH="0" baseline="0">
+            <a:endParaRPr kumimoji="0" lang="en-US" altLang="ko-KR" sz="1500" b="0" i="0" u="none" strike="noStrike" kern="1200" cap="none" spc="0" normalizeH="0" baseline="0" dirty="0">
               <a:solidFill>
                 <a:srgbClr val="000000"/>
               </a:solidFill>
@@ -5081,18 +5416,18 @@
               <a:defRPr/>
             </a:pPr>
             <a:r>
-              <a:rPr kumimoji="0" lang="ko-KR" altLang="en-US" sz="1500" b="0" i="0" u="none" strike="noStrike" kern="1200" cap="none" spc="0" normalizeH="0" baseline="0">
-                <a:solidFill>
-                  <a:srgbClr val="000000"/>
-                </a:solidFill>
-                <a:latin typeface="Calibri"/>
-                <a:ea typeface="맑은 고딕"/>
-                <a:cs typeface="Calibri"/>
-              </a:rPr>
-              <a:t>메서드 </a:t>
-            </a:r>
-            <a:r>
-              <a:rPr kumimoji="0" lang="en-US" altLang="ko-KR" sz="1500" b="0" i="0" u="none" strike="noStrike" kern="1200" cap="none" spc="0" normalizeH="0" baseline="0">
+              <a:rPr lang="ko-KR" altLang="en-US" sz="1500" dirty="0">
+                <a:solidFill>
+                  <a:srgbClr val="000000"/>
+                </a:solidFill>
+                <a:latin typeface="Calibri"/>
+                <a:ea typeface="맑은 고딕"/>
+                <a:cs typeface="Calibri"/>
+              </a:rPr>
+              <a:t>변수</a:t>
+            </a:r>
+            <a:r>
+              <a:rPr lang="en-US" altLang="ko-KR" sz="1500" dirty="0">
                 <a:solidFill>
                   <a:srgbClr val="000000"/>
                 </a:solidFill>
@@ -5102,14 +5437,6 @@
               </a:rPr>
               <a:t>:</a:t>
             </a:r>
-            <a:endParaRPr kumimoji="0" lang="en-US" altLang="ko-KR" sz="1500" b="0" i="0" u="none" strike="noStrike" kern="1200" cap="none" spc="0" normalizeH="0" baseline="0">
-              <a:solidFill>
-                <a:srgbClr val="000000"/>
-              </a:solidFill>
-              <a:latin typeface="Calibri"/>
-              <a:ea typeface="맑은 고딕"/>
-              <a:cs typeface="Calibri"/>
-            </a:endParaRPr>
           </a:p>
           <a:p>
             <a:pPr marL="0" lvl="0" indent="0" algn="ctr" defTabSz="914400" rtl="0" eaLnBrk="1" latinLnBrk="1" hangingPunct="1">
@@ -5126,17 +5453,17 @@
               <a:defRPr/>
             </a:pPr>
             <a:r>
-              <a:rPr kumimoji="0" lang="en-US" altLang="ko-KR" sz="1500" b="0" i="0" u="none" strike="noStrike" kern="1200" cap="none" spc="0" normalizeH="0" baseline="0">
-                <a:solidFill>
-                  <a:srgbClr val="000000"/>
-                </a:solidFill>
-                <a:latin typeface="Calibri"/>
-                <a:ea typeface="맑은 고딕"/>
-                <a:cs typeface="Calibri"/>
-              </a:rPr>
-              <a:t>HeadHit</a:t>
-            </a:r>
-            <a:endParaRPr kumimoji="0" lang="ko-KR" altLang="en-US" sz="1500" b="0" i="0" u="none" strike="noStrike" kern="1200" cap="none" spc="0" normalizeH="0" baseline="0">
+              <a:rPr lang="en-US" altLang="ko-KR" sz="1500" dirty="0">
+                <a:solidFill>
+                  <a:srgbClr val="000000"/>
+                </a:solidFill>
+                <a:latin typeface="Calibri"/>
+                <a:ea typeface="맑은 고딕"/>
+                <a:cs typeface="Calibri"/>
+              </a:rPr>
+              <a:t>blunt</a:t>
+            </a:r>
+            <a:endParaRPr kumimoji="0" lang="ko-KR" altLang="en-US" sz="1500" b="0" i="0" u="none" strike="noStrike" kern="1200" cap="none" spc="0" normalizeH="0" baseline="0" dirty="0">
               <a:solidFill>
                 <a:srgbClr val="000000"/>
               </a:solidFill>
@@ -5145,12 +5472,84 @@
               <a:cs typeface="Calibri"/>
             </a:endParaRPr>
           </a:p>
+          <a:p>
+            <a:pPr marL="0" lvl="0" indent="0" algn="ctr" defTabSz="914400" rtl="0" eaLnBrk="1" latinLnBrk="1" hangingPunct="1">
+              <a:lnSpc>
+                <a:spcPct val="100000"/>
+              </a:lnSpc>
+              <a:spcBef>
+                <a:spcPct val="0"/>
+              </a:spcBef>
+              <a:spcAft>
+                <a:spcPts val="0"/>
+              </a:spcAft>
+              <a:buNone/>
+              <a:defRPr/>
+            </a:pPr>
+            <a:r>
+              <a:rPr kumimoji="0" lang="ko-KR" altLang="en-US" sz="1500" b="0" i="0" u="none" strike="noStrike" kern="1200" cap="none" spc="0" normalizeH="0" baseline="0" dirty="0">
+                <a:solidFill>
+                  <a:srgbClr val="000000"/>
+                </a:solidFill>
+                <a:latin typeface="Calibri"/>
+                <a:ea typeface="맑은 고딕"/>
+                <a:cs typeface="Calibri"/>
+              </a:rPr>
+              <a:t>메서드 </a:t>
+            </a:r>
+            <a:r>
+              <a:rPr kumimoji="0" lang="en-US" altLang="ko-KR" sz="1500" b="0" i="0" u="none" strike="noStrike" kern="1200" cap="none" spc="0" normalizeH="0" baseline="0" dirty="0">
+                <a:solidFill>
+                  <a:srgbClr val="000000"/>
+                </a:solidFill>
+                <a:latin typeface="Calibri"/>
+                <a:ea typeface="맑은 고딕"/>
+                <a:cs typeface="Calibri"/>
+              </a:rPr>
+              <a:t>:</a:t>
+            </a:r>
+          </a:p>
+          <a:p>
+            <a:pPr marL="0" lvl="0" indent="0" algn="ctr" defTabSz="914400" rtl="0" eaLnBrk="1" latinLnBrk="1" hangingPunct="1">
+              <a:lnSpc>
+                <a:spcPct val="100000"/>
+              </a:lnSpc>
+              <a:spcBef>
+                <a:spcPct val="0"/>
+              </a:spcBef>
+              <a:spcAft>
+                <a:spcPts val="0"/>
+              </a:spcAft>
+              <a:buNone/>
+              <a:defRPr/>
+            </a:pPr>
+            <a:r>
+              <a:rPr kumimoji="0" lang="en-US" altLang="ko-KR" sz="1500" b="0" i="0" u="none" strike="noStrike" kern="1200" cap="none" spc="0" normalizeH="0" baseline="0" dirty="0" err="1">
+                <a:solidFill>
+                  <a:srgbClr val="000000"/>
+                </a:solidFill>
+                <a:latin typeface="Calibri"/>
+                <a:ea typeface="맑은 고딕"/>
+                <a:cs typeface="Calibri"/>
+              </a:rPr>
+              <a:t>HeadHit</a:t>
+            </a:r>
+            <a:endParaRPr kumimoji="0" lang="ko-KR" altLang="en-US" sz="1500" b="0" i="0" u="none" strike="noStrike" kern="1200" cap="none" spc="0" normalizeH="0" baseline="0" dirty="0">
+              <a:solidFill>
+                <a:srgbClr val="000000"/>
+              </a:solidFill>
+              <a:latin typeface="Calibri"/>
+              <a:ea typeface="맑은 고딕"/>
+              <a:cs typeface="Calibri"/>
+            </a:endParaRPr>
+          </a:p>
         </p:txBody>
       </p:sp>
       <p:cxnSp>
         <p:nvCxnSpPr>
           <p:cNvPr id="44" name="선 43"/>
           <p:cNvCxnSpPr>
+            <a:cxnSpLocks/>
             <a:stCxn id="21" idx="2"/>
             <a:endCxn id="41" idx="0"/>
           </p:cNvCxnSpPr>
@@ -5184,6 +5583,7 @@
         <p:nvCxnSpPr>
           <p:cNvPr id="45" name="선 44"/>
           <p:cNvCxnSpPr>
+            <a:cxnSpLocks/>
             <a:stCxn id="21" idx="2"/>
             <a:endCxn id="42" idx="0"/>
           </p:cNvCxnSpPr>
@@ -5217,6 +5617,7 @@
         <p:nvCxnSpPr>
           <p:cNvPr id="46" name="선 45"/>
           <p:cNvCxnSpPr>
+            <a:cxnSpLocks/>
             <a:stCxn id="21" idx="2"/>
             <a:endCxn id="43" idx="0"/>
           </p:cNvCxnSpPr>
@@ -5256,8 +5657,8 @@
         </p:nvSpPr>
         <p:spPr>
           <a:xfrm>
-            <a:off x="3454173" y="3718231"/>
-            <a:ext cx="579520" cy="1110394"/>
+            <a:off x="3334786" y="3718231"/>
+            <a:ext cx="698907" cy="1110394"/>
           </a:xfrm>
           <a:prstGeom prst="rect">
             <a:avLst/>
@@ -5272,7 +5673,7 @@
         </p:spPr>
         <p:txBody>
           <a:bodyPr vert="horz" lIns="91440" tIns="45720" rIns="91440" bIns="45720" anchor="ctr">
-            <a:normAutofit fontScale="92500" lnSpcReduction="10000"/>
+            <a:noAutofit/>
           </a:bodyPr>
           <a:lstStyle/>
           <a:p>
@@ -5290,7 +5691,7 @@
               <a:defRPr/>
             </a:pPr>
             <a:r>
-              <a:rPr kumimoji="0" lang="ko-KR" altLang="en-US" sz="1500" b="0" i="0" u="none" strike="noStrike" kern="1200" cap="none" spc="0" normalizeH="0" baseline="0">
+              <a:rPr kumimoji="0" lang="ko-KR" altLang="en-US" sz="1200" b="0" i="0" u="none" strike="noStrike" kern="1200" cap="none" spc="0" normalizeH="0" baseline="0" dirty="0">
                 <a:solidFill>
                   <a:srgbClr val="000000"/>
                 </a:solidFill>
@@ -5300,7 +5701,7 @@
               </a:rPr>
               <a:t>활</a:t>
             </a:r>
-            <a:endParaRPr kumimoji="0" lang="ko-KR" altLang="en-US" sz="1500" b="0" i="0" u="none" strike="noStrike" kern="1200" cap="none" spc="0" normalizeH="0" baseline="0">
+            <a:endParaRPr kumimoji="0" lang="en-US" altLang="ko-KR" sz="1200" b="0" i="0" u="none" strike="noStrike" kern="1200" cap="none" spc="0" normalizeH="0" baseline="0" dirty="0">
               <a:solidFill>
                 <a:srgbClr val="000000"/>
               </a:solidFill>
@@ -5324,28 +5725,28 @@
               <a:defRPr/>
             </a:pPr>
             <a:r>
-              <a:rPr kumimoji="0" lang="ko-KR" altLang="en-US" sz="1500" b="0" i="0" u="none" strike="noStrike" kern="1200" cap="none" spc="0" normalizeH="0" baseline="0">
-                <a:solidFill>
-                  <a:srgbClr val="000000"/>
-                </a:solidFill>
-                <a:latin typeface="Calibri"/>
-                <a:ea typeface="맑은 고딕"/>
-                <a:cs typeface="Calibri"/>
-              </a:rPr>
-              <a:t>메서드 </a:t>
-            </a:r>
-            <a:r>
-              <a:rPr kumimoji="0" lang="en-US" altLang="ko-KR" sz="1500" b="0" i="0" u="none" strike="noStrike" kern="1200" cap="none" spc="0" normalizeH="0" baseline="0">
-                <a:solidFill>
-                  <a:srgbClr val="000000"/>
-                </a:solidFill>
-                <a:latin typeface="Calibri"/>
-                <a:ea typeface="맑은 고딕"/>
-                <a:cs typeface="Calibri"/>
-              </a:rPr>
-              <a:t>:</a:t>
-            </a:r>
-            <a:endParaRPr kumimoji="0" lang="en-US" altLang="ko-KR" sz="1500" b="0" i="0" u="none" strike="noStrike" kern="1200" cap="none" spc="0" normalizeH="0" baseline="0">
+              <a:rPr lang="ko-KR" altLang="en-US" sz="1200" dirty="0">
+                <a:solidFill>
+                  <a:srgbClr val="000000"/>
+                </a:solidFill>
+                <a:latin typeface="Calibri"/>
+                <a:ea typeface="맑은 고딕"/>
+                <a:cs typeface="Calibri"/>
+              </a:rPr>
+              <a:t>변수</a:t>
+            </a:r>
+            <a:r>
+              <a:rPr lang="en-US" altLang="ko-KR" sz="1200" dirty="0">
+                <a:solidFill>
+                  <a:srgbClr val="000000"/>
+                </a:solidFill>
+                <a:latin typeface="Calibri"/>
+                <a:ea typeface="맑은 고딕"/>
+                <a:cs typeface="Calibri"/>
+              </a:rPr>
+              <a:t>:bow</a:t>
+            </a:r>
+            <a:endParaRPr kumimoji="0" lang="ko-KR" altLang="en-US" sz="1200" b="0" i="0" u="none" strike="noStrike" kern="1200" cap="none" spc="0" normalizeH="0" baseline="0" dirty="0">
               <a:solidFill>
                 <a:srgbClr val="000000"/>
               </a:solidFill>
@@ -5369,7 +5770,44 @@
               <a:defRPr/>
             </a:pPr>
             <a:r>
-              <a:rPr lang="en-US" altLang="ko-KR" sz="1500">
+              <a:rPr kumimoji="0" lang="ko-KR" altLang="en-US" sz="1200" b="0" i="0" u="none" strike="noStrike" kern="1200" cap="none" spc="0" normalizeH="0" baseline="0" dirty="0">
+                <a:solidFill>
+                  <a:srgbClr val="000000"/>
+                </a:solidFill>
+                <a:latin typeface="Calibri"/>
+                <a:ea typeface="맑은 고딕"/>
+                <a:cs typeface="Calibri"/>
+              </a:rPr>
+              <a:t>메서드 </a:t>
+            </a:r>
+            <a:r>
+              <a:rPr kumimoji="0" lang="en-US" altLang="ko-KR" sz="1200" b="0" i="0" u="none" strike="noStrike" kern="1200" cap="none" spc="0" normalizeH="0" baseline="0" dirty="0">
+                <a:solidFill>
+                  <a:srgbClr val="000000"/>
+                </a:solidFill>
+                <a:latin typeface="Calibri"/>
+                <a:ea typeface="맑은 고딕"/>
+                <a:cs typeface="Calibri"/>
+              </a:rPr>
+              <a:t>:</a:t>
+            </a:r>
+          </a:p>
+          <a:p>
+            <a:pPr marL="0" lvl="0" indent="0" algn="ctr" defTabSz="914400" rtl="0" eaLnBrk="1" latinLnBrk="1" hangingPunct="1">
+              <a:lnSpc>
+                <a:spcPct val="100000"/>
+              </a:lnSpc>
+              <a:spcBef>
+                <a:spcPct val="0"/>
+              </a:spcBef>
+              <a:spcAft>
+                <a:spcPts val="0"/>
+              </a:spcAft>
+              <a:buNone/>
+              <a:defRPr/>
+            </a:pPr>
+            <a:r>
+              <a:rPr lang="en-US" altLang="ko-KR" sz="1200" dirty="0" err="1">
                 <a:solidFill>
                   <a:srgbClr val="000000"/>
                 </a:solidFill>
@@ -5379,7 +5817,7 @@
               </a:rPr>
               <a:t>HeadShot</a:t>
             </a:r>
-            <a:endParaRPr kumimoji="0" lang="ko-KR" altLang="en-US" sz="1500" b="0" i="0" u="none" strike="noStrike" kern="1200" cap="none" spc="0" normalizeH="0" baseline="0">
+            <a:endParaRPr kumimoji="0" lang="ko-KR" altLang="en-US" sz="1200" b="0" i="0" u="none" strike="noStrike" kern="1200" cap="none" spc="0" normalizeH="0" baseline="0" dirty="0">
               <a:solidFill>
                 <a:srgbClr val="000000"/>
               </a:solidFill>
@@ -5416,7 +5854,7 @@
         </p:spPr>
         <p:txBody>
           <a:bodyPr vert="horz" lIns="91440" tIns="45720" rIns="91440" bIns="45720" anchor="ctr">
-            <a:normAutofit fontScale="92500"/>
+            <a:normAutofit fontScale="85000" lnSpcReduction="10000"/>
           </a:bodyPr>
           <a:lstStyle/>
           <a:p>
@@ -5434,7 +5872,7 @@
               <a:defRPr/>
             </a:pPr>
             <a:r>
-              <a:rPr kumimoji="0" lang="ko-KR" altLang="en-US" sz="1400" b="0" i="0" u="none" strike="noStrike" kern="1200" cap="none" spc="0" normalizeH="0" baseline="0">
+              <a:rPr kumimoji="0" lang="ko-KR" altLang="en-US" sz="1400" b="0" i="0" u="none" strike="noStrike" kern="1200" cap="none" spc="0" normalizeH="0" baseline="0" dirty="0">
                 <a:solidFill>
                   <a:srgbClr val="000000"/>
                 </a:solidFill>
@@ -5444,7 +5882,7 @@
               </a:rPr>
               <a:t>석 궁</a:t>
             </a:r>
-            <a:endParaRPr kumimoji="0" lang="ko-KR" altLang="en-US" sz="1400" b="0" i="0" u="none" strike="noStrike" kern="1200" cap="none" spc="0" normalizeH="0" baseline="0">
+            <a:endParaRPr kumimoji="0" lang="en-US" altLang="ko-KR" sz="1400" b="0" i="0" u="none" strike="noStrike" kern="1200" cap="none" spc="0" normalizeH="0" baseline="0" dirty="0">
               <a:solidFill>
                 <a:srgbClr val="000000"/>
               </a:solidFill>
@@ -5468,28 +5906,28 @@
               <a:defRPr/>
             </a:pPr>
             <a:r>
-              <a:rPr kumimoji="0" lang="ko-KR" altLang="en-US" sz="1400" b="0" i="0" u="none" strike="noStrike" kern="1200" cap="none" spc="0" normalizeH="0" baseline="0">
-                <a:solidFill>
-                  <a:srgbClr val="000000"/>
-                </a:solidFill>
-                <a:latin typeface="Calibri"/>
-                <a:ea typeface="맑은 고딕"/>
-                <a:cs typeface="Calibri"/>
-              </a:rPr>
-              <a:t>메서드 </a:t>
-            </a:r>
-            <a:r>
-              <a:rPr kumimoji="0" lang="en-US" altLang="ko-KR" sz="1400" b="0" i="0" u="none" strike="noStrike" kern="1200" cap="none" spc="0" normalizeH="0" baseline="0">
-                <a:solidFill>
-                  <a:srgbClr val="000000"/>
-                </a:solidFill>
-                <a:latin typeface="Calibri"/>
-                <a:ea typeface="맑은 고딕"/>
-                <a:cs typeface="Calibri"/>
-              </a:rPr>
-              <a:t>:</a:t>
-            </a:r>
-            <a:endParaRPr kumimoji="0" lang="en-US" altLang="ko-KR" sz="1400" b="0" i="0" u="none" strike="noStrike" kern="1200" cap="none" spc="0" normalizeH="0" baseline="0">
+              <a:rPr lang="ko-KR" altLang="en-US" sz="1400" dirty="0">
+                <a:solidFill>
+                  <a:srgbClr val="000000"/>
+                </a:solidFill>
+                <a:latin typeface="Calibri"/>
+                <a:ea typeface="맑은 고딕"/>
+                <a:cs typeface="Calibri"/>
+              </a:rPr>
+              <a:t>변수 </a:t>
+            </a:r>
+            <a:r>
+              <a:rPr lang="en-US" altLang="ko-KR" sz="1400" dirty="0">
+                <a:solidFill>
+                  <a:srgbClr val="000000"/>
+                </a:solidFill>
+                <a:latin typeface="Calibri"/>
+                <a:ea typeface="맑은 고딕"/>
+                <a:cs typeface="Calibri"/>
+              </a:rPr>
+              <a:t>: cross</a:t>
+            </a:r>
+            <a:endParaRPr kumimoji="0" lang="ko-KR" altLang="en-US" sz="1400" b="0" i="0" u="none" strike="noStrike" kern="1200" cap="none" spc="0" normalizeH="0" baseline="0" dirty="0">
               <a:solidFill>
                 <a:srgbClr val="000000"/>
               </a:solidFill>
@@ -5513,24 +5951,27 @@
               <a:defRPr/>
             </a:pPr>
             <a:r>
-              <a:rPr kumimoji="0" lang="en-US" altLang="ko-KR" sz="1400" b="0" i="0" u="none" strike="noStrike" kern="1200" cap="none" spc="0" normalizeH="0" baseline="0">
-                <a:solidFill>
-                  <a:srgbClr val="000000"/>
-                </a:solidFill>
-                <a:latin typeface="Calibri"/>
-                <a:ea typeface="맑은 고딕"/>
-                <a:cs typeface="Calibri"/>
-              </a:rPr>
-              <a:t>FireShot</a:t>
-            </a:r>
-            <a:endParaRPr kumimoji="0" lang="en-US" altLang="ko-KR" sz="1400" b="0" i="0" u="none" strike="noStrike" kern="1200" cap="none" spc="0" normalizeH="0" baseline="0">
-              <a:solidFill>
-                <a:srgbClr val="000000"/>
-              </a:solidFill>
-              <a:latin typeface="Calibri"/>
-              <a:ea typeface="맑은 고딕"/>
-              <a:cs typeface="Calibri"/>
-            </a:endParaRPr>
+              <a:rPr kumimoji="0" lang="ko-KR" altLang="en-US" sz="1400" b="0" i="0" u="none" strike="noStrike" kern="1200" cap="none" spc="0" normalizeH="0" baseline="0" dirty="0">
+                <a:solidFill>
+                  <a:srgbClr val="000000"/>
+                </a:solidFill>
+                <a:latin typeface="Calibri"/>
+                <a:ea typeface="맑은 고딕"/>
+                <a:cs typeface="Calibri"/>
+              </a:rPr>
+              <a:t>메서드 </a:t>
+            </a:r>
+            <a:r>
+              <a:rPr kumimoji="0" lang="en-US" altLang="ko-KR" sz="1400" b="0" i="0" u="none" strike="noStrike" kern="1200" cap="none" spc="0" normalizeH="0" baseline="0" dirty="0">
+                <a:solidFill>
+                  <a:srgbClr val="000000"/>
+                </a:solidFill>
+                <a:latin typeface="Calibri"/>
+                <a:ea typeface="맑은 고딕"/>
+                <a:cs typeface="Calibri"/>
+              </a:rPr>
+              <a:t>:</a:t>
+            </a:r>
           </a:p>
           <a:p>
             <a:pPr marL="0" lvl="0" indent="0" algn="ctr" defTabSz="914400" rtl="0" eaLnBrk="1" latinLnBrk="1" hangingPunct="1">
@@ -5546,7 +5987,18 @@
               <a:buNone/>
               <a:defRPr/>
             </a:pPr>
-            <a:endParaRPr kumimoji="0" lang="ko-KR" altLang="en-US" sz="1500" b="0" i="0" u="none" strike="noStrike" kern="1200" cap="none" spc="0" normalizeH="0" baseline="0">
+            <a:r>
+              <a:rPr kumimoji="0" lang="en-US" altLang="ko-KR" sz="1400" b="0" i="0" u="none" strike="noStrike" kern="1200" cap="none" spc="0" normalizeH="0" baseline="0" dirty="0" err="1">
+                <a:solidFill>
+                  <a:srgbClr val="000000"/>
+                </a:solidFill>
+                <a:latin typeface="Calibri"/>
+                <a:ea typeface="맑은 고딕"/>
+                <a:cs typeface="Calibri"/>
+              </a:rPr>
+              <a:t>FireShot</a:t>
+            </a:r>
+            <a:endParaRPr kumimoji="0" lang="en-US" altLang="ko-KR" sz="1400" b="0" i="0" u="none" strike="noStrike" kern="1200" cap="none" spc="0" normalizeH="0" baseline="0" dirty="0">
               <a:solidFill>
                 <a:srgbClr val="000000"/>
               </a:solidFill>
@@ -5555,12 +6007,36 @@
               <a:cs typeface="Calibri"/>
             </a:endParaRPr>
           </a:p>
+          <a:p>
+            <a:pPr marL="0" lvl="0" indent="0" algn="ctr" defTabSz="914400" rtl="0" eaLnBrk="1" latinLnBrk="1" hangingPunct="1">
+              <a:lnSpc>
+                <a:spcPct val="100000"/>
+              </a:lnSpc>
+              <a:spcBef>
+                <a:spcPct val="0"/>
+              </a:spcBef>
+              <a:spcAft>
+                <a:spcPts val="0"/>
+              </a:spcAft>
+              <a:buNone/>
+              <a:defRPr/>
+            </a:pPr>
+            <a:endParaRPr kumimoji="0" lang="ko-KR" altLang="en-US" sz="1500" b="0" i="0" u="none" strike="noStrike" kern="1200" cap="none" spc="0" normalizeH="0" baseline="0" dirty="0">
+              <a:solidFill>
+                <a:srgbClr val="000000"/>
+              </a:solidFill>
+              <a:latin typeface="Calibri"/>
+              <a:ea typeface="맑은 고딕"/>
+              <a:cs typeface="Calibri"/>
+            </a:endParaRPr>
+          </a:p>
         </p:txBody>
       </p:sp>
       <p:cxnSp>
         <p:nvCxnSpPr>
           <p:cNvPr id="49" name="선 48"/>
           <p:cNvCxnSpPr>
+            <a:cxnSpLocks/>
             <a:stCxn id="22" idx="2"/>
             <a:endCxn id="48" idx="0"/>
           </p:cNvCxnSpPr>
@@ -5594,6 +6070,7 @@
         <p:nvCxnSpPr>
           <p:cNvPr id="50" name="선 49"/>
           <p:cNvCxnSpPr>
+            <a:cxnSpLocks/>
             <a:stCxn id="22" idx="2"/>
             <a:endCxn id="47" idx="0"/>
           </p:cNvCxnSpPr>
@@ -5602,7 +6079,7 @@
         <p:spPr>
           <a:xfrm>
             <a:off x="2711309" y="3351596"/>
-            <a:ext cx="1032624" cy="366635"/>
+            <a:ext cx="972931" cy="366635"/>
           </a:xfrm>
           <a:prstGeom prst="line">
             <a:avLst/>
@@ -5649,7 +6126,7 @@
         </p:spPr>
         <p:txBody>
           <a:bodyPr vert="horz" lIns="91440" tIns="45720" rIns="91440" bIns="45720" anchor="ctr">
-            <a:normAutofit fontScale="92500" lnSpcReduction="20000"/>
+            <a:normAutofit fontScale="70000" lnSpcReduction="20000"/>
           </a:bodyPr>
           <a:lstStyle/>
           <a:p>
@@ -5667,7 +6144,7 @@
               <a:defRPr/>
             </a:pPr>
             <a:r>
-              <a:rPr kumimoji="0" lang="ko-KR" altLang="en-US" sz="1500" b="0" i="0" u="none" strike="noStrike" kern="1200" cap="none" spc="0" normalizeH="0" baseline="0">
+              <a:rPr kumimoji="0" lang="ko-KR" altLang="en-US" sz="1500" b="0" i="0" u="none" strike="noStrike" kern="1200" cap="none" spc="0" normalizeH="0" baseline="0" dirty="0" err="1">
                 <a:solidFill>
                   <a:srgbClr val="000000"/>
                 </a:solidFill>
@@ -5677,7 +6154,7 @@
               </a:rPr>
               <a:t>완드</a:t>
             </a:r>
-            <a:endParaRPr kumimoji="0" lang="ko-KR" altLang="en-US" sz="1500" b="0" i="0" u="none" strike="noStrike" kern="1200" cap="none" spc="0" normalizeH="0" baseline="0">
+            <a:endParaRPr kumimoji="0" lang="en-US" altLang="ko-KR" sz="1500" b="0" i="0" u="none" strike="noStrike" kern="1200" cap="none" spc="0" normalizeH="0" baseline="0" dirty="0">
               <a:solidFill>
                 <a:srgbClr val="000000"/>
               </a:solidFill>
@@ -5701,28 +6178,28 @@
               <a:defRPr/>
             </a:pPr>
             <a:r>
-              <a:rPr kumimoji="0" lang="ko-KR" altLang="en-US" sz="1500" b="0" i="0" u="none" strike="noStrike" kern="1200" cap="none" spc="0" normalizeH="0" baseline="0">
-                <a:solidFill>
-                  <a:srgbClr val="000000"/>
-                </a:solidFill>
-                <a:latin typeface="Calibri"/>
-                <a:ea typeface="맑은 고딕"/>
-                <a:cs typeface="Calibri"/>
-              </a:rPr>
-              <a:t>메서드 </a:t>
-            </a:r>
-            <a:r>
-              <a:rPr kumimoji="0" lang="en-US" altLang="ko-KR" sz="1500" b="0" i="0" u="none" strike="noStrike" kern="1200" cap="none" spc="0" normalizeH="0" baseline="0">
-                <a:solidFill>
-                  <a:srgbClr val="000000"/>
-                </a:solidFill>
-                <a:latin typeface="Calibri"/>
-                <a:ea typeface="맑은 고딕"/>
-                <a:cs typeface="Calibri"/>
-              </a:rPr>
-              <a:t>:MagicBolt</a:t>
-            </a:r>
-            <a:endParaRPr kumimoji="0" lang="ko-KR" altLang="en-US" sz="1500" b="0" i="0" u="none" strike="noStrike" kern="1200" cap="none" spc="0" normalizeH="0" baseline="0">
+              <a:rPr kumimoji="0" lang="ko-KR" altLang="en-US" sz="1500" b="0" i="0" u="none" strike="noStrike" kern="1200" cap="none" spc="0" normalizeH="0" baseline="0" dirty="0">
+                <a:solidFill>
+                  <a:srgbClr val="000000"/>
+                </a:solidFill>
+                <a:latin typeface="Calibri"/>
+                <a:ea typeface="맑은 고딕"/>
+                <a:cs typeface="Calibri"/>
+              </a:rPr>
+              <a:t>변수 </a:t>
+            </a:r>
+            <a:r>
+              <a:rPr kumimoji="0" lang="en-US" altLang="ko-KR" sz="1500" b="0" i="0" u="none" strike="noStrike" kern="1200" cap="none" spc="0" normalizeH="0" baseline="0" dirty="0">
+                <a:solidFill>
+                  <a:srgbClr val="000000"/>
+                </a:solidFill>
+                <a:latin typeface="Calibri"/>
+                <a:ea typeface="맑은 고딕"/>
+                <a:cs typeface="Calibri"/>
+              </a:rPr>
+              <a:t>: wand</a:t>
+            </a:r>
+            <a:endParaRPr kumimoji="0" lang="ko-KR" altLang="en-US" sz="1500" b="0" i="0" u="none" strike="noStrike" kern="1200" cap="none" spc="0" normalizeH="0" baseline="0" dirty="0">
               <a:solidFill>
                 <a:srgbClr val="000000"/>
               </a:solidFill>
@@ -5731,6 +6208,62 @@
               <a:cs typeface="Calibri"/>
             </a:endParaRPr>
           </a:p>
+          <a:p>
+            <a:pPr marL="0" lvl="0" indent="0" algn="ctr" defTabSz="914400" rtl="0" eaLnBrk="1" latinLnBrk="1" hangingPunct="1">
+              <a:lnSpc>
+                <a:spcPct val="100000"/>
+              </a:lnSpc>
+              <a:spcBef>
+                <a:spcPct val="0"/>
+              </a:spcBef>
+              <a:spcAft>
+                <a:spcPts val="0"/>
+              </a:spcAft>
+              <a:buNone/>
+              <a:defRPr/>
+            </a:pPr>
+            <a:r>
+              <a:rPr kumimoji="0" lang="ko-KR" altLang="en-US" sz="1500" b="0" i="0" u="none" strike="noStrike" kern="1200" cap="none" spc="0" normalizeH="0" baseline="0" dirty="0">
+                <a:solidFill>
+                  <a:srgbClr val="000000"/>
+                </a:solidFill>
+                <a:latin typeface="Calibri"/>
+                <a:ea typeface="맑은 고딕"/>
+                <a:cs typeface="Calibri"/>
+              </a:rPr>
+              <a:t>메서드 </a:t>
+            </a:r>
+            <a:r>
+              <a:rPr kumimoji="0" lang="en-US" altLang="ko-KR" sz="1500" b="0" i="0" u="none" strike="noStrike" kern="1200" cap="none" spc="0" normalizeH="0" baseline="0" dirty="0">
+                <a:solidFill>
+                  <a:srgbClr val="000000"/>
+                </a:solidFill>
+                <a:latin typeface="Calibri"/>
+                <a:ea typeface="맑은 고딕"/>
+                <a:cs typeface="Calibri"/>
+              </a:rPr>
+              <a:t>:</a:t>
+            </a:r>
+            <a:r>
+              <a:rPr kumimoji="0" lang="en-US" altLang="ko-KR" sz="1500" b="0" i="0" u="none" strike="noStrike" kern="1200" cap="none" spc="0" normalizeH="0" baseline="0" dirty="0" err="1">
+                <a:solidFill>
+                  <a:srgbClr val="000000"/>
+                </a:solidFill>
+                <a:latin typeface="Calibri"/>
+                <a:ea typeface="맑은 고딕"/>
+                <a:cs typeface="Calibri"/>
+              </a:rPr>
+              <a:t>MagicBolt</a:t>
+            </a:r>
+            <a:endParaRPr kumimoji="0" lang="ko-KR" altLang="en-US" sz="1500" b="0" i="0" u="none" strike="noStrike" kern="1200" cap="none" spc="0" normalizeH="0" baseline="0" dirty="0">
+              <a:solidFill>
+                <a:srgbClr val="000000"/>
+              </a:solidFill>
+              <a:latin typeface="Calibri"/>
+              <a:ea typeface="맑은 고딕"/>
+              <a:cs typeface="Calibri"/>
+            </a:endParaRPr>
+          </a:p>
         </p:txBody>
       </p:sp>
       <p:sp>
@@ -5743,8 +6276,8 @@
         </p:nvSpPr>
         <p:spPr>
           <a:xfrm>
-            <a:off x="4765050" y="3626876"/>
-            <a:ext cx="579520" cy="1122626"/>
+            <a:off x="4802306" y="3650757"/>
+            <a:ext cx="909009" cy="1098745"/>
           </a:xfrm>
           <a:prstGeom prst="rect">
             <a:avLst/>
@@ -5759,7 +6292,7 @@
         </p:spPr>
         <p:txBody>
           <a:bodyPr vert="horz" lIns="91440" tIns="45720" rIns="91440" bIns="45720" anchor="ctr">
-            <a:normAutofit fontScale="77500" lnSpcReduction="20000"/>
+            <a:noAutofit/>
           </a:bodyPr>
           <a:lstStyle/>
           <a:p>
@@ -5777,7 +6310,7 @@
               <a:defRPr/>
             </a:pPr>
             <a:r>
-              <a:rPr kumimoji="0" lang="ko-KR" altLang="en-US" sz="1500" b="0" i="0" u="none" strike="noStrike" kern="1200" cap="none" spc="0" normalizeH="0" baseline="0">
+              <a:rPr kumimoji="0" lang="ko-KR" altLang="en-US" sz="1200" b="0" i="0" u="none" strike="noStrike" kern="1200" cap="none" spc="0" normalizeH="0" baseline="0" dirty="0">
                 <a:solidFill>
                   <a:srgbClr val="000000"/>
                 </a:solidFill>
@@ -5787,7 +6320,7 @@
               </a:rPr>
               <a:t>빗자루</a:t>
             </a:r>
-            <a:endParaRPr kumimoji="0" lang="ko-KR" altLang="en-US" sz="1500" b="0" i="0" u="none" strike="noStrike" kern="1200" cap="none" spc="0" normalizeH="0" baseline="0">
+            <a:endParaRPr kumimoji="0" lang="en-US" altLang="ko-KR" sz="1200" b="0" i="0" u="none" strike="noStrike" kern="1200" cap="none" spc="0" normalizeH="0" baseline="0" dirty="0">
               <a:solidFill>
                 <a:srgbClr val="000000"/>
               </a:solidFill>
@@ -5811,28 +6344,28 @@
               <a:defRPr/>
             </a:pPr>
             <a:r>
-              <a:rPr kumimoji="0" lang="ko-KR" altLang="en-US" sz="1500" b="0" i="0" u="none" strike="noStrike" kern="1200" cap="none" spc="0" normalizeH="0" baseline="0">
-                <a:solidFill>
-                  <a:srgbClr val="000000"/>
-                </a:solidFill>
-                <a:latin typeface="Calibri"/>
-                <a:ea typeface="맑은 고딕"/>
-                <a:cs typeface="Calibri"/>
-              </a:rPr>
-              <a:t>메서드 </a:t>
-            </a:r>
-            <a:r>
-              <a:rPr kumimoji="0" lang="en-US" altLang="ko-KR" sz="1500" b="0" i="0" u="none" strike="noStrike" kern="1200" cap="none" spc="0" normalizeH="0" baseline="0">
-                <a:solidFill>
-                  <a:srgbClr val="000000"/>
-                </a:solidFill>
-                <a:latin typeface="Calibri"/>
-                <a:ea typeface="맑은 고딕"/>
-                <a:cs typeface="Calibri"/>
-              </a:rPr>
-              <a:t>:</a:t>
-            </a:r>
-            <a:endParaRPr kumimoji="0" lang="en-US" altLang="ko-KR" sz="1500" b="0" i="0" u="none" strike="noStrike" kern="1200" cap="none" spc="0" normalizeH="0" baseline="0">
+              <a:rPr kumimoji="0" lang="ko-KR" altLang="en-US" sz="1200" b="0" i="0" u="none" strike="noStrike" kern="1200" cap="none" spc="0" normalizeH="0" baseline="0" dirty="0">
+                <a:solidFill>
+                  <a:srgbClr val="000000"/>
+                </a:solidFill>
+                <a:latin typeface="Calibri"/>
+                <a:ea typeface="맑은 고딕"/>
+                <a:cs typeface="Calibri"/>
+              </a:rPr>
+              <a:t>변수 </a:t>
+            </a:r>
+            <a:r>
+              <a:rPr kumimoji="0" lang="en-US" altLang="ko-KR" sz="1200" b="0" i="0" u="none" strike="noStrike" kern="1200" cap="none" spc="0" normalizeH="0" baseline="0" dirty="0">
+                <a:solidFill>
+                  <a:srgbClr val="000000"/>
+                </a:solidFill>
+                <a:latin typeface="Calibri"/>
+                <a:ea typeface="맑은 고딕"/>
+                <a:cs typeface="Calibri"/>
+              </a:rPr>
+              <a:t>: broom</a:t>
+            </a:r>
+            <a:endParaRPr kumimoji="0" lang="ko-KR" altLang="en-US" sz="1200" b="0" i="0" u="none" strike="noStrike" kern="1200" cap="none" spc="0" normalizeH="0" baseline="0" dirty="0">
               <a:solidFill>
                 <a:srgbClr val="000000"/>
               </a:solidFill>
@@ -5856,7 +6389,44 @@
               <a:defRPr/>
             </a:pPr>
             <a:r>
-              <a:rPr kumimoji="0" lang="en-US" altLang="ko-KR" sz="1500" b="0" i="0" u="none" strike="noStrike" kern="1200" cap="none" spc="0" normalizeH="0" baseline="0">
+              <a:rPr kumimoji="0" lang="ko-KR" altLang="en-US" sz="1200" b="0" i="0" u="none" strike="noStrike" kern="1200" cap="none" spc="0" normalizeH="0" baseline="0" dirty="0">
+                <a:solidFill>
+                  <a:srgbClr val="000000"/>
+                </a:solidFill>
+                <a:latin typeface="Calibri"/>
+                <a:ea typeface="맑은 고딕"/>
+                <a:cs typeface="Calibri"/>
+              </a:rPr>
+              <a:t>메서드 </a:t>
+            </a:r>
+            <a:r>
+              <a:rPr kumimoji="0" lang="en-US" altLang="ko-KR" sz="1200" b="0" i="0" u="none" strike="noStrike" kern="1200" cap="none" spc="0" normalizeH="0" baseline="0" dirty="0">
+                <a:solidFill>
+                  <a:srgbClr val="000000"/>
+                </a:solidFill>
+                <a:latin typeface="Calibri"/>
+                <a:ea typeface="맑은 고딕"/>
+                <a:cs typeface="Calibri"/>
+              </a:rPr>
+              <a:t>:</a:t>
+            </a:r>
+          </a:p>
+          <a:p>
+            <a:pPr marL="0" lvl="0" indent="0" algn="ctr" defTabSz="914400" rtl="0" eaLnBrk="1" latinLnBrk="1" hangingPunct="1">
+              <a:lnSpc>
+                <a:spcPct val="100000"/>
+              </a:lnSpc>
+              <a:spcBef>
+                <a:spcPct val="0"/>
+              </a:spcBef>
+              <a:spcAft>
+                <a:spcPts val="0"/>
+              </a:spcAft>
+              <a:buNone/>
+              <a:defRPr/>
+            </a:pPr>
+            <a:r>
+              <a:rPr kumimoji="0" lang="en-US" altLang="ko-KR" sz="1200" b="0" i="0" u="none" strike="noStrike" kern="1200" cap="none" spc="0" normalizeH="0" baseline="0" dirty="0">
                 <a:solidFill>
                   <a:srgbClr val="000000"/>
                 </a:solidFill>
@@ -5866,7 +6436,7 @@
               </a:rPr>
               <a:t>Apocalypse</a:t>
             </a:r>
-            <a:endParaRPr kumimoji="0" lang="ko-KR" altLang="en-US" sz="1500" b="0" i="0" u="none" strike="noStrike" kern="1200" cap="none" spc="0" normalizeH="0" baseline="0">
+            <a:endParaRPr kumimoji="0" lang="ko-KR" altLang="en-US" sz="1200" b="0" i="0" u="none" strike="noStrike" kern="1200" cap="none" spc="0" normalizeH="0" baseline="0" dirty="0">
               <a:solidFill>
                 <a:srgbClr val="000000"/>
               </a:solidFill>
@@ -5881,6 +6451,7 @@
         <p:nvCxnSpPr>
           <p:cNvPr id="53" name="선 52"/>
           <p:cNvCxnSpPr>
+            <a:cxnSpLocks/>
             <a:stCxn id="23" idx="2"/>
             <a:endCxn id="51" idx="0"/>
           </p:cNvCxnSpPr>
@@ -5914,6 +6485,7 @@
         <p:nvCxnSpPr>
           <p:cNvPr id="54" name="선 53"/>
           <p:cNvCxnSpPr>
+            <a:cxnSpLocks/>
             <a:stCxn id="23" idx="2"/>
             <a:endCxn id="52" idx="0"/>
           </p:cNvCxnSpPr>
@@ -5922,7 +6494,7 @@
         <p:spPr>
           <a:xfrm>
             <a:off x="4082586" y="3239574"/>
-            <a:ext cx="972224" cy="387302"/>
+            <a:ext cx="1174225" cy="411183"/>
           </a:xfrm>
           <a:prstGeom prst="line">
             <a:avLst/>
@@ -5997,14 +6569,6 @@
               </a:rPr>
               <a:t>상급</a:t>
             </a:r>
-            <a:endParaRPr kumimoji="0" lang="ko-KR" altLang="en-US" sz="1500" b="0" i="0" u="none" strike="noStrike" kern="1200" cap="none" spc="0" normalizeH="0" baseline="0">
-              <a:solidFill>
-                <a:srgbClr val="000000"/>
-              </a:solidFill>
-              <a:latin typeface="Calibri"/>
-              <a:ea typeface="맑은 고딕"/>
-              <a:cs typeface="Calibri"/>
-            </a:endParaRPr>
           </a:p>
         </p:txBody>
       </p:sp>
@@ -6062,14 +6626,6 @@
               </a:rPr>
               <a:t>중급</a:t>
             </a:r>
-            <a:endParaRPr kumimoji="0" lang="ko-KR" altLang="en-US" sz="1500" b="0" i="0" u="none" strike="noStrike" kern="1200" cap="none" spc="0" normalizeH="0" baseline="0">
-              <a:solidFill>
-                <a:srgbClr val="000000"/>
-              </a:solidFill>
-              <a:latin typeface="Calibri"/>
-              <a:ea typeface="맑은 고딕"/>
-              <a:cs typeface="Calibri"/>
-            </a:endParaRPr>
           </a:p>
         </p:txBody>
       </p:sp>
@@ -6127,14 +6683,6 @@
               </a:rPr>
               <a:t>하급</a:t>
             </a:r>
-            <a:endParaRPr kumimoji="0" lang="ko-KR" altLang="en-US" sz="1500" b="0" i="0" u="none" strike="noStrike" kern="1200" cap="none" spc="0" normalizeH="0" baseline="0">
-              <a:solidFill>
-                <a:srgbClr val="000000"/>
-              </a:solidFill>
-              <a:latin typeface="Calibri"/>
-              <a:ea typeface="맑은 고딕"/>
-              <a:cs typeface="Calibri"/>
-            </a:endParaRPr>
           </a:p>
         </p:txBody>
       </p:sp>
@@ -6149,8 +6697,8 @@
         </p:nvCxnSpPr>
         <p:spPr>
           <a:xfrm flipH="1">
-            <a:off x="6948448" y="3647052"/>
-            <a:ext cx="486999" cy="979367"/>
+            <a:off x="6948448" y="3503229"/>
+            <a:ext cx="397224" cy="1123190"/>
           </a:xfrm>
           <a:prstGeom prst="line">
             <a:avLst/>
@@ -6182,8 +6730,8 @@
         </p:nvCxnSpPr>
         <p:spPr>
           <a:xfrm>
-            <a:off x="7435447" y="3647052"/>
-            <a:ext cx="791956" cy="876754"/>
+            <a:off x="7345672" y="3503229"/>
+            <a:ext cx="881731" cy="1020577"/>
           </a:xfrm>
           <a:prstGeom prst="line">
             <a:avLst/>
@@ -6258,14 +6806,6 @@
               </a:rPr>
               <a:t>인터페이스</a:t>
             </a:r>
-            <a:endParaRPr lang="ko-KR" altLang="en-US" sz="1500">
-              <a:solidFill>
-                <a:srgbClr val="000000"/>
-              </a:solidFill>
-              <a:latin typeface="Calibri"/>
-              <a:ea typeface="맑은 고딕"/>
-              <a:cs typeface="Calibri"/>
-            </a:endParaRPr>
           </a:p>
           <a:p>
             <a:pPr marL="0" lvl="0" indent="0" algn="ctr" defTabSz="914400" rtl="0" eaLnBrk="1" latinLnBrk="1" hangingPunct="1">
@@ -6292,14 +6832,6 @@
               </a:rPr>
               <a:t>공격</a:t>
             </a:r>
-            <a:endParaRPr lang="ko-KR" altLang="en-US" sz="1500">
-              <a:solidFill>
-                <a:srgbClr val="000000"/>
-              </a:solidFill>
-              <a:latin typeface="Calibri"/>
-              <a:ea typeface="맑은 고딕"/>
-              <a:cs typeface="Calibri"/>
-            </a:endParaRPr>
           </a:p>
           <a:p>
             <a:pPr marL="0" lvl="0" indent="0" algn="ctr" defTabSz="914400" rtl="0" eaLnBrk="1" latinLnBrk="1" hangingPunct="1">
@@ -6363,15 +6895,16 @@
         <p:nvCxnSpPr>
           <p:cNvPr id="7" name="직선 연결선 6"/>
           <p:cNvCxnSpPr>
+            <a:cxnSpLocks/>
             <a:stCxn id="10" idx="2"/>
             <a:endCxn id="5" idx="0"/>
           </p:cNvCxnSpPr>
           <p:nvPr/>
         </p:nvCxnSpPr>
         <p:spPr>
-          <a:xfrm rot="5400000">
-            <a:off x="1308726" y="3691266"/>
-            <a:ext cx="2887701" cy="132424"/>
+          <a:xfrm>
+            <a:off x="2551628" y="2313627"/>
+            <a:ext cx="134737" cy="2887702"/>
           </a:xfrm>
           <a:prstGeom prst="line">
             <a:avLst/>
@@ -6403,8 +6936,8 @@
         </p:nvCxnSpPr>
         <p:spPr>
           <a:xfrm flipH="1">
-            <a:off x="2686365" y="3442975"/>
-            <a:ext cx="4514467" cy="1758354"/>
+            <a:off x="2686365" y="3299152"/>
+            <a:ext cx="4424692" cy="1902177"/>
           </a:xfrm>
           <a:prstGeom prst="line">
             <a:avLst/>
@@ -6469,8 +7002,8 @@
         </p:nvCxnSpPr>
         <p:spPr>
           <a:xfrm>
-            <a:off x="7435447" y="3647052"/>
-            <a:ext cx="137684" cy="998378"/>
+            <a:off x="7345672" y="3503229"/>
+            <a:ext cx="227459" cy="1142201"/>
           </a:xfrm>
           <a:prstGeom prst="line">
             <a:avLst/>
@@ -6545,14 +7078,6 @@
               </a:rPr>
               <a:t>봉류</a:t>
             </a:r>
-            <a:endParaRPr kumimoji="0" lang="ko-KR" altLang="en-US" sz="1500" b="0" i="0" u="none" strike="noStrike" kern="1200" cap="none" spc="0" normalizeH="0" baseline="0">
-              <a:solidFill>
-                <a:srgbClr val="000000"/>
-              </a:solidFill>
-              <a:latin typeface="Calibri"/>
-              <a:ea typeface="맑은 고딕"/>
-              <a:cs typeface="Calibri"/>
-            </a:endParaRPr>
           </a:p>
         </p:txBody>
       </p:sp>
@@ -6566,7 +7091,7 @@
         </p:nvSpPr>
         <p:spPr>
           <a:xfrm>
-            <a:off x="8163880" y="5479771"/>
+            <a:off x="8039873" y="5320309"/>
             <a:ext cx="579520" cy="408154"/>
           </a:xfrm>
           <a:prstGeom prst="rect">
@@ -6600,7 +7125,7 @@
               <a:defRPr/>
             </a:pPr>
             <a:r>
-              <a:rPr kumimoji="0" lang="ko-KR" altLang="en-US" sz="1500" b="0" i="0" u="none" strike="noStrike" kern="1200" cap="none" spc="0" normalizeH="0" baseline="0">
+              <a:rPr kumimoji="0" lang="ko-KR" altLang="en-US" sz="1500" b="0" i="0" u="none" strike="noStrike" kern="1200" cap="none" spc="0" normalizeH="0" baseline="0" dirty="0">
                 <a:solidFill>
                   <a:srgbClr val="000000"/>
                 </a:solidFill>
@@ -6610,14 +7135,6 @@
               </a:rPr>
               <a:t>검류</a:t>
             </a:r>
-            <a:endParaRPr kumimoji="0" lang="ko-KR" altLang="en-US" sz="1500" b="0" i="0" u="none" strike="noStrike" kern="1200" cap="none" spc="0" normalizeH="0" baseline="0">
-              <a:solidFill>
-                <a:srgbClr val="000000"/>
-              </a:solidFill>
-              <a:latin typeface="Calibri"/>
-              <a:ea typeface="맑은 고딕"/>
-              <a:cs typeface="Calibri"/>
-            </a:endParaRPr>
           </a:p>
         </p:txBody>
       </p:sp>
@@ -6675,14 +7192,6 @@
               </a:rPr>
               <a:t>활류</a:t>
             </a:r>
-            <a:endParaRPr kumimoji="0" lang="ko-KR" altLang="en-US" sz="1500" b="0" i="0" u="none" strike="noStrike" kern="1200" cap="none" spc="0" normalizeH="0" baseline="0">
-              <a:solidFill>
-                <a:srgbClr val="000000"/>
-              </a:solidFill>
-              <a:latin typeface="Calibri"/>
-              <a:ea typeface="맑은 고딕"/>
-              <a:cs typeface="Calibri"/>
-            </a:endParaRPr>
           </a:p>
         </p:txBody>
       </p:sp>
@@ -6697,8 +7206,8 @@
         </p:nvCxnSpPr>
         <p:spPr>
           <a:xfrm flipH="1">
-            <a:off x="8453640" y="3429000"/>
-            <a:ext cx="394084" cy="2050771"/>
+            <a:off x="8329633" y="3429000"/>
+            <a:ext cx="518091" cy="1891309"/>
           </a:xfrm>
           <a:prstGeom prst="line">
             <a:avLst/>
@@ -6795,7 +7304,7 @@
         </p:nvSpPr>
         <p:spPr>
           <a:xfrm>
-            <a:off x="4544494" y="5084097"/>
+            <a:off x="4655873" y="5097484"/>
             <a:ext cx="923166" cy="478989"/>
           </a:xfrm>
           <a:prstGeom prst="rect">
@@ -6904,14 +7413,6 @@
               </a:rPr>
               <a:t>보스</a:t>
             </a:r>
-            <a:endParaRPr lang="ko-KR" altLang="en-US" sz="1200">
-              <a:solidFill>
-                <a:srgbClr val="000000"/>
-              </a:solidFill>
-              <a:latin typeface="Calibri"/>
-              <a:ea typeface="맑은 고딕"/>
-              <a:cs typeface="Calibri"/>
-            </a:endParaRPr>
           </a:p>
           <a:p>
             <a:pPr marL="0" lvl="0" indent="0" algn="ctr" defTabSz="914400" rtl="0" eaLnBrk="1" latinLnBrk="1" hangingPunct="1">
@@ -6949,14 +7450,6 @@
               </a:rPr>
               <a:t>: SkillBoss</a:t>
             </a:r>
-            <a:endParaRPr lang="en-US" altLang="ko-KR" sz="1200">
-              <a:solidFill>
-                <a:srgbClr val="000000"/>
-              </a:solidFill>
-              <a:latin typeface="Calibri"/>
-              <a:ea typeface="맑은 고딕"/>
-              <a:cs typeface="Calibri"/>
-            </a:endParaRPr>
           </a:p>
         </p:txBody>
       </p:sp>
@@ -6971,8 +7464,8 @@
         </p:nvCxnSpPr>
         <p:spPr>
           <a:xfrm flipH="1">
-            <a:off x="5006077" y="2445759"/>
-            <a:ext cx="842922" cy="2638338"/>
+            <a:off x="5117456" y="2445759"/>
+            <a:ext cx="731543" cy="2651725"/>
           </a:xfrm>
           <a:prstGeom prst="line">
             <a:avLst/>
@@ -7025,16 +7518,205 @@
           </a:fontRef>
         </p:style>
       </p:cxnSp>
+      <p:sp>
+        <p:nvSpPr>
+          <p:cNvPr id="68" name="제목 1">
+            <a:extLst>
+              <a:ext uri="{FF2B5EF4-FFF2-40B4-BE49-F238E27FC236}">
+                <a16:creationId xmlns:a16="http://schemas.microsoft.com/office/drawing/2014/main" id="{4CC414A4-230C-05D3-5B26-EAA84B521EE5}"/>
+              </a:ext>
+            </a:extLst>
+          </p:cNvPr>
+          <p:cNvSpPr>
+            <a:spLocks noGrp="1"/>
+          </p:cNvSpPr>
+          <p:nvPr/>
+        </p:nvSpPr>
+        <p:spPr>
+          <a:xfrm>
+            <a:off x="8619393" y="5972323"/>
+            <a:ext cx="579520" cy="408154"/>
+          </a:xfrm>
+          <a:prstGeom prst="rect">
+            <a:avLst/>
+          </a:prstGeom>
+          <a:ln>
+            <a:solidFill>
+              <a:srgbClr val="000000">
+                <a:alpha val="100000"/>
+              </a:srgbClr>
+            </a:solidFill>
+          </a:ln>
+        </p:spPr>
+        <p:txBody>
+          <a:bodyPr vert="horz" lIns="91440" tIns="45720" rIns="91440" bIns="45720" anchor="ctr">
+            <a:normAutofit/>
+          </a:bodyPr>
+          <a:lstStyle/>
+          <a:p>
+            <a:pPr marL="0" lvl="0" indent="0" algn="ctr" defTabSz="914400" rtl="0" eaLnBrk="1" latinLnBrk="1" hangingPunct="1">
+              <a:lnSpc>
+                <a:spcPct val="100000"/>
+              </a:lnSpc>
+              <a:spcBef>
+                <a:spcPct val="0"/>
+              </a:spcBef>
+              <a:spcAft>
+                <a:spcPts val="0"/>
+              </a:spcAft>
+              <a:buNone/>
+              <a:defRPr/>
+            </a:pPr>
+            <a:r>
+              <a:rPr kumimoji="0" lang="ko-KR" altLang="en-US" sz="1500" b="0" i="0" u="none" strike="noStrike" kern="1200" cap="none" spc="0" normalizeH="0" baseline="0" dirty="0">
+                <a:solidFill>
+                  <a:srgbClr val="000000"/>
+                </a:solidFill>
+                <a:latin typeface="Calibri"/>
+                <a:ea typeface="맑은 고딕"/>
+                <a:cs typeface="Calibri"/>
+              </a:rPr>
+              <a:t>검류</a:t>
+            </a:r>
+          </a:p>
+        </p:txBody>
+      </p:sp>
+      <p:sp>
+        <p:nvSpPr>
+          <p:cNvPr id="69" name="제목 1">
+            <a:extLst>
+              <a:ext uri="{FF2B5EF4-FFF2-40B4-BE49-F238E27FC236}">
+                <a16:creationId xmlns:a16="http://schemas.microsoft.com/office/drawing/2014/main" id="{B977AB7B-7594-D748-640C-8AA917723309}"/>
+              </a:ext>
+            </a:extLst>
+          </p:cNvPr>
+          <p:cNvSpPr>
+            <a:spLocks noGrp="1"/>
+          </p:cNvSpPr>
+          <p:nvPr/>
+        </p:nvSpPr>
+        <p:spPr>
+          <a:xfrm>
+            <a:off x="7938704" y="5981586"/>
+            <a:ext cx="579520" cy="408154"/>
+          </a:xfrm>
+          <a:prstGeom prst="rect">
+            <a:avLst/>
+          </a:prstGeom>
+          <a:ln>
+            <a:solidFill>
+              <a:srgbClr val="000000">
+                <a:alpha val="100000"/>
+              </a:srgbClr>
+            </a:solidFill>
+          </a:ln>
+        </p:spPr>
+        <p:txBody>
+          <a:bodyPr vert="horz" lIns="91440" tIns="45720" rIns="91440" bIns="45720" anchor="ctr">
+            <a:normAutofit/>
+          </a:bodyPr>
+          <a:lstStyle/>
+          <a:p>
+            <a:pPr marL="0" lvl="0" indent="0" algn="ctr" defTabSz="914400" rtl="0" eaLnBrk="1" latinLnBrk="1" hangingPunct="1">
+              <a:lnSpc>
+                <a:spcPct val="100000"/>
+              </a:lnSpc>
+              <a:spcBef>
+                <a:spcPct val="0"/>
+              </a:spcBef>
+              <a:spcAft>
+                <a:spcPts val="0"/>
+              </a:spcAft>
+              <a:buNone/>
+              <a:defRPr/>
+            </a:pPr>
+            <a:r>
+              <a:rPr kumimoji="0" lang="ko-KR" altLang="en-US" sz="1500" b="0" i="0" u="none" strike="noStrike" kern="1200" cap="none" spc="0" normalizeH="0" baseline="0" dirty="0">
+                <a:solidFill>
+                  <a:srgbClr val="000000"/>
+                </a:solidFill>
+                <a:latin typeface="Calibri"/>
+                <a:ea typeface="맑은 고딕"/>
+                <a:cs typeface="Calibri"/>
+              </a:rPr>
+              <a:t>검류</a:t>
+            </a:r>
+          </a:p>
+        </p:txBody>
+      </p:sp>
+      <p:sp>
+        <p:nvSpPr>
+          <p:cNvPr id="70" name="제목 1">
+            <a:extLst>
+              <a:ext uri="{FF2B5EF4-FFF2-40B4-BE49-F238E27FC236}">
+                <a16:creationId xmlns:a16="http://schemas.microsoft.com/office/drawing/2014/main" id="{827DA291-9754-96D2-0527-EABE0DFAAB8A}"/>
+              </a:ext>
+            </a:extLst>
+          </p:cNvPr>
+          <p:cNvSpPr>
+            <a:spLocks noGrp="1"/>
+          </p:cNvSpPr>
+          <p:nvPr/>
+        </p:nvSpPr>
+        <p:spPr>
+          <a:xfrm>
+            <a:off x="7207017" y="5981586"/>
+            <a:ext cx="579520" cy="408154"/>
+          </a:xfrm>
+          <a:prstGeom prst="rect">
+            <a:avLst/>
+          </a:prstGeom>
+          <a:ln>
+            <a:solidFill>
+              <a:srgbClr val="000000">
+                <a:alpha val="100000"/>
+              </a:srgbClr>
+            </a:solidFill>
+          </a:ln>
+        </p:spPr>
+        <p:txBody>
+          <a:bodyPr vert="horz" lIns="91440" tIns="45720" rIns="91440" bIns="45720" anchor="ctr">
+            <a:normAutofit/>
+          </a:bodyPr>
+          <a:lstStyle/>
+          <a:p>
+            <a:pPr marL="0" lvl="0" indent="0" algn="ctr" defTabSz="914400" rtl="0" eaLnBrk="1" latinLnBrk="1" hangingPunct="1">
+              <a:lnSpc>
+                <a:spcPct val="100000"/>
+              </a:lnSpc>
+              <a:spcBef>
+                <a:spcPct val="0"/>
+              </a:spcBef>
+              <a:spcAft>
+                <a:spcPts val="0"/>
+              </a:spcAft>
+              <a:buNone/>
+              <a:defRPr/>
+            </a:pPr>
+            <a:r>
+              <a:rPr kumimoji="0" lang="ko-KR" altLang="en-US" sz="1500" b="0" i="0" u="none" strike="noStrike" kern="1200" cap="none" spc="0" normalizeH="0" baseline="0" dirty="0">
+                <a:solidFill>
+                  <a:srgbClr val="000000"/>
+                </a:solidFill>
+                <a:latin typeface="Calibri"/>
+                <a:ea typeface="맑은 고딕"/>
+                <a:cs typeface="Calibri"/>
+              </a:rPr>
+              <a:t>검류</a:t>
+            </a:r>
+          </a:p>
+        </p:txBody>
+      </p:sp>
     </p:spTree>
   </p:cSld>
   <p:clrMapOvr>
     <a:masterClrMapping/>
   </p:clrMapOvr>
-  <mc:AlternateContent xmlns:mc="http://schemas.openxmlformats.org/markup-compatibility/2006">
-    <mc:Choice xmlns:p14="http://schemas.microsoft.com/office/powerpoint/2010/main" Requires="p14">
-      <p:transition xmlns:mc="http://schemas.openxmlformats.org/markup-compatibility/2006" xmlns:p14="http://schemas.microsoft.com/office/powerpoint/2010/main" mc:Ignorable="p14" p14:dur="500"/>
+  <mc:AlternateContent xmlns:mc="http://schemas.openxmlformats.org/markup-compatibility/2006" xmlns:p14="http://schemas.microsoft.com/office/powerpoint/2010/main">
+    <mc:Choice Requires="p14">
+      <p:transition/>
     </mc:Choice>
-    <mc:Fallback>
+    <mc:Fallback xmlns:dsp="http://schemas.microsoft.com/office/drawing/2008/diagram" xmlns:dgm="http://schemas.openxmlformats.org/drawingml/2006/diagram" xmlns:c="http://schemas.openxmlformats.org/drawingml/2006/chart" xmlns="">
       <p:transition/>
     </mc:Fallback>
   </mc:AlternateContent>
@@ -7042,41 +7724,41 @@
 </file>
 
 <file path=ppt/theme/theme1.xml><?xml version="1.0" encoding="utf-8"?>
-<a:theme xmlns:r="http://schemas.openxmlformats.org/officeDocument/2006/relationships" xmlns:c="http://schemas.openxmlformats.org/drawingml/2006/chart" xmlns:dgm="http://schemas.openxmlformats.org/drawingml/2006/diagram" xmlns:dsp="http://schemas.microsoft.com/office/drawing/2008/diagram" xmlns:a="http://schemas.openxmlformats.org/drawingml/2006/main" xmlns:pic="http://schemas.openxmlformats.org/drawingml/2006/picture" xmlns:wp="http://schemas.openxmlformats.org/drawingml/2006/wordprocessingDrawing" xmlns:xdr="http://schemas.openxmlformats.org/drawingml/2006/spreadsheetDrawing" xmlns:lc="http://schemas.openxmlformats.org/drawingml/2006/lockedCanvas" xmlns:p="http://schemas.openxmlformats.org/presentationml/2006/main" name="한컴오피스">
+<a:theme xmlns:a="http://schemas.openxmlformats.org/drawingml/2006/main" name="한컴오피스">
   <a:themeElements>
     <a:clrScheme name="한컴오피스">
       <a:dk1>
         <a:sysClr val="windowText" lastClr="000000"/>
       </a:dk1>
       <a:lt1>
-        <a:sysClr val="window" lastClr="ffffff"/>
+        <a:sysClr val="window" lastClr="FFFFFF"/>
       </a:lt1>
       <a:dk2>
-        <a:srgbClr val="3a3c84"/>
+        <a:srgbClr val="3A3C84"/>
       </a:dk2>
       <a:lt2>
-        <a:srgbClr val="faf3db"/>
+        <a:srgbClr val="FAF3DB"/>
       </a:lt2>
       <a:accent1>
-        <a:srgbClr val="6182d6"/>
+        <a:srgbClr val="6182D6"/>
       </a:accent1>
       <a:accent2>
-        <a:srgbClr val="ff843a"/>
+        <a:srgbClr val="FF843A"/>
       </a:accent2>
       <a:accent3>
-        <a:srgbClr val="b2b2b2"/>
+        <a:srgbClr val="B2B2B2"/>
       </a:accent3>
       <a:accent4>
-        <a:srgbClr val="ffd700"/>
+        <a:srgbClr val="FFD700"/>
       </a:accent4>
       <a:accent5>
-        <a:srgbClr val="289b6e"/>
+        <a:srgbClr val="289B6E"/>
       </a:accent5>
       <a:accent6>
-        <a:srgbClr val="9d5cbb"/>
+        <a:srgbClr val="9D5CBB"/>
       </a:accent6>
       <a:hlink>
-        <a:srgbClr val="0000ff"/>
+        <a:srgbClr val="0000FF"/>
       </a:hlink>
       <a:folHlink>
         <a:srgbClr val="800080"/>
@@ -7305,5 +7987,7 @@
       </a:bgFillStyleLst>
     </a:fmtScheme>
   </a:themeElements>
+  <a:objectDefaults/>
+  <a:extraClrSchemeLst/>
 </a:theme>
 </file>